--- a/2018_12_16/客户智能分层需求说明.pptx
+++ b/2018_12_16/客户智能分层需求说明.pptx
@@ -5,18 +5,20 @@
     <p:sldMasterId id="2147483648" r:id="rId1"/>
   </p:sldMasterIdLst>
   <p:notesMasterIdLst>
-    <p:notesMasterId r:id="rId7"/>
+    <p:notesMasterId r:id="rId9"/>
   </p:notesMasterIdLst>
   <p:sldIdLst>
     <p:sldId id="447" r:id="rId3"/>
     <p:sldId id="448" r:id="rId4"/>
     <p:sldId id="446" r:id="rId5"/>
-    <p:sldId id="440" r:id="rId6"/>
-    <p:sldId id="441" r:id="rId8"/>
-    <p:sldId id="442" r:id="rId9"/>
-    <p:sldId id="443" r:id="rId10"/>
-    <p:sldId id="438" r:id="rId11"/>
-    <p:sldId id="439" r:id="rId12"/>
+    <p:sldId id="456" r:id="rId6"/>
+    <p:sldId id="457" r:id="rId7"/>
+    <p:sldId id="440" r:id="rId8"/>
+    <p:sldId id="441" r:id="rId10"/>
+    <p:sldId id="442" r:id="rId11"/>
+    <p:sldId id="443" r:id="rId12"/>
+    <p:sldId id="438" r:id="rId13"/>
+    <p:sldId id="439" r:id="rId14"/>
   </p:sldIdLst>
   <p:sldSz cx="9144000" cy="6858000" type="screen4x3"/>
   <p:notesSz cx="6858000" cy="9144000"/>
@@ -3543,6 +3545,10 @@
         <p:txBody>
           <a:bodyPr/>
           <a:p>
+            <a:r>
+              <a:rPr lang="zh-CN" altLang="en-US"/>
+              <a:t>外呼客户智能分层</a:t>
+            </a:r>
             <a:endParaRPr lang="zh-CN" altLang="en-US"/>
           </a:p>
         </p:txBody>
@@ -3560,6 +3566,27 @@
         <p:spPr/>
         <p:txBody>
           <a:bodyPr/>
+          <a:p>
+            <a:r>
+              <a:rPr lang="zh-CN" altLang="en-US"/>
+              <a:t>需求背景</a:t>
+            </a:r>
+            <a:endParaRPr lang="zh-CN" altLang="en-US"/>
+          </a:p>
+          <a:p>
+            <a:r>
+              <a:rPr lang="zh-CN" altLang="en-US"/>
+              <a:t>客户较多，但人工客服有限</a:t>
+            </a:r>
+            <a:endParaRPr lang="zh-CN" altLang="en-US"/>
+          </a:p>
+          <a:p>
+            <a:r>
+              <a:rPr lang="zh-CN" altLang="en-US"/>
+              <a:t>提升兴趣点的划分</a:t>
+            </a:r>
+            <a:endParaRPr lang="zh-CN" altLang="en-US"/>
+          </a:p>
           <a:p>
             <a:endParaRPr lang="zh-CN" altLang="en-US"/>
           </a:p>
@@ -3573,4438 +3600,7 @@
 </p:sld>
 </file>
 
-<file path=ppt/slides/slide2.xml><?xml version="1.0" encoding="utf-8"?>
-<p:sld xmlns:a="http://schemas.openxmlformats.org/drawingml/2006/main" xmlns:r="http://schemas.openxmlformats.org/officeDocument/2006/relationships" xmlns:p="http://schemas.openxmlformats.org/presentationml/2006/main">
-  <p:cSld>
-    <p:spTree>
-      <p:nvGrpSpPr>
-        <p:cNvPr id="1" name=""/>
-        <p:cNvGrpSpPr/>
-        <p:nvPr/>
-      </p:nvGrpSpPr>
-      <p:grpSpPr/>
-      <p:sp>
-        <p:nvSpPr>
-          <p:cNvPr id="2" name="标题 1"/>
-          <p:cNvSpPr>
-            <a:spLocks noGrp="1"/>
-          </p:cNvSpPr>
-          <p:nvPr>
-            <p:ph type="title"/>
-          </p:nvPr>
-        </p:nvSpPr>
-        <p:spPr/>
-        <p:txBody>
-          <a:bodyPr/>
-          <a:p>
-            <a:endParaRPr lang="zh-CN" altLang="en-US"/>
-          </a:p>
-        </p:txBody>
-      </p:sp>
-      <p:sp>
-        <p:nvSpPr>
-          <p:cNvPr id="3" name="内容占位符 2"/>
-          <p:cNvSpPr>
-            <a:spLocks noGrp="1"/>
-          </p:cNvSpPr>
-          <p:nvPr>
-            <p:ph idx="1"/>
-          </p:nvPr>
-        </p:nvSpPr>
-        <p:spPr/>
-        <p:txBody>
-          <a:bodyPr/>
-          <a:p>
-            <a:endParaRPr lang="zh-CN" altLang="en-US"/>
-          </a:p>
-        </p:txBody>
-      </p:sp>
-    </p:spTree>
-  </p:cSld>
-  <p:clrMapOvr>
-    <a:masterClrMapping/>
-  </p:clrMapOvr>
-</p:sld>
-</file>
-
-<file path=ppt/slides/slide3.xml><?xml version="1.0" encoding="utf-8"?>
-<p:sld xmlns:a="http://schemas.openxmlformats.org/drawingml/2006/main" xmlns:r="http://schemas.openxmlformats.org/officeDocument/2006/relationships" xmlns:p="http://schemas.openxmlformats.org/presentationml/2006/main">
-  <p:cSld>
-    <p:spTree>
-      <p:nvGrpSpPr>
-        <p:cNvPr id="1" name=""/>
-        <p:cNvGrpSpPr/>
-        <p:nvPr/>
-      </p:nvGrpSpPr>
-      <p:grpSpPr/>
-      <p:sp>
-        <p:nvSpPr>
-          <p:cNvPr id="2" name="标题 1"/>
-          <p:cNvSpPr>
-            <a:spLocks noGrp="1"/>
-          </p:cNvSpPr>
-          <p:nvPr>
-            <p:ph type="title"/>
-          </p:nvPr>
-        </p:nvSpPr>
-        <p:spPr/>
-        <p:txBody>
-          <a:bodyPr/>
-          <a:p>
-            <a:endParaRPr lang="zh-CN" altLang="en-US"/>
-          </a:p>
-        </p:txBody>
-      </p:sp>
-      <p:sp>
-        <p:nvSpPr>
-          <p:cNvPr id="3" name="内容占位符 2"/>
-          <p:cNvSpPr>
-            <a:spLocks noGrp="1"/>
-          </p:cNvSpPr>
-          <p:nvPr>
-            <p:ph idx="1"/>
-          </p:nvPr>
-        </p:nvSpPr>
-        <p:spPr/>
-        <p:txBody>
-          <a:bodyPr/>
-          <a:p>
-            <a:endParaRPr lang="zh-CN" altLang="en-US"/>
-          </a:p>
-        </p:txBody>
-      </p:sp>
-    </p:spTree>
-  </p:cSld>
-  <p:clrMapOvr>
-    <a:masterClrMapping/>
-  </p:clrMapOvr>
-</p:sld>
-</file>
-
-<file path=ppt/slides/slide4.xml><?xml version="1.0" encoding="utf-8"?>
-<p:sld xmlns:a="http://schemas.openxmlformats.org/drawingml/2006/main" xmlns:r="http://schemas.openxmlformats.org/officeDocument/2006/relationships" xmlns:p="http://schemas.openxmlformats.org/presentationml/2006/main">
-  <p:cSld>
-    <p:spTree>
-      <p:nvGrpSpPr>
-        <p:cNvPr id="1" name=""/>
-        <p:cNvGrpSpPr/>
-        <p:nvPr/>
-      </p:nvGrpSpPr>
-      <p:grpSpPr>
-        <a:xfrm>
-          <a:off x="0" y="0"/>
-          <a:ext cx="0" cy="0"/>
-          <a:chOff x="0" y="0"/>
-          <a:chExt cx="0" cy="0"/>
-        </a:xfrm>
-      </p:grpSpPr>
-      <p:sp>
-        <p:nvSpPr>
-          <p:cNvPr id="5" name="TextBox 4"/>
-          <p:cNvSpPr txBox="1"/>
-          <p:nvPr/>
-        </p:nvSpPr>
-        <p:spPr>
-          <a:xfrm>
-            <a:off x="323527" y="323364"/>
-            <a:ext cx="7013623" cy="369332"/>
-          </a:xfrm>
-          <a:prstGeom prst="rect">
-            <a:avLst/>
-          </a:prstGeom>
-          <a:noFill/>
-        </p:spPr>
-        <p:txBody>
-          <a:bodyPr wrap="square" rtlCol="0">
-            <a:spAutoFit/>
-          </a:bodyPr>
-          <a:lstStyle/>
-          <a:p>
-            <a:r>
-              <a:rPr lang="zh-CN" altLang="en-US" b="1" dirty="0" smtClean="0">
-                <a:solidFill>
-                  <a:prstClr val="white"/>
-                </a:solidFill>
-                <a:latin typeface="楷体" panose="02010609060101010101" pitchFamily="49" charset="-122"/>
-                <a:ea typeface="楷体" panose="02010609060101010101" pitchFamily="49" charset="-122"/>
-              </a:rPr>
-              <a:t>自动外呼</a:t>
-            </a:r>
-            <a:r>
-              <a:rPr lang="en-US" altLang="zh-CN" b="1" dirty="0" smtClean="0">
-                <a:solidFill>
-                  <a:prstClr val="white"/>
-                </a:solidFill>
-                <a:latin typeface="楷体" panose="02010609060101010101" pitchFamily="49" charset="-122"/>
-                <a:ea typeface="楷体" panose="02010609060101010101" pitchFamily="49" charset="-122"/>
-              </a:rPr>
-              <a:t>+</a:t>
-            </a:r>
-            <a:r>
-              <a:rPr lang="zh-CN" altLang="en-US" b="1" dirty="0" smtClean="0">
-                <a:solidFill>
-                  <a:prstClr val="white"/>
-                </a:solidFill>
-                <a:latin typeface="楷体" panose="02010609060101010101" pitchFamily="49" charset="-122"/>
-                <a:ea typeface="楷体" panose="02010609060101010101" pitchFamily="49" charset="-122"/>
-              </a:rPr>
-              <a:t>人工外呼设想</a:t>
-            </a:r>
-            <a:endParaRPr lang="zh-CN" altLang="en-US" b="1" dirty="0">
-              <a:solidFill>
-                <a:prstClr val="white"/>
-              </a:solidFill>
-              <a:latin typeface="楷体" panose="02010609060101010101" pitchFamily="49" charset="-122"/>
-              <a:ea typeface="楷体" panose="02010609060101010101" pitchFamily="49" charset="-122"/>
-            </a:endParaRPr>
-          </a:p>
-        </p:txBody>
-      </p:sp>
-      <p:sp>
-        <p:nvSpPr>
-          <p:cNvPr id="7" name="矩形 6"/>
-          <p:cNvSpPr/>
-          <p:nvPr/>
-        </p:nvSpPr>
-        <p:spPr>
-          <a:xfrm>
-            <a:off x="395536" y="1268760"/>
-            <a:ext cx="1872208" cy="369332"/>
-          </a:xfrm>
-          <a:prstGeom prst="rect">
-            <a:avLst/>
-          </a:prstGeom>
-        </p:spPr>
-        <p:txBody>
-          <a:bodyPr wrap="square">
-            <a:spAutoFit/>
-          </a:bodyPr>
-          <a:lstStyle/>
-          <a:p>
-            <a:r>
-              <a:rPr lang="zh-CN" altLang="en-US" dirty="0" smtClean="0">
-                <a:latin typeface="楷体" panose="02010609060101010101" pitchFamily="49" charset="-122"/>
-                <a:ea typeface="楷体" panose="02010609060101010101" pitchFamily="49" charset="-122"/>
-                <a:cs typeface="楷体" panose="02010609060101010101" pitchFamily="49" charset="-122"/>
-              </a:rPr>
-              <a:t>处方审核组：</a:t>
-            </a:r>
-            <a:endParaRPr lang="zh-CN" altLang="en-US" dirty="0">
-              <a:latin typeface="楷体" panose="02010609060101010101" pitchFamily="49" charset="-122"/>
-              <a:ea typeface="楷体" panose="02010609060101010101" pitchFamily="49" charset="-122"/>
-              <a:cs typeface="楷体" panose="02010609060101010101" pitchFamily="49" charset="-122"/>
-            </a:endParaRPr>
-          </a:p>
-        </p:txBody>
-      </p:sp>
-      <p:sp>
-        <p:nvSpPr>
-          <p:cNvPr id="8" name="矩形 7"/>
-          <p:cNvSpPr/>
-          <p:nvPr/>
-        </p:nvSpPr>
-        <p:spPr>
-          <a:xfrm>
-            <a:off x="467544" y="1988840"/>
-            <a:ext cx="1152128" cy="369332"/>
-          </a:xfrm>
-          <a:prstGeom prst="rect">
-            <a:avLst/>
-          </a:prstGeom>
-          <a:ln>
-            <a:solidFill>
-              <a:schemeClr val="tx2"/>
-            </a:solidFill>
-          </a:ln>
-        </p:spPr>
-        <p:txBody>
-          <a:bodyPr wrap="square">
-            <a:spAutoFit/>
-          </a:bodyPr>
-          <a:lstStyle/>
-          <a:p>
-            <a:r>
-              <a:rPr lang="zh-CN" altLang="en-US" dirty="0" smtClean="0">
-                <a:latin typeface="楷体" panose="02010609060101010101" pitchFamily="49" charset="-122"/>
-                <a:ea typeface="楷体" panose="02010609060101010101" pitchFamily="49" charset="-122"/>
-                <a:cs typeface="楷体" panose="02010609060101010101" pitchFamily="49" charset="-122"/>
-              </a:rPr>
-              <a:t>员工登陆</a:t>
-            </a:r>
-            <a:endParaRPr lang="zh-CN" altLang="en-US" dirty="0">
-              <a:latin typeface="楷体" panose="02010609060101010101" pitchFamily="49" charset="-122"/>
-              <a:ea typeface="楷体" panose="02010609060101010101" pitchFamily="49" charset="-122"/>
-              <a:cs typeface="楷体" panose="02010609060101010101" pitchFamily="49" charset="-122"/>
-            </a:endParaRPr>
-          </a:p>
-        </p:txBody>
-      </p:sp>
-      <p:sp>
-        <p:nvSpPr>
-          <p:cNvPr id="9" name="矩形 8"/>
-          <p:cNvSpPr/>
-          <p:nvPr/>
-        </p:nvSpPr>
-        <p:spPr>
-          <a:xfrm>
-            <a:off x="467544" y="2348880"/>
-            <a:ext cx="1152128" cy="369332"/>
-          </a:xfrm>
-          <a:prstGeom prst="rect">
-            <a:avLst/>
-          </a:prstGeom>
-          <a:ln>
-            <a:solidFill>
-              <a:schemeClr val="tx2"/>
-            </a:solidFill>
-          </a:ln>
-        </p:spPr>
-        <p:txBody>
-          <a:bodyPr wrap="square">
-            <a:spAutoFit/>
-          </a:bodyPr>
-          <a:lstStyle/>
-          <a:p>
-            <a:pPr algn="ctr"/>
-            <a:r>
-              <a:rPr lang="zh-CN" altLang="en-US" dirty="0" smtClean="0">
-                <a:latin typeface="楷体" panose="02010609060101010101" pitchFamily="49" charset="-122"/>
-                <a:ea typeface="楷体" panose="02010609060101010101" pitchFamily="49" charset="-122"/>
-                <a:cs typeface="楷体" panose="02010609060101010101" pitchFamily="49" charset="-122"/>
-              </a:rPr>
-              <a:t>空闲态</a:t>
-            </a:r>
-            <a:endParaRPr lang="zh-CN" altLang="en-US" dirty="0">
-              <a:latin typeface="楷体" panose="02010609060101010101" pitchFamily="49" charset="-122"/>
-              <a:ea typeface="楷体" panose="02010609060101010101" pitchFamily="49" charset="-122"/>
-              <a:cs typeface="楷体" panose="02010609060101010101" pitchFamily="49" charset="-122"/>
-            </a:endParaRPr>
-          </a:p>
-        </p:txBody>
-      </p:sp>
-      <p:sp>
-        <p:nvSpPr>
-          <p:cNvPr id="10" name="矩形 9"/>
-          <p:cNvSpPr/>
-          <p:nvPr/>
-        </p:nvSpPr>
-        <p:spPr>
-          <a:xfrm>
-            <a:off x="3059832" y="1988840"/>
-            <a:ext cx="1656184" cy="369332"/>
-          </a:xfrm>
-          <a:prstGeom prst="rect">
-            <a:avLst/>
-          </a:prstGeom>
-          <a:ln>
-            <a:solidFill>
-              <a:schemeClr val="tx2"/>
-            </a:solidFill>
-          </a:ln>
-        </p:spPr>
-        <p:txBody>
-          <a:bodyPr wrap="square">
-            <a:spAutoFit/>
-          </a:bodyPr>
-          <a:lstStyle/>
-          <a:p>
-            <a:r>
-              <a:rPr lang="zh-CN" altLang="en-US" dirty="0" smtClean="0">
-                <a:latin typeface="楷体" panose="02010609060101010101" pitchFamily="49" charset="-122"/>
-                <a:ea typeface="楷体" panose="02010609060101010101" pitchFamily="49" charset="-122"/>
-                <a:cs typeface="楷体" panose="02010609060101010101" pitchFamily="49" charset="-122"/>
-              </a:rPr>
-              <a:t>自动接入坐席</a:t>
-            </a:r>
-            <a:endParaRPr lang="zh-CN" altLang="en-US" dirty="0">
-              <a:latin typeface="楷体" panose="02010609060101010101" pitchFamily="49" charset="-122"/>
-              <a:ea typeface="楷体" panose="02010609060101010101" pitchFamily="49" charset="-122"/>
-              <a:cs typeface="楷体" panose="02010609060101010101" pitchFamily="49" charset="-122"/>
-            </a:endParaRPr>
-          </a:p>
-        </p:txBody>
-      </p:sp>
-      <p:sp>
-        <p:nvSpPr>
-          <p:cNvPr id="11" name="矩形 10"/>
-          <p:cNvSpPr/>
-          <p:nvPr/>
-        </p:nvSpPr>
-        <p:spPr>
-          <a:xfrm>
-            <a:off x="3059832" y="2348880"/>
-            <a:ext cx="1656184" cy="369332"/>
-          </a:xfrm>
-          <a:prstGeom prst="rect">
-            <a:avLst/>
-          </a:prstGeom>
-          <a:ln>
-            <a:solidFill>
-              <a:schemeClr val="tx2"/>
-            </a:solidFill>
-          </a:ln>
-        </p:spPr>
-        <p:txBody>
-          <a:bodyPr wrap="square">
-            <a:spAutoFit/>
-          </a:bodyPr>
-          <a:lstStyle/>
-          <a:p>
-            <a:pPr algn="ctr"/>
-            <a:r>
-              <a:rPr lang="zh-CN" altLang="en-US" dirty="0" smtClean="0">
-                <a:latin typeface="楷体" panose="02010609060101010101" pitchFamily="49" charset="-122"/>
-                <a:ea typeface="楷体" panose="02010609060101010101" pitchFamily="49" charset="-122"/>
-                <a:cs typeface="楷体" panose="02010609060101010101" pitchFamily="49" charset="-122"/>
-              </a:rPr>
-              <a:t>通话态</a:t>
-            </a:r>
-            <a:endParaRPr lang="zh-CN" altLang="en-US" dirty="0">
-              <a:latin typeface="楷体" panose="02010609060101010101" pitchFamily="49" charset="-122"/>
-              <a:ea typeface="楷体" panose="02010609060101010101" pitchFamily="49" charset="-122"/>
-              <a:cs typeface="楷体" panose="02010609060101010101" pitchFamily="49" charset="-122"/>
-            </a:endParaRPr>
-          </a:p>
-        </p:txBody>
-      </p:sp>
-      <p:cxnSp>
-        <p:nvCxnSpPr>
-          <p:cNvPr id="13" name="直线箭头连接符 12"/>
-          <p:cNvCxnSpPr>
-            <a:stCxn id="9" idx="3"/>
-            <a:endCxn id="11" idx="1"/>
-          </p:cNvCxnSpPr>
-          <p:nvPr/>
-        </p:nvCxnSpPr>
-        <p:spPr>
-          <a:xfrm>
-            <a:off x="1619672" y="2533546"/>
-            <a:ext cx="1440160" cy="0"/>
-          </a:xfrm>
-          <a:prstGeom prst="straightConnector1">
-            <a:avLst/>
-          </a:prstGeom>
-          <a:ln>
-            <a:tailEnd type="arrow"/>
-          </a:ln>
-        </p:spPr>
-        <p:style>
-          <a:lnRef idx="2">
-            <a:schemeClr val="accent1"/>
-          </a:lnRef>
-          <a:fillRef idx="0">
-            <a:schemeClr val="accent1"/>
-          </a:fillRef>
-          <a:effectRef idx="1">
-            <a:schemeClr val="accent1"/>
-          </a:effectRef>
-          <a:fontRef idx="minor">
-            <a:schemeClr val="tx1"/>
-          </a:fontRef>
-        </p:style>
-      </p:cxnSp>
-      <p:sp>
-        <p:nvSpPr>
-          <p:cNvPr id="14" name="文本框 13"/>
-          <p:cNvSpPr txBox="1"/>
-          <p:nvPr/>
-        </p:nvSpPr>
-        <p:spPr>
-          <a:xfrm>
-            <a:off x="1619672" y="1988840"/>
-            <a:ext cx="1368152" cy="523220"/>
-          </a:xfrm>
-          <a:prstGeom prst="rect">
-            <a:avLst/>
-          </a:prstGeom>
-          <a:noFill/>
-        </p:spPr>
-        <p:txBody>
-          <a:bodyPr wrap="square" rtlCol="0">
-            <a:spAutoFit/>
-          </a:bodyPr>
-          <a:lstStyle/>
-          <a:p>
-            <a:pPr algn="ctr"/>
-            <a:r>
-              <a:rPr kumimoji="1" lang="zh-CN" altLang="en-US" sz="1400" dirty="0" smtClean="0">
-                <a:latin typeface="楷体" panose="02010609060101010101" pitchFamily="49" charset="-122"/>
-                <a:ea typeface="楷体" panose="02010609060101010101" pitchFamily="49" charset="-122"/>
-              </a:rPr>
-              <a:t>系统自动拨打，接通后转人工</a:t>
-            </a:r>
-            <a:endParaRPr kumimoji="1" lang="zh-CN" altLang="en-US" sz="1400" dirty="0">
-              <a:latin typeface="楷体" panose="02010609060101010101" pitchFamily="49" charset="-122"/>
-              <a:ea typeface="楷体" panose="02010609060101010101" pitchFamily="49" charset="-122"/>
-            </a:endParaRPr>
-          </a:p>
-        </p:txBody>
-      </p:sp>
-      <p:cxnSp>
-        <p:nvCxnSpPr>
-          <p:cNvPr id="16" name="直线箭头连接符 15"/>
-          <p:cNvCxnSpPr>
-            <a:stCxn id="11" idx="3"/>
-            <a:endCxn id="18" idx="1"/>
-          </p:cNvCxnSpPr>
-          <p:nvPr/>
-        </p:nvCxnSpPr>
-        <p:spPr>
-          <a:xfrm>
-            <a:off x="4716016" y="2533546"/>
-            <a:ext cx="864096" cy="0"/>
-          </a:xfrm>
-          <a:prstGeom prst="straightConnector1">
-            <a:avLst/>
-          </a:prstGeom>
-          <a:ln>
-            <a:tailEnd type="arrow"/>
-          </a:ln>
-        </p:spPr>
-        <p:style>
-          <a:lnRef idx="2">
-            <a:schemeClr val="accent1"/>
-          </a:lnRef>
-          <a:fillRef idx="0">
-            <a:schemeClr val="accent1"/>
-          </a:fillRef>
-          <a:effectRef idx="1">
-            <a:schemeClr val="accent1"/>
-          </a:effectRef>
-          <a:fontRef idx="minor">
-            <a:schemeClr val="tx1"/>
-          </a:fontRef>
-        </p:style>
-      </p:cxnSp>
-      <p:sp>
-        <p:nvSpPr>
-          <p:cNvPr id="17" name="矩形 16"/>
-          <p:cNvSpPr/>
-          <p:nvPr/>
-        </p:nvSpPr>
-        <p:spPr>
-          <a:xfrm>
-            <a:off x="5580112" y="1988840"/>
-            <a:ext cx="1152128" cy="369332"/>
-          </a:xfrm>
-          <a:prstGeom prst="rect">
-            <a:avLst/>
-          </a:prstGeom>
-          <a:ln>
-            <a:solidFill>
-              <a:schemeClr val="tx2"/>
-            </a:solidFill>
-          </a:ln>
-        </p:spPr>
-        <p:txBody>
-          <a:bodyPr wrap="square">
-            <a:spAutoFit/>
-          </a:bodyPr>
-          <a:lstStyle/>
-          <a:p>
-            <a:r>
-              <a:rPr lang="zh-CN" altLang="en-US" dirty="0" smtClean="0">
-                <a:latin typeface="楷体" panose="02010609060101010101" pitchFamily="49" charset="-122"/>
-                <a:ea typeface="楷体" panose="02010609060101010101" pitchFamily="49" charset="-122"/>
-                <a:cs typeface="楷体" panose="02010609060101010101" pitchFamily="49" charset="-122"/>
-              </a:rPr>
-              <a:t>员工总结</a:t>
-            </a:r>
-            <a:endParaRPr lang="zh-CN" altLang="en-US" dirty="0">
-              <a:latin typeface="楷体" panose="02010609060101010101" pitchFamily="49" charset="-122"/>
-              <a:ea typeface="楷体" panose="02010609060101010101" pitchFamily="49" charset="-122"/>
-              <a:cs typeface="楷体" panose="02010609060101010101" pitchFamily="49" charset="-122"/>
-            </a:endParaRPr>
-          </a:p>
-        </p:txBody>
-      </p:sp>
-      <p:sp>
-        <p:nvSpPr>
-          <p:cNvPr id="18" name="矩形 17"/>
-          <p:cNvSpPr/>
-          <p:nvPr/>
-        </p:nvSpPr>
-        <p:spPr>
-          <a:xfrm>
-            <a:off x="5580112" y="2348880"/>
-            <a:ext cx="1152128" cy="369332"/>
-          </a:xfrm>
-          <a:prstGeom prst="rect">
-            <a:avLst/>
-          </a:prstGeom>
-          <a:ln>
-            <a:solidFill>
-              <a:schemeClr val="tx2"/>
-            </a:solidFill>
-          </a:ln>
-        </p:spPr>
-        <p:txBody>
-          <a:bodyPr wrap="square">
-            <a:spAutoFit/>
-          </a:bodyPr>
-          <a:lstStyle/>
-          <a:p>
-            <a:pPr algn="ctr"/>
-            <a:r>
-              <a:rPr lang="zh-CN" altLang="en-US" dirty="0" smtClean="0">
-                <a:latin typeface="楷体" panose="02010609060101010101" pitchFamily="49" charset="-122"/>
-                <a:ea typeface="楷体" panose="02010609060101010101" pitchFamily="49" charset="-122"/>
-                <a:cs typeface="楷体" panose="02010609060101010101" pitchFamily="49" charset="-122"/>
-              </a:rPr>
-              <a:t>整理态</a:t>
-            </a:r>
-            <a:endParaRPr lang="zh-CN" altLang="en-US" dirty="0">
-              <a:latin typeface="楷体" panose="02010609060101010101" pitchFamily="49" charset="-122"/>
-              <a:ea typeface="楷体" panose="02010609060101010101" pitchFamily="49" charset="-122"/>
-              <a:cs typeface="楷体" panose="02010609060101010101" pitchFamily="49" charset="-122"/>
-            </a:endParaRPr>
-          </a:p>
-        </p:txBody>
-      </p:sp>
-      <p:sp>
-        <p:nvSpPr>
-          <p:cNvPr id="23" name="文本框 22"/>
-          <p:cNvSpPr txBox="1"/>
-          <p:nvPr/>
-        </p:nvSpPr>
-        <p:spPr>
-          <a:xfrm>
-            <a:off x="4716016" y="1988840"/>
-            <a:ext cx="864096" cy="523220"/>
-          </a:xfrm>
-          <a:prstGeom prst="rect">
-            <a:avLst/>
-          </a:prstGeom>
-          <a:noFill/>
-        </p:spPr>
-        <p:txBody>
-          <a:bodyPr wrap="square" rtlCol="0">
-            <a:spAutoFit/>
-          </a:bodyPr>
-          <a:lstStyle/>
-          <a:p>
-            <a:pPr algn="ctr"/>
-            <a:r>
-              <a:rPr kumimoji="1" lang="zh-CN" altLang="en-US" sz="1400" dirty="0" smtClean="0">
-                <a:latin typeface="楷体" panose="02010609060101010101" pitchFamily="49" charset="-122"/>
-                <a:ea typeface="楷体" panose="02010609060101010101" pitchFamily="49" charset="-122"/>
-              </a:rPr>
-              <a:t>通话结束</a:t>
-            </a:r>
-            <a:endParaRPr kumimoji="1" lang="zh-CN" altLang="en-US" sz="1400" dirty="0">
-              <a:latin typeface="楷体" panose="02010609060101010101" pitchFamily="49" charset="-122"/>
-              <a:ea typeface="楷体" panose="02010609060101010101" pitchFamily="49" charset="-122"/>
-            </a:endParaRPr>
-          </a:p>
-        </p:txBody>
-      </p:sp>
-      <p:cxnSp>
-        <p:nvCxnSpPr>
-          <p:cNvPr id="24" name="直线箭头连接符 23"/>
-          <p:cNvCxnSpPr>
-            <a:endCxn id="26" idx="1"/>
-          </p:cNvCxnSpPr>
-          <p:nvPr/>
-        </p:nvCxnSpPr>
-        <p:spPr>
-          <a:xfrm flipV="1">
-            <a:off x="6732240" y="2533546"/>
-            <a:ext cx="792088" cy="31358"/>
-          </a:xfrm>
-          <a:prstGeom prst="straightConnector1">
-            <a:avLst/>
-          </a:prstGeom>
-          <a:ln>
-            <a:tailEnd type="arrow"/>
-          </a:ln>
-        </p:spPr>
-        <p:style>
-          <a:lnRef idx="2">
-            <a:schemeClr val="accent1"/>
-          </a:lnRef>
-          <a:fillRef idx="0">
-            <a:schemeClr val="accent1"/>
-          </a:fillRef>
-          <a:effectRef idx="1">
-            <a:schemeClr val="accent1"/>
-          </a:effectRef>
-          <a:fontRef idx="minor">
-            <a:schemeClr val="tx1"/>
-          </a:fontRef>
-        </p:style>
-      </p:cxnSp>
-      <p:sp>
-        <p:nvSpPr>
-          <p:cNvPr id="25" name="矩形 24"/>
-          <p:cNvSpPr/>
-          <p:nvPr/>
-        </p:nvSpPr>
-        <p:spPr>
-          <a:xfrm>
-            <a:off x="7524328" y="1988840"/>
-            <a:ext cx="1152128" cy="369332"/>
-          </a:xfrm>
-          <a:prstGeom prst="rect">
-            <a:avLst/>
-          </a:prstGeom>
-          <a:ln>
-            <a:solidFill>
-              <a:schemeClr val="tx2"/>
-            </a:solidFill>
-          </a:ln>
-        </p:spPr>
-        <p:txBody>
-          <a:bodyPr wrap="square">
-            <a:spAutoFit/>
-          </a:bodyPr>
-          <a:lstStyle/>
-          <a:p>
-            <a:r>
-              <a:rPr lang="zh-CN" altLang="en-US" dirty="0" smtClean="0">
-                <a:latin typeface="楷体" panose="02010609060101010101" pitchFamily="49" charset="-122"/>
-                <a:ea typeface="楷体" panose="02010609060101010101" pitchFamily="49" charset="-122"/>
-                <a:cs typeface="楷体" panose="02010609060101010101" pitchFamily="49" charset="-122"/>
-              </a:rPr>
-              <a:t>员工准备</a:t>
-            </a:r>
-            <a:endParaRPr lang="zh-CN" altLang="en-US" dirty="0">
-              <a:latin typeface="楷体" panose="02010609060101010101" pitchFamily="49" charset="-122"/>
-              <a:ea typeface="楷体" panose="02010609060101010101" pitchFamily="49" charset="-122"/>
-              <a:cs typeface="楷体" panose="02010609060101010101" pitchFamily="49" charset="-122"/>
-            </a:endParaRPr>
-          </a:p>
-        </p:txBody>
-      </p:sp>
-      <p:sp>
-        <p:nvSpPr>
-          <p:cNvPr id="26" name="矩形 25"/>
-          <p:cNvSpPr/>
-          <p:nvPr/>
-        </p:nvSpPr>
-        <p:spPr>
-          <a:xfrm>
-            <a:off x="7524328" y="2348880"/>
-            <a:ext cx="1152128" cy="369332"/>
-          </a:xfrm>
-          <a:prstGeom prst="rect">
-            <a:avLst/>
-          </a:prstGeom>
-          <a:ln>
-            <a:solidFill>
-              <a:schemeClr val="tx2"/>
-            </a:solidFill>
-          </a:ln>
-        </p:spPr>
-        <p:txBody>
-          <a:bodyPr wrap="square">
-            <a:spAutoFit/>
-          </a:bodyPr>
-          <a:lstStyle/>
-          <a:p>
-            <a:pPr algn="ctr"/>
-            <a:r>
-              <a:rPr lang="zh-CN" altLang="en-US" dirty="0" smtClean="0">
-                <a:latin typeface="楷体" panose="02010609060101010101" pitchFamily="49" charset="-122"/>
-                <a:ea typeface="楷体" panose="02010609060101010101" pitchFamily="49" charset="-122"/>
-                <a:cs typeface="楷体" panose="02010609060101010101" pitchFamily="49" charset="-122"/>
-              </a:rPr>
-              <a:t>空闲态</a:t>
-            </a:r>
-            <a:endParaRPr lang="zh-CN" altLang="en-US" dirty="0">
-              <a:latin typeface="楷体" panose="02010609060101010101" pitchFamily="49" charset="-122"/>
-              <a:ea typeface="楷体" panose="02010609060101010101" pitchFamily="49" charset="-122"/>
-              <a:cs typeface="楷体" panose="02010609060101010101" pitchFamily="49" charset="-122"/>
-            </a:endParaRPr>
-          </a:p>
-        </p:txBody>
-      </p:sp>
-      <p:sp>
-        <p:nvSpPr>
-          <p:cNvPr id="27" name="文本框 26"/>
-          <p:cNvSpPr txBox="1"/>
-          <p:nvPr/>
-        </p:nvSpPr>
-        <p:spPr>
-          <a:xfrm>
-            <a:off x="6732240" y="1988840"/>
-            <a:ext cx="864096" cy="523220"/>
-          </a:xfrm>
-          <a:prstGeom prst="rect">
-            <a:avLst/>
-          </a:prstGeom>
-          <a:noFill/>
-        </p:spPr>
-        <p:txBody>
-          <a:bodyPr wrap="square" rtlCol="0">
-            <a:spAutoFit/>
-          </a:bodyPr>
-          <a:lstStyle/>
-          <a:p>
-            <a:pPr algn="ctr"/>
-            <a:r>
-              <a:rPr kumimoji="1" lang="zh-CN" altLang="en-US" sz="1400" dirty="0" smtClean="0">
-                <a:latin typeface="楷体" panose="02010609060101010101" pitchFamily="49" charset="-122"/>
-                <a:ea typeface="楷体" panose="02010609060101010101" pitchFamily="49" charset="-122"/>
-              </a:rPr>
-              <a:t>点击空闲</a:t>
-            </a:r>
-            <a:endParaRPr kumimoji="1" lang="zh-CN" altLang="en-US" sz="1400" dirty="0">
-              <a:latin typeface="楷体" panose="02010609060101010101" pitchFamily="49" charset="-122"/>
-              <a:ea typeface="楷体" panose="02010609060101010101" pitchFamily="49" charset="-122"/>
-            </a:endParaRPr>
-          </a:p>
-        </p:txBody>
-      </p:sp>
-      <p:sp>
-        <p:nvSpPr>
-          <p:cNvPr id="29" name="矩形 28"/>
-          <p:cNvSpPr/>
-          <p:nvPr/>
-        </p:nvSpPr>
-        <p:spPr>
-          <a:xfrm>
-            <a:off x="323528" y="3140968"/>
-            <a:ext cx="1872208" cy="369332"/>
-          </a:xfrm>
-          <a:prstGeom prst="rect">
-            <a:avLst/>
-          </a:prstGeom>
-        </p:spPr>
-        <p:txBody>
-          <a:bodyPr wrap="square">
-            <a:spAutoFit/>
-          </a:bodyPr>
-          <a:lstStyle/>
-          <a:p>
-            <a:r>
-              <a:rPr lang="zh-CN" altLang="en-US" dirty="0" smtClean="0">
-                <a:latin typeface="楷体" panose="02010609060101010101" pitchFamily="49" charset="-122"/>
-                <a:ea typeface="楷体" panose="02010609060101010101" pitchFamily="49" charset="-122"/>
-                <a:cs typeface="楷体" panose="02010609060101010101" pitchFamily="49" charset="-122"/>
-              </a:rPr>
-              <a:t>慢病客服：</a:t>
-            </a:r>
-            <a:endParaRPr lang="zh-CN" altLang="en-US" dirty="0">
-              <a:latin typeface="楷体" panose="02010609060101010101" pitchFamily="49" charset="-122"/>
-              <a:ea typeface="楷体" panose="02010609060101010101" pitchFamily="49" charset="-122"/>
-              <a:cs typeface="楷体" panose="02010609060101010101" pitchFamily="49" charset="-122"/>
-            </a:endParaRPr>
-          </a:p>
-        </p:txBody>
-      </p:sp>
-      <p:sp>
-        <p:nvSpPr>
-          <p:cNvPr id="30" name="矩形 29"/>
-          <p:cNvSpPr/>
-          <p:nvPr/>
-        </p:nvSpPr>
-        <p:spPr>
-          <a:xfrm>
-            <a:off x="467544" y="3573016"/>
-            <a:ext cx="1152128" cy="369332"/>
-          </a:xfrm>
-          <a:prstGeom prst="rect">
-            <a:avLst/>
-          </a:prstGeom>
-          <a:ln>
-            <a:solidFill>
-              <a:schemeClr val="tx2"/>
-            </a:solidFill>
-          </a:ln>
-        </p:spPr>
-        <p:txBody>
-          <a:bodyPr wrap="square">
-            <a:spAutoFit/>
-          </a:bodyPr>
-          <a:lstStyle/>
-          <a:p>
-            <a:r>
-              <a:rPr lang="zh-CN" altLang="en-US" dirty="0" smtClean="0">
-                <a:latin typeface="楷体" panose="02010609060101010101" pitchFamily="49" charset="-122"/>
-                <a:ea typeface="楷体" panose="02010609060101010101" pitchFamily="49" charset="-122"/>
-                <a:cs typeface="楷体" panose="02010609060101010101" pitchFamily="49" charset="-122"/>
-              </a:rPr>
-              <a:t>员工登陆</a:t>
-            </a:r>
-            <a:endParaRPr lang="zh-CN" altLang="en-US" dirty="0">
-              <a:latin typeface="楷体" panose="02010609060101010101" pitchFamily="49" charset="-122"/>
-              <a:ea typeface="楷体" panose="02010609060101010101" pitchFamily="49" charset="-122"/>
-              <a:cs typeface="楷体" panose="02010609060101010101" pitchFamily="49" charset="-122"/>
-            </a:endParaRPr>
-          </a:p>
-        </p:txBody>
-      </p:sp>
-      <p:sp>
-        <p:nvSpPr>
-          <p:cNvPr id="31" name="矩形 30"/>
-          <p:cNvSpPr/>
-          <p:nvPr/>
-        </p:nvSpPr>
-        <p:spPr>
-          <a:xfrm>
-            <a:off x="467544" y="3933056"/>
-            <a:ext cx="1152128" cy="369332"/>
-          </a:xfrm>
-          <a:prstGeom prst="rect">
-            <a:avLst/>
-          </a:prstGeom>
-          <a:ln>
-            <a:solidFill>
-              <a:schemeClr val="tx2"/>
-            </a:solidFill>
-          </a:ln>
-        </p:spPr>
-        <p:txBody>
-          <a:bodyPr wrap="square">
-            <a:spAutoFit/>
-          </a:bodyPr>
-          <a:lstStyle/>
-          <a:p>
-            <a:pPr algn="ctr"/>
-            <a:r>
-              <a:rPr lang="zh-CN" altLang="en-US" dirty="0" smtClean="0">
-                <a:latin typeface="楷体" panose="02010609060101010101" pitchFamily="49" charset="-122"/>
-                <a:ea typeface="楷体" panose="02010609060101010101" pitchFamily="49" charset="-122"/>
-                <a:cs typeface="楷体" panose="02010609060101010101" pitchFamily="49" charset="-122"/>
-              </a:rPr>
-              <a:t>示忙态</a:t>
-            </a:r>
-            <a:endParaRPr lang="zh-CN" altLang="en-US" dirty="0">
-              <a:latin typeface="楷体" panose="02010609060101010101" pitchFamily="49" charset="-122"/>
-              <a:ea typeface="楷体" panose="02010609060101010101" pitchFamily="49" charset="-122"/>
-              <a:cs typeface="楷体" panose="02010609060101010101" pitchFamily="49" charset="-122"/>
-            </a:endParaRPr>
-          </a:p>
-        </p:txBody>
-      </p:sp>
-      <p:sp>
-        <p:nvSpPr>
-          <p:cNvPr id="32" name="矩形 31"/>
-          <p:cNvSpPr/>
-          <p:nvPr/>
-        </p:nvSpPr>
-        <p:spPr>
-          <a:xfrm>
-            <a:off x="3059832" y="3573016"/>
-            <a:ext cx="1656184" cy="369332"/>
-          </a:xfrm>
-          <a:prstGeom prst="rect">
-            <a:avLst/>
-          </a:prstGeom>
-          <a:ln>
-            <a:solidFill>
-              <a:schemeClr val="tx2"/>
-            </a:solidFill>
-          </a:ln>
-        </p:spPr>
-        <p:txBody>
-          <a:bodyPr wrap="square">
-            <a:spAutoFit/>
-          </a:bodyPr>
-          <a:lstStyle/>
-          <a:p>
-            <a:r>
-              <a:rPr lang="zh-CN" altLang="en-US" dirty="0" smtClean="0">
-                <a:latin typeface="楷体" panose="02010609060101010101" pitchFamily="49" charset="-122"/>
-                <a:ea typeface="楷体" panose="02010609060101010101" pitchFamily="49" charset="-122"/>
-                <a:cs typeface="楷体" panose="02010609060101010101" pitchFamily="49" charset="-122"/>
-              </a:rPr>
-              <a:t>坐席手动呼出</a:t>
-            </a:r>
-            <a:endParaRPr lang="zh-CN" altLang="en-US" dirty="0">
-              <a:latin typeface="楷体" panose="02010609060101010101" pitchFamily="49" charset="-122"/>
-              <a:ea typeface="楷体" panose="02010609060101010101" pitchFamily="49" charset="-122"/>
-              <a:cs typeface="楷体" panose="02010609060101010101" pitchFamily="49" charset="-122"/>
-            </a:endParaRPr>
-          </a:p>
-        </p:txBody>
-      </p:sp>
-      <p:sp>
-        <p:nvSpPr>
-          <p:cNvPr id="33" name="矩形 32"/>
-          <p:cNvSpPr/>
-          <p:nvPr/>
-        </p:nvSpPr>
-        <p:spPr>
-          <a:xfrm>
-            <a:off x="3059832" y="3933056"/>
-            <a:ext cx="1656184" cy="369332"/>
-          </a:xfrm>
-          <a:prstGeom prst="rect">
-            <a:avLst/>
-          </a:prstGeom>
-          <a:ln>
-            <a:solidFill>
-              <a:schemeClr val="tx2"/>
-            </a:solidFill>
-          </a:ln>
-        </p:spPr>
-        <p:txBody>
-          <a:bodyPr wrap="square">
-            <a:spAutoFit/>
-          </a:bodyPr>
-          <a:lstStyle/>
-          <a:p>
-            <a:pPr algn="ctr"/>
-            <a:r>
-              <a:rPr lang="zh-CN" altLang="en-US" dirty="0" smtClean="0">
-                <a:latin typeface="楷体" panose="02010609060101010101" pitchFamily="49" charset="-122"/>
-                <a:ea typeface="楷体" panose="02010609060101010101" pitchFamily="49" charset="-122"/>
-                <a:cs typeface="楷体" panose="02010609060101010101" pitchFamily="49" charset="-122"/>
-              </a:rPr>
-              <a:t>通话态</a:t>
-            </a:r>
-            <a:endParaRPr lang="zh-CN" altLang="en-US" dirty="0">
-              <a:latin typeface="楷体" panose="02010609060101010101" pitchFamily="49" charset="-122"/>
-              <a:ea typeface="楷体" panose="02010609060101010101" pitchFamily="49" charset="-122"/>
-              <a:cs typeface="楷体" panose="02010609060101010101" pitchFamily="49" charset="-122"/>
-            </a:endParaRPr>
-          </a:p>
-        </p:txBody>
-      </p:sp>
-      <p:cxnSp>
-        <p:nvCxnSpPr>
-          <p:cNvPr id="34" name="直线箭头连接符 33"/>
-          <p:cNvCxnSpPr>
-            <a:stCxn id="31" idx="3"/>
-            <a:endCxn id="33" idx="1"/>
-          </p:cNvCxnSpPr>
-          <p:nvPr/>
-        </p:nvCxnSpPr>
-        <p:spPr>
-          <a:xfrm>
-            <a:off x="1619672" y="4117722"/>
-            <a:ext cx="1440160" cy="0"/>
-          </a:xfrm>
-          <a:prstGeom prst="straightConnector1">
-            <a:avLst/>
-          </a:prstGeom>
-          <a:ln>
-            <a:tailEnd type="arrow"/>
-          </a:ln>
-        </p:spPr>
-        <p:style>
-          <a:lnRef idx="2">
-            <a:schemeClr val="accent1"/>
-          </a:lnRef>
-          <a:fillRef idx="0">
-            <a:schemeClr val="accent1"/>
-          </a:fillRef>
-          <a:effectRef idx="1">
-            <a:schemeClr val="accent1"/>
-          </a:effectRef>
-          <a:fontRef idx="minor">
-            <a:schemeClr val="tx1"/>
-          </a:fontRef>
-        </p:style>
-      </p:cxnSp>
-      <p:sp>
-        <p:nvSpPr>
-          <p:cNvPr id="35" name="文本框 34"/>
-          <p:cNvSpPr txBox="1"/>
-          <p:nvPr/>
-        </p:nvSpPr>
-        <p:spPr>
-          <a:xfrm>
-            <a:off x="1619672" y="3573016"/>
-            <a:ext cx="1368152" cy="523220"/>
-          </a:xfrm>
-          <a:prstGeom prst="rect">
-            <a:avLst/>
-          </a:prstGeom>
-          <a:noFill/>
-        </p:spPr>
-        <p:txBody>
-          <a:bodyPr wrap="square" rtlCol="0">
-            <a:spAutoFit/>
-          </a:bodyPr>
-          <a:lstStyle/>
-          <a:p>
-            <a:pPr algn="ctr"/>
-            <a:r>
-              <a:rPr kumimoji="1" lang="zh-CN" altLang="en-US" sz="1400" dirty="0" smtClean="0">
-                <a:latin typeface="楷体" panose="02010609060101010101" pitchFamily="49" charset="-122"/>
-                <a:ea typeface="楷体" panose="02010609060101010101" pitchFamily="49" charset="-122"/>
-              </a:rPr>
-              <a:t>员工优先沟通老客户</a:t>
-            </a:r>
-            <a:endParaRPr kumimoji="1" lang="zh-CN" altLang="en-US" sz="1400" dirty="0">
-              <a:latin typeface="楷体" panose="02010609060101010101" pitchFamily="49" charset="-122"/>
-              <a:ea typeface="楷体" panose="02010609060101010101" pitchFamily="49" charset="-122"/>
-            </a:endParaRPr>
-          </a:p>
-        </p:txBody>
-      </p:sp>
-      <p:cxnSp>
-        <p:nvCxnSpPr>
-          <p:cNvPr id="36" name="直线箭头连接符 35"/>
-          <p:cNvCxnSpPr>
-            <a:stCxn id="33" idx="3"/>
-            <a:endCxn id="38" idx="1"/>
-          </p:cNvCxnSpPr>
-          <p:nvPr/>
-        </p:nvCxnSpPr>
-        <p:spPr>
-          <a:xfrm>
-            <a:off x="4716016" y="4117722"/>
-            <a:ext cx="864096" cy="0"/>
-          </a:xfrm>
-          <a:prstGeom prst="straightConnector1">
-            <a:avLst/>
-          </a:prstGeom>
-          <a:ln>
-            <a:tailEnd type="arrow"/>
-          </a:ln>
-        </p:spPr>
-        <p:style>
-          <a:lnRef idx="2">
-            <a:schemeClr val="accent1"/>
-          </a:lnRef>
-          <a:fillRef idx="0">
-            <a:schemeClr val="accent1"/>
-          </a:fillRef>
-          <a:effectRef idx="1">
-            <a:schemeClr val="accent1"/>
-          </a:effectRef>
-          <a:fontRef idx="minor">
-            <a:schemeClr val="tx1"/>
-          </a:fontRef>
-        </p:style>
-      </p:cxnSp>
-      <p:sp>
-        <p:nvSpPr>
-          <p:cNvPr id="37" name="矩形 36"/>
-          <p:cNvSpPr/>
-          <p:nvPr/>
-        </p:nvSpPr>
-        <p:spPr>
-          <a:xfrm>
-            <a:off x="5580112" y="3573016"/>
-            <a:ext cx="1152128" cy="369332"/>
-          </a:xfrm>
-          <a:prstGeom prst="rect">
-            <a:avLst/>
-          </a:prstGeom>
-          <a:ln>
-            <a:solidFill>
-              <a:schemeClr val="tx2"/>
-            </a:solidFill>
-          </a:ln>
-        </p:spPr>
-        <p:txBody>
-          <a:bodyPr wrap="square">
-            <a:spAutoFit/>
-          </a:bodyPr>
-          <a:lstStyle/>
-          <a:p>
-            <a:r>
-              <a:rPr lang="zh-CN" altLang="en-US" dirty="0" smtClean="0">
-                <a:latin typeface="楷体" panose="02010609060101010101" pitchFamily="49" charset="-122"/>
-                <a:ea typeface="楷体" panose="02010609060101010101" pitchFamily="49" charset="-122"/>
-                <a:cs typeface="楷体" panose="02010609060101010101" pitchFamily="49" charset="-122"/>
-              </a:rPr>
-              <a:t>员工总结</a:t>
-            </a:r>
-            <a:endParaRPr lang="zh-CN" altLang="en-US" dirty="0">
-              <a:latin typeface="楷体" panose="02010609060101010101" pitchFamily="49" charset="-122"/>
-              <a:ea typeface="楷体" panose="02010609060101010101" pitchFamily="49" charset="-122"/>
-              <a:cs typeface="楷体" panose="02010609060101010101" pitchFamily="49" charset="-122"/>
-            </a:endParaRPr>
-          </a:p>
-        </p:txBody>
-      </p:sp>
-      <p:sp>
-        <p:nvSpPr>
-          <p:cNvPr id="38" name="矩形 37"/>
-          <p:cNvSpPr/>
-          <p:nvPr/>
-        </p:nvSpPr>
-        <p:spPr>
-          <a:xfrm>
-            <a:off x="5580112" y="3933056"/>
-            <a:ext cx="1152128" cy="369332"/>
-          </a:xfrm>
-          <a:prstGeom prst="rect">
-            <a:avLst/>
-          </a:prstGeom>
-          <a:ln>
-            <a:solidFill>
-              <a:schemeClr val="tx2"/>
-            </a:solidFill>
-          </a:ln>
-        </p:spPr>
-        <p:txBody>
-          <a:bodyPr wrap="square">
-            <a:spAutoFit/>
-          </a:bodyPr>
-          <a:lstStyle/>
-          <a:p>
-            <a:pPr algn="ctr"/>
-            <a:r>
-              <a:rPr lang="zh-CN" altLang="en-US" dirty="0" smtClean="0">
-                <a:latin typeface="楷体" panose="02010609060101010101" pitchFamily="49" charset="-122"/>
-                <a:ea typeface="楷体" panose="02010609060101010101" pitchFamily="49" charset="-122"/>
-                <a:cs typeface="楷体" panose="02010609060101010101" pitchFamily="49" charset="-122"/>
-              </a:rPr>
-              <a:t>整理态</a:t>
-            </a:r>
-            <a:endParaRPr lang="zh-CN" altLang="en-US" dirty="0">
-              <a:latin typeface="楷体" panose="02010609060101010101" pitchFamily="49" charset="-122"/>
-              <a:ea typeface="楷体" panose="02010609060101010101" pitchFamily="49" charset="-122"/>
-              <a:cs typeface="楷体" panose="02010609060101010101" pitchFamily="49" charset="-122"/>
-            </a:endParaRPr>
-          </a:p>
-        </p:txBody>
-      </p:sp>
-      <p:sp>
-        <p:nvSpPr>
-          <p:cNvPr id="39" name="文本框 38"/>
-          <p:cNvSpPr txBox="1"/>
-          <p:nvPr/>
-        </p:nvSpPr>
-        <p:spPr>
-          <a:xfrm>
-            <a:off x="4716016" y="3573016"/>
-            <a:ext cx="864096" cy="523220"/>
-          </a:xfrm>
-          <a:prstGeom prst="rect">
-            <a:avLst/>
-          </a:prstGeom>
-          <a:noFill/>
-        </p:spPr>
-        <p:txBody>
-          <a:bodyPr wrap="square" rtlCol="0">
-            <a:spAutoFit/>
-          </a:bodyPr>
-          <a:lstStyle/>
-          <a:p>
-            <a:pPr algn="ctr"/>
-            <a:r>
-              <a:rPr kumimoji="1" lang="zh-CN" altLang="en-US" sz="1400" dirty="0" smtClean="0">
-                <a:latin typeface="楷体" panose="02010609060101010101" pitchFamily="49" charset="-122"/>
-                <a:ea typeface="楷体" panose="02010609060101010101" pitchFamily="49" charset="-122"/>
-              </a:rPr>
-              <a:t>通话结束</a:t>
-            </a:r>
-            <a:endParaRPr kumimoji="1" lang="zh-CN" altLang="en-US" sz="1400" dirty="0">
-              <a:latin typeface="楷体" panose="02010609060101010101" pitchFamily="49" charset="-122"/>
-              <a:ea typeface="楷体" panose="02010609060101010101" pitchFamily="49" charset="-122"/>
-            </a:endParaRPr>
-          </a:p>
-        </p:txBody>
-      </p:sp>
-      <p:cxnSp>
-        <p:nvCxnSpPr>
-          <p:cNvPr id="40" name="直线箭头连接符 39"/>
-          <p:cNvCxnSpPr>
-            <a:endCxn id="42" idx="1"/>
-          </p:cNvCxnSpPr>
-          <p:nvPr/>
-        </p:nvCxnSpPr>
-        <p:spPr>
-          <a:xfrm flipV="1">
-            <a:off x="6732240" y="4117722"/>
-            <a:ext cx="792088" cy="31358"/>
-          </a:xfrm>
-          <a:prstGeom prst="straightConnector1">
-            <a:avLst/>
-          </a:prstGeom>
-          <a:ln>
-            <a:tailEnd type="arrow"/>
-          </a:ln>
-        </p:spPr>
-        <p:style>
-          <a:lnRef idx="2">
-            <a:schemeClr val="accent1"/>
-          </a:lnRef>
-          <a:fillRef idx="0">
-            <a:schemeClr val="accent1"/>
-          </a:fillRef>
-          <a:effectRef idx="1">
-            <a:schemeClr val="accent1"/>
-          </a:effectRef>
-          <a:fontRef idx="minor">
-            <a:schemeClr val="tx1"/>
-          </a:fontRef>
-        </p:style>
-      </p:cxnSp>
-      <p:sp>
-        <p:nvSpPr>
-          <p:cNvPr id="41" name="矩形 40"/>
-          <p:cNvSpPr/>
-          <p:nvPr/>
-        </p:nvSpPr>
-        <p:spPr>
-          <a:xfrm>
-            <a:off x="7524328" y="3573016"/>
-            <a:ext cx="1152128" cy="369332"/>
-          </a:xfrm>
-          <a:prstGeom prst="rect">
-            <a:avLst/>
-          </a:prstGeom>
-          <a:ln>
-            <a:solidFill>
-              <a:schemeClr val="tx2"/>
-            </a:solidFill>
-          </a:ln>
-        </p:spPr>
-        <p:txBody>
-          <a:bodyPr wrap="square">
-            <a:spAutoFit/>
-          </a:bodyPr>
-          <a:lstStyle/>
-          <a:p>
-            <a:r>
-              <a:rPr lang="zh-CN" altLang="en-US" dirty="0" smtClean="0">
-                <a:latin typeface="楷体" panose="02010609060101010101" pitchFamily="49" charset="-122"/>
-                <a:ea typeface="楷体" panose="02010609060101010101" pitchFamily="49" charset="-122"/>
-                <a:cs typeface="楷体" panose="02010609060101010101" pitchFamily="49" charset="-122"/>
-              </a:rPr>
-              <a:t>自动外呼</a:t>
-            </a:r>
-            <a:endParaRPr lang="zh-CN" altLang="en-US" dirty="0">
-              <a:latin typeface="楷体" panose="02010609060101010101" pitchFamily="49" charset="-122"/>
-              <a:ea typeface="楷体" panose="02010609060101010101" pitchFamily="49" charset="-122"/>
-              <a:cs typeface="楷体" panose="02010609060101010101" pitchFamily="49" charset="-122"/>
-            </a:endParaRPr>
-          </a:p>
-        </p:txBody>
-      </p:sp>
-      <p:sp>
-        <p:nvSpPr>
-          <p:cNvPr id="42" name="矩形 41"/>
-          <p:cNvSpPr/>
-          <p:nvPr/>
-        </p:nvSpPr>
-        <p:spPr>
-          <a:xfrm>
-            <a:off x="7524328" y="3933056"/>
-            <a:ext cx="1152128" cy="369332"/>
-          </a:xfrm>
-          <a:prstGeom prst="rect">
-            <a:avLst/>
-          </a:prstGeom>
-          <a:ln>
-            <a:solidFill>
-              <a:schemeClr val="tx2"/>
-            </a:solidFill>
-          </a:ln>
-        </p:spPr>
-        <p:txBody>
-          <a:bodyPr wrap="square">
-            <a:spAutoFit/>
-          </a:bodyPr>
-          <a:lstStyle/>
-          <a:p>
-            <a:pPr algn="ctr"/>
-            <a:r>
-              <a:rPr lang="zh-CN" altLang="en-US" dirty="0" smtClean="0">
-                <a:latin typeface="楷体" panose="02010609060101010101" pitchFamily="49" charset="-122"/>
-                <a:ea typeface="楷体" panose="02010609060101010101" pitchFamily="49" charset="-122"/>
-                <a:cs typeface="楷体" panose="02010609060101010101" pitchFamily="49" charset="-122"/>
-              </a:rPr>
-              <a:t>新资料</a:t>
-            </a:r>
-            <a:endParaRPr lang="zh-CN" altLang="en-US" dirty="0">
-              <a:latin typeface="楷体" panose="02010609060101010101" pitchFamily="49" charset="-122"/>
-              <a:ea typeface="楷体" panose="02010609060101010101" pitchFamily="49" charset="-122"/>
-              <a:cs typeface="楷体" panose="02010609060101010101" pitchFamily="49" charset="-122"/>
-            </a:endParaRPr>
-          </a:p>
-        </p:txBody>
-      </p:sp>
-      <p:sp>
-        <p:nvSpPr>
-          <p:cNvPr id="43" name="文本框 42"/>
-          <p:cNvSpPr txBox="1"/>
-          <p:nvPr/>
-        </p:nvSpPr>
-        <p:spPr>
-          <a:xfrm>
-            <a:off x="6732240" y="3573016"/>
-            <a:ext cx="864096" cy="523220"/>
-          </a:xfrm>
-          <a:prstGeom prst="rect">
-            <a:avLst/>
-          </a:prstGeom>
-          <a:noFill/>
-        </p:spPr>
-        <p:txBody>
-          <a:bodyPr wrap="square" rtlCol="0">
-            <a:spAutoFit/>
-          </a:bodyPr>
-          <a:lstStyle/>
-          <a:p>
-            <a:pPr algn="ctr"/>
-            <a:r>
-              <a:rPr kumimoji="1" lang="zh-CN" altLang="en-US" sz="1400" dirty="0" smtClean="0">
-                <a:latin typeface="楷体" panose="02010609060101010101" pitchFamily="49" charset="-122"/>
-                <a:ea typeface="楷体" panose="02010609060101010101" pitchFamily="49" charset="-122"/>
-              </a:rPr>
-              <a:t>点击空闲</a:t>
-            </a:r>
-            <a:endParaRPr kumimoji="1" lang="zh-CN" altLang="en-US" sz="1400" dirty="0">
-              <a:latin typeface="楷体" panose="02010609060101010101" pitchFamily="49" charset="-122"/>
-              <a:ea typeface="楷体" panose="02010609060101010101" pitchFamily="49" charset="-122"/>
-            </a:endParaRPr>
-          </a:p>
-        </p:txBody>
-      </p:sp>
-      <p:sp>
-        <p:nvSpPr>
-          <p:cNvPr id="44" name="矩形 43"/>
-          <p:cNvSpPr/>
-          <p:nvPr/>
-        </p:nvSpPr>
-        <p:spPr>
-          <a:xfrm>
-            <a:off x="611560" y="4653136"/>
-            <a:ext cx="7992888" cy="2308324"/>
-          </a:xfrm>
-          <a:prstGeom prst="rect">
-            <a:avLst/>
-          </a:prstGeom>
-        </p:spPr>
-        <p:txBody>
-          <a:bodyPr wrap="square">
-            <a:spAutoFit/>
-          </a:bodyPr>
-          <a:lstStyle/>
-          <a:p>
-            <a:r>
-              <a:rPr lang="en-US" altLang="zh-CN" dirty="0">
-                <a:latin typeface="楷体" panose="02010609060101010101" pitchFamily="49" charset="-122"/>
-                <a:ea typeface="楷体" panose="02010609060101010101" pitchFamily="49" charset="-122"/>
-                <a:cs typeface="楷体" panose="02010609060101010101" pitchFamily="49" charset="-122"/>
-              </a:rPr>
-              <a:t>-</a:t>
-            </a:r>
-            <a:r>
-              <a:rPr lang="zh-CN" altLang="zh-CN" dirty="0">
-                <a:latin typeface="楷体" panose="02010609060101010101" pitchFamily="49" charset="-122"/>
-                <a:ea typeface="楷体" panose="02010609060101010101" pitchFamily="49" charset="-122"/>
-                <a:cs typeface="楷体" panose="02010609060101010101" pitchFamily="49" charset="-122"/>
-              </a:rPr>
-              <a:t>对慢病团队</a:t>
-            </a:r>
-            <a:r>
-              <a:rPr lang="zh-CN" altLang="zh-CN" dirty="0" smtClean="0">
-                <a:latin typeface="楷体" panose="02010609060101010101" pitchFamily="49" charset="-122"/>
-                <a:ea typeface="楷体" panose="02010609060101010101" pitchFamily="49" charset="-122"/>
-                <a:cs typeface="楷体" panose="02010609060101010101" pitchFamily="49" charset="-122"/>
-              </a:rPr>
-              <a:t>，</a:t>
-            </a:r>
-            <a:r>
-              <a:rPr lang="zh-CN" altLang="en-US" dirty="0" smtClean="0">
-                <a:latin typeface="楷体" panose="02010609060101010101" pitchFamily="49" charset="-122"/>
-                <a:ea typeface="楷体" panose="02010609060101010101" pitchFamily="49" charset="-122"/>
-                <a:cs typeface="楷体" panose="02010609060101010101" pitchFamily="49" charset="-122"/>
-              </a:rPr>
-              <a:t>手动示闲才进行</a:t>
-            </a:r>
-            <a:r>
-              <a:rPr lang="zh-CN" altLang="zh-CN" dirty="0" smtClean="0">
-                <a:latin typeface="楷体" panose="02010609060101010101" pitchFamily="49" charset="-122"/>
-                <a:ea typeface="楷体" panose="02010609060101010101" pitchFamily="49" charset="-122"/>
-                <a:cs typeface="楷体" panose="02010609060101010101" pitchFamily="49" charset="-122"/>
-              </a:rPr>
-              <a:t>自动外呼，</a:t>
-            </a:r>
-            <a:r>
-              <a:rPr lang="zh-CN" altLang="en-US" dirty="0" smtClean="0">
-                <a:latin typeface="楷体" panose="02010609060101010101" pitchFamily="49" charset="-122"/>
-                <a:ea typeface="楷体" panose="02010609060101010101" pitchFamily="49" charset="-122"/>
-                <a:cs typeface="楷体" panose="02010609060101010101" pitchFamily="49" charset="-122"/>
-              </a:rPr>
-              <a:t>新资料分配遵循当前原则，</a:t>
-            </a:r>
-            <a:r>
-              <a:rPr lang="zh-CN" altLang="zh-CN" dirty="0" smtClean="0">
-                <a:latin typeface="楷体" panose="02010609060101010101" pitchFamily="49" charset="-122"/>
-                <a:ea typeface="楷体" panose="02010609060101010101" pitchFamily="49" charset="-122"/>
-                <a:cs typeface="楷体" panose="02010609060101010101" pitchFamily="49" charset="-122"/>
-              </a:rPr>
-              <a:t>分</a:t>
-            </a:r>
-            <a:r>
-              <a:rPr lang="zh-CN" altLang="en-US" dirty="0" smtClean="0">
-                <a:latin typeface="楷体" panose="02010609060101010101" pitchFamily="49" charset="-122"/>
-                <a:ea typeface="楷体" panose="02010609060101010101" pitchFamily="49" charset="-122"/>
-                <a:cs typeface="楷体" panose="02010609060101010101" pitchFamily="49" charset="-122"/>
-              </a:rPr>
-              <a:t>来源</a:t>
-            </a:r>
-            <a:r>
-              <a:rPr lang="en-US" altLang="zh-CN" dirty="0" smtClean="0">
-                <a:latin typeface="楷体" panose="02010609060101010101" pitchFamily="49" charset="-122"/>
-                <a:ea typeface="楷体" panose="02010609060101010101" pitchFamily="49" charset="-122"/>
-                <a:cs typeface="楷体" panose="02010609060101010101" pitchFamily="49" charset="-122"/>
-              </a:rPr>
-              <a:t>A1/A2</a:t>
-            </a:r>
-            <a:r>
-              <a:rPr lang="zh-CN" altLang="en-US" dirty="0" smtClean="0">
-                <a:latin typeface="楷体" panose="02010609060101010101" pitchFamily="49" charset="-122"/>
-                <a:ea typeface="楷体" panose="02010609060101010101" pitchFamily="49" charset="-122"/>
-                <a:cs typeface="楷体" panose="02010609060101010101" pitchFamily="49" charset="-122"/>
-              </a:rPr>
-              <a:t>，分</a:t>
-            </a:r>
-            <a:r>
-              <a:rPr lang="zh-CN" altLang="zh-CN" dirty="0" smtClean="0">
-                <a:latin typeface="楷体" panose="02010609060101010101" pitchFamily="49" charset="-122"/>
-                <a:ea typeface="楷体" panose="02010609060101010101" pitchFamily="49" charset="-122"/>
-                <a:cs typeface="楷体" panose="02010609060101010101" pitchFamily="49" charset="-122"/>
-              </a:rPr>
-              <a:t>科室；遵循高价值客户</a:t>
-            </a:r>
-            <a:r>
-              <a:rPr lang="zh-CN" altLang="en-US" dirty="0" smtClean="0">
-                <a:latin typeface="楷体" panose="02010609060101010101" pitchFamily="49" charset="-122"/>
-                <a:ea typeface="楷体" panose="02010609060101010101" pitchFamily="49" charset="-122"/>
-                <a:cs typeface="楷体" panose="02010609060101010101" pitchFamily="49" charset="-122"/>
-              </a:rPr>
-              <a:t>接入</a:t>
-            </a:r>
-            <a:r>
-              <a:rPr lang="zh-CN" altLang="zh-CN" dirty="0" smtClean="0">
-                <a:latin typeface="楷体" panose="02010609060101010101" pitchFamily="49" charset="-122"/>
-                <a:ea typeface="楷体" panose="02010609060101010101" pitchFamily="49" charset="-122"/>
-                <a:cs typeface="楷体" panose="02010609060101010101" pitchFamily="49" charset="-122"/>
-              </a:rPr>
-              <a:t>高</a:t>
-            </a:r>
-            <a:r>
-              <a:rPr lang="en-US" altLang="zh-CN" dirty="0" smtClean="0">
-                <a:latin typeface="楷体" panose="02010609060101010101" pitchFamily="49" charset="-122"/>
-                <a:ea typeface="楷体" panose="02010609060101010101" pitchFamily="49" charset="-122"/>
-                <a:cs typeface="楷体" panose="02010609060101010101" pitchFamily="49" charset="-122"/>
-              </a:rPr>
-              <a:t>P</a:t>
-            </a:r>
-            <a:r>
-              <a:rPr lang="zh-CN" altLang="zh-CN" dirty="0" smtClean="0">
-                <a:latin typeface="楷体" panose="02010609060101010101" pitchFamily="49" charset="-122"/>
-                <a:ea typeface="楷体" panose="02010609060101010101" pitchFamily="49" charset="-122"/>
-                <a:cs typeface="楷体" panose="02010609060101010101" pitchFamily="49" charset="-122"/>
-              </a:rPr>
-              <a:t>级</a:t>
-            </a:r>
-            <a:r>
-              <a:rPr lang="zh-CN" altLang="en-US" dirty="0" smtClean="0">
-                <a:latin typeface="楷体" panose="02010609060101010101" pitchFamily="49" charset="-122"/>
-                <a:ea typeface="楷体" panose="02010609060101010101" pitchFamily="49" charset="-122"/>
-                <a:cs typeface="楷体" panose="02010609060101010101" pitchFamily="49" charset="-122"/>
-              </a:rPr>
-              <a:t>原则</a:t>
-            </a:r>
-            <a:r>
-              <a:rPr lang="zh-CN" altLang="zh-CN" dirty="0" smtClean="0">
-                <a:latin typeface="楷体" panose="02010609060101010101" pitchFamily="49" charset="-122"/>
-                <a:ea typeface="楷体" panose="02010609060101010101" pitchFamily="49" charset="-122"/>
-                <a:cs typeface="楷体" panose="02010609060101010101" pitchFamily="49" charset="-122"/>
-              </a:rPr>
-              <a:t>；</a:t>
-            </a:r>
-            <a:r>
-              <a:rPr lang="zh-CN" altLang="zh-CN" dirty="0">
-                <a:latin typeface="楷体" panose="02010609060101010101" pitchFamily="49" charset="-122"/>
-                <a:ea typeface="楷体" panose="02010609060101010101" pitchFamily="49" charset="-122"/>
-                <a:cs typeface="楷体" panose="02010609060101010101" pitchFamily="49" charset="-122"/>
-              </a:rPr>
-              <a:t>新员工</a:t>
-            </a:r>
-            <a:r>
-              <a:rPr lang="en-US" altLang="zh-CN" dirty="0">
-                <a:latin typeface="楷体" panose="02010609060101010101" pitchFamily="49" charset="-122"/>
-                <a:ea typeface="楷体" panose="02010609060101010101" pitchFamily="49" charset="-122"/>
-                <a:cs typeface="楷体" panose="02010609060101010101" pitchFamily="49" charset="-122"/>
-              </a:rPr>
-              <a:t>/AI </a:t>
-            </a:r>
-            <a:r>
-              <a:rPr lang="zh-CN" altLang="zh-CN" dirty="0">
-                <a:latin typeface="楷体" panose="02010609060101010101" pitchFamily="49" charset="-122"/>
-                <a:ea typeface="楷体" panose="02010609060101010101" pitchFamily="49" charset="-122"/>
-                <a:cs typeface="楷体" panose="02010609060101010101" pitchFamily="49" charset="-122"/>
-              </a:rPr>
-              <a:t>优先呼叫公共库</a:t>
-            </a:r>
-            <a:r>
-              <a:rPr lang="en-US" altLang="zh-CN" dirty="0">
-                <a:latin typeface="楷体" panose="02010609060101010101" pitchFamily="49" charset="-122"/>
-                <a:ea typeface="楷体" panose="02010609060101010101" pitchFamily="49" charset="-122"/>
-                <a:cs typeface="楷体" panose="02010609060101010101" pitchFamily="49" charset="-122"/>
-              </a:rPr>
-              <a:t>/</a:t>
-            </a:r>
-            <a:r>
-              <a:rPr lang="zh-CN" altLang="zh-CN" dirty="0">
-                <a:latin typeface="楷体" panose="02010609060101010101" pitchFamily="49" charset="-122"/>
-                <a:ea typeface="楷体" panose="02010609060101010101" pitchFamily="49" charset="-122"/>
-                <a:cs typeface="楷体" panose="02010609060101010101" pitchFamily="49" charset="-122"/>
-              </a:rPr>
-              <a:t>未分配得资料库中再次购买对客户；</a:t>
-            </a:r>
-            <a:endParaRPr lang="zh-CN" altLang="zh-CN" dirty="0">
-              <a:latin typeface="楷体" panose="02010609060101010101" pitchFamily="49" charset="-122"/>
-              <a:ea typeface="楷体" panose="02010609060101010101" pitchFamily="49" charset="-122"/>
-              <a:cs typeface="楷体" panose="02010609060101010101" pitchFamily="49" charset="-122"/>
-            </a:endParaRPr>
-          </a:p>
-          <a:p>
-            <a:r>
-              <a:rPr lang="en-US" altLang="zh-CN" dirty="0" smtClean="0">
-                <a:latin typeface="楷体" panose="02010609060101010101" pitchFamily="49" charset="-122"/>
-                <a:ea typeface="楷体" panose="02010609060101010101" pitchFamily="49" charset="-122"/>
-                <a:cs typeface="楷体" panose="02010609060101010101" pitchFamily="49" charset="-122"/>
-              </a:rPr>
-              <a:t>-</a:t>
-            </a:r>
-            <a:r>
-              <a:rPr lang="zh-CN" altLang="en-US" dirty="0" smtClean="0">
-                <a:latin typeface="楷体" panose="02010609060101010101" pitchFamily="49" charset="-122"/>
-                <a:ea typeface="楷体" panose="02010609060101010101" pitchFamily="49" charset="-122"/>
-                <a:cs typeface="楷体" panose="02010609060101010101" pitchFamily="49" charset="-122"/>
-              </a:rPr>
-              <a:t>系统</a:t>
-            </a:r>
-            <a:r>
-              <a:rPr lang="zh-CN" altLang="zh-CN" dirty="0" smtClean="0">
-                <a:latin typeface="楷体" panose="02010609060101010101" pitchFamily="49" charset="-122"/>
-                <a:ea typeface="楷体" panose="02010609060101010101" pitchFamily="49" charset="-122"/>
-                <a:cs typeface="楷体" panose="02010609060101010101" pitchFamily="49" charset="-122"/>
-              </a:rPr>
-              <a:t>可设置客户资料的</a:t>
-            </a:r>
-            <a:r>
-              <a:rPr lang="zh-CN" altLang="zh-CN" dirty="0">
-                <a:latin typeface="楷体" panose="02010609060101010101" pitchFamily="49" charset="-122"/>
-                <a:ea typeface="楷体" panose="02010609060101010101" pitchFamily="49" charset="-122"/>
-                <a:cs typeface="楷体" panose="02010609060101010101" pitchFamily="49" charset="-122"/>
-              </a:rPr>
-              <a:t>保留条件，如完成客户档案、通话超过</a:t>
-            </a:r>
-            <a:r>
-              <a:rPr lang="en-US" altLang="zh-CN" dirty="0">
-                <a:latin typeface="楷体" panose="02010609060101010101" pitchFamily="49" charset="-122"/>
-                <a:ea typeface="楷体" panose="02010609060101010101" pitchFamily="49" charset="-122"/>
-                <a:cs typeface="楷体" panose="02010609060101010101" pitchFamily="49" charset="-122"/>
-              </a:rPr>
-              <a:t>30s</a:t>
-            </a:r>
-            <a:r>
-              <a:rPr lang="zh-CN" altLang="zh-CN" dirty="0" smtClean="0">
-                <a:latin typeface="楷体" panose="02010609060101010101" pitchFamily="49" charset="-122"/>
-                <a:ea typeface="楷体" panose="02010609060101010101" pitchFamily="49" charset="-122"/>
-                <a:cs typeface="楷体" panose="02010609060101010101" pitchFamily="49" charset="-122"/>
-              </a:rPr>
-              <a:t>或客户下单后资料才归入对应员工</a:t>
-            </a:r>
-            <a:r>
-              <a:rPr lang="zh-CN" altLang="en-US" dirty="0" smtClean="0">
-                <a:latin typeface="楷体" panose="02010609060101010101" pitchFamily="49" charset="-122"/>
-                <a:ea typeface="楷体" panose="02010609060101010101" pitchFamily="49" charset="-122"/>
-                <a:cs typeface="楷体" panose="02010609060101010101" pitchFamily="49" charset="-122"/>
-              </a:rPr>
-              <a:t>资料</a:t>
-            </a:r>
-            <a:r>
-              <a:rPr lang="zh-CN" altLang="zh-CN" dirty="0" smtClean="0">
-                <a:latin typeface="楷体" panose="02010609060101010101" pitchFamily="49" charset="-122"/>
-                <a:ea typeface="楷体" panose="02010609060101010101" pitchFamily="49" charset="-122"/>
-                <a:cs typeface="楷体" panose="02010609060101010101" pitchFamily="49" charset="-122"/>
-              </a:rPr>
-              <a:t>；</a:t>
-            </a:r>
-            <a:r>
-              <a:rPr lang="zh-CN" altLang="en-US" dirty="0" smtClean="0">
-                <a:latin typeface="楷体" panose="02010609060101010101" pitchFamily="49" charset="-122"/>
-                <a:ea typeface="楷体" panose="02010609060101010101" pitchFamily="49" charset="-122"/>
-                <a:cs typeface="楷体" panose="02010609060101010101" pitchFamily="49" charset="-122"/>
-              </a:rPr>
-              <a:t>如无法达成条件，则资料自动归入公共库，待购药提醒时间到达时，再次安排自动呼出；</a:t>
-            </a:r>
-            <a:endParaRPr lang="en-US" altLang="zh-CN" dirty="0">
-              <a:latin typeface="楷体" panose="02010609060101010101" pitchFamily="49" charset="-122"/>
-              <a:ea typeface="楷体" panose="02010609060101010101" pitchFamily="49" charset="-122"/>
-              <a:cs typeface="楷体" panose="02010609060101010101" pitchFamily="49" charset="-122"/>
-            </a:endParaRPr>
-          </a:p>
-          <a:p>
-            <a:r>
-              <a:rPr lang="zh-CN" altLang="zh-CN" dirty="0" smtClean="0">
-                <a:latin typeface="楷体" panose="02010609060101010101" pitchFamily="49" charset="-122"/>
-                <a:ea typeface="楷体" panose="02010609060101010101" pitchFamily="49" charset="-122"/>
-                <a:cs typeface="楷体" panose="02010609060101010101" pitchFamily="49" charset="-122"/>
-              </a:rPr>
-              <a:t>-</a:t>
-            </a:r>
-            <a:r>
-              <a:rPr lang="zh-CN" altLang="en-US" dirty="0" smtClean="0">
-                <a:latin typeface="楷体" panose="02010609060101010101" pitchFamily="49" charset="-122"/>
-                <a:ea typeface="楷体" panose="02010609060101010101" pitchFamily="49" charset="-122"/>
-                <a:cs typeface="楷体" panose="02010609060101010101" pitchFamily="49" charset="-122"/>
-              </a:rPr>
-              <a:t>自动外呼接入坐席后，自动弹屏客户资料，与正常拨打无差异；</a:t>
-            </a:r>
-            <a:endParaRPr lang="zh-CN" altLang="zh-CN" dirty="0">
-              <a:latin typeface="楷体" panose="02010609060101010101" pitchFamily="49" charset="-122"/>
-              <a:ea typeface="楷体" panose="02010609060101010101" pitchFamily="49" charset="-122"/>
-              <a:cs typeface="楷体" panose="02010609060101010101" pitchFamily="49" charset="-122"/>
-            </a:endParaRPr>
-          </a:p>
-          <a:p>
-            <a:endParaRPr lang="zh-CN" altLang="en-US" dirty="0"/>
-          </a:p>
-        </p:txBody>
-      </p:sp>
-    </p:spTree>
-  </p:cSld>
-  <p:clrMapOvr>
-    <a:masterClrMapping/>
-  </p:clrMapOvr>
-</p:sld>
-</file>
-
-<file path=ppt/slides/slide5.xml><?xml version="1.0" encoding="utf-8"?>
-<p:sld xmlns:a="http://schemas.openxmlformats.org/drawingml/2006/main" xmlns:r="http://schemas.openxmlformats.org/officeDocument/2006/relationships" xmlns:p="http://schemas.openxmlformats.org/presentationml/2006/main">
-  <p:cSld>
-    <p:spTree>
-      <p:nvGrpSpPr>
-        <p:cNvPr id="1" name=""/>
-        <p:cNvGrpSpPr/>
-        <p:nvPr/>
-      </p:nvGrpSpPr>
-      <p:grpSpPr>
-        <a:xfrm>
-          <a:off x="0" y="0"/>
-          <a:ext cx="0" cy="0"/>
-          <a:chOff x="0" y="0"/>
-          <a:chExt cx="0" cy="0"/>
-        </a:xfrm>
-      </p:grpSpPr>
-      <p:sp>
-        <p:nvSpPr>
-          <p:cNvPr id="4" name="TextBox 4"/>
-          <p:cNvSpPr txBox="1"/>
-          <p:nvPr/>
-        </p:nvSpPr>
-        <p:spPr>
-          <a:xfrm>
-            <a:off x="323527" y="323364"/>
-            <a:ext cx="7013623" cy="369332"/>
-          </a:xfrm>
-          <a:prstGeom prst="rect">
-            <a:avLst/>
-          </a:prstGeom>
-          <a:noFill/>
-        </p:spPr>
-        <p:txBody>
-          <a:bodyPr wrap="square" rtlCol="0">
-            <a:spAutoFit/>
-          </a:bodyPr>
-          <a:lstStyle/>
-          <a:p>
-            <a:r>
-              <a:rPr lang="zh-CN" altLang="en-US" b="1" dirty="0" smtClean="0">
-                <a:solidFill>
-                  <a:prstClr val="white"/>
-                </a:solidFill>
-                <a:latin typeface="楷体" panose="02010609060101010101" pitchFamily="49" charset="-122"/>
-                <a:ea typeface="楷体" panose="02010609060101010101" pitchFamily="49" charset="-122"/>
-              </a:rPr>
-              <a:t>自动外呼需求</a:t>
-            </a:r>
-            <a:r>
-              <a:rPr lang="en-US" altLang="zh-CN" b="1" dirty="0" smtClean="0">
-                <a:solidFill>
-                  <a:prstClr val="white"/>
-                </a:solidFill>
-                <a:latin typeface="楷体" panose="02010609060101010101" pitchFamily="49" charset="-122"/>
-                <a:ea typeface="楷体" panose="02010609060101010101" pitchFamily="49" charset="-122"/>
-              </a:rPr>
-              <a:t>-</a:t>
-            </a:r>
-            <a:r>
-              <a:rPr lang="zh-CN" altLang="en-US" b="1" dirty="0" smtClean="0">
-                <a:solidFill>
-                  <a:prstClr val="white"/>
-                </a:solidFill>
-                <a:latin typeface="楷体" panose="02010609060101010101" pitchFamily="49" charset="-122"/>
-                <a:ea typeface="楷体" panose="02010609060101010101" pitchFamily="49" charset="-122"/>
-              </a:rPr>
-              <a:t>整体流程</a:t>
-            </a:r>
-            <a:endParaRPr lang="zh-CN" altLang="en-US" b="1" dirty="0">
-              <a:solidFill>
-                <a:prstClr val="white"/>
-              </a:solidFill>
-              <a:latin typeface="楷体" panose="02010609060101010101" pitchFamily="49" charset="-122"/>
-              <a:ea typeface="楷体" panose="02010609060101010101" pitchFamily="49" charset="-122"/>
-            </a:endParaRPr>
-          </a:p>
-        </p:txBody>
-      </p:sp>
-      <p:sp>
-        <p:nvSpPr>
-          <p:cNvPr id="5" name="文本框 4"/>
-          <p:cNvSpPr txBox="1"/>
-          <p:nvPr/>
-        </p:nvSpPr>
-        <p:spPr>
-          <a:xfrm>
-            <a:off x="611560" y="1556792"/>
-            <a:ext cx="2016224" cy="369332"/>
-          </a:xfrm>
-          <a:prstGeom prst="rect">
-            <a:avLst/>
-          </a:prstGeom>
-          <a:noFill/>
-        </p:spPr>
-        <p:txBody>
-          <a:bodyPr wrap="square" rtlCol="0">
-            <a:spAutoFit/>
-          </a:bodyPr>
-          <a:lstStyle/>
-          <a:p>
-            <a:r>
-              <a:rPr kumimoji="1" lang="zh-CN" altLang="en-US" dirty="0" smtClean="0"/>
-              <a:t>新客户资料</a:t>
-            </a:r>
-            <a:endParaRPr kumimoji="1" lang="zh-CN" altLang="en-US" dirty="0"/>
-          </a:p>
-        </p:txBody>
-      </p:sp>
-      <p:sp>
-        <p:nvSpPr>
-          <p:cNvPr id="6" name="文本框 5"/>
-          <p:cNvSpPr txBox="1"/>
-          <p:nvPr/>
-        </p:nvSpPr>
-        <p:spPr>
-          <a:xfrm>
-            <a:off x="611560" y="2276872"/>
-            <a:ext cx="1296144" cy="923330"/>
-          </a:xfrm>
-          <a:prstGeom prst="rect">
-            <a:avLst/>
-          </a:prstGeom>
-          <a:noFill/>
-        </p:spPr>
-        <p:txBody>
-          <a:bodyPr wrap="square" rtlCol="0">
-            <a:spAutoFit/>
-          </a:bodyPr>
-          <a:lstStyle/>
-          <a:p>
-            <a:r>
-              <a:rPr kumimoji="1" lang="zh-CN" altLang="en-US" dirty="0" smtClean="0"/>
-              <a:t>公共库客户再次购买情况</a:t>
-            </a:r>
-            <a:endParaRPr kumimoji="1" lang="zh-CN" altLang="en-US" dirty="0"/>
-          </a:p>
-        </p:txBody>
-      </p:sp>
-      <p:sp>
-        <p:nvSpPr>
-          <p:cNvPr id="2" name="右大括号 1"/>
-          <p:cNvSpPr/>
-          <p:nvPr/>
-        </p:nvSpPr>
-        <p:spPr>
-          <a:xfrm>
-            <a:off x="1979712" y="1772816"/>
-            <a:ext cx="144016" cy="1224136"/>
-          </a:xfrm>
-          <a:prstGeom prst="rightBrace">
-            <a:avLst/>
-          </a:prstGeom>
-        </p:spPr>
-        <p:style>
-          <a:lnRef idx="2">
-            <a:schemeClr val="accent1"/>
-          </a:lnRef>
-          <a:fillRef idx="0">
-            <a:schemeClr val="accent1"/>
-          </a:fillRef>
-          <a:effectRef idx="1">
-            <a:schemeClr val="accent1"/>
-          </a:effectRef>
-          <a:fontRef idx="minor">
-            <a:schemeClr val="tx1"/>
-          </a:fontRef>
-        </p:style>
-        <p:txBody>
-          <a:bodyPr rtlCol="0" anchor="ctr"/>
-          <a:lstStyle/>
-          <a:p>
-            <a:pPr algn="ctr"/>
-            <a:endParaRPr kumimoji="1" lang="zh-CN" altLang="en-US"/>
-          </a:p>
-        </p:txBody>
-      </p:sp>
-      <p:sp>
-        <p:nvSpPr>
-          <p:cNvPr id="9" name="文本框 8"/>
-          <p:cNvSpPr txBox="1"/>
-          <p:nvPr/>
-        </p:nvSpPr>
-        <p:spPr>
-          <a:xfrm>
-            <a:off x="2123728" y="1700808"/>
-            <a:ext cx="1224136" cy="646331"/>
-          </a:xfrm>
-          <a:prstGeom prst="rect">
-            <a:avLst/>
-          </a:prstGeom>
-          <a:noFill/>
-        </p:spPr>
-        <p:txBody>
-          <a:bodyPr wrap="square" rtlCol="0">
-            <a:spAutoFit/>
-          </a:bodyPr>
-          <a:lstStyle/>
-          <a:p>
-            <a:r>
-              <a:rPr kumimoji="1" lang="zh-CN" altLang="en-US" dirty="0" smtClean="0"/>
-              <a:t>对应科室员工示闲</a:t>
-            </a:r>
-            <a:endParaRPr kumimoji="1" lang="zh-CN" altLang="en-US" dirty="0"/>
-          </a:p>
-        </p:txBody>
-      </p:sp>
-      <p:cxnSp>
-        <p:nvCxnSpPr>
-          <p:cNvPr id="17" name="直线箭头连接符 16"/>
-          <p:cNvCxnSpPr>
-            <a:stCxn id="2" idx="1"/>
-            <a:endCxn id="18" idx="1"/>
-          </p:cNvCxnSpPr>
-          <p:nvPr/>
-        </p:nvCxnSpPr>
-        <p:spPr>
-          <a:xfrm>
-            <a:off x="2123728" y="2384884"/>
-            <a:ext cx="1512168" cy="4646"/>
-          </a:xfrm>
-          <a:prstGeom prst="straightConnector1">
-            <a:avLst/>
-          </a:prstGeom>
-          <a:ln>
-            <a:tailEnd type="arrow"/>
-          </a:ln>
-        </p:spPr>
-        <p:style>
-          <a:lnRef idx="2">
-            <a:schemeClr val="accent1"/>
-          </a:lnRef>
-          <a:fillRef idx="0">
-            <a:schemeClr val="accent1"/>
-          </a:fillRef>
-          <a:effectRef idx="1">
-            <a:schemeClr val="accent1"/>
-          </a:effectRef>
-          <a:fontRef idx="minor">
-            <a:schemeClr val="tx1"/>
-          </a:fontRef>
-        </p:style>
-      </p:cxnSp>
-      <p:sp>
-        <p:nvSpPr>
-          <p:cNvPr id="18" name="矩形 17"/>
-          <p:cNvSpPr/>
-          <p:nvPr/>
-        </p:nvSpPr>
-        <p:spPr>
-          <a:xfrm>
-            <a:off x="3635896" y="2204864"/>
-            <a:ext cx="1582484" cy="369332"/>
-          </a:xfrm>
-          <a:prstGeom prst="rect">
-            <a:avLst/>
-          </a:prstGeom>
-          <a:ln>
-            <a:solidFill>
-              <a:schemeClr val="tx2">
-                <a:lumMod val="60000"/>
-                <a:lumOff val="40000"/>
-              </a:schemeClr>
-            </a:solidFill>
-            <a:prstDash val="sysDash"/>
-          </a:ln>
-        </p:spPr>
-        <p:txBody>
-          <a:bodyPr wrap="none" rtlCol="0" anchor="ctr">
-            <a:spAutoFit/>
-          </a:bodyPr>
-          <a:lstStyle/>
-          <a:p>
-            <a:pPr algn="ctr"/>
-            <a:r>
-              <a:rPr kumimoji="1" lang="zh-CN" altLang="en-US" b="1" dirty="0" smtClean="0">
-                <a:latin typeface="+mn-ea"/>
-              </a:rPr>
-              <a:t>系统自动外呼</a:t>
-            </a:r>
-            <a:endParaRPr kumimoji="1" lang="zh-CN" altLang="en-US" b="1" dirty="0">
-              <a:latin typeface="+mn-ea"/>
-            </a:endParaRPr>
-          </a:p>
-        </p:txBody>
-      </p:sp>
-      <p:cxnSp>
-        <p:nvCxnSpPr>
-          <p:cNvPr id="20" name="直线箭头连接符 19"/>
-          <p:cNvCxnSpPr>
-            <a:stCxn id="18" idx="3"/>
-            <a:endCxn id="25" idx="1"/>
-          </p:cNvCxnSpPr>
-          <p:nvPr/>
-        </p:nvCxnSpPr>
-        <p:spPr>
-          <a:xfrm flipV="1">
-            <a:off x="5218380" y="2374141"/>
-            <a:ext cx="1225828" cy="15389"/>
-          </a:xfrm>
-          <a:prstGeom prst="straightConnector1">
-            <a:avLst/>
-          </a:prstGeom>
-          <a:ln>
-            <a:tailEnd type="arrow"/>
-          </a:ln>
-        </p:spPr>
-        <p:style>
-          <a:lnRef idx="2">
-            <a:schemeClr val="accent1"/>
-          </a:lnRef>
-          <a:fillRef idx="0">
-            <a:schemeClr val="accent1"/>
-          </a:fillRef>
-          <a:effectRef idx="1">
-            <a:schemeClr val="accent1"/>
-          </a:effectRef>
-          <a:fontRef idx="minor">
-            <a:schemeClr val="tx1"/>
-          </a:fontRef>
-        </p:style>
-      </p:cxnSp>
-      <p:sp>
-        <p:nvSpPr>
-          <p:cNvPr id="24" name="文本框 23"/>
-          <p:cNvSpPr txBox="1"/>
-          <p:nvPr/>
-        </p:nvSpPr>
-        <p:spPr>
-          <a:xfrm>
-            <a:off x="5292080" y="1916832"/>
-            <a:ext cx="1224136" cy="369332"/>
-          </a:xfrm>
-          <a:prstGeom prst="rect">
-            <a:avLst/>
-          </a:prstGeom>
-          <a:noFill/>
-        </p:spPr>
-        <p:txBody>
-          <a:bodyPr wrap="square" rtlCol="0">
-            <a:spAutoFit/>
-          </a:bodyPr>
-          <a:lstStyle/>
-          <a:p>
-            <a:r>
-              <a:rPr kumimoji="1" lang="zh-CN" altLang="en-US" dirty="0" smtClean="0"/>
-              <a:t>客户接通</a:t>
-            </a:r>
-            <a:endParaRPr kumimoji="1" lang="zh-CN" altLang="en-US" dirty="0"/>
-          </a:p>
-        </p:txBody>
-      </p:sp>
-      <p:sp>
-        <p:nvSpPr>
-          <p:cNvPr id="25" name="文本框 24"/>
-          <p:cNvSpPr txBox="1"/>
-          <p:nvPr/>
-        </p:nvSpPr>
-        <p:spPr>
-          <a:xfrm>
-            <a:off x="6444208" y="2204864"/>
-            <a:ext cx="1080120" cy="338554"/>
-          </a:xfrm>
-          <a:prstGeom prst="rect">
-            <a:avLst/>
-          </a:prstGeom>
-          <a:noFill/>
-        </p:spPr>
-        <p:txBody>
-          <a:bodyPr wrap="square" rtlCol="0">
-            <a:spAutoFit/>
-          </a:bodyPr>
-          <a:lstStyle/>
-          <a:p>
-            <a:r>
-              <a:rPr kumimoji="1" lang="zh-CN" altLang="en-US" sz="1600" dirty="0" smtClean="0"/>
-              <a:t>接入坐席</a:t>
-            </a:r>
-            <a:endParaRPr kumimoji="1" lang="zh-CN" altLang="en-US" sz="1600" dirty="0"/>
-          </a:p>
-        </p:txBody>
-      </p:sp>
-      <p:sp>
-        <p:nvSpPr>
-          <p:cNvPr id="27" name="上箭头 26"/>
-          <p:cNvSpPr/>
-          <p:nvPr/>
-        </p:nvSpPr>
-        <p:spPr>
-          <a:xfrm>
-            <a:off x="6804248" y="2708920"/>
-            <a:ext cx="360040" cy="576064"/>
-          </a:xfrm>
-          <a:prstGeom prst="upArrow">
-            <a:avLst/>
-          </a:prstGeom>
-          <a:ln>
-            <a:solidFill>
-              <a:schemeClr val="tx2">
-                <a:lumMod val="60000"/>
-                <a:lumOff val="40000"/>
-              </a:schemeClr>
-            </a:solidFill>
-            <a:prstDash val="solid"/>
-          </a:ln>
-        </p:spPr>
-        <p:txBody>
-          <a:bodyPr wrap="none" rtlCol="0" anchor="ctr">
-            <a:spAutoFit/>
-          </a:bodyPr>
-          <a:lstStyle/>
-          <a:p>
-            <a:pPr algn="ctr"/>
-            <a:endParaRPr kumimoji="1" lang="zh-CN" altLang="en-US" b="1" dirty="0">
-              <a:latin typeface="微软雅黑" panose="020B0503020204020204" pitchFamily="34" charset="-122"/>
-              <a:ea typeface="微软雅黑" panose="020B0503020204020204" pitchFamily="34" charset="-122"/>
-            </a:endParaRPr>
-          </a:p>
-        </p:txBody>
-      </p:sp>
-      <p:sp>
-        <p:nvSpPr>
-          <p:cNvPr id="28" name="上箭头 27"/>
-          <p:cNvSpPr/>
-          <p:nvPr/>
-        </p:nvSpPr>
-        <p:spPr>
-          <a:xfrm>
-            <a:off x="4427984" y="2780928"/>
-            <a:ext cx="360040" cy="576064"/>
-          </a:xfrm>
-          <a:prstGeom prst="upArrow">
-            <a:avLst/>
-          </a:prstGeom>
-          <a:ln>
-            <a:solidFill>
-              <a:schemeClr val="tx2">
-                <a:lumMod val="60000"/>
-                <a:lumOff val="40000"/>
-              </a:schemeClr>
-            </a:solidFill>
-            <a:prstDash val="solid"/>
-          </a:ln>
-        </p:spPr>
-        <p:txBody>
-          <a:bodyPr wrap="none" rtlCol="0" anchor="ctr">
-            <a:spAutoFit/>
-          </a:bodyPr>
-          <a:lstStyle/>
-          <a:p>
-            <a:pPr algn="ctr"/>
-            <a:endParaRPr kumimoji="1" lang="zh-CN" altLang="en-US" b="1" dirty="0">
-              <a:latin typeface="微软雅黑" panose="020B0503020204020204" pitchFamily="34" charset="-122"/>
-              <a:ea typeface="微软雅黑" panose="020B0503020204020204" pitchFamily="34" charset="-122"/>
-            </a:endParaRPr>
-          </a:p>
-        </p:txBody>
-      </p:sp>
-      <p:sp>
-        <p:nvSpPr>
-          <p:cNvPr id="29" name="上箭头 28"/>
-          <p:cNvSpPr/>
-          <p:nvPr/>
-        </p:nvSpPr>
-        <p:spPr>
-          <a:xfrm>
-            <a:off x="2339752" y="2636912"/>
-            <a:ext cx="360040" cy="576064"/>
-          </a:xfrm>
-          <a:prstGeom prst="upArrow">
-            <a:avLst/>
-          </a:prstGeom>
-          <a:ln>
-            <a:solidFill>
-              <a:schemeClr val="tx2">
-                <a:lumMod val="60000"/>
-                <a:lumOff val="40000"/>
-              </a:schemeClr>
-            </a:solidFill>
-            <a:prstDash val="solid"/>
-          </a:ln>
-        </p:spPr>
-        <p:txBody>
-          <a:bodyPr wrap="none" rtlCol="0" anchor="ctr">
-            <a:spAutoFit/>
-          </a:bodyPr>
-          <a:lstStyle/>
-          <a:p>
-            <a:pPr algn="ctr"/>
-            <a:endParaRPr kumimoji="1" lang="zh-CN" altLang="en-US" b="1" dirty="0">
-              <a:latin typeface="微软雅黑" panose="020B0503020204020204" pitchFamily="34" charset="-122"/>
-              <a:ea typeface="微软雅黑" panose="020B0503020204020204" pitchFamily="34" charset="-122"/>
-            </a:endParaRPr>
-          </a:p>
-        </p:txBody>
-      </p:sp>
-      <p:sp>
-        <p:nvSpPr>
-          <p:cNvPr id="30" name="文本框 29"/>
-          <p:cNvSpPr txBox="1"/>
-          <p:nvPr/>
-        </p:nvSpPr>
-        <p:spPr>
-          <a:xfrm>
-            <a:off x="1115616" y="3356992"/>
-            <a:ext cx="2448272" cy="3323987"/>
-          </a:xfrm>
-          <a:prstGeom prst="rect">
-            <a:avLst/>
-          </a:prstGeom>
-          <a:noFill/>
-        </p:spPr>
-        <p:txBody>
-          <a:bodyPr wrap="square" rtlCol="0">
-            <a:spAutoFit/>
-          </a:bodyPr>
-          <a:lstStyle/>
-          <a:p>
-            <a:r>
-              <a:rPr kumimoji="1" lang="en-US" altLang="zh-CN" sz="1400" dirty="0" smtClean="0">
-                <a:latin typeface="宋体" panose="02010600030101010101" pitchFamily="2" charset="-122"/>
-                <a:ea typeface="宋体" panose="02010600030101010101" pitchFamily="2" charset="-122"/>
-                <a:cs typeface="宋体" panose="02010600030101010101" pitchFamily="2" charset="-122"/>
-              </a:rPr>
-              <a:t>1.CRM</a:t>
-            </a:r>
-            <a:r>
-              <a:rPr kumimoji="1" lang="zh-CN" altLang="en-US" sz="1400" dirty="0" smtClean="0">
-                <a:latin typeface="宋体" panose="02010600030101010101" pitchFamily="2" charset="-122"/>
-                <a:ea typeface="宋体" panose="02010600030101010101" pitchFamily="2" charset="-122"/>
-                <a:cs typeface="宋体" panose="02010600030101010101" pitchFamily="2" charset="-122"/>
-              </a:rPr>
-              <a:t>上员工状态增加：示忙</a:t>
-            </a:r>
-            <a:r>
-              <a:rPr kumimoji="1" lang="en-US" altLang="zh-CN" sz="1400" dirty="0" smtClean="0">
-                <a:latin typeface="宋体" panose="02010600030101010101" pitchFamily="2" charset="-122"/>
-                <a:ea typeface="宋体" panose="02010600030101010101" pitchFamily="2" charset="-122"/>
-                <a:cs typeface="宋体" panose="02010600030101010101" pitchFamily="2" charset="-122"/>
-              </a:rPr>
-              <a:t>/</a:t>
-            </a:r>
-            <a:r>
-              <a:rPr kumimoji="1" lang="zh-CN" altLang="en-US" sz="1400" dirty="0" smtClean="0">
-                <a:latin typeface="宋体" panose="02010600030101010101" pitchFamily="2" charset="-122"/>
-                <a:ea typeface="宋体" panose="02010600030101010101" pitchFamily="2" charset="-122"/>
-                <a:cs typeface="宋体" panose="02010600030101010101" pitchFamily="2" charset="-122"/>
-              </a:rPr>
-              <a:t>整理</a:t>
-            </a:r>
-            <a:r>
-              <a:rPr kumimoji="1" lang="en-US" altLang="zh-CN" sz="1400" dirty="0" smtClean="0">
-                <a:latin typeface="宋体" panose="02010600030101010101" pitchFamily="2" charset="-122"/>
-                <a:ea typeface="宋体" panose="02010600030101010101" pitchFamily="2" charset="-122"/>
-                <a:cs typeface="宋体" panose="02010600030101010101" pitchFamily="2" charset="-122"/>
-              </a:rPr>
-              <a:t>/</a:t>
-            </a:r>
-            <a:r>
-              <a:rPr kumimoji="1" lang="zh-CN" altLang="en-US" sz="1400" dirty="0" smtClean="0">
-                <a:latin typeface="宋体" panose="02010600030101010101" pitchFamily="2" charset="-122"/>
-                <a:ea typeface="宋体" panose="02010600030101010101" pitchFamily="2" charset="-122"/>
-                <a:cs typeface="宋体" panose="02010600030101010101" pitchFamily="2" charset="-122"/>
-              </a:rPr>
-              <a:t>示闲</a:t>
-            </a:r>
-            <a:r>
-              <a:rPr kumimoji="1" lang="en-US" altLang="zh-CN" sz="1400" dirty="0" smtClean="0">
-                <a:latin typeface="宋体" panose="02010600030101010101" pitchFamily="2" charset="-122"/>
-                <a:ea typeface="宋体" panose="02010600030101010101" pitchFamily="2" charset="-122"/>
-                <a:cs typeface="宋体" panose="02010600030101010101" pitchFamily="2" charset="-122"/>
-              </a:rPr>
-              <a:t>/</a:t>
-            </a:r>
-            <a:r>
-              <a:rPr kumimoji="1" lang="zh-CN" altLang="en-US" sz="1400" dirty="0" smtClean="0">
-                <a:latin typeface="宋体" panose="02010600030101010101" pitchFamily="2" charset="-122"/>
-                <a:ea typeface="宋体" panose="02010600030101010101" pitchFamily="2" charset="-122"/>
-                <a:cs typeface="宋体" panose="02010600030101010101" pitchFamily="2" charset="-122"/>
-              </a:rPr>
-              <a:t>转接</a:t>
-            </a:r>
-            <a:endParaRPr kumimoji="1" lang="en-US" altLang="zh-CN" sz="1400" dirty="0" smtClean="0">
-              <a:latin typeface="宋体" panose="02010600030101010101" pitchFamily="2" charset="-122"/>
-              <a:ea typeface="宋体" panose="02010600030101010101" pitchFamily="2" charset="-122"/>
-              <a:cs typeface="宋体" panose="02010600030101010101" pitchFamily="2" charset="-122"/>
-            </a:endParaRPr>
-          </a:p>
-          <a:p>
-            <a:r>
-              <a:rPr kumimoji="1" lang="zh-CN" altLang="zh-CN" sz="1400" dirty="0" smtClean="0">
-                <a:latin typeface="宋体" panose="02010600030101010101" pitchFamily="2" charset="-122"/>
-                <a:ea typeface="宋体" panose="02010600030101010101" pitchFamily="2" charset="-122"/>
-                <a:cs typeface="宋体" panose="02010600030101010101" pitchFamily="2" charset="-122"/>
-              </a:rPr>
-              <a:t>2</a:t>
-            </a:r>
-            <a:r>
-              <a:rPr kumimoji="1" lang="en-US" altLang="zh-CN" sz="1400" dirty="0" smtClean="0">
-                <a:latin typeface="宋体" panose="02010600030101010101" pitchFamily="2" charset="-122"/>
-                <a:ea typeface="宋体" panose="02010600030101010101" pitchFamily="2" charset="-122"/>
-                <a:cs typeface="宋体" panose="02010600030101010101" pitchFamily="2" charset="-122"/>
-              </a:rPr>
-              <a:t>.</a:t>
-            </a:r>
-            <a:r>
-              <a:rPr kumimoji="1" lang="zh-CN" altLang="en-US" sz="1400" dirty="0" smtClean="0">
-                <a:latin typeface="宋体" panose="02010600030101010101" pitchFamily="2" charset="-122"/>
-                <a:ea typeface="宋体" panose="02010600030101010101" pitchFamily="2" charset="-122"/>
-                <a:cs typeface="宋体" panose="02010600030101010101" pitchFamily="2" charset="-122"/>
-              </a:rPr>
-              <a:t>增加队列（已添加，当前队列按照小组建立）</a:t>
-            </a:r>
-            <a:endParaRPr kumimoji="1" lang="en-US" altLang="zh-CN" sz="1400" dirty="0" smtClean="0">
-              <a:latin typeface="宋体" panose="02010600030101010101" pitchFamily="2" charset="-122"/>
-              <a:ea typeface="宋体" panose="02010600030101010101" pitchFamily="2" charset="-122"/>
-              <a:cs typeface="宋体" panose="02010600030101010101" pitchFamily="2" charset="-122"/>
-            </a:endParaRPr>
-          </a:p>
-          <a:p>
-            <a:r>
-              <a:rPr kumimoji="1" lang="zh-CN" altLang="zh-CN" sz="1400" dirty="0" smtClean="0">
-                <a:latin typeface="宋体" panose="02010600030101010101" pitchFamily="2" charset="-122"/>
-                <a:ea typeface="宋体" panose="02010600030101010101" pitchFamily="2" charset="-122"/>
-                <a:cs typeface="宋体" panose="02010600030101010101" pitchFamily="2" charset="-122"/>
-              </a:rPr>
-              <a:t>3</a:t>
-            </a:r>
-            <a:r>
-              <a:rPr kumimoji="1" lang="en-US" altLang="zh-CN" sz="1400" dirty="0" smtClean="0">
-                <a:latin typeface="宋体" panose="02010600030101010101" pitchFamily="2" charset="-122"/>
-                <a:ea typeface="宋体" panose="02010600030101010101" pitchFamily="2" charset="-122"/>
-                <a:cs typeface="宋体" panose="02010600030101010101" pitchFamily="2" charset="-122"/>
-              </a:rPr>
-              <a:t>.</a:t>
-            </a:r>
-            <a:r>
-              <a:rPr kumimoji="1" lang="zh-CN" altLang="en-US" sz="1400" dirty="0" smtClean="0">
-                <a:latin typeface="宋体" panose="02010600030101010101" pitchFamily="2" charset="-122"/>
-                <a:ea typeface="宋体" panose="02010600030101010101" pitchFamily="2" charset="-122"/>
-                <a:cs typeface="宋体" panose="02010600030101010101" pitchFamily="2" charset="-122"/>
-              </a:rPr>
-              <a:t>资料分配规则配置页面：</a:t>
-            </a:r>
-            <a:endParaRPr kumimoji="1" lang="en-US" altLang="zh-CN" sz="1400" dirty="0" smtClean="0">
-              <a:latin typeface="宋体" panose="02010600030101010101" pitchFamily="2" charset="-122"/>
-              <a:ea typeface="宋体" panose="02010600030101010101" pitchFamily="2" charset="-122"/>
-              <a:cs typeface="宋体" panose="02010600030101010101" pitchFamily="2" charset="-122"/>
-            </a:endParaRPr>
-          </a:p>
-          <a:p>
-            <a:r>
-              <a:rPr kumimoji="1" lang="zh-CN" altLang="zh-CN" sz="1400" dirty="0" smtClean="0">
-                <a:latin typeface="宋体" panose="02010600030101010101" pitchFamily="2" charset="-122"/>
-                <a:ea typeface="宋体" panose="02010600030101010101" pitchFamily="2" charset="-122"/>
-                <a:cs typeface="宋体" panose="02010600030101010101" pitchFamily="2" charset="-122"/>
-              </a:rPr>
-              <a:t>（</a:t>
-            </a:r>
-            <a:r>
-              <a:rPr kumimoji="1" lang="en-US" altLang="zh-CN" sz="1400" dirty="0" smtClean="0">
-                <a:latin typeface="宋体" panose="02010600030101010101" pitchFamily="2" charset="-122"/>
-                <a:ea typeface="宋体" panose="02010600030101010101" pitchFamily="2" charset="-122"/>
-                <a:cs typeface="宋体" panose="02010600030101010101" pitchFamily="2" charset="-122"/>
-              </a:rPr>
-              <a:t>1</a:t>
-            </a:r>
-            <a:r>
-              <a:rPr kumimoji="1" lang="zh-CN" altLang="en-US" sz="1400" dirty="0" smtClean="0">
-                <a:latin typeface="宋体" panose="02010600030101010101" pitchFamily="2" charset="-122"/>
-                <a:ea typeface="宋体" panose="02010600030101010101" pitchFamily="2" charset="-122"/>
-                <a:cs typeface="宋体" panose="02010600030101010101" pitchFamily="2" charset="-122"/>
-              </a:rPr>
-              <a:t>）处方审核：直接分空闲；</a:t>
-            </a:r>
-            <a:endParaRPr kumimoji="1" lang="en-US" altLang="zh-CN" sz="1400" dirty="0" smtClean="0">
-              <a:latin typeface="宋体" panose="02010600030101010101" pitchFamily="2" charset="-122"/>
-              <a:ea typeface="宋体" panose="02010600030101010101" pitchFamily="2" charset="-122"/>
-              <a:cs typeface="宋体" panose="02010600030101010101" pitchFamily="2" charset="-122"/>
-            </a:endParaRPr>
-          </a:p>
-          <a:p>
-            <a:r>
-              <a:rPr kumimoji="1" lang="zh-CN" altLang="zh-CN" sz="1400" dirty="0" smtClean="0">
-                <a:latin typeface="宋体" panose="02010600030101010101" pitchFamily="2" charset="-122"/>
-                <a:ea typeface="宋体" panose="02010600030101010101" pitchFamily="2" charset="-122"/>
-                <a:cs typeface="宋体" panose="02010600030101010101" pitchFamily="2" charset="-122"/>
-              </a:rPr>
-              <a:t>（</a:t>
-            </a:r>
-            <a:r>
-              <a:rPr kumimoji="1" lang="en-US" altLang="zh-CN" sz="1400" dirty="0" smtClean="0">
-                <a:latin typeface="宋体" panose="02010600030101010101" pitchFamily="2" charset="-122"/>
-                <a:ea typeface="宋体" panose="02010600030101010101" pitchFamily="2" charset="-122"/>
-                <a:cs typeface="宋体" panose="02010600030101010101" pitchFamily="2" charset="-122"/>
-              </a:rPr>
-              <a:t>2</a:t>
-            </a:r>
-            <a:r>
-              <a:rPr kumimoji="1" lang="zh-CN" altLang="en-US" sz="1400" dirty="0" smtClean="0">
-                <a:latin typeface="宋体" panose="02010600030101010101" pitchFamily="2" charset="-122"/>
-                <a:ea typeface="宋体" panose="02010600030101010101" pitchFamily="2" charset="-122"/>
-                <a:cs typeface="宋体" panose="02010600030101010101" pitchFamily="2" charset="-122"/>
-              </a:rPr>
-              <a:t>）慢病：能对应员工科室分配；</a:t>
-            </a:r>
-            <a:r>
-              <a:rPr kumimoji="1" lang="en-US" altLang="zh-CN" sz="1400" dirty="0" smtClean="0">
-                <a:latin typeface="宋体" panose="02010600030101010101" pitchFamily="2" charset="-122"/>
-                <a:ea typeface="宋体" panose="02010600030101010101" pitchFamily="2" charset="-122"/>
-                <a:cs typeface="宋体" panose="02010600030101010101" pitchFamily="2" charset="-122"/>
-              </a:rPr>
-              <a:t>500</a:t>
-            </a:r>
-            <a:r>
-              <a:rPr kumimoji="1" lang="zh-CN" altLang="en-US" sz="1400" dirty="0" smtClean="0">
-                <a:latin typeface="宋体" panose="02010600030101010101" pitchFamily="2" charset="-122"/>
-                <a:ea typeface="宋体" panose="02010600030101010101" pitchFamily="2" charset="-122"/>
-                <a:cs typeface="宋体" panose="02010600030101010101" pitchFamily="2" charset="-122"/>
-              </a:rPr>
-              <a:t>以上高金额客户</a:t>
-            </a:r>
-            <a:r>
-              <a:rPr kumimoji="1" lang="en-US" altLang="zh-CN" sz="1400" dirty="0" smtClean="0">
-                <a:latin typeface="宋体" panose="02010600030101010101" pitchFamily="2" charset="-122"/>
-                <a:ea typeface="宋体" panose="02010600030101010101" pitchFamily="2" charset="-122"/>
-                <a:cs typeface="宋体" panose="02010600030101010101" pitchFamily="2" charset="-122"/>
-              </a:rPr>
-              <a:t>24</a:t>
-            </a:r>
-            <a:r>
-              <a:rPr kumimoji="1" lang="zh-CN" altLang="en-US" sz="1400" dirty="0" smtClean="0">
-                <a:latin typeface="宋体" panose="02010600030101010101" pitchFamily="2" charset="-122"/>
-                <a:ea typeface="宋体" panose="02010600030101010101" pitchFamily="2" charset="-122"/>
-                <a:cs typeface="宋体" panose="02010600030101010101" pitchFamily="2" charset="-122"/>
-              </a:rPr>
-              <a:t>小时内优先分配高职级</a:t>
-            </a:r>
-            <a:r>
-              <a:rPr kumimoji="1" lang="en-US" altLang="zh-CN" sz="1400" dirty="0" smtClean="0">
-                <a:latin typeface="宋体" panose="02010600030101010101" pitchFamily="2" charset="-122"/>
-                <a:ea typeface="宋体" panose="02010600030101010101" pitchFamily="2" charset="-122"/>
-                <a:cs typeface="宋体" panose="02010600030101010101" pitchFamily="2" charset="-122"/>
-              </a:rPr>
-              <a:t>P3</a:t>
-            </a:r>
-            <a:r>
-              <a:rPr kumimoji="1" lang="zh-CN" altLang="en-US" sz="1400" dirty="0" smtClean="0">
-                <a:latin typeface="宋体" panose="02010600030101010101" pitchFamily="2" charset="-122"/>
-                <a:ea typeface="宋体" panose="02010600030101010101" pitchFamily="2" charset="-122"/>
-                <a:cs typeface="宋体" panose="02010600030101010101" pitchFamily="2" charset="-122"/>
-              </a:rPr>
-              <a:t>员工；</a:t>
-            </a:r>
-            <a:endParaRPr kumimoji="1" lang="en-US" altLang="zh-CN" sz="1400" dirty="0" smtClean="0">
-              <a:latin typeface="宋体" panose="02010600030101010101" pitchFamily="2" charset="-122"/>
-              <a:ea typeface="宋体" panose="02010600030101010101" pitchFamily="2" charset="-122"/>
-              <a:cs typeface="宋体" panose="02010600030101010101" pitchFamily="2" charset="-122"/>
-            </a:endParaRPr>
-          </a:p>
-          <a:p>
-            <a:r>
-              <a:rPr kumimoji="1" lang="zh-CN" altLang="zh-CN" sz="1400" dirty="0" smtClean="0">
-                <a:latin typeface="宋体" panose="02010600030101010101" pitchFamily="2" charset="-122"/>
-                <a:ea typeface="宋体" panose="02010600030101010101" pitchFamily="2" charset="-122"/>
-                <a:cs typeface="宋体" panose="02010600030101010101" pitchFamily="2" charset="-122"/>
-              </a:rPr>
-              <a:t>（</a:t>
-            </a:r>
-            <a:r>
-              <a:rPr kumimoji="1" lang="en-US" altLang="zh-CN" sz="1400" dirty="0" smtClean="0">
-                <a:latin typeface="宋体" panose="02010600030101010101" pitchFamily="2" charset="-122"/>
-                <a:ea typeface="宋体" panose="02010600030101010101" pitchFamily="2" charset="-122"/>
-                <a:cs typeface="宋体" panose="02010600030101010101" pitchFamily="2" charset="-122"/>
-              </a:rPr>
-              <a:t>3</a:t>
-            </a:r>
-            <a:r>
-              <a:rPr kumimoji="1" lang="zh-CN" altLang="en-US" sz="1400" dirty="0" smtClean="0">
-                <a:latin typeface="宋体" panose="02010600030101010101" pitchFamily="2" charset="-122"/>
-                <a:ea typeface="宋体" panose="02010600030101010101" pitchFamily="2" charset="-122"/>
-                <a:cs typeface="宋体" panose="02010600030101010101" pitchFamily="2" charset="-122"/>
-              </a:rPr>
-              <a:t>）如有药厂需求，可类似短信群发，可按订单</a:t>
-            </a:r>
-            <a:r>
-              <a:rPr kumimoji="1" lang="en-US" altLang="zh-CN" sz="1400" dirty="0" smtClean="0">
-                <a:latin typeface="宋体" panose="02010600030101010101" pitchFamily="2" charset="-122"/>
-                <a:ea typeface="宋体" panose="02010600030101010101" pitchFamily="2" charset="-122"/>
-                <a:cs typeface="宋体" panose="02010600030101010101" pitchFamily="2" charset="-122"/>
-              </a:rPr>
-              <a:t>/</a:t>
-            </a:r>
-            <a:r>
-              <a:rPr kumimoji="1" lang="zh-CN" altLang="en-US" sz="1400" dirty="0" smtClean="0">
-                <a:latin typeface="宋体" panose="02010600030101010101" pitchFamily="2" charset="-122"/>
-                <a:ea typeface="宋体" panose="02010600030101010101" pitchFamily="2" charset="-122"/>
-                <a:cs typeface="宋体" panose="02010600030101010101" pitchFamily="2" charset="-122"/>
-              </a:rPr>
-              <a:t>导入客户</a:t>
-            </a:r>
-            <a:r>
-              <a:rPr kumimoji="1" lang="en-US" altLang="zh-CN" sz="1400" dirty="0" smtClean="0">
-                <a:latin typeface="宋体" panose="02010600030101010101" pitchFamily="2" charset="-122"/>
-                <a:ea typeface="宋体" panose="02010600030101010101" pitchFamily="2" charset="-122"/>
-                <a:cs typeface="宋体" panose="02010600030101010101" pitchFamily="2" charset="-122"/>
-              </a:rPr>
-              <a:t>ID</a:t>
-            </a:r>
-            <a:r>
-              <a:rPr kumimoji="1" lang="zh-CN" altLang="en-US" sz="1400" dirty="0" smtClean="0">
-                <a:latin typeface="宋体" panose="02010600030101010101" pitchFamily="2" charset="-122"/>
-                <a:ea typeface="宋体" panose="02010600030101010101" pitchFamily="2" charset="-122"/>
-                <a:cs typeface="宋体" panose="02010600030101010101" pitchFamily="2" charset="-122"/>
-              </a:rPr>
-              <a:t>等方式发起自动外呼任务，并指定队列；🈯</a:t>
-            </a:r>
-            <a:endParaRPr kumimoji="1" lang="en-US" altLang="zh-CN" sz="1400" dirty="0" smtClean="0">
-              <a:latin typeface="宋体" panose="02010600030101010101" pitchFamily="2" charset="-122"/>
-              <a:ea typeface="宋体" panose="02010600030101010101" pitchFamily="2" charset="-122"/>
-              <a:cs typeface="宋体" panose="02010600030101010101" pitchFamily="2" charset="-122"/>
-            </a:endParaRPr>
-          </a:p>
-          <a:p>
-            <a:r>
-              <a:rPr kumimoji="1" lang="zh-CN" altLang="zh-CN" sz="1400" dirty="0" smtClean="0">
-                <a:latin typeface="宋体" panose="02010600030101010101" pitchFamily="2" charset="-122"/>
-                <a:ea typeface="宋体" panose="02010600030101010101" pitchFamily="2" charset="-122"/>
-                <a:cs typeface="宋体" panose="02010600030101010101" pitchFamily="2" charset="-122"/>
-              </a:rPr>
-              <a:t>4</a:t>
-            </a:r>
-            <a:r>
-              <a:rPr kumimoji="1" lang="en-US" altLang="zh-CN" sz="1400" dirty="0" smtClean="0">
-                <a:latin typeface="宋体" panose="02010600030101010101" pitchFamily="2" charset="-122"/>
-                <a:ea typeface="宋体" panose="02010600030101010101" pitchFamily="2" charset="-122"/>
-                <a:cs typeface="宋体" panose="02010600030101010101" pitchFamily="2" charset="-122"/>
-              </a:rPr>
-              <a:t>.</a:t>
-            </a:r>
-            <a:r>
-              <a:rPr kumimoji="1" lang="zh-CN" altLang="en-US" sz="1400" dirty="0" smtClean="0">
-                <a:latin typeface="宋体" panose="02010600030101010101" pitchFamily="2" charset="-122"/>
-                <a:ea typeface="宋体" panose="02010600030101010101" pitchFamily="2" charset="-122"/>
-                <a:cs typeface="宋体" panose="02010600030101010101" pitchFamily="2" charset="-122"/>
-              </a:rPr>
-              <a:t>机器学习优化资料分配；</a:t>
-            </a:r>
-            <a:endParaRPr kumimoji="1" lang="zh-CN" altLang="en-US" sz="1400" dirty="0">
-              <a:latin typeface="宋体" panose="02010600030101010101" pitchFamily="2" charset="-122"/>
-              <a:ea typeface="宋体" panose="02010600030101010101" pitchFamily="2" charset="-122"/>
-              <a:cs typeface="宋体" panose="02010600030101010101" pitchFamily="2" charset="-122"/>
-            </a:endParaRPr>
-          </a:p>
-        </p:txBody>
-      </p:sp>
-      <p:sp>
-        <p:nvSpPr>
-          <p:cNvPr id="31" name="文本框 30"/>
-          <p:cNvSpPr txBox="1"/>
-          <p:nvPr/>
-        </p:nvSpPr>
-        <p:spPr>
-          <a:xfrm>
-            <a:off x="3635896" y="3356992"/>
-            <a:ext cx="2448272" cy="2893100"/>
-          </a:xfrm>
-          <a:prstGeom prst="rect">
-            <a:avLst/>
-          </a:prstGeom>
-          <a:noFill/>
-        </p:spPr>
-        <p:txBody>
-          <a:bodyPr wrap="square" rtlCol="0">
-            <a:spAutoFit/>
-          </a:bodyPr>
-          <a:lstStyle/>
-          <a:p>
-            <a:r>
-              <a:rPr kumimoji="1" lang="en-US" altLang="zh-CN" sz="1400" dirty="0" smtClean="0">
-                <a:latin typeface="宋体" panose="02010600030101010101" pitchFamily="2" charset="-122"/>
-                <a:ea typeface="宋体" panose="02010600030101010101" pitchFamily="2" charset="-122"/>
-                <a:cs typeface="宋体" panose="02010600030101010101" pitchFamily="2" charset="-122"/>
-              </a:rPr>
-              <a:t>1.</a:t>
-            </a:r>
-            <a:r>
-              <a:rPr kumimoji="1" lang="zh-CN" altLang="en-US" sz="1400" dirty="0" smtClean="0">
-                <a:latin typeface="宋体" panose="02010600030101010101" pitchFamily="2" charset="-122"/>
-                <a:ea typeface="宋体" panose="02010600030101010101" pitchFamily="2" charset="-122"/>
-                <a:cs typeface="宋体" panose="02010600030101010101" pitchFamily="2" charset="-122"/>
-              </a:rPr>
-              <a:t>预览外呼：发现坐席空闲才进行外呼；</a:t>
-            </a:r>
-            <a:endParaRPr kumimoji="1" lang="en-US" altLang="zh-CN" sz="1400" dirty="0" smtClean="0">
-              <a:latin typeface="宋体" panose="02010600030101010101" pitchFamily="2" charset="-122"/>
-              <a:ea typeface="宋体" panose="02010600030101010101" pitchFamily="2" charset="-122"/>
-              <a:cs typeface="宋体" panose="02010600030101010101" pitchFamily="2" charset="-122"/>
-            </a:endParaRPr>
-          </a:p>
-          <a:p>
-            <a:r>
-              <a:rPr kumimoji="1" lang="zh-CN" altLang="zh-CN" sz="1400" dirty="0" smtClean="0">
-                <a:latin typeface="宋体" panose="02010600030101010101" pitchFamily="2" charset="-122"/>
-                <a:ea typeface="宋体" panose="02010600030101010101" pitchFamily="2" charset="-122"/>
-                <a:cs typeface="宋体" panose="02010600030101010101" pitchFamily="2" charset="-122"/>
-              </a:rPr>
-              <a:t>2</a:t>
-            </a:r>
-            <a:r>
-              <a:rPr kumimoji="1" lang="en-US" altLang="zh-CN" sz="1400" dirty="0" smtClean="0">
-                <a:latin typeface="宋体" panose="02010600030101010101" pitchFamily="2" charset="-122"/>
-                <a:ea typeface="宋体" panose="02010600030101010101" pitchFamily="2" charset="-122"/>
-                <a:cs typeface="宋体" panose="02010600030101010101" pitchFamily="2" charset="-122"/>
-              </a:rPr>
-              <a:t>.</a:t>
-            </a:r>
-            <a:r>
-              <a:rPr kumimoji="1" lang="zh-CN" altLang="en-US" sz="1400" dirty="0" smtClean="0">
-                <a:latin typeface="宋体" panose="02010600030101010101" pitchFamily="2" charset="-122"/>
-                <a:ea typeface="宋体" panose="02010600030101010101" pitchFamily="2" charset="-122"/>
-                <a:cs typeface="宋体" panose="02010600030101010101" pitchFamily="2" charset="-122"/>
-              </a:rPr>
-              <a:t>预测外呼：按照当前情况</a:t>
-            </a:r>
-            <a:r>
-              <a:rPr kumimoji="1" lang="en-US" altLang="zh-CN" sz="1400" dirty="0" smtClean="0">
-                <a:latin typeface="宋体" panose="02010600030101010101" pitchFamily="2" charset="-122"/>
-                <a:ea typeface="宋体" panose="02010600030101010101" pitchFamily="2" charset="-122"/>
-                <a:cs typeface="宋体" panose="02010600030101010101" pitchFamily="2" charset="-122"/>
-              </a:rPr>
-              <a:t>10</a:t>
-            </a:r>
-            <a:r>
-              <a:rPr kumimoji="1" lang="zh-CN" altLang="en-US" sz="1400" dirty="0" smtClean="0">
-                <a:latin typeface="宋体" panose="02010600030101010101" pitchFamily="2" charset="-122"/>
-                <a:ea typeface="宋体" panose="02010600030101010101" pitchFamily="2" charset="-122"/>
-                <a:cs typeface="宋体" panose="02010600030101010101" pitchFamily="2" charset="-122"/>
-              </a:rPr>
-              <a:t>个外呼电话当中有</a:t>
-            </a:r>
-            <a:r>
-              <a:rPr kumimoji="1" lang="zh-CN" altLang="zh-CN" sz="1400" dirty="0" smtClean="0">
-                <a:latin typeface="宋体" panose="02010600030101010101" pitchFamily="2" charset="-122"/>
-                <a:ea typeface="宋体" panose="02010600030101010101" pitchFamily="2" charset="-122"/>
-                <a:cs typeface="宋体" panose="02010600030101010101" pitchFamily="2" charset="-122"/>
-              </a:rPr>
-              <a:t>4</a:t>
-            </a:r>
-            <a:r>
-              <a:rPr kumimoji="1" lang="en-US" altLang="zh-CN" sz="1400" dirty="0" smtClean="0">
-                <a:latin typeface="宋体" panose="02010600030101010101" pitchFamily="2" charset="-122"/>
-                <a:ea typeface="宋体" panose="02010600030101010101" pitchFamily="2" charset="-122"/>
-                <a:cs typeface="宋体" panose="02010600030101010101" pitchFamily="2" charset="-122"/>
-              </a:rPr>
-              <a:t>3%</a:t>
-            </a:r>
-            <a:r>
-              <a:rPr kumimoji="1" lang="zh-CN" altLang="en-US" sz="1400" dirty="0" smtClean="0">
-                <a:latin typeface="宋体" panose="02010600030101010101" pitchFamily="2" charset="-122"/>
-                <a:ea typeface="宋体" panose="02010600030101010101" pitchFamily="2" charset="-122"/>
-                <a:cs typeface="宋体" panose="02010600030101010101" pitchFamily="2" charset="-122"/>
-              </a:rPr>
-              <a:t>的概率接通，建议</a:t>
-            </a:r>
-            <a:r>
-              <a:rPr kumimoji="1" lang="en-US" altLang="zh-CN" sz="1400" dirty="0" smtClean="0">
-                <a:latin typeface="宋体" panose="02010600030101010101" pitchFamily="2" charset="-122"/>
-                <a:ea typeface="宋体" panose="02010600030101010101" pitchFamily="2" charset="-122"/>
-                <a:cs typeface="宋体" panose="02010600030101010101" pitchFamily="2" charset="-122"/>
-              </a:rPr>
-              <a:t>3</a:t>
-            </a:r>
-            <a:r>
-              <a:rPr kumimoji="1" lang="zh-CN" altLang="en-US" sz="1400" dirty="0" smtClean="0">
-                <a:latin typeface="宋体" panose="02010600030101010101" pitchFamily="2" charset="-122"/>
-                <a:ea typeface="宋体" panose="02010600030101010101" pitchFamily="2" charset="-122"/>
-                <a:cs typeface="宋体" panose="02010600030101010101" pitchFamily="2" charset="-122"/>
-              </a:rPr>
-              <a:t>个以上坐席空闲时，采用预测外呼：</a:t>
-            </a:r>
-            <a:endParaRPr kumimoji="1" lang="en-US" altLang="zh-CN" sz="1400" dirty="0" smtClean="0">
-              <a:latin typeface="宋体" panose="02010600030101010101" pitchFamily="2" charset="-122"/>
-              <a:ea typeface="宋体" panose="02010600030101010101" pitchFamily="2" charset="-122"/>
-              <a:cs typeface="宋体" panose="02010600030101010101" pitchFamily="2" charset="-122"/>
-            </a:endParaRPr>
-          </a:p>
-          <a:p>
-            <a:r>
-              <a:rPr kumimoji="1" lang="zh-CN" altLang="zh-CN" sz="1400" dirty="0" smtClean="0">
-                <a:latin typeface="宋体" panose="02010600030101010101" pitchFamily="2" charset="-122"/>
-                <a:ea typeface="宋体" panose="02010600030101010101" pitchFamily="2" charset="-122"/>
-                <a:cs typeface="宋体" panose="02010600030101010101" pitchFamily="2" charset="-122"/>
-              </a:rPr>
-              <a:t>3</a:t>
-            </a:r>
-            <a:r>
-              <a:rPr kumimoji="1" lang="zh-CN" altLang="en-US" sz="1400" dirty="0" smtClean="0">
-                <a:latin typeface="宋体" panose="02010600030101010101" pitchFamily="2" charset="-122"/>
-                <a:ea typeface="宋体" panose="02010600030101010101" pitchFamily="2" charset="-122"/>
-                <a:cs typeface="宋体" panose="02010600030101010101" pitchFamily="2" charset="-122"/>
-              </a:rPr>
-              <a:t>个坐席空闲</a:t>
-            </a:r>
-            <a:r>
-              <a:rPr kumimoji="1" lang="en-US" altLang="zh-CN" sz="1400" dirty="0" smtClean="0">
-                <a:latin typeface="宋体" panose="02010600030101010101" pitchFamily="2" charset="-122"/>
-                <a:ea typeface="宋体" panose="02010600030101010101" pitchFamily="2" charset="-122"/>
-                <a:cs typeface="宋体" panose="02010600030101010101" pitchFamily="2" charset="-122"/>
-              </a:rPr>
-              <a:t>-&gt;5</a:t>
-            </a:r>
-            <a:r>
-              <a:rPr kumimoji="1" lang="zh-CN" altLang="en-US" sz="1400" dirty="0" smtClean="0">
-                <a:latin typeface="宋体" panose="02010600030101010101" pitchFamily="2" charset="-122"/>
-                <a:ea typeface="宋体" panose="02010600030101010101" pitchFamily="2" charset="-122"/>
-                <a:cs typeface="宋体" panose="02010600030101010101" pitchFamily="2" charset="-122"/>
-              </a:rPr>
-              <a:t>个呼出；</a:t>
-            </a:r>
-            <a:endParaRPr kumimoji="1" lang="en-US" altLang="zh-CN" sz="1400" dirty="0" smtClean="0">
-              <a:latin typeface="宋体" panose="02010600030101010101" pitchFamily="2" charset="-122"/>
-              <a:ea typeface="宋体" panose="02010600030101010101" pitchFamily="2" charset="-122"/>
-              <a:cs typeface="宋体" panose="02010600030101010101" pitchFamily="2" charset="-122"/>
-            </a:endParaRPr>
-          </a:p>
-          <a:p>
-            <a:r>
-              <a:rPr kumimoji="1" lang="zh-CN" altLang="zh-CN" sz="1400" dirty="0" smtClean="0">
-                <a:latin typeface="宋体" panose="02010600030101010101" pitchFamily="2" charset="-122"/>
-                <a:ea typeface="宋体" panose="02010600030101010101" pitchFamily="2" charset="-122"/>
-                <a:cs typeface="宋体" panose="02010600030101010101" pitchFamily="2" charset="-122"/>
-              </a:rPr>
-              <a:t>4</a:t>
-            </a:r>
-            <a:r>
-              <a:rPr kumimoji="1" lang="zh-CN" altLang="en-US" sz="1400" dirty="0" smtClean="0">
-                <a:latin typeface="宋体" panose="02010600030101010101" pitchFamily="2" charset="-122"/>
-                <a:ea typeface="宋体" panose="02010600030101010101" pitchFamily="2" charset="-122"/>
-                <a:cs typeface="宋体" panose="02010600030101010101" pitchFamily="2" charset="-122"/>
-              </a:rPr>
-              <a:t>个坐席空闲</a:t>
-            </a:r>
-            <a:r>
-              <a:rPr kumimoji="1" lang="en-US" altLang="zh-CN" sz="1400" dirty="0" smtClean="0">
-                <a:latin typeface="宋体" panose="02010600030101010101" pitchFamily="2" charset="-122"/>
-                <a:ea typeface="宋体" panose="02010600030101010101" pitchFamily="2" charset="-122"/>
-                <a:cs typeface="宋体" panose="02010600030101010101" pitchFamily="2" charset="-122"/>
-              </a:rPr>
-              <a:t>-&gt;6</a:t>
-            </a:r>
-            <a:r>
-              <a:rPr kumimoji="1" lang="zh-CN" altLang="en-US" sz="1400" dirty="0" smtClean="0">
-                <a:latin typeface="宋体" panose="02010600030101010101" pitchFamily="2" charset="-122"/>
-                <a:ea typeface="宋体" panose="02010600030101010101" pitchFamily="2" charset="-122"/>
-                <a:cs typeface="宋体" panose="02010600030101010101" pitchFamily="2" charset="-122"/>
-              </a:rPr>
-              <a:t>个呼出；</a:t>
-            </a:r>
-            <a:endParaRPr kumimoji="1" lang="en-US" altLang="zh-CN" sz="1400" dirty="0" smtClean="0">
-              <a:latin typeface="宋体" panose="02010600030101010101" pitchFamily="2" charset="-122"/>
-              <a:ea typeface="宋体" panose="02010600030101010101" pitchFamily="2" charset="-122"/>
-              <a:cs typeface="宋体" panose="02010600030101010101" pitchFamily="2" charset="-122"/>
-            </a:endParaRPr>
-          </a:p>
-          <a:p>
-            <a:r>
-              <a:rPr kumimoji="1" lang="zh-CN" altLang="zh-CN" sz="1400" dirty="0" smtClean="0">
-                <a:latin typeface="宋体" panose="02010600030101010101" pitchFamily="2" charset="-122"/>
-                <a:ea typeface="宋体" panose="02010600030101010101" pitchFamily="2" charset="-122"/>
-                <a:cs typeface="宋体" panose="02010600030101010101" pitchFamily="2" charset="-122"/>
-              </a:rPr>
-              <a:t>5</a:t>
-            </a:r>
-            <a:r>
-              <a:rPr kumimoji="1" lang="zh-CN" altLang="en-US" sz="1400" dirty="0" smtClean="0">
-                <a:latin typeface="宋体" panose="02010600030101010101" pitchFamily="2" charset="-122"/>
-                <a:ea typeface="宋体" panose="02010600030101010101" pitchFamily="2" charset="-122"/>
-                <a:cs typeface="宋体" panose="02010600030101010101" pitchFamily="2" charset="-122"/>
-              </a:rPr>
-              <a:t>个坐席空闲</a:t>
-            </a:r>
-            <a:r>
-              <a:rPr kumimoji="1" lang="en-US" altLang="zh-CN" sz="1400" dirty="0" smtClean="0">
-                <a:latin typeface="宋体" panose="02010600030101010101" pitchFamily="2" charset="-122"/>
-                <a:ea typeface="宋体" panose="02010600030101010101" pitchFamily="2" charset="-122"/>
-                <a:cs typeface="宋体" panose="02010600030101010101" pitchFamily="2" charset="-122"/>
-              </a:rPr>
-              <a:t>-&gt;8</a:t>
-            </a:r>
-            <a:r>
-              <a:rPr kumimoji="1" lang="zh-CN" altLang="en-US" sz="1400" dirty="0" smtClean="0">
-                <a:latin typeface="宋体" panose="02010600030101010101" pitchFamily="2" charset="-122"/>
-                <a:ea typeface="宋体" panose="02010600030101010101" pitchFamily="2" charset="-122"/>
-                <a:cs typeface="宋体" panose="02010600030101010101" pitchFamily="2" charset="-122"/>
-              </a:rPr>
-              <a:t>个呼出；</a:t>
-            </a:r>
-            <a:endParaRPr kumimoji="1" lang="en-US" altLang="zh-CN" sz="1400" dirty="0" smtClean="0">
-              <a:latin typeface="宋体" panose="02010600030101010101" pitchFamily="2" charset="-122"/>
-              <a:ea typeface="宋体" panose="02010600030101010101" pitchFamily="2" charset="-122"/>
-              <a:cs typeface="宋体" panose="02010600030101010101" pitchFamily="2" charset="-122"/>
-            </a:endParaRPr>
-          </a:p>
-          <a:p>
-            <a:r>
-              <a:rPr kumimoji="1" lang="zh-CN" altLang="zh-CN" sz="1400" dirty="0" smtClean="0">
-                <a:latin typeface="宋体" panose="02010600030101010101" pitchFamily="2" charset="-122"/>
-                <a:ea typeface="宋体" panose="02010600030101010101" pitchFamily="2" charset="-122"/>
-                <a:cs typeface="宋体" panose="02010600030101010101" pitchFamily="2" charset="-122"/>
-              </a:rPr>
-              <a:t>6</a:t>
-            </a:r>
-            <a:r>
-              <a:rPr kumimoji="1" lang="zh-CN" altLang="en-US" sz="1400" dirty="0" smtClean="0">
-                <a:latin typeface="宋体" panose="02010600030101010101" pitchFamily="2" charset="-122"/>
-                <a:ea typeface="宋体" panose="02010600030101010101" pitchFamily="2" charset="-122"/>
-                <a:cs typeface="宋体" panose="02010600030101010101" pitchFamily="2" charset="-122"/>
-              </a:rPr>
-              <a:t>个坐席空闲</a:t>
-            </a:r>
-            <a:r>
-              <a:rPr kumimoji="1" lang="en-US" altLang="zh-CN" sz="1400" dirty="0" smtClean="0">
-                <a:latin typeface="宋体" panose="02010600030101010101" pitchFamily="2" charset="-122"/>
-                <a:ea typeface="宋体" panose="02010600030101010101" pitchFamily="2" charset="-122"/>
-                <a:cs typeface="宋体" panose="02010600030101010101" pitchFamily="2" charset="-122"/>
-              </a:rPr>
-              <a:t>-&gt;10</a:t>
-            </a:r>
-            <a:r>
-              <a:rPr kumimoji="1" lang="zh-CN" altLang="en-US" sz="1400" dirty="0" smtClean="0">
-                <a:latin typeface="宋体" panose="02010600030101010101" pitchFamily="2" charset="-122"/>
-                <a:ea typeface="宋体" panose="02010600030101010101" pitchFamily="2" charset="-122"/>
-                <a:cs typeface="宋体" panose="02010600030101010101" pitchFamily="2" charset="-122"/>
-              </a:rPr>
-              <a:t>个呼出</a:t>
-            </a:r>
-            <a:endParaRPr kumimoji="1" lang="en-US" altLang="zh-CN" sz="1400" dirty="0" smtClean="0">
-              <a:latin typeface="宋体" panose="02010600030101010101" pitchFamily="2" charset="-122"/>
-              <a:ea typeface="宋体" panose="02010600030101010101" pitchFamily="2" charset="-122"/>
-              <a:cs typeface="宋体" panose="02010600030101010101" pitchFamily="2" charset="-122"/>
-            </a:endParaRPr>
-          </a:p>
-          <a:p>
-            <a:r>
-              <a:rPr kumimoji="1" lang="en-US" altLang="zh-CN" sz="1400" dirty="0" smtClean="0">
-                <a:latin typeface="宋体" panose="02010600030101010101" pitchFamily="2" charset="-122"/>
-                <a:ea typeface="宋体" panose="02010600030101010101" pitchFamily="2" charset="-122"/>
-                <a:cs typeface="宋体" panose="02010600030101010101" pitchFamily="2" charset="-122"/>
-              </a:rPr>
-              <a:t>……</a:t>
-            </a:r>
-            <a:endParaRPr kumimoji="1" lang="en-US" altLang="zh-CN" sz="1400" dirty="0" smtClean="0">
-              <a:latin typeface="宋体" panose="02010600030101010101" pitchFamily="2" charset="-122"/>
-              <a:ea typeface="宋体" panose="02010600030101010101" pitchFamily="2" charset="-122"/>
-              <a:cs typeface="宋体" panose="02010600030101010101" pitchFamily="2" charset="-122"/>
-            </a:endParaRPr>
-          </a:p>
-          <a:p>
-            <a:r>
-              <a:rPr kumimoji="1" lang="zh-CN" altLang="zh-CN" sz="1400" dirty="0" smtClean="0">
-                <a:latin typeface="宋体" panose="02010600030101010101" pitchFamily="2" charset="-122"/>
-                <a:ea typeface="宋体" panose="02010600030101010101" pitchFamily="2" charset="-122"/>
-                <a:cs typeface="宋体" panose="02010600030101010101" pitchFamily="2" charset="-122"/>
-              </a:rPr>
-              <a:t>3</a:t>
-            </a:r>
-            <a:r>
-              <a:rPr kumimoji="1" lang="en-US" altLang="zh-CN" sz="1400" dirty="0" smtClean="0">
-                <a:latin typeface="宋体" panose="02010600030101010101" pitchFamily="2" charset="-122"/>
-                <a:ea typeface="宋体" panose="02010600030101010101" pitchFamily="2" charset="-122"/>
-                <a:cs typeface="宋体" panose="02010600030101010101" pitchFamily="2" charset="-122"/>
-              </a:rPr>
-              <a:t>.</a:t>
-            </a:r>
-            <a:r>
-              <a:rPr kumimoji="1" lang="zh-CN" altLang="en-US" sz="1400" dirty="0" smtClean="0">
-                <a:latin typeface="宋体" panose="02010600030101010101" pitchFamily="2" charset="-122"/>
-                <a:ea typeface="宋体" panose="02010600030101010101" pitchFamily="2" charset="-122"/>
-                <a:cs typeface="宋体" panose="02010600030101010101" pitchFamily="2" charset="-122"/>
-              </a:rPr>
-              <a:t>未来根据客户行为偏好设定拨打时间（老人早上打）；</a:t>
-            </a:r>
-            <a:endParaRPr kumimoji="1" lang="en-US" altLang="zh-CN" sz="1400" dirty="0" smtClean="0">
-              <a:latin typeface="宋体" panose="02010600030101010101" pitchFamily="2" charset="-122"/>
-              <a:ea typeface="宋体" panose="02010600030101010101" pitchFamily="2" charset="-122"/>
-              <a:cs typeface="宋体" panose="02010600030101010101" pitchFamily="2" charset="-122"/>
-            </a:endParaRPr>
-          </a:p>
-        </p:txBody>
-      </p:sp>
-      <p:sp>
-        <p:nvSpPr>
-          <p:cNvPr id="32" name="文本框 31"/>
-          <p:cNvSpPr txBox="1"/>
-          <p:nvPr/>
-        </p:nvSpPr>
-        <p:spPr>
-          <a:xfrm>
-            <a:off x="6228184" y="3284984"/>
-            <a:ext cx="2448272" cy="1600438"/>
-          </a:xfrm>
-          <a:prstGeom prst="rect">
-            <a:avLst/>
-          </a:prstGeom>
-          <a:noFill/>
-        </p:spPr>
-        <p:txBody>
-          <a:bodyPr wrap="square" rtlCol="0">
-            <a:spAutoFit/>
-          </a:bodyPr>
-          <a:lstStyle/>
-          <a:p>
-            <a:r>
-              <a:rPr kumimoji="1" lang="en-US" altLang="zh-CN" sz="1400" dirty="0" smtClean="0">
-                <a:latin typeface="宋体" panose="02010600030101010101" pitchFamily="2" charset="-122"/>
-                <a:ea typeface="宋体" panose="02010600030101010101" pitchFamily="2" charset="-122"/>
-                <a:cs typeface="宋体" panose="02010600030101010101" pitchFamily="2" charset="-122"/>
-              </a:rPr>
-              <a:t>1.</a:t>
-            </a:r>
-            <a:r>
-              <a:rPr kumimoji="1" lang="zh-CN" altLang="en-US" sz="1400" dirty="0" smtClean="0">
-                <a:latin typeface="宋体" panose="02010600030101010101" pitchFamily="2" charset="-122"/>
-                <a:ea typeface="宋体" panose="02010600030101010101" pitchFamily="2" charset="-122"/>
-                <a:cs typeface="宋体" panose="02010600030101010101" pitchFamily="2" charset="-122"/>
-              </a:rPr>
-              <a:t>配合客户信息弹屏整合；</a:t>
-            </a:r>
-            <a:endParaRPr kumimoji="1" lang="en-US" altLang="zh-CN" sz="1400" dirty="0" smtClean="0">
-              <a:latin typeface="宋体" panose="02010600030101010101" pitchFamily="2" charset="-122"/>
-              <a:ea typeface="宋体" panose="02010600030101010101" pitchFamily="2" charset="-122"/>
-              <a:cs typeface="宋体" panose="02010600030101010101" pitchFamily="2" charset="-122"/>
-            </a:endParaRPr>
-          </a:p>
-          <a:p>
-            <a:r>
-              <a:rPr kumimoji="1" lang="zh-CN" altLang="zh-CN" sz="1400" dirty="0" smtClean="0">
-                <a:latin typeface="宋体" panose="02010600030101010101" pitchFamily="2" charset="-122"/>
-                <a:ea typeface="宋体" panose="02010600030101010101" pitchFamily="2" charset="-122"/>
-                <a:cs typeface="宋体" panose="02010600030101010101" pitchFamily="2" charset="-122"/>
-              </a:rPr>
-              <a:t>2</a:t>
-            </a:r>
-            <a:r>
-              <a:rPr kumimoji="1" lang="en-US" altLang="zh-CN" sz="1400" dirty="0" smtClean="0">
-                <a:latin typeface="宋体" panose="02010600030101010101" pitchFamily="2" charset="-122"/>
-                <a:ea typeface="宋体" panose="02010600030101010101" pitchFamily="2" charset="-122"/>
-                <a:cs typeface="宋体" panose="02010600030101010101" pitchFamily="2" charset="-122"/>
-              </a:rPr>
-              <a:t>.</a:t>
-            </a:r>
-            <a:r>
-              <a:rPr kumimoji="1" lang="zh-CN" altLang="en-US" sz="1400" dirty="0" smtClean="0">
-                <a:latin typeface="宋体" panose="02010600030101010101" pitchFamily="2" charset="-122"/>
-                <a:ea typeface="宋体" panose="02010600030101010101" pitchFamily="2" charset="-122"/>
-                <a:cs typeface="宋体" panose="02010600030101010101" pitchFamily="2" charset="-122"/>
-              </a:rPr>
-              <a:t>客户信息弹屏内容包括：</a:t>
-            </a:r>
-            <a:endParaRPr kumimoji="1" lang="en-US" altLang="zh-CN" sz="1400" dirty="0" smtClean="0">
-              <a:latin typeface="宋体" panose="02010600030101010101" pitchFamily="2" charset="-122"/>
-              <a:ea typeface="宋体" panose="02010600030101010101" pitchFamily="2" charset="-122"/>
-              <a:cs typeface="宋体" panose="02010600030101010101" pitchFamily="2" charset="-122"/>
-            </a:endParaRPr>
-          </a:p>
-          <a:p>
-            <a:r>
-              <a:rPr kumimoji="1" lang="zh-CN" altLang="zh-CN" sz="1400" dirty="0" smtClean="0">
-                <a:latin typeface="宋体" panose="02010600030101010101" pitchFamily="2" charset="-122"/>
-                <a:ea typeface="宋体" panose="02010600030101010101" pitchFamily="2" charset="-122"/>
-                <a:cs typeface="宋体" panose="02010600030101010101" pitchFamily="2" charset="-122"/>
-              </a:rPr>
-              <a:t>（</a:t>
-            </a:r>
-            <a:r>
-              <a:rPr kumimoji="1" lang="en-US" altLang="zh-CN" sz="1400" dirty="0" smtClean="0">
-                <a:latin typeface="宋体" panose="02010600030101010101" pitchFamily="2" charset="-122"/>
-                <a:ea typeface="宋体" panose="02010600030101010101" pitchFamily="2" charset="-122"/>
-                <a:cs typeface="宋体" panose="02010600030101010101" pitchFamily="2" charset="-122"/>
-              </a:rPr>
-              <a:t>1</a:t>
-            </a:r>
-            <a:r>
-              <a:rPr kumimoji="1" lang="zh-CN" altLang="en-US" sz="1400" dirty="0" smtClean="0">
-                <a:latin typeface="宋体" panose="02010600030101010101" pitchFamily="2" charset="-122"/>
-                <a:ea typeface="宋体" panose="02010600030101010101" pitchFamily="2" charset="-122"/>
-                <a:cs typeface="宋体" panose="02010600030101010101" pitchFamily="2" charset="-122"/>
-              </a:rPr>
-              <a:t>）处方审核：客户购买信息</a:t>
-            </a:r>
-            <a:r>
-              <a:rPr kumimoji="1" lang="en-US" altLang="zh-CN" sz="1400" dirty="0" smtClean="0">
-                <a:latin typeface="宋体" panose="02010600030101010101" pitchFamily="2" charset="-122"/>
-                <a:ea typeface="宋体" panose="02010600030101010101" pitchFamily="2" charset="-122"/>
-                <a:cs typeface="宋体" panose="02010600030101010101" pitchFamily="2" charset="-122"/>
-              </a:rPr>
-              <a:t>/</a:t>
-            </a:r>
-            <a:r>
-              <a:rPr kumimoji="1" lang="zh-CN" altLang="en-US" sz="1400" dirty="0" smtClean="0">
-                <a:latin typeface="宋体" panose="02010600030101010101" pitchFamily="2" charset="-122"/>
-                <a:ea typeface="宋体" panose="02010600030101010101" pitchFamily="2" charset="-122"/>
-                <a:cs typeface="宋体" panose="02010600030101010101" pitchFamily="2" charset="-122"/>
-              </a:rPr>
-              <a:t>客户档案收集；</a:t>
-            </a:r>
-            <a:endParaRPr kumimoji="1" lang="en-US" altLang="zh-CN" sz="1400" dirty="0" smtClean="0">
-              <a:latin typeface="宋体" panose="02010600030101010101" pitchFamily="2" charset="-122"/>
-              <a:ea typeface="宋体" panose="02010600030101010101" pitchFamily="2" charset="-122"/>
-              <a:cs typeface="宋体" panose="02010600030101010101" pitchFamily="2" charset="-122"/>
-            </a:endParaRPr>
-          </a:p>
-          <a:p>
-            <a:r>
-              <a:rPr kumimoji="1" lang="zh-CN" altLang="zh-CN" sz="1400" dirty="0" smtClean="0">
-                <a:latin typeface="宋体" panose="02010600030101010101" pitchFamily="2" charset="-122"/>
-                <a:ea typeface="宋体" panose="02010600030101010101" pitchFamily="2" charset="-122"/>
-                <a:cs typeface="宋体" panose="02010600030101010101" pitchFamily="2" charset="-122"/>
-              </a:rPr>
-              <a:t>（</a:t>
-            </a:r>
-            <a:r>
-              <a:rPr kumimoji="1" lang="en-US" altLang="zh-CN" sz="1400" dirty="0" smtClean="0">
-                <a:latin typeface="宋体" panose="02010600030101010101" pitchFamily="2" charset="-122"/>
-                <a:ea typeface="宋体" panose="02010600030101010101" pitchFamily="2" charset="-122"/>
-                <a:cs typeface="宋体" panose="02010600030101010101" pitchFamily="2" charset="-122"/>
-              </a:rPr>
-              <a:t>2</a:t>
-            </a:r>
-            <a:r>
-              <a:rPr kumimoji="1" lang="zh-CN" altLang="en-US" sz="1400" dirty="0" smtClean="0">
-                <a:latin typeface="宋体" panose="02010600030101010101" pitchFamily="2" charset="-122"/>
-                <a:ea typeface="宋体" panose="02010600030101010101" pitchFamily="2" charset="-122"/>
-                <a:cs typeface="宋体" panose="02010600030101010101" pitchFamily="2" charset="-122"/>
-              </a:rPr>
-              <a:t>）慢病：客户档案信息；客户历史购买信息；客户标签信息；</a:t>
-            </a:r>
-            <a:endParaRPr kumimoji="1" lang="en-US" altLang="zh-CN" sz="1400" dirty="0" smtClean="0">
-              <a:latin typeface="宋体" panose="02010600030101010101" pitchFamily="2" charset="-122"/>
-              <a:ea typeface="宋体" panose="02010600030101010101" pitchFamily="2" charset="-122"/>
-              <a:cs typeface="宋体" panose="02010600030101010101" pitchFamily="2" charset="-122"/>
-            </a:endParaRPr>
-          </a:p>
-        </p:txBody>
-      </p:sp>
-      <p:sp>
-        <p:nvSpPr>
-          <p:cNvPr id="36" name="线形标注 2 (带强调线) 35"/>
-          <p:cNvSpPr/>
-          <p:nvPr/>
-        </p:nvSpPr>
-        <p:spPr>
-          <a:xfrm>
-            <a:off x="7308305" y="1196171"/>
-            <a:ext cx="936104" cy="769441"/>
-          </a:xfrm>
-          <a:prstGeom prst="accentCallout2">
-            <a:avLst>
-              <a:gd name="adj1" fmla="val 18750"/>
-              <a:gd name="adj2" fmla="val -8333"/>
-              <a:gd name="adj3" fmla="val 18750"/>
-              <a:gd name="adj4" fmla="val -16667"/>
-              <a:gd name="adj5" fmla="val 95479"/>
-              <a:gd name="adj6" fmla="val -34890"/>
-            </a:avLst>
-          </a:prstGeom>
-          <a:ln>
-            <a:solidFill>
-              <a:schemeClr val="tx2">
-                <a:lumMod val="60000"/>
-                <a:lumOff val="40000"/>
-              </a:schemeClr>
-            </a:solidFill>
-            <a:prstDash val="sysDash"/>
-          </a:ln>
-        </p:spPr>
-        <p:txBody>
-          <a:bodyPr wrap="square" rtlCol="0" anchor="ctr">
-            <a:spAutoFit/>
-          </a:bodyPr>
-          <a:lstStyle/>
-          <a:p>
-            <a:pPr algn="ctr"/>
-            <a:r>
-              <a:rPr kumimoji="1" lang="zh-CN" altLang="en-US" sz="1100" b="1" dirty="0" smtClean="0">
-                <a:latin typeface="微软雅黑" panose="020B0503020204020204" pitchFamily="34" charset="-122"/>
-                <a:ea typeface="微软雅黑" panose="020B0503020204020204" pitchFamily="34" charset="-122"/>
-              </a:rPr>
-              <a:t>转接需时间，播报提示音</a:t>
-            </a:r>
-            <a:endParaRPr kumimoji="1" lang="en-US" altLang="zh-CN" sz="1100" b="1" dirty="0" smtClean="0">
-              <a:latin typeface="微软雅黑" panose="020B0503020204020204" pitchFamily="34" charset="-122"/>
-              <a:ea typeface="微软雅黑" panose="020B0503020204020204" pitchFamily="34" charset="-122"/>
-            </a:endParaRPr>
-          </a:p>
-          <a:p>
-            <a:pPr algn="ctr"/>
-            <a:r>
-              <a:rPr kumimoji="1" lang="zh-CN" altLang="en-US" sz="1100" b="1" dirty="0" smtClean="0">
-                <a:latin typeface="微软雅黑" panose="020B0503020204020204" pitchFamily="34" charset="-122"/>
-                <a:ea typeface="微软雅黑" panose="020B0503020204020204" pitchFamily="34" charset="-122"/>
-              </a:rPr>
-              <a:t>当前**号药师为您服务</a:t>
-            </a:r>
-            <a:endParaRPr kumimoji="1" lang="zh-CN" altLang="en-US" sz="1100" b="1" dirty="0">
-              <a:latin typeface="微软雅黑" panose="020B0503020204020204" pitchFamily="34" charset="-122"/>
-              <a:ea typeface="微软雅黑" panose="020B0503020204020204" pitchFamily="34" charset="-122"/>
-            </a:endParaRPr>
-          </a:p>
-        </p:txBody>
-      </p:sp>
-    </p:spTree>
-  </p:cSld>
-  <p:clrMapOvr>
-    <a:masterClrMapping/>
-  </p:clrMapOvr>
-  <p:timing>
-    <p:tnLst>
-      <p:par>
-        <p:cTn id="1" dur="indefinite" restart="never" nodeType="tmRoot"/>
-      </p:par>
-    </p:tnLst>
-  </p:timing>
-</p:sld>
-</file>
-
-<file path=ppt/slides/slide6.xml><?xml version="1.0" encoding="utf-8"?>
-<p:sld xmlns:a="http://schemas.openxmlformats.org/drawingml/2006/main" xmlns:r="http://schemas.openxmlformats.org/officeDocument/2006/relationships" xmlns:p="http://schemas.openxmlformats.org/presentationml/2006/main">
-  <p:cSld>
-    <p:spTree>
-      <p:nvGrpSpPr>
-        <p:cNvPr id="1" name=""/>
-        <p:cNvGrpSpPr/>
-        <p:nvPr/>
-      </p:nvGrpSpPr>
-      <p:grpSpPr>
-        <a:xfrm>
-          <a:off x="0" y="0"/>
-          <a:ext cx="0" cy="0"/>
-          <a:chOff x="0" y="0"/>
-          <a:chExt cx="0" cy="0"/>
-        </a:xfrm>
-      </p:grpSpPr>
-      <p:sp>
-        <p:nvSpPr>
-          <p:cNvPr id="4" name="TextBox 4"/>
-          <p:cNvSpPr txBox="1"/>
-          <p:nvPr/>
-        </p:nvSpPr>
-        <p:spPr>
-          <a:xfrm>
-            <a:off x="323527" y="323364"/>
-            <a:ext cx="7013623" cy="369332"/>
-          </a:xfrm>
-          <a:prstGeom prst="rect">
-            <a:avLst/>
-          </a:prstGeom>
-          <a:noFill/>
-        </p:spPr>
-        <p:txBody>
-          <a:bodyPr wrap="square" rtlCol="0">
-            <a:spAutoFit/>
-          </a:bodyPr>
-          <a:lstStyle/>
-          <a:p>
-            <a:r>
-              <a:rPr lang="zh-CN" altLang="en-US" b="1" dirty="0" smtClean="0">
-                <a:solidFill>
-                  <a:prstClr val="white"/>
-                </a:solidFill>
-                <a:latin typeface="楷体" panose="02010609060101010101" pitchFamily="49" charset="-122"/>
-                <a:ea typeface="楷体" panose="02010609060101010101" pitchFamily="49" charset="-122"/>
-              </a:rPr>
-              <a:t>自动外呼需求</a:t>
-            </a:r>
-            <a:r>
-              <a:rPr lang="en-US" altLang="zh-CN" b="1" dirty="0" smtClean="0">
-                <a:solidFill>
-                  <a:prstClr val="white"/>
-                </a:solidFill>
-                <a:latin typeface="楷体" panose="02010609060101010101" pitchFamily="49" charset="-122"/>
-                <a:ea typeface="楷体" panose="02010609060101010101" pitchFamily="49" charset="-122"/>
-              </a:rPr>
-              <a:t>-</a:t>
-            </a:r>
-            <a:r>
-              <a:rPr lang="zh-CN" altLang="en-US" b="1" dirty="0" smtClean="0">
-                <a:solidFill>
-                  <a:prstClr val="white"/>
-                </a:solidFill>
-                <a:latin typeface="楷体" panose="02010609060101010101" pitchFamily="49" charset="-122"/>
-                <a:ea typeface="楷体" panose="02010609060101010101" pitchFamily="49" charset="-122"/>
-              </a:rPr>
-              <a:t>客户档案</a:t>
-            </a:r>
-            <a:endParaRPr lang="zh-CN" altLang="en-US" b="1" dirty="0">
-              <a:solidFill>
-                <a:prstClr val="white"/>
-              </a:solidFill>
-              <a:latin typeface="楷体" panose="02010609060101010101" pitchFamily="49" charset="-122"/>
-              <a:ea typeface="楷体" panose="02010609060101010101" pitchFamily="49" charset="-122"/>
-            </a:endParaRPr>
-          </a:p>
-        </p:txBody>
-      </p:sp>
-      <p:sp>
-        <p:nvSpPr>
-          <p:cNvPr id="5" name="文本框 4"/>
-          <p:cNvSpPr txBox="1"/>
-          <p:nvPr/>
-        </p:nvSpPr>
-        <p:spPr>
-          <a:xfrm>
-            <a:off x="971600" y="1844824"/>
-            <a:ext cx="1440160" cy="338554"/>
-          </a:xfrm>
-          <a:prstGeom prst="rect">
-            <a:avLst/>
-          </a:prstGeom>
-          <a:noFill/>
-          <a:ln>
-            <a:solidFill>
-              <a:srgbClr val="4F81BD"/>
-            </a:solidFill>
-          </a:ln>
-        </p:spPr>
-        <p:txBody>
-          <a:bodyPr wrap="square" rtlCol="0">
-            <a:spAutoFit/>
-          </a:bodyPr>
-          <a:lstStyle/>
-          <a:p>
-            <a:pPr algn="ctr"/>
-            <a:r>
-              <a:rPr kumimoji="1" lang="zh-CN" altLang="en-US" sz="1600" dirty="0" smtClean="0"/>
-              <a:t>员工</a:t>
-            </a:r>
-            <a:endParaRPr kumimoji="1" lang="zh-CN" altLang="en-US" sz="1600" dirty="0"/>
-          </a:p>
-        </p:txBody>
-      </p:sp>
-      <p:sp>
-        <p:nvSpPr>
-          <p:cNvPr id="6" name="文本框 5"/>
-          <p:cNvSpPr txBox="1"/>
-          <p:nvPr/>
-        </p:nvSpPr>
-        <p:spPr>
-          <a:xfrm>
-            <a:off x="971600" y="2204864"/>
-            <a:ext cx="1440160" cy="338554"/>
-          </a:xfrm>
-          <a:prstGeom prst="rect">
-            <a:avLst/>
-          </a:prstGeom>
-          <a:noFill/>
-          <a:ln>
-            <a:solidFill>
-              <a:srgbClr val="4F81BD"/>
-            </a:solidFill>
-          </a:ln>
-        </p:spPr>
-        <p:txBody>
-          <a:bodyPr wrap="square" rtlCol="0">
-            <a:spAutoFit/>
-          </a:bodyPr>
-          <a:lstStyle/>
-          <a:p>
-            <a:r>
-              <a:rPr kumimoji="1" lang="zh-CN" altLang="en-US" sz="1600" dirty="0" smtClean="0"/>
-              <a:t>接入自动外呼</a:t>
-            </a:r>
-            <a:endParaRPr kumimoji="1" lang="zh-CN" altLang="en-US" sz="1600" dirty="0"/>
-          </a:p>
-        </p:txBody>
-      </p:sp>
-      <p:cxnSp>
-        <p:nvCxnSpPr>
-          <p:cNvPr id="8" name="直线箭头连接符 7"/>
-          <p:cNvCxnSpPr>
-            <a:stCxn id="6" idx="3"/>
-          </p:cNvCxnSpPr>
-          <p:nvPr/>
-        </p:nvCxnSpPr>
-        <p:spPr>
-          <a:xfrm flipV="1">
-            <a:off x="2411760" y="2348880"/>
-            <a:ext cx="1584176" cy="25261"/>
-          </a:xfrm>
-          <a:prstGeom prst="straightConnector1">
-            <a:avLst/>
-          </a:prstGeom>
-          <a:ln>
-            <a:tailEnd type="arrow"/>
-          </a:ln>
-        </p:spPr>
-        <p:style>
-          <a:lnRef idx="2">
-            <a:schemeClr val="accent1"/>
-          </a:lnRef>
-          <a:fillRef idx="0">
-            <a:schemeClr val="accent1"/>
-          </a:fillRef>
-          <a:effectRef idx="1">
-            <a:schemeClr val="accent1"/>
-          </a:effectRef>
-          <a:fontRef idx="minor">
-            <a:schemeClr val="tx1"/>
-          </a:fontRef>
-        </p:style>
-      </p:cxnSp>
-      <p:sp>
-        <p:nvSpPr>
-          <p:cNvPr id="9" name="文本框 8"/>
-          <p:cNvSpPr txBox="1"/>
-          <p:nvPr/>
-        </p:nvSpPr>
-        <p:spPr>
-          <a:xfrm>
-            <a:off x="3995936" y="1916832"/>
-            <a:ext cx="1440160" cy="338554"/>
-          </a:xfrm>
-          <a:prstGeom prst="rect">
-            <a:avLst/>
-          </a:prstGeom>
-          <a:noFill/>
-          <a:ln>
-            <a:solidFill>
-              <a:srgbClr val="4F81BD"/>
-            </a:solidFill>
-          </a:ln>
-        </p:spPr>
-        <p:txBody>
-          <a:bodyPr wrap="square" rtlCol="0">
-            <a:spAutoFit/>
-          </a:bodyPr>
-          <a:lstStyle/>
-          <a:p>
-            <a:pPr algn="ctr"/>
-            <a:r>
-              <a:rPr kumimoji="1" lang="zh-CN" altLang="en-US" sz="1600" dirty="0" smtClean="0"/>
-              <a:t>员工</a:t>
-            </a:r>
-            <a:endParaRPr kumimoji="1" lang="zh-CN" altLang="en-US" sz="1600" dirty="0"/>
-          </a:p>
-        </p:txBody>
-      </p:sp>
-      <p:sp>
-        <p:nvSpPr>
-          <p:cNvPr id="10" name="文本框 9"/>
-          <p:cNvSpPr txBox="1"/>
-          <p:nvPr/>
-        </p:nvSpPr>
-        <p:spPr>
-          <a:xfrm>
-            <a:off x="3995936" y="2276872"/>
-            <a:ext cx="1440160" cy="338554"/>
-          </a:xfrm>
-          <a:prstGeom prst="rect">
-            <a:avLst/>
-          </a:prstGeom>
-          <a:noFill/>
-          <a:ln>
-            <a:solidFill>
-              <a:srgbClr val="4F81BD"/>
-            </a:solidFill>
-          </a:ln>
-        </p:spPr>
-        <p:txBody>
-          <a:bodyPr wrap="square" rtlCol="0">
-            <a:spAutoFit/>
-          </a:bodyPr>
-          <a:lstStyle/>
-          <a:p>
-            <a:r>
-              <a:rPr kumimoji="1" lang="zh-CN" altLang="en-US" sz="1600" dirty="0" smtClean="0"/>
-              <a:t>完善客户档案</a:t>
-            </a:r>
-            <a:endParaRPr kumimoji="1" lang="zh-CN" altLang="en-US" sz="1600" dirty="0"/>
-          </a:p>
-        </p:txBody>
-      </p:sp>
-      <p:sp>
-        <p:nvSpPr>
-          <p:cNvPr id="11" name="文本框 10"/>
-          <p:cNvSpPr txBox="1"/>
-          <p:nvPr/>
-        </p:nvSpPr>
-        <p:spPr>
-          <a:xfrm>
-            <a:off x="2627784" y="1772816"/>
-            <a:ext cx="1224136" cy="369332"/>
-          </a:xfrm>
-          <a:prstGeom prst="rect">
-            <a:avLst/>
-          </a:prstGeom>
-          <a:noFill/>
-        </p:spPr>
-        <p:txBody>
-          <a:bodyPr wrap="square" rtlCol="0">
-            <a:spAutoFit/>
-          </a:bodyPr>
-          <a:lstStyle/>
-          <a:p>
-            <a:r>
-              <a:rPr kumimoji="1" lang="zh-CN" altLang="en-US" dirty="0" smtClean="0"/>
-              <a:t>客户接通</a:t>
-            </a:r>
-            <a:endParaRPr kumimoji="1" lang="zh-CN" altLang="en-US" dirty="0"/>
-          </a:p>
-        </p:txBody>
-      </p:sp>
-      <p:sp>
-        <p:nvSpPr>
-          <p:cNvPr id="12" name="矩形 11"/>
-          <p:cNvSpPr/>
-          <p:nvPr/>
-        </p:nvSpPr>
-        <p:spPr>
-          <a:xfrm>
-            <a:off x="395536" y="1268760"/>
-            <a:ext cx="1872208" cy="369332"/>
-          </a:xfrm>
-          <a:prstGeom prst="rect">
-            <a:avLst/>
-          </a:prstGeom>
-        </p:spPr>
-        <p:txBody>
-          <a:bodyPr wrap="square">
-            <a:spAutoFit/>
-          </a:bodyPr>
-          <a:lstStyle/>
-          <a:p>
-            <a:r>
-              <a:rPr lang="zh-CN" altLang="en-US" dirty="0" smtClean="0">
-                <a:latin typeface="楷体" panose="02010609060101010101" pitchFamily="49" charset="-122"/>
-                <a:ea typeface="楷体" panose="02010609060101010101" pitchFamily="49" charset="-122"/>
-                <a:cs typeface="楷体" panose="02010609060101010101" pitchFamily="49" charset="-122"/>
-              </a:rPr>
-              <a:t>处方审核组：</a:t>
-            </a:r>
-            <a:endParaRPr lang="zh-CN" altLang="en-US" dirty="0">
-              <a:latin typeface="楷体" panose="02010609060101010101" pitchFamily="49" charset="-122"/>
-              <a:ea typeface="楷体" panose="02010609060101010101" pitchFamily="49" charset="-122"/>
-              <a:cs typeface="楷体" panose="02010609060101010101" pitchFamily="49" charset="-122"/>
-            </a:endParaRPr>
-          </a:p>
-        </p:txBody>
-      </p:sp>
-      <p:sp>
-        <p:nvSpPr>
-          <p:cNvPr id="13" name="TextBox 38"/>
-          <p:cNvSpPr txBox="1"/>
-          <p:nvPr/>
-        </p:nvSpPr>
-        <p:spPr>
-          <a:xfrm>
-            <a:off x="5652120" y="1268760"/>
-            <a:ext cx="3024336" cy="2322174"/>
-          </a:xfrm>
-          <a:prstGeom prst="rect">
-            <a:avLst/>
-          </a:prstGeom>
-          <a:noFill/>
-          <a:ln w="9525" cmpd="sng">
-            <a:solidFill>
-              <a:srgbClr val="00B0F0"/>
-            </a:solidFill>
-            <a:prstDash val="solid"/>
-          </a:ln>
-        </p:spPr>
-        <p:txBody>
-          <a:bodyPr wrap="square" rtlCol="0">
-            <a:spAutoFit/>
-          </a:bodyPr>
-          <a:lstStyle/>
-          <a:p>
-            <a:pPr>
-              <a:lnSpc>
-                <a:spcPct val="130000"/>
-              </a:lnSpc>
-            </a:pPr>
-            <a:r>
-              <a:rPr lang="zh-CN" altLang="en-US" sz="1400" dirty="0" smtClean="0">
-                <a:latin typeface="微软雅黑" panose="020B0503020204020204" pitchFamily="34" charset="-122"/>
-                <a:ea typeface="微软雅黑" panose="020B0503020204020204" pitchFamily="34" charset="-122"/>
-                <a:cs typeface="楷体" panose="02010609060101010101" pitchFamily="49" charset="-122"/>
-              </a:rPr>
-              <a:t>客户姓名：自动填写</a:t>
-            </a:r>
-            <a:r>
-              <a:rPr lang="en-US" altLang="zh-CN" sz="1400" dirty="0" smtClean="0">
-                <a:latin typeface="微软雅黑" panose="020B0503020204020204" pitchFamily="34" charset="-122"/>
-                <a:ea typeface="微软雅黑" panose="020B0503020204020204" pitchFamily="34" charset="-122"/>
-                <a:cs typeface="楷体" panose="02010609060101010101" pitchFamily="49" charset="-122"/>
-              </a:rPr>
-              <a:t>/</a:t>
-            </a:r>
-            <a:r>
-              <a:rPr lang="zh-CN" altLang="en-US" sz="1400" dirty="0" smtClean="0">
-                <a:latin typeface="微软雅黑" panose="020B0503020204020204" pitchFamily="34" charset="-122"/>
-                <a:ea typeface="微软雅黑" panose="020B0503020204020204" pitchFamily="34" charset="-122"/>
-                <a:cs typeface="楷体" panose="02010609060101010101" pitchFamily="49" charset="-122"/>
-              </a:rPr>
-              <a:t>可修改</a:t>
-            </a:r>
-            <a:endParaRPr lang="en-US" altLang="zh-CN" sz="1400" dirty="0">
-              <a:latin typeface="微软雅黑" panose="020B0503020204020204" pitchFamily="34" charset="-122"/>
-              <a:ea typeface="微软雅黑" panose="020B0503020204020204" pitchFamily="34" charset="-122"/>
-              <a:cs typeface="楷体" panose="02010609060101010101" pitchFamily="49" charset="-122"/>
-            </a:endParaRPr>
-          </a:p>
-          <a:p>
-            <a:pPr>
-              <a:lnSpc>
-                <a:spcPct val="130000"/>
-              </a:lnSpc>
-            </a:pPr>
-            <a:r>
-              <a:rPr lang="zh-CN" altLang="en-US" sz="1400" dirty="0" smtClean="0">
-                <a:latin typeface="微软雅黑" panose="020B0503020204020204" pitchFamily="34" charset="-122"/>
-                <a:ea typeface="微软雅黑" panose="020B0503020204020204" pitchFamily="34" charset="-122"/>
-                <a:cs typeface="楷体" panose="02010609060101010101" pitchFamily="49" charset="-122"/>
-              </a:rPr>
-              <a:t>患者性别：选择</a:t>
-            </a:r>
-            <a:endParaRPr lang="en-US" altLang="zh-CN" sz="1400" dirty="0" smtClean="0">
-              <a:latin typeface="微软雅黑" panose="020B0503020204020204" pitchFamily="34" charset="-122"/>
-              <a:ea typeface="微软雅黑" panose="020B0503020204020204" pitchFamily="34" charset="-122"/>
-              <a:cs typeface="楷体" panose="02010609060101010101" pitchFamily="49" charset="-122"/>
-            </a:endParaRPr>
-          </a:p>
-          <a:p>
-            <a:pPr>
-              <a:lnSpc>
-                <a:spcPct val="130000"/>
-              </a:lnSpc>
-            </a:pPr>
-            <a:r>
-              <a:rPr lang="zh-CN" altLang="en-US" sz="1400" dirty="0">
-                <a:latin typeface="微软雅黑" panose="020B0503020204020204" pitchFamily="34" charset="-122"/>
-                <a:ea typeface="微软雅黑" panose="020B0503020204020204" pitchFamily="34" charset="-122"/>
-                <a:cs typeface="楷体" panose="02010609060101010101" pitchFamily="49" charset="-122"/>
-              </a:rPr>
-              <a:t>药品使用对像：必填项，可选</a:t>
-            </a:r>
-            <a:endParaRPr lang="en-US" altLang="zh-CN" sz="1400" dirty="0">
-              <a:latin typeface="微软雅黑" panose="020B0503020204020204" pitchFamily="34" charset="-122"/>
-              <a:ea typeface="微软雅黑" panose="020B0503020204020204" pitchFamily="34" charset="-122"/>
-              <a:cs typeface="楷体" panose="02010609060101010101" pitchFamily="49" charset="-122"/>
-            </a:endParaRPr>
-          </a:p>
-          <a:p>
-            <a:pPr>
-              <a:lnSpc>
-                <a:spcPct val="130000"/>
-              </a:lnSpc>
-            </a:pPr>
-            <a:r>
-              <a:rPr lang="zh-CN" altLang="en-US" sz="1400" dirty="0" smtClean="0">
-                <a:latin typeface="微软雅黑" panose="020B0503020204020204" pitchFamily="34" charset="-122"/>
-                <a:ea typeface="微软雅黑" panose="020B0503020204020204" pitchFamily="34" charset="-122"/>
-                <a:cs typeface="楷体" panose="02010609060101010101" pitchFamily="49" charset="-122"/>
-              </a:rPr>
-              <a:t>年龄：无需问，年龄段选择</a:t>
-            </a:r>
-            <a:endParaRPr lang="en-US" altLang="zh-CN" sz="1400" dirty="0">
-              <a:latin typeface="微软雅黑" panose="020B0503020204020204" pitchFamily="34" charset="-122"/>
-              <a:ea typeface="微软雅黑" panose="020B0503020204020204" pitchFamily="34" charset="-122"/>
-              <a:cs typeface="楷体" panose="02010609060101010101" pitchFamily="49" charset="-122"/>
-            </a:endParaRPr>
-          </a:p>
-          <a:p>
-            <a:pPr>
-              <a:lnSpc>
-                <a:spcPct val="130000"/>
-              </a:lnSpc>
-            </a:pPr>
-            <a:r>
-              <a:rPr lang="zh-CN" altLang="en-US" sz="1400" dirty="0">
-                <a:latin typeface="微软雅黑" panose="020B0503020204020204" pitchFamily="34" charset="-122"/>
-                <a:ea typeface="微软雅黑" panose="020B0503020204020204" pitchFamily="34" charset="-122"/>
-                <a:cs typeface="楷体" panose="02010609060101010101" pitchFamily="49" charset="-122"/>
-              </a:rPr>
-              <a:t>所在地理</a:t>
-            </a:r>
-            <a:r>
-              <a:rPr lang="zh-CN" altLang="en-US" sz="1400" dirty="0" smtClean="0">
-                <a:latin typeface="微软雅黑" panose="020B0503020204020204" pitchFamily="34" charset="-122"/>
-                <a:ea typeface="微软雅黑" panose="020B0503020204020204" pitchFamily="34" charset="-122"/>
-                <a:cs typeface="楷体" panose="02010609060101010101" pitchFamily="49" charset="-122"/>
-              </a:rPr>
-              <a:t>位置：自动填写，可修改</a:t>
-            </a:r>
-            <a:endParaRPr lang="en-US" altLang="zh-CN" sz="1400" dirty="0" smtClean="0">
-              <a:latin typeface="微软雅黑" panose="020B0503020204020204" pitchFamily="34" charset="-122"/>
-              <a:ea typeface="微软雅黑" panose="020B0503020204020204" pitchFamily="34" charset="-122"/>
-              <a:cs typeface="楷体" panose="02010609060101010101" pitchFamily="49" charset="-122"/>
-            </a:endParaRPr>
-          </a:p>
-          <a:p>
-            <a:pPr>
-              <a:lnSpc>
-                <a:spcPct val="130000"/>
-              </a:lnSpc>
-            </a:pPr>
-            <a:r>
-              <a:rPr lang="zh-CN" altLang="en-US" sz="1400" dirty="0" smtClean="0">
-                <a:latin typeface="微软雅黑" panose="020B0503020204020204" pitchFamily="34" charset="-122"/>
-                <a:ea typeface="微软雅黑" panose="020B0503020204020204" pitchFamily="34" charset="-122"/>
-                <a:cs typeface="楷体" panose="02010609060101010101" pitchFamily="49" charset="-122"/>
-              </a:rPr>
-              <a:t>用药：可选，来自订单</a:t>
-            </a:r>
-            <a:endParaRPr lang="en-US" altLang="zh-CN" sz="1400" dirty="0">
-              <a:latin typeface="微软雅黑" panose="020B0503020204020204" pitchFamily="34" charset="-122"/>
-              <a:ea typeface="微软雅黑" panose="020B0503020204020204" pitchFamily="34" charset="-122"/>
-              <a:cs typeface="楷体" panose="02010609060101010101" pitchFamily="49" charset="-122"/>
-            </a:endParaRPr>
-          </a:p>
-          <a:p>
-            <a:pPr>
-              <a:lnSpc>
-                <a:spcPct val="130000"/>
-              </a:lnSpc>
-            </a:pPr>
-            <a:r>
-              <a:rPr lang="zh-CN" altLang="en-US" sz="1400" dirty="0" smtClean="0">
-                <a:latin typeface="微软雅黑" panose="020B0503020204020204" pitchFamily="34" charset="-122"/>
-                <a:ea typeface="微软雅黑" panose="020B0503020204020204" pitchFamily="34" charset="-122"/>
-                <a:cs typeface="楷体" panose="02010609060101010101" pitchFamily="49" charset="-122"/>
-              </a:rPr>
-              <a:t>疾病：带药师助手工具后可选</a:t>
-            </a:r>
-            <a:endParaRPr lang="en-US" altLang="zh-CN" sz="1400" dirty="0" smtClean="0">
-              <a:latin typeface="微软雅黑" panose="020B0503020204020204" pitchFamily="34" charset="-122"/>
-              <a:ea typeface="微软雅黑" panose="020B0503020204020204" pitchFamily="34" charset="-122"/>
-              <a:cs typeface="楷体" panose="02010609060101010101" pitchFamily="49" charset="-122"/>
-            </a:endParaRPr>
-          </a:p>
-          <a:p>
-            <a:pPr>
-              <a:lnSpc>
-                <a:spcPct val="130000"/>
-              </a:lnSpc>
-            </a:pPr>
-            <a:r>
-              <a:rPr lang="zh-CN" altLang="en-US" sz="1400" dirty="0" smtClean="0">
-                <a:latin typeface="微软雅黑" panose="020B0503020204020204" pitchFamily="34" charset="-122"/>
-                <a:ea typeface="微软雅黑" panose="020B0503020204020204" pitchFamily="34" charset="-122"/>
-                <a:cs typeface="楷体" panose="02010609060101010101" pitchFamily="49" charset="-122"/>
-              </a:rPr>
-              <a:t>其余客户档案字段隐藏，可选填；</a:t>
-            </a:r>
-            <a:endParaRPr lang="en-US" altLang="zh-CN" sz="1400" dirty="0" smtClean="0">
-              <a:latin typeface="微软雅黑" panose="020B0503020204020204" pitchFamily="34" charset="-122"/>
-              <a:ea typeface="微软雅黑" panose="020B0503020204020204" pitchFamily="34" charset="-122"/>
-              <a:cs typeface="楷体" panose="02010609060101010101" pitchFamily="49" charset="-122"/>
-            </a:endParaRPr>
-          </a:p>
-        </p:txBody>
-      </p:sp>
-      <p:sp>
-        <p:nvSpPr>
-          <p:cNvPr id="15" name="文本框 14"/>
-          <p:cNvSpPr txBox="1"/>
-          <p:nvPr/>
-        </p:nvSpPr>
-        <p:spPr>
-          <a:xfrm>
-            <a:off x="683568" y="4365104"/>
-            <a:ext cx="1440160" cy="338554"/>
-          </a:xfrm>
-          <a:prstGeom prst="rect">
-            <a:avLst/>
-          </a:prstGeom>
-          <a:noFill/>
-          <a:ln>
-            <a:solidFill>
-              <a:srgbClr val="4F81BD"/>
-            </a:solidFill>
-          </a:ln>
-        </p:spPr>
-        <p:txBody>
-          <a:bodyPr wrap="square" rtlCol="0">
-            <a:spAutoFit/>
-          </a:bodyPr>
-          <a:lstStyle/>
-          <a:p>
-            <a:pPr algn="ctr"/>
-            <a:r>
-              <a:rPr kumimoji="1" lang="zh-CN" altLang="en-US" sz="1600" dirty="0" smtClean="0"/>
-              <a:t>员工</a:t>
-            </a:r>
-            <a:endParaRPr kumimoji="1" lang="zh-CN" altLang="en-US" sz="1600" dirty="0"/>
-          </a:p>
-        </p:txBody>
-      </p:sp>
-      <p:sp>
-        <p:nvSpPr>
-          <p:cNvPr id="16" name="文本框 15"/>
-          <p:cNvSpPr txBox="1"/>
-          <p:nvPr/>
-        </p:nvSpPr>
-        <p:spPr>
-          <a:xfrm>
-            <a:off x="683568" y="4725144"/>
-            <a:ext cx="1440160" cy="338554"/>
-          </a:xfrm>
-          <a:prstGeom prst="rect">
-            <a:avLst/>
-          </a:prstGeom>
-          <a:noFill/>
-          <a:ln>
-            <a:solidFill>
-              <a:srgbClr val="4F81BD"/>
-            </a:solidFill>
-          </a:ln>
-        </p:spPr>
-        <p:txBody>
-          <a:bodyPr wrap="square" rtlCol="0">
-            <a:spAutoFit/>
-          </a:bodyPr>
-          <a:lstStyle/>
-          <a:p>
-            <a:r>
-              <a:rPr kumimoji="1" lang="zh-CN" altLang="en-US" sz="1600" dirty="0" smtClean="0"/>
-              <a:t>接入自动外呼</a:t>
-            </a:r>
-            <a:endParaRPr kumimoji="1" lang="zh-CN" altLang="en-US" sz="1600" dirty="0"/>
-          </a:p>
-        </p:txBody>
-      </p:sp>
-      <p:cxnSp>
-        <p:nvCxnSpPr>
-          <p:cNvPr id="17" name="直线箭头连接符 16"/>
-          <p:cNvCxnSpPr>
-            <a:stCxn id="16" idx="3"/>
-          </p:cNvCxnSpPr>
-          <p:nvPr/>
-        </p:nvCxnSpPr>
-        <p:spPr>
-          <a:xfrm flipV="1">
-            <a:off x="2123728" y="4869160"/>
-            <a:ext cx="1584176" cy="25261"/>
-          </a:xfrm>
-          <a:prstGeom prst="straightConnector1">
-            <a:avLst/>
-          </a:prstGeom>
-          <a:ln>
-            <a:tailEnd type="arrow"/>
-          </a:ln>
-        </p:spPr>
-        <p:style>
-          <a:lnRef idx="2">
-            <a:schemeClr val="accent1"/>
-          </a:lnRef>
-          <a:fillRef idx="0">
-            <a:schemeClr val="accent1"/>
-          </a:fillRef>
-          <a:effectRef idx="1">
-            <a:schemeClr val="accent1"/>
-          </a:effectRef>
-          <a:fontRef idx="minor">
-            <a:schemeClr val="tx1"/>
-          </a:fontRef>
-        </p:style>
-      </p:cxnSp>
-      <p:sp>
-        <p:nvSpPr>
-          <p:cNvPr id="18" name="文本框 17"/>
-          <p:cNvSpPr txBox="1"/>
-          <p:nvPr/>
-        </p:nvSpPr>
-        <p:spPr>
-          <a:xfrm>
-            <a:off x="3707904" y="4437112"/>
-            <a:ext cx="1440160" cy="338554"/>
-          </a:xfrm>
-          <a:prstGeom prst="rect">
-            <a:avLst/>
-          </a:prstGeom>
-          <a:noFill/>
-          <a:ln>
-            <a:solidFill>
-              <a:srgbClr val="4F81BD"/>
-            </a:solidFill>
-          </a:ln>
-        </p:spPr>
-        <p:txBody>
-          <a:bodyPr wrap="square" rtlCol="0">
-            <a:spAutoFit/>
-          </a:bodyPr>
-          <a:lstStyle/>
-          <a:p>
-            <a:pPr algn="ctr"/>
-            <a:r>
-              <a:rPr kumimoji="1" lang="zh-CN" altLang="en-US" sz="1600" dirty="0" smtClean="0"/>
-              <a:t>员工</a:t>
-            </a:r>
-            <a:endParaRPr kumimoji="1" lang="zh-CN" altLang="en-US" sz="1600" dirty="0"/>
-          </a:p>
-        </p:txBody>
-      </p:sp>
-      <p:sp>
-        <p:nvSpPr>
-          <p:cNvPr id="19" name="文本框 18"/>
-          <p:cNvSpPr txBox="1"/>
-          <p:nvPr/>
-        </p:nvSpPr>
-        <p:spPr>
-          <a:xfrm>
-            <a:off x="3707904" y="4797152"/>
-            <a:ext cx="1440160" cy="338554"/>
-          </a:xfrm>
-          <a:prstGeom prst="rect">
-            <a:avLst/>
-          </a:prstGeom>
-          <a:noFill/>
-          <a:ln>
-            <a:solidFill>
-              <a:srgbClr val="4F81BD"/>
-            </a:solidFill>
-          </a:ln>
-        </p:spPr>
-        <p:txBody>
-          <a:bodyPr wrap="square" rtlCol="0">
-            <a:spAutoFit/>
-          </a:bodyPr>
-          <a:lstStyle/>
-          <a:p>
-            <a:r>
-              <a:rPr kumimoji="1" lang="zh-CN" altLang="en-US" sz="1600" dirty="0" smtClean="0"/>
-              <a:t>完善客户档案</a:t>
-            </a:r>
-            <a:endParaRPr kumimoji="1" lang="zh-CN" altLang="en-US" sz="1600" dirty="0"/>
-          </a:p>
-        </p:txBody>
-      </p:sp>
-      <p:sp>
-        <p:nvSpPr>
-          <p:cNvPr id="21" name="矩形 20"/>
-          <p:cNvSpPr/>
-          <p:nvPr/>
-        </p:nvSpPr>
-        <p:spPr>
-          <a:xfrm>
-            <a:off x="395536" y="3717032"/>
-            <a:ext cx="1872208" cy="369332"/>
-          </a:xfrm>
-          <a:prstGeom prst="rect">
-            <a:avLst/>
-          </a:prstGeom>
-        </p:spPr>
-        <p:txBody>
-          <a:bodyPr wrap="square">
-            <a:spAutoFit/>
-          </a:bodyPr>
-          <a:lstStyle/>
-          <a:p>
-            <a:r>
-              <a:rPr lang="zh-CN" altLang="en-US" dirty="0" smtClean="0">
-                <a:latin typeface="楷体" panose="02010609060101010101" pitchFamily="49" charset="-122"/>
-                <a:ea typeface="楷体" panose="02010609060101010101" pitchFamily="49" charset="-122"/>
-                <a:cs typeface="楷体" panose="02010609060101010101" pitchFamily="49" charset="-122"/>
-              </a:rPr>
-              <a:t>慢病：</a:t>
-            </a:r>
-            <a:endParaRPr lang="zh-CN" altLang="en-US" dirty="0">
-              <a:latin typeface="楷体" panose="02010609060101010101" pitchFamily="49" charset="-122"/>
-              <a:ea typeface="楷体" panose="02010609060101010101" pitchFamily="49" charset="-122"/>
-              <a:cs typeface="楷体" panose="02010609060101010101" pitchFamily="49" charset="-122"/>
-            </a:endParaRPr>
-          </a:p>
-        </p:txBody>
-      </p:sp>
-      <p:sp>
-        <p:nvSpPr>
-          <p:cNvPr id="22" name="文本框 21"/>
-          <p:cNvSpPr txBox="1"/>
-          <p:nvPr/>
-        </p:nvSpPr>
-        <p:spPr>
-          <a:xfrm>
-            <a:off x="3707904" y="5445224"/>
-            <a:ext cx="1440160" cy="338554"/>
-          </a:xfrm>
-          <a:prstGeom prst="rect">
-            <a:avLst/>
-          </a:prstGeom>
-          <a:noFill/>
-          <a:ln>
-            <a:solidFill>
-              <a:srgbClr val="4F81BD"/>
-            </a:solidFill>
-          </a:ln>
-        </p:spPr>
-        <p:txBody>
-          <a:bodyPr wrap="square" rtlCol="0">
-            <a:spAutoFit/>
-          </a:bodyPr>
-          <a:lstStyle/>
-          <a:p>
-            <a:pPr algn="ctr"/>
-            <a:r>
-              <a:rPr kumimoji="1" lang="zh-CN" altLang="en-US" sz="1600" dirty="0" smtClean="0"/>
-              <a:t>员工</a:t>
-            </a:r>
-            <a:endParaRPr kumimoji="1" lang="zh-CN" altLang="en-US" sz="1600" dirty="0"/>
-          </a:p>
-        </p:txBody>
-      </p:sp>
-      <p:sp>
-        <p:nvSpPr>
-          <p:cNvPr id="23" name="文本框 22"/>
-          <p:cNvSpPr txBox="1"/>
-          <p:nvPr/>
-        </p:nvSpPr>
-        <p:spPr>
-          <a:xfrm>
-            <a:off x="3707904" y="5805264"/>
-            <a:ext cx="1440160" cy="338554"/>
-          </a:xfrm>
-          <a:prstGeom prst="rect">
-            <a:avLst/>
-          </a:prstGeom>
-          <a:noFill/>
-          <a:ln>
-            <a:solidFill>
-              <a:srgbClr val="4F81BD"/>
-            </a:solidFill>
-          </a:ln>
-        </p:spPr>
-        <p:txBody>
-          <a:bodyPr wrap="square" rtlCol="0">
-            <a:spAutoFit/>
-          </a:bodyPr>
-          <a:lstStyle/>
-          <a:p>
-            <a:pPr algn="ctr"/>
-            <a:r>
-              <a:rPr kumimoji="1" lang="zh-CN" altLang="en-US" sz="1600" dirty="0" smtClean="0"/>
-              <a:t>完成销售</a:t>
-            </a:r>
-            <a:endParaRPr kumimoji="1" lang="zh-CN" altLang="en-US" sz="1600" dirty="0"/>
-          </a:p>
-        </p:txBody>
-      </p:sp>
-      <p:cxnSp>
-        <p:nvCxnSpPr>
-          <p:cNvPr id="25" name="肘形连接符 24"/>
-          <p:cNvCxnSpPr>
-            <a:stCxn id="16" idx="3"/>
-            <a:endCxn id="23" idx="1"/>
-          </p:cNvCxnSpPr>
-          <p:nvPr/>
-        </p:nvCxnSpPr>
-        <p:spPr>
-          <a:xfrm>
-            <a:off x="2123728" y="4894421"/>
-            <a:ext cx="1584176" cy="1080120"/>
-          </a:xfrm>
-          <a:prstGeom prst="bentConnector3">
-            <a:avLst/>
-          </a:prstGeom>
-          <a:ln>
-            <a:tailEnd type="arrow"/>
-          </a:ln>
-        </p:spPr>
-        <p:style>
-          <a:lnRef idx="2">
-            <a:schemeClr val="accent1"/>
-          </a:lnRef>
-          <a:fillRef idx="0">
-            <a:schemeClr val="accent1"/>
-          </a:fillRef>
-          <a:effectRef idx="1">
-            <a:schemeClr val="accent1"/>
-          </a:effectRef>
-          <a:fontRef idx="minor">
-            <a:schemeClr val="tx1"/>
-          </a:fontRef>
-        </p:style>
-      </p:cxnSp>
-      <p:sp>
-        <p:nvSpPr>
-          <p:cNvPr id="26" name="线形标注 2 (带强调线) 25"/>
-          <p:cNvSpPr/>
-          <p:nvPr/>
-        </p:nvSpPr>
-        <p:spPr>
-          <a:xfrm>
-            <a:off x="3707904" y="3488379"/>
-            <a:ext cx="1296144" cy="938719"/>
-          </a:xfrm>
-          <a:prstGeom prst="accentCallout2">
-            <a:avLst>
-              <a:gd name="adj1" fmla="val 18750"/>
-              <a:gd name="adj2" fmla="val -8333"/>
-              <a:gd name="adj3" fmla="val 18750"/>
-              <a:gd name="adj4" fmla="val -16667"/>
-              <a:gd name="adj5" fmla="val 148356"/>
-              <a:gd name="adj6" fmla="val -36207"/>
-            </a:avLst>
-          </a:prstGeom>
-          <a:ln>
-            <a:solidFill>
-              <a:schemeClr val="tx2">
-                <a:lumMod val="60000"/>
-                <a:lumOff val="40000"/>
-              </a:schemeClr>
-            </a:solidFill>
-            <a:prstDash val="sysDash"/>
-          </a:ln>
-        </p:spPr>
-        <p:txBody>
-          <a:bodyPr wrap="square" rtlCol="0" anchor="ctr">
-            <a:spAutoFit/>
-          </a:bodyPr>
-          <a:lstStyle/>
-          <a:p>
-            <a:pPr algn="ctr"/>
-            <a:r>
-              <a:rPr kumimoji="1" lang="zh-CN" altLang="en-US" sz="1100" b="1" dirty="0" smtClean="0">
-                <a:latin typeface="微软雅黑" panose="020B0503020204020204" pitchFamily="34" charset="-122"/>
-                <a:ea typeface="微软雅黑" panose="020B0503020204020204" pitchFamily="34" charset="-122"/>
-              </a:rPr>
-              <a:t>满足以下</a:t>
-            </a:r>
-            <a:r>
-              <a:rPr kumimoji="1" lang="en-US" altLang="zh-CN" sz="1100" b="1" dirty="0" smtClean="0">
-                <a:latin typeface="微软雅黑" panose="020B0503020204020204" pitchFamily="34" charset="-122"/>
-                <a:ea typeface="微软雅黑" panose="020B0503020204020204" pitchFamily="34" charset="-122"/>
-              </a:rPr>
-              <a:t>2</a:t>
-            </a:r>
-            <a:r>
-              <a:rPr kumimoji="1" lang="zh-CN" altLang="en-US" sz="1100" b="1" dirty="0" smtClean="0">
-                <a:latin typeface="微软雅黑" panose="020B0503020204020204" pitchFamily="34" charset="-122"/>
-                <a:ea typeface="微软雅黑" panose="020B0503020204020204" pitchFamily="34" charset="-122"/>
-              </a:rPr>
-              <a:t>个标准，资料可流向个人资料库，保留</a:t>
-            </a:r>
-            <a:r>
-              <a:rPr kumimoji="1" lang="en-US" altLang="zh-CN" sz="1100" b="1" dirty="0" smtClean="0">
-                <a:latin typeface="微软雅黑" panose="020B0503020204020204" pitchFamily="34" charset="-122"/>
-                <a:ea typeface="微软雅黑" panose="020B0503020204020204" pitchFamily="34" charset="-122"/>
-              </a:rPr>
-              <a:t>3</a:t>
-            </a:r>
-            <a:r>
-              <a:rPr kumimoji="1" lang="zh-CN" altLang="en-US" sz="1100" b="1" dirty="0" smtClean="0">
-                <a:latin typeface="微软雅黑" panose="020B0503020204020204" pitchFamily="34" charset="-122"/>
-                <a:ea typeface="微软雅黑" panose="020B0503020204020204" pitchFamily="34" charset="-122"/>
-              </a:rPr>
-              <a:t>个月，若</a:t>
-            </a:r>
-            <a:r>
-              <a:rPr kumimoji="1" lang="en-US" altLang="zh-CN" sz="1100" b="1" dirty="0" smtClean="0">
-                <a:latin typeface="微软雅黑" panose="020B0503020204020204" pitchFamily="34" charset="-122"/>
-                <a:ea typeface="微软雅黑" panose="020B0503020204020204" pitchFamily="34" charset="-122"/>
-              </a:rPr>
-              <a:t>3</a:t>
-            </a:r>
-            <a:r>
-              <a:rPr kumimoji="1" lang="zh-CN" altLang="en-US" sz="1100" b="1" dirty="0" smtClean="0">
-                <a:latin typeface="微软雅黑" panose="020B0503020204020204" pitchFamily="34" charset="-122"/>
-                <a:ea typeface="微软雅黑" panose="020B0503020204020204" pitchFamily="34" charset="-122"/>
-              </a:rPr>
-              <a:t>个月内无联系，自动剥落</a:t>
-            </a:r>
-            <a:endParaRPr kumimoji="1" lang="zh-CN" altLang="en-US" sz="1100" b="1" dirty="0">
-              <a:latin typeface="微软雅黑" panose="020B0503020204020204" pitchFamily="34" charset="-122"/>
-              <a:ea typeface="微软雅黑" panose="020B0503020204020204" pitchFamily="34" charset="-122"/>
-            </a:endParaRPr>
-          </a:p>
-        </p:txBody>
-      </p:sp>
-      <p:sp>
-        <p:nvSpPr>
-          <p:cNvPr id="27" name="TextBox 38"/>
-          <p:cNvSpPr txBox="1"/>
-          <p:nvPr/>
-        </p:nvSpPr>
-        <p:spPr>
-          <a:xfrm>
-            <a:off x="5580112" y="4005064"/>
-            <a:ext cx="3024336" cy="2042097"/>
-          </a:xfrm>
-          <a:prstGeom prst="rect">
-            <a:avLst/>
-          </a:prstGeom>
-          <a:noFill/>
-          <a:ln w="9525" cmpd="sng">
-            <a:solidFill>
-              <a:srgbClr val="00B0F0"/>
-            </a:solidFill>
-            <a:prstDash val="solid"/>
-          </a:ln>
-        </p:spPr>
-        <p:txBody>
-          <a:bodyPr wrap="square" rtlCol="0">
-            <a:spAutoFit/>
-          </a:bodyPr>
-          <a:lstStyle/>
-          <a:p>
-            <a:pPr>
-              <a:lnSpc>
-                <a:spcPct val="130000"/>
-              </a:lnSpc>
-            </a:pPr>
-            <a:r>
-              <a:rPr lang="zh-CN" altLang="en-US" sz="1400" dirty="0" smtClean="0">
-                <a:latin typeface="微软雅黑" panose="020B0503020204020204" pitchFamily="34" charset="-122"/>
-                <a:ea typeface="微软雅黑" panose="020B0503020204020204" pitchFamily="34" charset="-122"/>
-                <a:cs typeface="楷体" panose="02010609060101010101" pitchFamily="49" charset="-122"/>
-              </a:rPr>
-              <a:t>除同处方审核组的客户档案外：</a:t>
-            </a:r>
-            <a:endParaRPr lang="en-US" altLang="zh-CN" sz="1400" dirty="0" smtClean="0">
-              <a:latin typeface="微软雅黑" panose="020B0503020204020204" pitchFamily="34" charset="-122"/>
-              <a:ea typeface="微软雅黑" panose="020B0503020204020204" pitchFamily="34" charset="-122"/>
-              <a:cs typeface="楷体" panose="02010609060101010101" pitchFamily="49" charset="-122"/>
-            </a:endParaRPr>
-          </a:p>
-          <a:p>
-            <a:pPr>
-              <a:lnSpc>
-                <a:spcPct val="130000"/>
-              </a:lnSpc>
-            </a:pPr>
-            <a:r>
-              <a:rPr lang="zh-CN" altLang="en-US" sz="1400" dirty="0" smtClean="0">
-                <a:latin typeface="微软雅黑" panose="020B0503020204020204" pitchFamily="34" charset="-122"/>
-                <a:ea typeface="微软雅黑" panose="020B0503020204020204" pitchFamily="34" charset="-122"/>
-                <a:cs typeface="楷体" panose="02010609060101010101" pitchFamily="49" charset="-122"/>
-              </a:rPr>
-              <a:t>疾病：可选</a:t>
-            </a:r>
-            <a:r>
-              <a:rPr lang="en-US" altLang="zh-CN" sz="1400" dirty="0" smtClean="0">
-                <a:latin typeface="微软雅黑" panose="020B0503020204020204" pitchFamily="34" charset="-122"/>
-                <a:ea typeface="微软雅黑" panose="020B0503020204020204" pitchFamily="34" charset="-122"/>
-                <a:cs typeface="楷体" panose="02010609060101010101" pitchFamily="49" charset="-122"/>
-              </a:rPr>
-              <a:t>/</a:t>
-            </a:r>
-            <a:r>
-              <a:rPr lang="zh-CN" altLang="en-US" sz="1400" dirty="0" smtClean="0">
-                <a:latin typeface="微软雅黑" panose="020B0503020204020204" pitchFamily="34" charset="-122"/>
-                <a:ea typeface="微软雅黑" panose="020B0503020204020204" pitchFamily="34" charset="-122"/>
-                <a:cs typeface="楷体" panose="02010609060101010101" pitchFamily="49" charset="-122"/>
-              </a:rPr>
-              <a:t>可字母搜索，必填项</a:t>
-            </a:r>
-            <a:endParaRPr lang="en-US" altLang="zh-CN" sz="1400" dirty="0" smtClean="0">
-              <a:latin typeface="微软雅黑" panose="020B0503020204020204" pitchFamily="34" charset="-122"/>
-              <a:ea typeface="微软雅黑" panose="020B0503020204020204" pitchFamily="34" charset="-122"/>
-              <a:cs typeface="楷体" panose="02010609060101010101" pitchFamily="49" charset="-122"/>
-            </a:endParaRPr>
-          </a:p>
-          <a:p>
-            <a:pPr>
-              <a:lnSpc>
-                <a:spcPct val="130000"/>
-              </a:lnSpc>
-            </a:pPr>
-            <a:r>
-              <a:rPr lang="zh-CN" altLang="en-US" sz="1400" dirty="0" smtClean="0">
-                <a:latin typeface="微软雅黑" panose="020B0503020204020204" pitchFamily="34" charset="-122"/>
-                <a:ea typeface="微软雅黑" panose="020B0503020204020204" pitchFamily="34" charset="-122"/>
-                <a:cs typeface="楷体" panose="02010609060101010101" pitchFamily="49" charset="-122"/>
-              </a:rPr>
-              <a:t>疾病情况：文本框；</a:t>
-            </a:r>
-            <a:endParaRPr lang="en-US" altLang="zh-CN" sz="1400" dirty="0" smtClean="0">
-              <a:latin typeface="微软雅黑" panose="020B0503020204020204" pitchFamily="34" charset="-122"/>
-              <a:ea typeface="微软雅黑" panose="020B0503020204020204" pitchFamily="34" charset="-122"/>
-              <a:cs typeface="楷体" panose="02010609060101010101" pitchFamily="49" charset="-122"/>
-            </a:endParaRPr>
-          </a:p>
-          <a:p>
-            <a:pPr>
-              <a:lnSpc>
-                <a:spcPct val="130000"/>
-              </a:lnSpc>
-            </a:pPr>
-            <a:r>
-              <a:rPr lang="zh-CN" altLang="en-US" sz="1400" dirty="0" smtClean="0">
-                <a:latin typeface="微软雅黑" panose="020B0503020204020204" pitchFamily="34" charset="-122"/>
-                <a:ea typeface="微软雅黑" panose="020B0503020204020204" pitchFamily="34" charset="-122"/>
-                <a:cs typeface="楷体" panose="02010609060101010101" pitchFamily="49" charset="-122"/>
-              </a:rPr>
-              <a:t>用药情况：来自订单、自动计算；</a:t>
-            </a:r>
-            <a:endParaRPr lang="en-US" altLang="zh-CN" sz="1400" dirty="0" smtClean="0">
-              <a:latin typeface="微软雅黑" panose="020B0503020204020204" pitchFamily="34" charset="-122"/>
-              <a:ea typeface="微软雅黑" panose="020B0503020204020204" pitchFamily="34" charset="-122"/>
-              <a:cs typeface="楷体" panose="02010609060101010101" pitchFamily="49" charset="-122"/>
-            </a:endParaRPr>
-          </a:p>
-          <a:p>
-            <a:pPr>
-              <a:lnSpc>
-                <a:spcPct val="130000"/>
-              </a:lnSpc>
-            </a:pPr>
-            <a:r>
-              <a:rPr lang="zh-CN" altLang="en-US" sz="1400" dirty="0" smtClean="0">
-                <a:latin typeface="微软雅黑" panose="020B0503020204020204" pitchFamily="34" charset="-122"/>
-                <a:ea typeface="微软雅黑" panose="020B0503020204020204" pitchFamily="34" charset="-122"/>
-                <a:cs typeface="楷体" panose="02010609060101010101" pitchFamily="49" charset="-122"/>
-              </a:rPr>
-              <a:t>复购时间：计算，可手工调整；</a:t>
-            </a:r>
-            <a:endParaRPr lang="en-US" altLang="zh-CN" sz="1400" dirty="0" smtClean="0">
-              <a:latin typeface="微软雅黑" panose="020B0503020204020204" pitchFamily="34" charset="-122"/>
-              <a:ea typeface="微软雅黑" panose="020B0503020204020204" pitchFamily="34" charset="-122"/>
-              <a:cs typeface="楷体" panose="02010609060101010101" pitchFamily="49" charset="-122"/>
-            </a:endParaRPr>
-          </a:p>
-          <a:p>
-            <a:pPr>
-              <a:lnSpc>
-                <a:spcPct val="130000"/>
-              </a:lnSpc>
-            </a:pPr>
-            <a:r>
-              <a:rPr lang="zh-CN" altLang="en-US" sz="1400" dirty="0" smtClean="0">
-                <a:latin typeface="微软雅黑" panose="020B0503020204020204" pitchFamily="34" charset="-122"/>
-                <a:ea typeface="微软雅黑" panose="020B0503020204020204" pitchFamily="34" charset="-122"/>
-                <a:cs typeface="楷体" panose="02010609060101010101" pitchFamily="49" charset="-122"/>
-              </a:rPr>
-              <a:t>购买能力：选填；</a:t>
-            </a:r>
-            <a:endParaRPr lang="en-US" altLang="zh-CN" sz="1400" dirty="0" smtClean="0">
-              <a:latin typeface="微软雅黑" panose="020B0503020204020204" pitchFamily="34" charset="-122"/>
-              <a:ea typeface="微软雅黑" panose="020B0503020204020204" pitchFamily="34" charset="-122"/>
-              <a:cs typeface="楷体" panose="02010609060101010101" pitchFamily="49" charset="-122"/>
-            </a:endParaRPr>
-          </a:p>
-          <a:p>
-            <a:pPr>
-              <a:lnSpc>
-                <a:spcPct val="130000"/>
-              </a:lnSpc>
-            </a:pPr>
-            <a:r>
-              <a:rPr lang="zh-CN" altLang="en-US" sz="1400" dirty="0" smtClean="0">
-                <a:latin typeface="微软雅黑" panose="020B0503020204020204" pitchFamily="34" charset="-122"/>
-                <a:ea typeface="微软雅黑" panose="020B0503020204020204" pitchFamily="34" charset="-122"/>
-                <a:cs typeface="楷体" panose="02010609060101010101" pitchFamily="49" charset="-122"/>
-              </a:rPr>
-              <a:t>其余客户档案字段隐藏，可选填；</a:t>
-            </a:r>
-            <a:endParaRPr lang="en-US" altLang="zh-CN" sz="1400" dirty="0" smtClean="0">
-              <a:latin typeface="微软雅黑" panose="020B0503020204020204" pitchFamily="34" charset="-122"/>
-              <a:ea typeface="微软雅黑" panose="020B0503020204020204" pitchFamily="34" charset="-122"/>
-              <a:cs typeface="楷体" panose="02010609060101010101" pitchFamily="49" charset="-122"/>
-            </a:endParaRPr>
-          </a:p>
-        </p:txBody>
-      </p:sp>
-    </p:spTree>
-  </p:cSld>
-  <p:clrMapOvr>
-    <a:masterClrMapping/>
-  </p:clrMapOvr>
-</p:sld>
-</file>
-
-<file path=ppt/slides/slide7.xml><?xml version="1.0" encoding="utf-8"?>
-<p:sld xmlns:a="http://schemas.openxmlformats.org/drawingml/2006/main" xmlns:r="http://schemas.openxmlformats.org/officeDocument/2006/relationships" xmlns:p="http://schemas.openxmlformats.org/presentationml/2006/main">
-  <p:cSld>
-    <p:spTree>
-      <p:nvGrpSpPr>
-        <p:cNvPr id="1" name=""/>
-        <p:cNvGrpSpPr/>
-        <p:nvPr/>
-      </p:nvGrpSpPr>
-      <p:grpSpPr>
-        <a:xfrm>
-          <a:off x="0" y="0"/>
-          <a:ext cx="0" cy="0"/>
-          <a:chOff x="0" y="0"/>
-          <a:chExt cx="0" cy="0"/>
-        </a:xfrm>
-      </p:grpSpPr>
-      <p:sp>
-        <p:nvSpPr>
-          <p:cNvPr id="4" name="TextBox 4"/>
-          <p:cNvSpPr txBox="1"/>
-          <p:nvPr/>
-        </p:nvSpPr>
-        <p:spPr>
-          <a:xfrm>
-            <a:off x="323527" y="323364"/>
-            <a:ext cx="7013623" cy="369332"/>
-          </a:xfrm>
-          <a:prstGeom prst="rect">
-            <a:avLst/>
-          </a:prstGeom>
-          <a:noFill/>
-        </p:spPr>
-        <p:txBody>
-          <a:bodyPr wrap="square" rtlCol="0">
-            <a:spAutoFit/>
-          </a:bodyPr>
-          <a:lstStyle/>
-          <a:p>
-            <a:r>
-              <a:rPr lang="zh-CN" altLang="en-US" b="1" dirty="0" smtClean="0">
-                <a:solidFill>
-                  <a:prstClr val="white"/>
-                </a:solidFill>
-                <a:latin typeface="楷体" panose="02010609060101010101" pitchFamily="49" charset="-122"/>
-                <a:ea typeface="楷体" panose="02010609060101010101" pitchFamily="49" charset="-122"/>
-              </a:rPr>
-              <a:t>自动外呼需求</a:t>
-            </a:r>
-            <a:r>
-              <a:rPr lang="en-US" altLang="zh-CN" b="1" dirty="0" smtClean="0">
-                <a:solidFill>
-                  <a:prstClr val="white"/>
-                </a:solidFill>
-                <a:latin typeface="楷体" panose="02010609060101010101" pitchFamily="49" charset="-122"/>
-                <a:ea typeface="楷体" panose="02010609060101010101" pitchFamily="49" charset="-122"/>
-              </a:rPr>
-              <a:t>-</a:t>
-            </a:r>
-            <a:r>
-              <a:rPr lang="zh-CN" altLang="en-US" b="1" dirty="0" smtClean="0">
-                <a:solidFill>
-                  <a:prstClr val="white"/>
-                </a:solidFill>
-                <a:latin typeface="楷体" panose="02010609060101010101" pitchFamily="49" charset="-122"/>
-                <a:ea typeface="楷体" panose="02010609060101010101" pitchFamily="49" charset="-122"/>
-              </a:rPr>
-              <a:t>配套需求</a:t>
-            </a:r>
-            <a:endParaRPr lang="zh-CN" altLang="en-US" b="1" dirty="0">
-              <a:solidFill>
-                <a:prstClr val="white"/>
-              </a:solidFill>
-              <a:latin typeface="楷体" panose="02010609060101010101" pitchFamily="49" charset="-122"/>
-              <a:ea typeface="楷体" panose="02010609060101010101" pitchFamily="49" charset="-122"/>
-            </a:endParaRPr>
-          </a:p>
-        </p:txBody>
-      </p:sp>
-      <p:sp>
-        <p:nvSpPr>
-          <p:cNvPr id="5" name="文本框 4"/>
-          <p:cNvSpPr txBox="1"/>
-          <p:nvPr/>
-        </p:nvSpPr>
-        <p:spPr>
-          <a:xfrm>
-            <a:off x="611560" y="1340768"/>
-            <a:ext cx="6840760" cy="523220"/>
-          </a:xfrm>
-          <a:prstGeom prst="rect">
-            <a:avLst/>
-          </a:prstGeom>
-          <a:noFill/>
-        </p:spPr>
-        <p:txBody>
-          <a:bodyPr wrap="square" rtlCol="0">
-            <a:spAutoFit/>
-          </a:bodyPr>
-          <a:lstStyle/>
-          <a:p>
-            <a:r>
-              <a:rPr kumimoji="1" lang="en-US" altLang="zh-CN" sz="1400" dirty="0" smtClean="0">
-                <a:latin typeface="宋体" panose="02010600030101010101" pitchFamily="2" charset="-122"/>
-                <a:ea typeface="宋体" panose="02010600030101010101" pitchFamily="2" charset="-122"/>
-                <a:cs typeface="宋体" panose="02010600030101010101" pitchFamily="2" charset="-122"/>
-              </a:rPr>
-              <a:t>1.</a:t>
-            </a:r>
-            <a:r>
-              <a:rPr kumimoji="1" lang="zh-CN" altLang="en-US" sz="1400" dirty="0" smtClean="0">
-                <a:latin typeface="宋体" panose="02010600030101010101" pitchFamily="2" charset="-122"/>
-                <a:ea typeface="宋体" panose="02010600030101010101" pitchFamily="2" charset="-122"/>
-                <a:cs typeface="宋体" panose="02010600030101010101" pitchFamily="2" charset="-122"/>
-              </a:rPr>
-              <a:t>白名单管理：白名单为重要客户，不进入外呼分配；</a:t>
-            </a:r>
-            <a:endParaRPr kumimoji="1" lang="en-US" altLang="zh-CN" sz="1400" dirty="0" smtClean="0">
-              <a:latin typeface="宋体" panose="02010600030101010101" pitchFamily="2" charset="-122"/>
-              <a:ea typeface="宋体" panose="02010600030101010101" pitchFamily="2" charset="-122"/>
-              <a:cs typeface="宋体" panose="02010600030101010101" pitchFamily="2" charset="-122"/>
-            </a:endParaRPr>
-          </a:p>
-          <a:p>
-            <a:r>
-              <a:rPr kumimoji="1" lang="zh-CN" altLang="zh-CN" sz="1400" dirty="0" smtClean="0">
-                <a:latin typeface="宋体" panose="02010600030101010101" pitchFamily="2" charset="-122"/>
-                <a:ea typeface="宋体" panose="02010600030101010101" pitchFamily="2" charset="-122"/>
-                <a:cs typeface="宋体" panose="02010600030101010101" pitchFamily="2" charset="-122"/>
-              </a:rPr>
-              <a:t>2</a:t>
-            </a:r>
-            <a:r>
-              <a:rPr kumimoji="1" lang="en-US" altLang="zh-CN" sz="1400" dirty="0" smtClean="0">
-                <a:latin typeface="宋体" panose="02010600030101010101" pitchFamily="2" charset="-122"/>
-                <a:ea typeface="宋体" panose="02010600030101010101" pitchFamily="2" charset="-122"/>
-                <a:cs typeface="宋体" panose="02010600030101010101" pitchFamily="2" charset="-122"/>
-              </a:rPr>
-              <a:t>.</a:t>
-            </a:r>
-            <a:r>
-              <a:rPr kumimoji="1" lang="zh-CN" altLang="en-US" sz="1400" dirty="0" smtClean="0">
-                <a:latin typeface="宋体" panose="02010600030101010101" pitchFamily="2" charset="-122"/>
-                <a:ea typeface="宋体" panose="02010600030101010101" pitchFamily="2" charset="-122"/>
-                <a:cs typeface="宋体" panose="02010600030101010101" pitchFamily="2" charset="-122"/>
-              </a:rPr>
-              <a:t>主管资源支撑：所有主管作为人力资源进行支撑；</a:t>
-            </a:r>
-            <a:endParaRPr kumimoji="1" lang="en-US" altLang="zh-CN" sz="1400" dirty="0" smtClean="0">
-              <a:latin typeface="宋体" panose="02010600030101010101" pitchFamily="2" charset="-122"/>
-              <a:ea typeface="宋体" panose="02010600030101010101" pitchFamily="2" charset="-122"/>
-              <a:cs typeface="宋体" panose="02010600030101010101" pitchFamily="2" charset="-122"/>
-            </a:endParaRPr>
-          </a:p>
-        </p:txBody>
-      </p:sp>
-    </p:spTree>
-  </p:cSld>
-  <p:clrMapOvr>
-    <a:masterClrMapping/>
-  </p:clrMapOvr>
-</p:sld>
-</file>
-
-<file path=ppt/slides/slide8.xml><?xml version="1.0" encoding="utf-8"?>
+<file path=ppt/slides/slide10.xml><?xml version="1.0" encoding="utf-8"?>
 <p:sld xmlns:a="http://schemas.openxmlformats.org/drawingml/2006/main" xmlns:r="http://schemas.openxmlformats.org/officeDocument/2006/relationships" xmlns:p="http://schemas.openxmlformats.org/presentationml/2006/main">
   <p:cSld>
     <p:spTree>
@@ -8838,7 +4434,7 @@
 </p:sld>
 </file>
 
-<file path=ppt/slides/slide9.xml><?xml version="1.0" encoding="utf-8"?>
+<file path=ppt/slides/slide11.xml><?xml version="1.0" encoding="utf-8"?>
 <p:sld xmlns:a="http://schemas.openxmlformats.org/drawingml/2006/main" xmlns:r="http://schemas.openxmlformats.org/officeDocument/2006/relationships" xmlns:p="http://schemas.openxmlformats.org/presentationml/2006/main">
   <p:cSld>
     <p:spTree>
@@ -9881,6 +5477,4689 @@
             <a:endParaRPr kumimoji="1" lang="zh-CN" altLang="en-US" b="1" dirty="0">
               <a:latin typeface="微软雅黑" panose="020B0503020204020204" pitchFamily="34" charset="-122"/>
               <a:ea typeface="微软雅黑" panose="020B0503020204020204" pitchFamily="34" charset="-122"/>
+            </a:endParaRPr>
+          </a:p>
+        </p:txBody>
+      </p:sp>
+    </p:spTree>
+  </p:cSld>
+  <p:clrMapOvr>
+    <a:masterClrMapping/>
+  </p:clrMapOvr>
+</p:sld>
+</file>
+
+<file path=ppt/slides/slide2.xml><?xml version="1.0" encoding="utf-8"?>
+<p:sld xmlns:a="http://schemas.openxmlformats.org/drawingml/2006/main" xmlns:r="http://schemas.openxmlformats.org/officeDocument/2006/relationships" xmlns:p="http://schemas.openxmlformats.org/presentationml/2006/main">
+  <p:cSld>
+    <p:spTree>
+      <p:nvGrpSpPr>
+        <p:cNvPr id="1" name=""/>
+        <p:cNvGrpSpPr/>
+        <p:nvPr/>
+      </p:nvGrpSpPr>
+      <p:grpSpPr/>
+      <p:sp>
+        <p:nvSpPr>
+          <p:cNvPr id="2" name="标题 1"/>
+          <p:cNvSpPr>
+            <a:spLocks noGrp="1"/>
+          </p:cNvSpPr>
+          <p:nvPr>
+            <p:ph type="title"/>
+          </p:nvPr>
+        </p:nvSpPr>
+        <p:spPr/>
+        <p:txBody>
+          <a:bodyPr/>
+          <a:p>
+            <a:r>
+              <a:rPr lang="zh-CN" altLang="en-US"/>
+              <a:t>数据信息</a:t>
+            </a:r>
+            <a:endParaRPr lang="zh-CN" altLang="en-US"/>
+          </a:p>
+        </p:txBody>
+      </p:sp>
+      <p:sp>
+        <p:nvSpPr>
+          <p:cNvPr id="3" name="内容占位符 2"/>
+          <p:cNvSpPr>
+            <a:spLocks noGrp="1"/>
+          </p:cNvSpPr>
+          <p:nvPr>
+            <p:ph idx="1"/>
+          </p:nvPr>
+        </p:nvSpPr>
+        <p:spPr/>
+        <p:txBody>
+          <a:bodyPr>
+            <a:normAutofit fontScale="50000"/>
+          </a:bodyPr>
+          <a:p>
+            <a:r>
+              <a:rPr lang="zh-CN" altLang="en-US"/>
+              <a:t>方法</a:t>
+            </a:r>
+            <a:endParaRPr lang="zh-CN" altLang="en-US"/>
+          </a:p>
+          <a:p>
+            <a:r>
+              <a:rPr lang="zh-CN" altLang="en-US"/>
+              <a:t>输入</a:t>
+            </a:r>
+            <a:endParaRPr lang="zh-CN" altLang="en-US"/>
+          </a:p>
+          <a:p>
+            <a:r>
+              <a:rPr lang="en-US" altLang="zh-CN"/>
+              <a:t>RFM</a:t>
+            </a:r>
+            <a:endParaRPr lang="en-US" altLang="zh-CN"/>
+          </a:p>
+          <a:p>
+            <a:r>
+              <a:rPr lang="zh-CN" altLang="en-US"/>
+              <a:t>客户上一次购买距离当前的天数（R）</a:t>
+            </a:r>
+            <a:endParaRPr lang="zh-CN" altLang="en-US"/>
+          </a:p>
+          <a:p>
+            <a:r>
+              <a:rPr lang="zh-CN" altLang="en-US"/>
+              <a:t>客户最近一年的购买次数（F）</a:t>
+            </a:r>
+            <a:endParaRPr lang="zh-CN" altLang="en-US"/>
+          </a:p>
+          <a:p>
+            <a:r>
+              <a:rPr lang="zh-CN" altLang="en-US"/>
+              <a:t>客户最近一年的平均购买金额（M）</a:t>
+            </a:r>
+            <a:endParaRPr lang="zh-CN" altLang="en-US"/>
+          </a:p>
+          <a:p>
+            <a:r>
+              <a:rPr lang="zh-CN" altLang="en-US"/>
+              <a:t>客户第一次成交距离当前的天数</a:t>
+            </a:r>
+            <a:endParaRPr lang="zh-CN" altLang="en-US"/>
+          </a:p>
+          <a:p>
+            <a:r>
+              <a:rPr lang="zh-CN" altLang="en-US"/>
+              <a:t>客户最近半年打开APP或者登录官网次数</a:t>
+            </a:r>
+            <a:endParaRPr lang="zh-CN" altLang="en-US"/>
+          </a:p>
+          <a:p>
+            <a:r>
+              <a:rPr lang="zh-CN" altLang="en-US"/>
+              <a:t>客户所在省份</a:t>
+            </a:r>
+            <a:endParaRPr lang="zh-CN" altLang="en-US"/>
+          </a:p>
+          <a:p>
+            <a:r>
+              <a:rPr lang="zh-CN" altLang="en-US"/>
+              <a:t>最近一次回访距离当前的天数</a:t>
+            </a:r>
+            <a:endParaRPr lang="zh-CN" altLang="en-US"/>
+          </a:p>
+          <a:p>
+            <a:r>
+              <a:rPr lang="zh-CN" altLang="en-US"/>
+              <a:t>最近一次回访通话时长</a:t>
+            </a:r>
+            <a:endParaRPr lang="zh-CN" altLang="en-US"/>
+          </a:p>
+          <a:p>
+            <a:r>
+              <a:rPr lang="zh-CN" altLang="en-US"/>
+              <a:t>最近一次回访是否接通</a:t>
+            </a:r>
+            <a:endParaRPr lang="zh-CN" altLang="en-US"/>
+          </a:p>
+          <a:p>
+            <a:r>
+              <a:rPr lang="zh-CN" altLang="en-US"/>
+              <a:t>最近三次回访是否接通</a:t>
+            </a:r>
+            <a:endParaRPr lang="zh-CN" altLang="en-US"/>
+          </a:p>
+          <a:p>
+            <a:r>
+              <a:rPr lang="zh-CN" altLang="en-US"/>
+              <a:t>输出</a:t>
+            </a:r>
+            <a:endParaRPr lang="zh-CN" altLang="en-US"/>
+          </a:p>
+        </p:txBody>
+      </p:sp>
+    </p:spTree>
+  </p:cSld>
+  <p:clrMapOvr>
+    <a:masterClrMapping/>
+  </p:clrMapOvr>
+</p:sld>
+</file>
+
+<file path=ppt/slides/slide3.xml><?xml version="1.0" encoding="utf-8"?>
+<p:sld xmlns:a="http://schemas.openxmlformats.org/drawingml/2006/main" xmlns:r="http://schemas.openxmlformats.org/officeDocument/2006/relationships" xmlns:p="http://schemas.openxmlformats.org/presentationml/2006/main">
+  <p:cSld>
+    <p:spTree>
+      <p:nvGrpSpPr>
+        <p:cNvPr id="1" name=""/>
+        <p:cNvGrpSpPr/>
+        <p:nvPr/>
+      </p:nvGrpSpPr>
+      <p:grpSpPr/>
+      <p:sp>
+        <p:nvSpPr>
+          <p:cNvPr id="2" name="标题 1"/>
+          <p:cNvSpPr>
+            <a:spLocks noGrp="1"/>
+          </p:cNvSpPr>
+          <p:nvPr>
+            <p:ph type="title"/>
+          </p:nvPr>
+        </p:nvSpPr>
+        <p:spPr/>
+        <p:txBody>
+          <a:bodyPr/>
+          <a:p>
+            <a:endParaRPr lang="zh-CN" altLang="en-US"/>
+          </a:p>
+        </p:txBody>
+      </p:sp>
+      <p:sp>
+        <p:nvSpPr>
+          <p:cNvPr id="3" name="内容占位符 2"/>
+          <p:cNvSpPr>
+            <a:spLocks noGrp="1"/>
+          </p:cNvSpPr>
+          <p:nvPr>
+            <p:ph idx="1"/>
+          </p:nvPr>
+        </p:nvSpPr>
+        <p:spPr/>
+        <p:txBody>
+          <a:bodyPr/>
+          <a:p>
+            <a:pPr marL="0" indent="0">
+              <a:buNone/>
+            </a:pPr>
+            <a:r>
+              <a:rPr lang="zh-CN" altLang="en-US"/>
+              <a:t>目前大数据平台：</a:t>
+            </a:r>
+            <a:endParaRPr lang="zh-CN" altLang="en-US"/>
+          </a:p>
+          <a:p>
+            <a:pPr marL="0" indent="0">
+              <a:buNone/>
+            </a:pPr>
+            <a:r>
+              <a:rPr lang="en-US" altLang="zh-CN"/>
+              <a:t>impala  hive spark</a:t>
+            </a:r>
+            <a:endParaRPr lang="en-US" altLang="zh-CN"/>
+          </a:p>
+          <a:p>
+            <a:pPr marL="0" indent="0">
+              <a:buNone/>
+            </a:pPr>
+            <a:endParaRPr lang="en-US" altLang="zh-CN"/>
+          </a:p>
+          <a:p>
+            <a:pPr marL="0" indent="0">
+              <a:buNone/>
+            </a:pPr>
+            <a:r>
+              <a:rPr lang="zh-CN" altLang="en-US"/>
+              <a:t>建模方法：</a:t>
+            </a:r>
+            <a:endParaRPr lang="zh-CN" altLang="en-US"/>
+          </a:p>
+          <a:p>
+            <a:pPr marL="0" indent="0">
+              <a:buNone/>
+            </a:pPr>
+            <a:r>
+              <a:rPr lang="zh-CN" altLang="en-US"/>
+              <a:t>机器学习</a:t>
+            </a:r>
+            <a:endParaRPr lang="zh-CN" altLang="en-US"/>
+          </a:p>
+        </p:txBody>
+      </p:sp>
+    </p:spTree>
+  </p:cSld>
+  <p:clrMapOvr>
+    <a:masterClrMapping/>
+  </p:clrMapOvr>
+</p:sld>
+</file>
+
+<file path=ppt/slides/slide4.xml><?xml version="1.0" encoding="utf-8"?>
+<p:sld xmlns:a="http://schemas.openxmlformats.org/drawingml/2006/main" xmlns:r="http://schemas.openxmlformats.org/officeDocument/2006/relationships" xmlns:p="http://schemas.openxmlformats.org/presentationml/2006/main">
+  <p:cSld>
+    <p:spTree>
+      <p:nvGrpSpPr>
+        <p:cNvPr id="1" name=""/>
+        <p:cNvGrpSpPr/>
+        <p:nvPr/>
+      </p:nvGrpSpPr>
+      <p:grpSpPr/>
+      <p:sp>
+        <p:nvSpPr>
+          <p:cNvPr id="2" name="标题 1"/>
+          <p:cNvSpPr>
+            <a:spLocks noGrp="1"/>
+          </p:cNvSpPr>
+          <p:nvPr>
+            <p:ph type="title"/>
+          </p:nvPr>
+        </p:nvSpPr>
+        <p:spPr/>
+        <p:txBody>
+          <a:bodyPr/>
+          <a:p>
+            <a:endParaRPr lang="zh-CN" altLang="en-US"/>
+          </a:p>
+        </p:txBody>
+      </p:sp>
+      <p:sp>
+        <p:nvSpPr>
+          <p:cNvPr id="3" name="内容占位符 2"/>
+          <p:cNvSpPr>
+            <a:spLocks noGrp="1"/>
+          </p:cNvSpPr>
+          <p:nvPr>
+            <p:ph idx="1"/>
+          </p:nvPr>
+        </p:nvSpPr>
+        <p:spPr/>
+        <p:txBody>
+          <a:bodyPr/>
+          <a:p>
+            <a:endParaRPr lang="zh-CN" altLang="en-US"/>
+          </a:p>
+        </p:txBody>
+      </p:sp>
+    </p:spTree>
+  </p:cSld>
+  <p:clrMapOvr>
+    <a:masterClrMapping/>
+  </p:clrMapOvr>
+</p:sld>
+</file>
+
+<file path=ppt/slides/slide5.xml><?xml version="1.0" encoding="utf-8"?>
+<p:sld xmlns:a="http://schemas.openxmlformats.org/drawingml/2006/main" xmlns:r="http://schemas.openxmlformats.org/officeDocument/2006/relationships" xmlns:p="http://schemas.openxmlformats.org/presentationml/2006/main">
+  <p:cSld>
+    <p:spTree>
+      <p:nvGrpSpPr>
+        <p:cNvPr id="1" name=""/>
+        <p:cNvGrpSpPr/>
+        <p:nvPr/>
+      </p:nvGrpSpPr>
+      <p:grpSpPr/>
+      <p:sp>
+        <p:nvSpPr>
+          <p:cNvPr id="2" name="标题 1"/>
+          <p:cNvSpPr>
+            <a:spLocks noGrp="1"/>
+          </p:cNvSpPr>
+          <p:nvPr>
+            <p:ph type="title"/>
+          </p:nvPr>
+        </p:nvSpPr>
+        <p:spPr/>
+        <p:txBody>
+          <a:bodyPr/>
+          <a:p>
+            <a:endParaRPr lang="zh-CN" altLang="en-US"/>
+          </a:p>
+        </p:txBody>
+      </p:sp>
+      <p:sp>
+        <p:nvSpPr>
+          <p:cNvPr id="3" name="内容占位符 2"/>
+          <p:cNvSpPr>
+            <a:spLocks noGrp="1"/>
+          </p:cNvSpPr>
+          <p:nvPr>
+            <p:ph idx="1"/>
+          </p:nvPr>
+        </p:nvSpPr>
+        <p:spPr/>
+        <p:txBody>
+          <a:bodyPr/>
+          <a:p>
+            <a:endParaRPr lang="zh-CN" altLang="en-US"/>
+          </a:p>
+        </p:txBody>
+      </p:sp>
+    </p:spTree>
+  </p:cSld>
+  <p:clrMapOvr>
+    <a:masterClrMapping/>
+  </p:clrMapOvr>
+</p:sld>
+</file>
+
+<file path=ppt/slides/slide6.xml><?xml version="1.0" encoding="utf-8"?>
+<p:sld xmlns:a="http://schemas.openxmlformats.org/drawingml/2006/main" xmlns:r="http://schemas.openxmlformats.org/officeDocument/2006/relationships" xmlns:p="http://schemas.openxmlformats.org/presentationml/2006/main">
+  <p:cSld>
+    <p:spTree>
+      <p:nvGrpSpPr>
+        <p:cNvPr id="1" name=""/>
+        <p:cNvGrpSpPr/>
+        <p:nvPr/>
+      </p:nvGrpSpPr>
+      <p:grpSpPr>
+        <a:xfrm>
+          <a:off x="0" y="0"/>
+          <a:ext cx="0" cy="0"/>
+          <a:chOff x="0" y="0"/>
+          <a:chExt cx="0" cy="0"/>
+        </a:xfrm>
+      </p:grpSpPr>
+      <p:sp>
+        <p:nvSpPr>
+          <p:cNvPr id="5" name="TextBox 4"/>
+          <p:cNvSpPr txBox="1"/>
+          <p:nvPr/>
+        </p:nvSpPr>
+        <p:spPr>
+          <a:xfrm>
+            <a:off x="323527" y="323364"/>
+            <a:ext cx="7013623" cy="369332"/>
+          </a:xfrm>
+          <a:prstGeom prst="rect">
+            <a:avLst/>
+          </a:prstGeom>
+          <a:noFill/>
+        </p:spPr>
+        <p:txBody>
+          <a:bodyPr wrap="square" rtlCol="0">
+            <a:spAutoFit/>
+          </a:bodyPr>
+          <a:lstStyle/>
+          <a:p>
+            <a:r>
+              <a:rPr lang="zh-CN" altLang="en-US" b="1" dirty="0" smtClean="0">
+                <a:solidFill>
+                  <a:prstClr val="white"/>
+                </a:solidFill>
+                <a:latin typeface="楷体" panose="02010609060101010101" pitchFamily="49" charset="-122"/>
+                <a:ea typeface="楷体" panose="02010609060101010101" pitchFamily="49" charset="-122"/>
+              </a:rPr>
+              <a:t>自动外呼</a:t>
+            </a:r>
+            <a:r>
+              <a:rPr lang="en-US" altLang="zh-CN" b="1" dirty="0" smtClean="0">
+                <a:solidFill>
+                  <a:prstClr val="white"/>
+                </a:solidFill>
+                <a:latin typeface="楷体" panose="02010609060101010101" pitchFamily="49" charset="-122"/>
+                <a:ea typeface="楷体" panose="02010609060101010101" pitchFamily="49" charset="-122"/>
+              </a:rPr>
+              <a:t>+</a:t>
+            </a:r>
+            <a:r>
+              <a:rPr lang="zh-CN" altLang="en-US" b="1" dirty="0" smtClean="0">
+                <a:solidFill>
+                  <a:prstClr val="white"/>
+                </a:solidFill>
+                <a:latin typeface="楷体" panose="02010609060101010101" pitchFamily="49" charset="-122"/>
+                <a:ea typeface="楷体" panose="02010609060101010101" pitchFamily="49" charset="-122"/>
+              </a:rPr>
+              <a:t>人工外呼设想</a:t>
+            </a:r>
+            <a:endParaRPr lang="zh-CN" altLang="en-US" b="1" dirty="0">
+              <a:solidFill>
+                <a:prstClr val="white"/>
+              </a:solidFill>
+              <a:latin typeface="楷体" panose="02010609060101010101" pitchFamily="49" charset="-122"/>
+              <a:ea typeface="楷体" panose="02010609060101010101" pitchFamily="49" charset="-122"/>
+            </a:endParaRPr>
+          </a:p>
+        </p:txBody>
+      </p:sp>
+      <p:sp>
+        <p:nvSpPr>
+          <p:cNvPr id="7" name="矩形 6"/>
+          <p:cNvSpPr/>
+          <p:nvPr/>
+        </p:nvSpPr>
+        <p:spPr>
+          <a:xfrm>
+            <a:off x="395536" y="1268760"/>
+            <a:ext cx="1872208" cy="369332"/>
+          </a:xfrm>
+          <a:prstGeom prst="rect">
+            <a:avLst/>
+          </a:prstGeom>
+        </p:spPr>
+        <p:txBody>
+          <a:bodyPr wrap="square">
+            <a:spAutoFit/>
+          </a:bodyPr>
+          <a:lstStyle/>
+          <a:p>
+            <a:r>
+              <a:rPr lang="zh-CN" altLang="en-US" dirty="0" smtClean="0">
+                <a:latin typeface="楷体" panose="02010609060101010101" pitchFamily="49" charset="-122"/>
+                <a:ea typeface="楷体" panose="02010609060101010101" pitchFamily="49" charset="-122"/>
+                <a:cs typeface="楷体" panose="02010609060101010101" pitchFamily="49" charset="-122"/>
+              </a:rPr>
+              <a:t>处方审核组：</a:t>
+            </a:r>
+            <a:endParaRPr lang="zh-CN" altLang="en-US" dirty="0">
+              <a:latin typeface="楷体" panose="02010609060101010101" pitchFamily="49" charset="-122"/>
+              <a:ea typeface="楷体" panose="02010609060101010101" pitchFamily="49" charset="-122"/>
+              <a:cs typeface="楷体" panose="02010609060101010101" pitchFamily="49" charset="-122"/>
+            </a:endParaRPr>
+          </a:p>
+        </p:txBody>
+      </p:sp>
+      <p:sp>
+        <p:nvSpPr>
+          <p:cNvPr id="8" name="矩形 7"/>
+          <p:cNvSpPr/>
+          <p:nvPr/>
+        </p:nvSpPr>
+        <p:spPr>
+          <a:xfrm>
+            <a:off x="467544" y="1988840"/>
+            <a:ext cx="1152128" cy="369332"/>
+          </a:xfrm>
+          <a:prstGeom prst="rect">
+            <a:avLst/>
+          </a:prstGeom>
+          <a:ln>
+            <a:solidFill>
+              <a:schemeClr val="tx2"/>
+            </a:solidFill>
+          </a:ln>
+        </p:spPr>
+        <p:txBody>
+          <a:bodyPr wrap="square">
+            <a:spAutoFit/>
+          </a:bodyPr>
+          <a:lstStyle/>
+          <a:p>
+            <a:r>
+              <a:rPr lang="zh-CN" altLang="en-US" dirty="0" smtClean="0">
+                <a:latin typeface="楷体" panose="02010609060101010101" pitchFamily="49" charset="-122"/>
+                <a:ea typeface="楷体" panose="02010609060101010101" pitchFamily="49" charset="-122"/>
+                <a:cs typeface="楷体" panose="02010609060101010101" pitchFamily="49" charset="-122"/>
+              </a:rPr>
+              <a:t>员工登陆</a:t>
+            </a:r>
+            <a:endParaRPr lang="zh-CN" altLang="en-US" dirty="0">
+              <a:latin typeface="楷体" panose="02010609060101010101" pitchFamily="49" charset="-122"/>
+              <a:ea typeface="楷体" panose="02010609060101010101" pitchFamily="49" charset="-122"/>
+              <a:cs typeface="楷体" panose="02010609060101010101" pitchFamily="49" charset="-122"/>
+            </a:endParaRPr>
+          </a:p>
+        </p:txBody>
+      </p:sp>
+      <p:sp>
+        <p:nvSpPr>
+          <p:cNvPr id="9" name="矩形 8"/>
+          <p:cNvSpPr/>
+          <p:nvPr/>
+        </p:nvSpPr>
+        <p:spPr>
+          <a:xfrm>
+            <a:off x="467544" y="2348880"/>
+            <a:ext cx="1152128" cy="369332"/>
+          </a:xfrm>
+          <a:prstGeom prst="rect">
+            <a:avLst/>
+          </a:prstGeom>
+          <a:ln>
+            <a:solidFill>
+              <a:schemeClr val="tx2"/>
+            </a:solidFill>
+          </a:ln>
+        </p:spPr>
+        <p:txBody>
+          <a:bodyPr wrap="square">
+            <a:spAutoFit/>
+          </a:bodyPr>
+          <a:lstStyle/>
+          <a:p>
+            <a:pPr algn="ctr"/>
+            <a:r>
+              <a:rPr lang="zh-CN" altLang="en-US" dirty="0" smtClean="0">
+                <a:latin typeface="楷体" panose="02010609060101010101" pitchFamily="49" charset="-122"/>
+                <a:ea typeface="楷体" panose="02010609060101010101" pitchFamily="49" charset="-122"/>
+                <a:cs typeface="楷体" panose="02010609060101010101" pitchFamily="49" charset="-122"/>
+              </a:rPr>
+              <a:t>空闲态</a:t>
+            </a:r>
+            <a:endParaRPr lang="zh-CN" altLang="en-US" dirty="0">
+              <a:latin typeface="楷体" panose="02010609060101010101" pitchFamily="49" charset="-122"/>
+              <a:ea typeface="楷体" panose="02010609060101010101" pitchFamily="49" charset="-122"/>
+              <a:cs typeface="楷体" panose="02010609060101010101" pitchFamily="49" charset="-122"/>
+            </a:endParaRPr>
+          </a:p>
+        </p:txBody>
+      </p:sp>
+      <p:sp>
+        <p:nvSpPr>
+          <p:cNvPr id="10" name="矩形 9"/>
+          <p:cNvSpPr/>
+          <p:nvPr/>
+        </p:nvSpPr>
+        <p:spPr>
+          <a:xfrm>
+            <a:off x="3059832" y="1988840"/>
+            <a:ext cx="1656184" cy="369332"/>
+          </a:xfrm>
+          <a:prstGeom prst="rect">
+            <a:avLst/>
+          </a:prstGeom>
+          <a:ln>
+            <a:solidFill>
+              <a:schemeClr val="tx2"/>
+            </a:solidFill>
+          </a:ln>
+        </p:spPr>
+        <p:txBody>
+          <a:bodyPr wrap="square">
+            <a:spAutoFit/>
+          </a:bodyPr>
+          <a:lstStyle/>
+          <a:p>
+            <a:r>
+              <a:rPr lang="zh-CN" altLang="en-US" dirty="0" smtClean="0">
+                <a:latin typeface="楷体" panose="02010609060101010101" pitchFamily="49" charset="-122"/>
+                <a:ea typeface="楷体" panose="02010609060101010101" pitchFamily="49" charset="-122"/>
+                <a:cs typeface="楷体" panose="02010609060101010101" pitchFamily="49" charset="-122"/>
+              </a:rPr>
+              <a:t>自动接入坐席</a:t>
+            </a:r>
+            <a:endParaRPr lang="zh-CN" altLang="en-US" dirty="0">
+              <a:latin typeface="楷体" panose="02010609060101010101" pitchFamily="49" charset="-122"/>
+              <a:ea typeface="楷体" panose="02010609060101010101" pitchFamily="49" charset="-122"/>
+              <a:cs typeface="楷体" panose="02010609060101010101" pitchFamily="49" charset="-122"/>
+            </a:endParaRPr>
+          </a:p>
+        </p:txBody>
+      </p:sp>
+      <p:sp>
+        <p:nvSpPr>
+          <p:cNvPr id="11" name="矩形 10"/>
+          <p:cNvSpPr/>
+          <p:nvPr/>
+        </p:nvSpPr>
+        <p:spPr>
+          <a:xfrm>
+            <a:off x="3059832" y="2348880"/>
+            <a:ext cx="1656184" cy="369332"/>
+          </a:xfrm>
+          <a:prstGeom prst="rect">
+            <a:avLst/>
+          </a:prstGeom>
+          <a:ln>
+            <a:solidFill>
+              <a:schemeClr val="tx2"/>
+            </a:solidFill>
+          </a:ln>
+        </p:spPr>
+        <p:txBody>
+          <a:bodyPr wrap="square">
+            <a:spAutoFit/>
+          </a:bodyPr>
+          <a:lstStyle/>
+          <a:p>
+            <a:pPr algn="ctr"/>
+            <a:r>
+              <a:rPr lang="zh-CN" altLang="en-US" dirty="0" smtClean="0">
+                <a:latin typeface="楷体" panose="02010609060101010101" pitchFamily="49" charset="-122"/>
+                <a:ea typeface="楷体" panose="02010609060101010101" pitchFamily="49" charset="-122"/>
+                <a:cs typeface="楷体" panose="02010609060101010101" pitchFamily="49" charset="-122"/>
+              </a:rPr>
+              <a:t>通话态</a:t>
+            </a:r>
+            <a:endParaRPr lang="zh-CN" altLang="en-US" dirty="0">
+              <a:latin typeface="楷体" panose="02010609060101010101" pitchFamily="49" charset="-122"/>
+              <a:ea typeface="楷体" panose="02010609060101010101" pitchFamily="49" charset="-122"/>
+              <a:cs typeface="楷体" panose="02010609060101010101" pitchFamily="49" charset="-122"/>
+            </a:endParaRPr>
+          </a:p>
+        </p:txBody>
+      </p:sp>
+      <p:cxnSp>
+        <p:nvCxnSpPr>
+          <p:cNvPr id="13" name="直线箭头连接符 12"/>
+          <p:cNvCxnSpPr>
+            <a:stCxn id="9" idx="3"/>
+            <a:endCxn id="11" idx="1"/>
+          </p:cNvCxnSpPr>
+          <p:nvPr/>
+        </p:nvCxnSpPr>
+        <p:spPr>
+          <a:xfrm>
+            <a:off x="1619672" y="2533546"/>
+            <a:ext cx="1440160" cy="0"/>
+          </a:xfrm>
+          <a:prstGeom prst="straightConnector1">
+            <a:avLst/>
+          </a:prstGeom>
+          <a:ln>
+            <a:tailEnd type="arrow"/>
+          </a:ln>
+        </p:spPr>
+        <p:style>
+          <a:lnRef idx="2">
+            <a:schemeClr val="accent1"/>
+          </a:lnRef>
+          <a:fillRef idx="0">
+            <a:schemeClr val="accent1"/>
+          </a:fillRef>
+          <a:effectRef idx="1">
+            <a:schemeClr val="accent1"/>
+          </a:effectRef>
+          <a:fontRef idx="minor">
+            <a:schemeClr val="tx1"/>
+          </a:fontRef>
+        </p:style>
+      </p:cxnSp>
+      <p:sp>
+        <p:nvSpPr>
+          <p:cNvPr id="14" name="文本框 13"/>
+          <p:cNvSpPr txBox="1"/>
+          <p:nvPr/>
+        </p:nvSpPr>
+        <p:spPr>
+          <a:xfrm>
+            <a:off x="1619672" y="1988840"/>
+            <a:ext cx="1368152" cy="523220"/>
+          </a:xfrm>
+          <a:prstGeom prst="rect">
+            <a:avLst/>
+          </a:prstGeom>
+          <a:noFill/>
+        </p:spPr>
+        <p:txBody>
+          <a:bodyPr wrap="square" rtlCol="0">
+            <a:spAutoFit/>
+          </a:bodyPr>
+          <a:lstStyle/>
+          <a:p>
+            <a:pPr algn="ctr"/>
+            <a:r>
+              <a:rPr kumimoji="1" lang="zh-CN" altLang="en-US" sz="1400" dirty="0" smtClean="0">
+                <a:latin typeface="楷体" panose="02010609060101010101" pitchFamily="49" charset="-122"/>
+                <a:ea typeface="楷体" panose="02010609060101010101" pitchFamily="49" charset="-122"/>
+              </a:rPr>
+              <a:t>系统自动拨打，接通后转人工</a:t>
+            </a:r>
+            <a:endParaRPr kumimoji="1" lang="zh-CN" altLang="en-US" sz="1400" dirty="0">
+              <a:latin typeface="楷体" panose="02010609060101010101" pitchFamily="49" charset="-122"/>
+              <a:ea typeface="楷体" panose="02010609060101010101" pitchFamily="49" charset="-122"/>
+            </a:endParaRPr>
+          </a:p>
+        </p:txBody>
+      </p:sp>
+      <p:cxnSp>
+        <p:nvCxnSpPr>
+          <p:cNvPr id="16" name="直线箭头连接符 15"/>
+          <p:cNvCxnSpPr>
+            <a:stCxn id="11" idx="3"/>
+            <a:endCxn id="18" idx="1"/>
+          </p:cNvCxnSpPr>
+          <p:nvPr/>
+        </p:nvCxnSpPr>
+        <p:spPr>
+          <a:xfrm>
+            <a:off x="4716016" y="2533546"/>
+            <a:ext cx="864096" cy="0"/>
+          </a:xfrm>
+          <a:prstGeom prst="straightConnector1">
+            <a:avLst/>
+          </a:prstGeom>
+          <a:ln>
+            <a:tailEnd type="arrow"/>
+          </a:ln>
+        </p:spPr>
+        <p:style>
+          <a:lnRef idx="2">
+            <a:schemeClr val="accent1"/>
+          </a:lnRef>
+          <a:fillRef idx="0">
+            <a:schemeClr val="accent1"/>
+          </a:fillRef>
+          <a:effectRef idx="1">
+            <a:schemeClr val="accent1"/>
+          </a:effectRef>
+          <a:fontRef idx="minor">
+            <a:schemeClr val="tx1"/>
+          </a:fontRef>
+        </p:style>
+      </p:cxnSp>
+      <p:sp>
+        <p:nvSpPr>
+          <p:cNvPr id="17" name="矩形 16"/>
+          <p:cNvSpPr/>
+          <p:nvPr/>
+        </p:nvSpPr>
+        <p:spPr>
+          <a:xfrm>
+            <a:off x="5580112" y="1988840"/>
+            <a:ext cx="1152128" cy="369332"/>
+          </a:xfrm>
+          <a:prstGeom prst="rect">
+            <a:avLst/>
+          </a:prstGeom>
+          <a:ln>
+            <a:solidFill>
+              <a:schemeClr val="tx2"/>
+            </a:solidFill>
+          </a:ln>
+        </p:spPr>
+        <p:txBody>
+          <a:bodyPr wrap="square">
+            <a:spAutoFit/>
+          </a:bodyPr>
+          <a:lstStyle/>
+          <a:p>
+            <a:r>
+              <a:rPr lang="zh-CN" altLang="en-US" dirty="0" smtClean="0">
+                <a:latin typeface="楷体" panose="02010609060101010101" pitchFamily="49" charset="-122"/>
+                <a:ea typeface="楷体" panose="02010609060101010101" pitchFamily="49" charset="-122"/>
+                <a:cs typeface="楷体" panose="02010609060101010101" pitchFamily="49" charset="-122"/>
+              </a:rPr>
+              <a:t>员工总结</a:t>
+            </a:r>
+            <a:endParaRPr lang="zh-CN" altLang="en-US" dirty="0">
+              <a:latin typeface="楷体" panose="02010609060101010101" pitchFamily="49" charset="-122"/>
+              <a:ea typeface="楷体" panose="02010609060101010101" pitchFamily="49" charset="-122"/>
+              <a:cs typeface="楷体" panose="02010609060101010101" pitchFamily="49" charset="-122"/>
+            </a:endParaRPr>
+          </a:p>
+        </p:txBody>
+      </p:sp>
+      <p:sp>
+        <p:nvSpPr>
+          <p:cNvPr id="18" name="矩形 17"/>
+          <p:cNvSpPr/>
+          <p:nvPr/>
+        </p:nvSpPr>
+        <p:spPr>
+          <a:xfrm>
+            <a:off x="5580112" y="2348880"/>
+            <a:ext cx="1152128" cy="369332"/>
+          </a:xfrm>
+          <a:prstGeom prst="rect">
+            <a:avLst/>
+          </a:prstGeom>
+          <a:ln>
+            <a:solidFill>
+              <a:schemeClr val="tx2"/>
+            </a:solidFill>
+          </a:ln>
+        </p:spPr>
+        <p:txBody>
+          <a:bodyPr wrap="square">
+            <a:spAutoFit/>
+          </a:bodyPr>
+          <a:lstStyle/>
+          <a:p>
+            <a:pPr algn="ctr"/>
+            <a:r>
+              <a:rPr lang="zh-CN" altLang="en-US" dirty="0" smtClean="0">
+                <a:latin typeface="楷体" panose="02010609060101010101" pitchFamily="49" charset="-122"/>
+                <a:ea typeface="楷体" panose="02010609060101010101" pitchFamily="49" charset="-122"/>
+                <a:cs typeface="楷体" panose="02010609060101010101" pitchFamily="49" charset="-122"/>
+              </a:rPr>
+              <a:t>整理态</a:t>
+            </a:r>
+            <a:endParaRPr lang="zh-CN" altLang="en-US" dirty="0">
+              <a:latin typeface="楷体" panose="02010609060101010101" pitchFamily="49" charset="-122"/>
+              <a:ea typeface="楷体" panose="02010609060101010101" pitchFamily="49" charset="-122"/>
+              <a:cs typeface="楷体" panose="02010609060101010101" pitchFamily="49" charset="-122"/>
+            </a:endParaRPr>
+          </a:p>
+        </p:txBody>
+      </p:sp>
+      <p:sp>
+        <p:nvSpPr>
+          <p:cNvPr id="23" name="文本框 22"/>
+          <p:cNvSpPr txBox="1"/>
+          <p:nvPr/>
+        </p:nvSpPr>
+        <p:spPr>
+          <a:xfrm>
+            <a:off x="4716016" y="1988840"/>
+            <a:ext cx="864096" cy="523220"/>
+          </a:xfrm>
+          <a:prstGeom prst="rect">
+            <a:avLst/>
+          </a:prstGeom>
+          <a:noFill/>
+        </p:spPr>
+        <p:txBody>
+          <a:bodyPr wrap="square" rtlCol="0">
+            <a:spAutoFit/>
+          </a:bodyPr>
+          <a:lstStyle/>
+          <a:p>
+            <a:pPr algn="ctr"/>
+            <a:r>
+              <a:rPr kumimoji="1" lang="zh-CN" altLang="en-US" sz="1400" dirty="0" smtClean="0">
+                <a:latin typeface="楷体" panose="02010609060101010101" pitchFamily="49" charset="-122"/>
+                <a:ea typeface="楷体" panose="02010609060101010101" pitchFamily="49" charset="-122"/>
+              </a:rPr>
+              <a:t>通话结束</a:t>
+            </a:r>
+            <a:endParaRPr kumimoji="1" lang="zh-CN" altLang="en-US" sz="1400" dirty="0">
+              <a:latin typeface="楷体" panose="02010609060101010101" pitchFamily="49" charset="-122"/>
+              <a:ea typeface="楷体" panose="02010609060101010101" pitchFamily="49" charset="-122"/>
+            </a:endParaRPr>
+          </a:p>
+        </p:txBody>
+      </p:sp>
+      <p:cxnSp>
+        <p:nvCxnSpPr>
+          <p:cNvPr id="24" name="直线箭头连接符 23"/>
+          <p:cNvCxnSpPr>
+            <a:endCxn id="26" idx="1"/>
+          </p:cNvCxnSpPr>
+          <p:nvPr/>
+        </p:nvCxnSpPr>
+        <p:spPr>
+          <a:xfrm flipV="1">
+            <a:off x="6732240" y="2533546"/>
+            <a:ext cx="792088" cy="31358"/>
+          </a:xfrm>
+          <a:prstGeom prst="straightConnector1">
+            <a:avLst/>
+          </a:prstGeom>
+          <a:ln>
+            <a:tailEnd type="arrow"/>
+          </a:ln>
+        </p:spPr>
+        <p:style>
+          <a:lnRef idx="2">
+            <a:schemeClr val="accent1"/>
+          </a:lnRef>
+          <a:fillRef idx="0">
+            <a:schemeClr val="accent1"/>
+          </a:fillRef>
+          <a:effectRef idx="1">
+            <a:schemeClr val="accent1"/>
+          </a:effectRef>
+          <a:fontRef idx="minor">
+            <a:schemeClr val="tx1"/>
+          </a:fontRef>
+        </p:style>
+      </p:cxnSp>
+      <p:sp>
+        <p:nvSpPr>
+          <p:cNvPr id="25" name="矩形 24"/>
+          <p:cNvSpPr/>
+          <p:nvPr/>
+        </p:nvSpPr>
+        <p:spPr>
+          <a:xfrm>
+            <a:off x="7524328" y="1988840"/>
+            <a:ext cx="1152128" cy="369332"/>
+          </a:xfrm>
+          <a:prstGeom prst="rect">
+            <a:avLst/>
+          </a:prstGeom>
+          <a:ln>
+            <a:solidFill>
+              <a:schemeClr val="tx2"/>
+            </a:solidFill>
+          </a:ln>
+        </p:spPr>
+        <p:txBody>
+          <a:bodyPr wrap="square">
+            <a:spAutoFit/>
+          </a:bodyPr>
+          <a:lstStyle/>
+          <a:p>
+            <a:r>
+              <a:rPr lang="zh-CN" altLang="en-US" dirty="0" smtClean="0">
+                <a:latin typeface="楷体" panose="02010609060101010101" pitchFamily="49" charset="-122"/>
+                <a:ea typeface="楷体" panose="02010609060101010101" pitchFamily="49" charset="-122"/>
+                <a:cs typeface="楷体" panose="02010609060101010101" pitchFamily="49" charset="-122"/>
+              </a:rPr>
+              <a:t>员工准备</a:t>
+            </a:r>
+            <a:endParaRPr lang="zh-CN" altLang="en-US" dirty="0">
+              <a:latin typeface="楷体" panose="02010609060101010101" pitchFamily="49" charset="-122"/>
+              <a:ea typeface="楷体" panose="02010609060101010101" pitchFamily="49" charset="-122"/>
+              <a:cs typeface="楷体" panose="02010609060101010101" pitchFamily="49" charset="-122"/>
+            </a:endParaRPr>
+          </a:p>
+        </p:txBody>
+      </p:sp>
+      <p:sp>
+        <p:nvSpPr>
+          <p:cNvPr id="26" name="矩形 25"/>
+          <p:cNvSpPr/>
+          <p:nvPr/>
+        </p:nvSpPr>
+        <p:spPr>
+          <a:xfrm>
+            <a:off x="7524328" y="2348880"/>
+            <a:ext cx="1152128" cy="369332"/>
+          </a:xfrm>
+          <a:prstGeom prst="rect">
+            <a:avLst/>
+          </a:prstGeom>
+          <a:ln>
+            <a:solidFill>
+              <a:schemeClr val="tx2"/>
+            </a:solidFill>
+          </a:ln>
+        </p:spPr>
+        <p:txBody>
+          <a:bodyPr wrap="square">
+            <a:spAutoFit/>
+          </a:bodyPr>
+          <a:lstStyle/>
+          <a:p>
+            <a:pPr algn="ctr"/>
+            <a:r>
+              <a:rPr lang="zh-CN" altLang="en-US" dirty="0" smtClean="0">
+                <a:latin typeface="楷体" panose="02010609060101010101" pitchFamily="49" charset="-122"/>
+                <a:ea typeface="楷体" panose="02010609060101010101" pitchFamily="49" charset="-122"/>
+                <a:cs typeface="楷体" panose="02010609060101010101" pitchFamily="49" charset="-122"/>
+              </a:rPr>
+              <a:t>空闲态</a:t>
+            </a:r>
+            <a:endParaRPr lang="zh-CN" altLang="en-US" dirty="0">
+              <a:latin typeface="楷体" panose="02010609060101010101" pitchFamily="49" charset="-122"/>
+              <a:ea typeface="楷体" panose="02010609060101010101" pitchFamily="49" charset="-122"/>
+              <a:cs typeface="楷体" panose="02010609060101010101" pitchFamily="49" charset="-122"/>
+            </a:endParaRPr>
+          </a:p>
+        </p:txBody>
+      </p:sp>
+      <p:sp>
+        <p:nvSpPr>
+          <p:cNvPr id="27" name="文本框 26"/>
+          <p:cNvSpPr txBox="1"/>
+          <p:nvPr/>
+        </p:nvSpPr>
+        <p:spPr>
+          <a:xfrm>
+            <a:off x="6732240" y="1988840"/>
+            <a:ext cx="864096" cy="523220"/>
+          </a:xfrm>
+          <a:prstGeom prst="rect">
+            <a:avLst/>
+          </a:prstGeom>
+          <a:noFill/>
+        </p:spPr>
+        <p:txBody>
+          <a:bodyPr wrap="square" rtlCol="0">
+            <a:spAutoFit/>
+          </a:bodyPr>
+          <a:lstStyle/>
+          <a:p>
+            <a:pPr algn="ctr"/>
+            <a:r>
+              <a:rPr kumimoji="1" lang="zh-CN" altLang="en-US" sz="1400" dirty="0" smtClean="0">
+                <a:latin typeface="楷体" panose="02010609060101010101" pitchFamily="49" charset="-122"/>
+                <a:ea typeface="楷体" panose="02010609060101010101" pitchFamily="49" charset="-122"/>
+              </a:rPr>
+              <a:t>点击空闲</a:t>
+            </a:r>
+            <a:endParaRPr kumimoji="1" lang="zh-CN" altLang="en-US" sz="1400" dirty="0">
+              <a:latin typeface="楷体" panose="02010609060101010101" pitchFamily="49" charset="-122"/>
+              <a:ea typeface="楷体" panose="02010609060101010101" pitchFamily="49" charset="-122"/>
+            </a:endParaRPr>
+          </a:p>
+        </p:txBody>
+      </p:sp>
+      <p:sp>
+        <p:nvSpPr>
+          <p:cNvPr id="29" name="矩形 28"/>
+          <p:cNvSpPr/>
+          <p:nvPr/>
+        </p:nvSpPr>
+        <p:spPr>
+          <a:xfrm>
+            <a:off x="323528" y="3140968"/>
+            <a:ext cx="1872208" cy="369332"/>
+          </a:xfrm>
+          <a:prstGeom prst="rect">
+            <a:avLst/>
+          </a:prstGeom>
+        </p:spPr>
+        <p:txBody>
+          <a:bodyPr wrap="square">
+            <a:spAutoFit/>
+          </a:bodyPr>
+          <a:lstStyle/>
+          <a:p>
+            <a:r>
+              <a:rPr lang="zh-CN" altLang="en-US" dirty="0" smtClean="0">
+                <a:latin typeface="楷体" panose="02010609060101010101" pitchFamily="49" charset="-122"/>
+                <a:ea typeface="楷体" panose="02010609060101010101" pitchFamily="49" charset="-122"/>
+                <a:cs typeface="楷体" panose="02010609060101010101" pitchFamily="49" charset="-122"/>
+              </a:rPr>
+              <a:t>慢病客服：</a:t>
+            </a:r>
+            <a:endParaRPr lang="zh-CN" altLang="en-US" dirty="0">
+              <a:latin typeface="楷体" panose="02010609060101010101" pitchFamily="49" charset="-122"/>
+              <a:ea typeface="楷体" panose="02010609060101010101" pitchFamily="49" charset="-122"/>
+              <a:cs typeface="楷体" panose="02010609060101010101" pitchFamily="49" charset="-122"/>
+            </a:endParaRPr>
+          </a:p>
+        </p:txBody>
+      </p:sp>
+      <p:sp>
+        <p:nvSpPr>
+          <p:cNvPr id="30" name="矩形 29"/>
+          <p:cNvSpPr/>
+          <p:nvPr/>
+        </p:nvSpPr>
+        <p:spPr>
+          <a:xfrm>
+            <a:off x="467544" y="3573016"/>
+            <a:ext cx="1152128" cy="369332"/>
+          </a:xfrm>
+          <a:prstGeom prst="rect">
+            <a:avLst/>
+          </a:prstGeom>
+          <a:ln>
+            <a:solidFill>
+              <a:schemeClr val="tx2"/>
+            </a:solidFill>
+          </a:ln>
+        </p:spPr>
+        <p:txBody>
+          <a:bodyPr wrap="square">
+            <a:spAutoFit/>
+          </a:bodyPr>
+          <a:lstStyle/>
+          <a:p>
+            <a:r>
+              <a:rPr lang="zh-CN" altLang="en-US" dirty="0" smtClean="0">
+                <a:latin typeface="楷体" panose="02010609060101010101" pitchFamily="49" charset="-122"/>
+                <a:ea typeface="楷体" panose="02010609060101010101" pitchFamily="49" charset="-122"/>
+                <a:cs typeface="楷体" panose="02010609060101010101" pitchFamily="49" charset="-122"/>
+              </a:rPr>
+              <a:t>员工登陆</a:t>
+            </a:r>
+            <a:endParaRPr lang="zh-CN" altLang="en-US" dirty="0">
+              <a:latin typeface="楷体" panose="02010609060101010101" pitchFamily="49" charset="-122"/>
+              <a:ea typeface="楷体" panose="02010609060101010101" pitchFamily="49" charset="-122"/>
+              <a:cs typeface="楷体" panose="02010609060101010101" pitchFamily="49" charset="-122"/>
+            </a:endParaRPr>
+          </a:p>
+        </p:txBody>
+      </p:sp>
+      <p:sp>
+        <p:nvSpPr>
+          <p:cNvPr id="31" name="矩形 30"/>
+          <p:cNvSpPr/>
+          <p:nvPr/>
+        </p:nvSpPr>
+        <p:spPr>
+          <a:xfrm>
+            <a:off x="467544" y="3933056"/>
+            <a:ext cx="1152128" cy="369332"/>
+          </a:xfrm>
+          <a:prstGeom prst="rect">
+            <a:avLst/>
+          </a:prstGeom>
+          <a:ln>
+            <a:solidFill>
+              <a:schemeClr val="tx2"/>
+            </a:solidFill>
+          </a:ln>
+        </p:spPr>
+        <p:txBody>
+          <a:bodyPr wrap="square">
+            <a:spAutoFit/>
+          </a:bodyPr>
+          <a:lstStyle/>
+          <a:p>
+            <a:pPr algn="ctr"/>
+            <a:r>
+              <a:rPr lang="zh-CN" altLang="en-US" dirty="0" smtClean="0">
+                <a:latin typeface="楷体" panose="02010609060101010101" pitchFamily="49" charset="-122"/>
+                <a:ea typeface="楷体" panose="02010609060101010101" pitchFamily="49" charset="-122"/>
+                <a:cs typeface="楷体" panose="02010609060101010101" pitchFamily="49" charset="-122"/>
+              </a:rPr>
+              <a:t>示忙态</a:t>
+            </a:r>
+            <a:endParaRPr lang="zh-CN" altLang="en-US" dirty="0">
+              <a:latin typeface="楷体" panose="02010609060101010101" pitchFamily="49" charset="-122"/>
+              <a:ea typeface="楷体" panose="02010609060101010101" pitchFamily="49" charset="-122"/>
+              <a:cs typeface="楷体" panose="02010609060101010101" pitchFamily="49" charset="-122"/>
+            </a:endParaRPr>
+          </a:p>
+        </p:txBody>
+      </p:sp>
+      <p:sp>
+        <p:nvSpPr>
+          <p:cNvPr id="32" name="矩形 31"/>
+          <p:cNvSpPr/>
+          <p:nvPr/>
+        </p:nvSpPr>
+        <p:spPr>
+          <a:xfrm>
+            <a:off x="3059832" y="3573016"/>
+            <a:ext cx="1656184" cy="369332"/>
+          </a:xfrm>
+          <a:prstGeom prst="rect">
+            <a:avLst/>
+          </a:prstGeom>
+          <a:ln>
+            <a:solidFill>
+              <a:schemeClr val="tx2"/>
+            </a:solidFill>
+          </a:ln>
+        </p:spPr>
+        <p:txBody>
+          <a:bodyPr wrap="square">
+            <a:spAutoFit/>
+          </a:bodyPr>
+          <a:lstStyle/>
+          <a:p>
+            <a:r>
+              <a:rPr lang="zh-CN" altLang="en-US" dirty="0" smtClean="0">
+                <a:latin typeface="楷体" panose="02010609060101010101" pitchFamily="49" charset="-122"/>
+                <a:ea typeface="楷体" panose="02010609060101010101" pitchFamily="49" charset="-122"/>
+                <a:cs typeface="楷体" panose="02010609060101010101" pitchFamily="49" charset="-122"/>
+              </a:rPr>
+              <a:t>坐席手动呼出</a:t>
+            </a:r>
+            <a:endParaRPr lang="zh-CN" altLang="en-US" dirty="0">
+              <a:latin typeface="楷体" panose="02010609060101010101" pitchFamily="49" charset="-122"/>
+              <a:ea typeface="楷体" panose="02010609060101010101" pitchFamily="49" charset="-122"/>
+              <a:cs typeface="楷体" panose="02010609060101010101" pitchFamily="49" charset="-122"/>
+            </a:endParaRPr>
+          </a:p>
+        </p:txBody>
+      </p:sp>
+      <p:sp>
+        <p:nvSpPr>
+          <p:cNvPr id="33" name="矩形 32"/>
+          <p:cNvSpPr/>
+          <p:nvPr/>
+        </p:nvSpPr>
+        <p:spPr>
+          <a:xfrm>
+            <a:off x="3059832" y="3933056"/>
+            <a:ext cx="1656184" cy="369332"/>
+          </a:xfrm>
+          <a:prstGeom prst="rect">
+            <a:avLst/>
+          </a:prstGeom>
+          <a:ln>
+            <a:solidFill>
+              <a:schemeClr val="tx2"/>
+            </a:solidFill>
+          </a:ln>
+        </p:spPr>
+        <p:txBody>
+          <a:bodyPr wrap="square">
+            <a:spAutoFit/>
+          </a:bodyPr>
+          <a:lstStyle/>
+          <a:p>
+            <a:pPr algn="ctr"/>
+            <a:r>
+              <a:rPr lang="zh-CN" altLang="en-US" dirty="0" smtClean="0">
+                <a:latin typeface="楷体" panose="02010609060101010101" pitchFamily="49" charset="-122"/>
+                <a:ea typeface="楷体" panose="02010609060101010101" pitchFamily="49" charset="-122"/>
+                <a:cs typeface="楷体" panose="02010609060101010101" pitchFamily="49" charset="-122"/>
+              </a:rPr>
+              <a:t>通话态</a:t>
+            </a:r>
+            <a:endParaRPr lang="zh-CN" altLang="en-US" dirty="0">
+              <a:latin typeface="楷体" panose="02010609060101010101" pitchFamily="49" charset="-122"/>
+              <a:ea typeface="楷体" panose="02010609060101010101" pitchFamily="49" charset="-122"/>
+              <a:cs typeface="楷体" panose="02010609060101010101" pitchFamily="49" charset="-122"/>
+            </a:endParaRPr>
+          </a:p>
+        </p:txBody>
+      </p:sp>
+      <p:cxnSp>
+        <p:nvCxnSpPr>
+          <p:cNvPr id="34" name="直线箭头连接符 33"/>
+          <p:cNvCxnSpPr>
+            <a:stCxn id="31" idx="3"/>
+            <a:endCxn id="33" idx="1"/>
+          </p:cNvCxnSpPr>
+          <p:nvPr/>
+        </p:nvCxnSpPr>
+        <p:spPr>
+          <a:xfrm>
+            <a:off x="1619672" y="4117722"/>
+            <a:ext cx="1440160" cy="0"/>
+          </a:xfrm>
+          <a:prstGeom prst="straightConnector1">
+            <a:avLst/>
+          </a:prstGeom>
+          <a:ln>
+            <a:tailEnd type="arrow"/>
+          </a:ln>
+        </p:spPr>
+        <p:style>
+          <a:lnRef idx="2">
+            <a:schemeClr val="accent1"/>
+          </a:lnRef>
+          <a:fillRef idx="0">
+            <a:schemeClr val="accent1"/>
+          </a:fillRef>
+          <a:effectRef idx="1">
+            <a:schemeClr val="accent1"/>
+          </a:effectRef>
+          <a:fontRef idx="minor">
+            <a:schemeClr val="tx1"/>
+          </a:fontRef>
+        </p:style>
+      </p:cxnSp>
+      <p:sp>
+        <p:nvSpPr>
+          <p:cNvPr id="35" name="文本框 34"/>
+          <p:cNvSpPr txBox="1"/>
+          <p:nvPr/>
+        </p:nvSpPr>
+        <p:spPr>
+          <a:xfrm>
+            <a:off x="1619672" y="3573016"/>
+            <a:ext cx="1368152" cy="523220"/>
+          </a:xfrm>
+          <a:prstGeom prst="rect">
+            <a:avLst/>
+          </a:prstGeom>
+          <a:noFill/>
+        </p:spPr>
+        <p:txBody>
+          <a:bodyPr wrap="square" rtlCol="0">
+            <a:spAutoFit/>
+          </a:bodyPr>
+          <a:lstStyle/>
+          <a:p>
+            <a:pPr algn="ctr"/>
+            <a:r>
+              <a:rPr kumimoji="1" lang="zh-CN" altLang="en-US" sz="1400" dirty="0" smtClean="0">
+                <a:latin typeface="楷体" panose="02010609060101010101" pitchFamily="49" charset="-122"/>
+                <a:ea typeface="楷体" panose="02010609060101010101" pitchFamily="49" charset="-122"/>
+              </a:rPr>
+              <a:t>员工优先沟通老客户</a:t>
+            </a:r>
+            <a:endParaRPr kumimoji="1" lang="zh-CN" altLang="en-US" sz="1400" dirty="0">
+              <a:latin typeface="楷体" panose="02010609060101010101" pitchFamily="49" charset="-122"/>
+              <a:ea typeface="楷体" panose="02010609060101010101" pitchFamily="49" charset="-122"/>
+            </a:endParaRPr>
+          </a:p>
+        </p:txBody>
+      </p:sp>
+      <p:cxnSp>
+        <p:nvCxnSpPr>
+          <p:cNvPr id="36" name="直线箭头连接符 35"/>
+          <p:cNvCxnSpPr>
+            <a:stCxn id="33" idx="3"/>
+            <a:endCxn id="38" idx="1"/>
+          </p:cNvCxnSpPr>
+          <p:nvPr/>
+        </p:nvCxnSpPr>
+        <p:spPr>
+          <a:xfrm>
+            <a:off x="4716016" y="4117722"/>
+            <a:ext cx="864096" cy="0"/>
+          </a:xfrm>
+          <a:prstGeom prst="straightConnector1">
+            <a:avLst/>
+          </a:prstGeom>
+          <a:ln>
+            <a:tailEnd type="arrow"/>
+          </a:ln>
+        </p:spPr>
+        <p:style>
+          <a:lnRef idx="2">
+            <a:schemeClr val="accent1"/>
+          </a:lnRef>
+          <a:fillRef idx="0">
+            <a:schemeClr val="accent1"/>
+          </a:fillRef>
+          <a:effectRef idx="1">
+            <a:schemeClr val="accent1"/>
+          </a:effectRef>
+          <a:fontRef idx="minor">
+            <a:schemeClr val="tx1"/>
+          </a:fontRef>
+        </p:style>
+      </p:cxnSp>
+      <p:sp>
+        <p:nvSpPr>
+          <p:cNvPr id="37" name="矩形 36"/>
+          <p:cNvSpPr/>
+          <p:nvPr/>
+        </p:nvSpPr>
+        <p:spPr>
+          <a:xfrm>
+            <a:off x="5580112" y="3573016"/>
+            <a:ext cx="1152128" cy="369332"/>
+          </a:xfrm>
+          <a:prstGeom prst="rect">
+            <a:avLst/>
+          </a:prstGeom>
+          <a:ln>
+            <a:solidFill>
+              <a:schemeClr val="tx2"/>
+            </a:solidFill>
+          </a:ln>
+        </p:spPr>
+        <p:txBody>
+          <a:bodyPr wrap="square">
+            <a:spAutoFit/>
+          </a:bodyPr>
+          <a:lstStyle/>
+          <a:p>
+            <a:r>
+              <a:rPr lang="zh-CN" altLang="en-US" dirty="0" smtClean="0">
+                <a:latin typeface="楷体" panose="02010609060101010101" pitchFamily="49" charset="-122"/>
+                <a:ea typeface="楷体" panose="02010609060101010101" pitchFamily="49" charset="-122"/>
+                <a:cs typeface="楷体" panose="02010609060101010101" pitchFamily="49" charset="-122"/>
+              </a:rPr>
+              <a:t>员工总结</a:t>
+            </a:r>
+            <a:endParaRPr lang="zh-CN" altLang="en-US" dirty="0">
+              <a:latin typeface="楷体" panose="02010609060101010101" pitchFamily="49" charset="-122"/>
+              <a:ea typeface="楷体" panose="02010609060101010101" pitchFamily="49" charset="-122"/>
+              <a:cs typeface="楷体" panose="02010609060101010101" pitchFamily="49" charset="-122"/>
+            </a:endParaRPr>
+          </a:p>
+        </p:txBody>
+      </p:sp>
+      <p:sp>
+        <p:nvSpPr>
+          <p:cNvPr id="38" name="矩形 37"/>
+          <p:cNvSpPr/>
+          <p:nvPr/>
+        </p:nvSpPr>
+        <p:spPr>
+          <a:xfrm>
+            <a:off x="5580112" y="3933056"/>
+            <a:ext cx="1152128" cy="369332"/>
+          </a:xfrm>
+          <a:prstGeom prst="rect">
+            <a:avLst/>
+          </a:prstGeom>
+          <a:ln>
+            <a:solidFill>
+              <a:schemeClr val="tx2"/>
+            </a:solidFill>
+          </a:ln>
+        </p:spPr>
+        <p:txBody>
+          <a:bodyPr wrap="square">
+            <a:spAutoFit/>
+          </a:bodyPr>
+          <a:lstStyle/>
+          <a:p>
+            <a:pPr algn="ctr"/>
+            <a:r>
+              <a:rPr lang="zh-CN" altLang="en-US" dirty="0" smtClean="0">
+                <a:latin typeface="楷体" panose="02010609060101010101" pitchFamily="49" charset="-122"/>
+                <a:ea typeface="楷体" panose="02010609060101010101" pitchFamily="49" charset="-122"/>
+                <a:cs typeface="楷体" panose="02010609060101010101" pitchFamily="49" charset="-122"/>
+              </a:rPr>
+              <a:t>整理态</a:t>
+            </a:r>
+            <a:endParaRPr lang="zh-CN" altLang="en-US" dirty="0">
+              <a:latin typeface="楷体" panose="02010609060101010101" pitchFamily="49" charset="-122"/>
+              <a:ea typeface="楷体" panose="02010609060101010101" pitchFamily="49" charset="-122"/>
+              <a:cs typeface="楷体" panose="02010609060101010101" pitchFamily="49" charset="-122"/>
+            </a:endParaRPr>
+          </a:p>
+        </p:txBody>
+      </p:sp>
+      <p:sp>
+        <p:nvSpPr>
+          <p:cNvPr id="39" name="文本框 38"/>
+          <p:cNvSpPr txBox="1"/>
+          <p:nvPr/>
+        </p:nvSpPr>
+        <p:spPr>
+          <a:xfrm>
+            <a:off x="4716016" y="3573016"/>
+            <a:ext cx="864096" cy="523220"/>
+          </a:xfrm>
+          <a:prstGeom prst="rect">
+            <a:avLst/>
+          </a:prstGeom>
+          <a:noFill/>
+        </p:spPr>
+        <p:txBody>
+          <a:bodyPr wrap="square" rtlCol="0">
+            <a:spAutoFit/>
+          </a:bodyPr>
+          <a:lstStyle/>
+          <a:p>
+            <a:pPr algn="ctr"/>
+            <a:r>
+              <a:rPr kumimoji="1" lang="zh-CN" altLang="en-US" sz="1400" dirty="0" smtClean="0">
+                <a:latin typeface="楷体" panose="02010609060101010101" pitchFamily="49" charset="-122"/>
+                <a:ea typeface="楷体" panose="02010609060101010101" pitchFamily="49" charset="-122"/>
+              </a:rPr>
+              <a:t>通话结束</a:t>
+            </a:r>
+            <a:endParaRPr kumimoji="1" lang="zh-CN" altLang="en-US" sz="1400" dirty="0">
+              <a:latin typeface="楷体" panose="02010609060101010101" pitchFamily="49" charset="-122"/>
+              <a:ea typeface="楷体" panose="02010609060101010101" pitchFamily="49" charset="-122"/>
+            </a:endParaRPr>
+          </a:p>
+        </p:txBody>
+      </p:sp>
+      <p:cxnSp>
+        <p:nvCxnSpPr>
+          <p:cNvPr id="40" name="直线箭头连接符 39"/>
+          <p:cNvCxnSpPr>
+            <a:endCxn id="42" idx="1"/>
+          </p:cNvCxnSpPr>
+          <p:nvPr/>
+        </p:nvCxnSpPr>
+        <p:spPr>
+          <a:xfrm flipV="1">
+            <a:off x="6732240" y="4117722"/>
+            <a:ext cx="792088" cy="31358"/>
+          </a:xfrm>
+          <a:prstGeom prst="straightConnector1">
+            <a:avLst/>
+          </a:prstGeom>
+          <a:ln>
+            <a:tailEnd type="arrow"/>
+          </a:ln>
+        </p:spPr>
+        <p:style>
+          <a:lnRef idx="2">
+            <a:schemeClr val="accent1"/>
+          </a:lnRef>
+          <a:fillRef idx="0">
+            <a:schemeClr val="accent1"/>
+          </a:fillRef>
+          <a:effectRef idx="1">
+            <a:schemeClr val="accent1"/>
+          </a:effectRef>
+          <a:fontRef idx="minor">
+            <a:schemeClr val="tx1"/>
+          </a:fontRef>
+        </p:style>
+      </p:cxnSp>
+      <p:sp>
+        <p:nvSpPr>
+          <p:cNvPr id="41" name="矩形 40"/>
+          <p:cNvSpPr/>
+          <p:nvPr/>
+        </p:nvSpPr>
+        <p:spPr>
+          <a:xfrm>
+            <a:off x="7524328" y="3573016"/>
+            <a:ext cx="1152128" cy="369332"/>
+          </a:xfrm>
+          <a:prstGeom prst="rect">
+            <a:avLst/>
+          </a:prstGeom>
+          <a:ln>
+            <a:solidFill>
+              <a:schemeClr val="tx2"/>
+            </a:solidFill>
+          </a:ln>
+        </p:spPr>
+        <p:txBody>
+          <a:bodyPr wrap="square">
+            <a:spAutoFit/>
+          </a:bodyPr>
+          <a:lstStyle/>
+          <a:p>
+            <a:r>
+              <a:rPr lang="zh-CN" altLang="en-US" dirty="0" smtClean="0">
+                <a:latin typeface="楷体" panose="02010609060101010101" pitchFamily="49" charset="-122"/>
+                <a:ea typeface="楷体" panose="02010609060101010101" pitchFamily="49" charset="-122"/>
+                <a:cs typeface="楷体" panose="02010609060101010101" pitchFamily="49" charset="-122"/>
+              </a:rPr>
+              <a:t>自动外呼</a:t>
+            </a:r>
+            <a:endParaRPr lang="zh-CN" altLang="en-US" dirty="0">
+              <a:latin typeface="楷体" panose="02010609060101010101" pitchFamily="49" charset="-122"/>
+              <a:ea typeface="楷体" panose="02010609060101010101" pitchFamily="49" charset="-122"/>
+              <a:cs typeface="楷体" panose="02010609060101010101" pitchFamily="49" charset="-122"/>
+            </a:endParaRPr>
+          </a:p>
+        </p:txBody>
+      </p:sp>
+      <p:sp>
+        <p:nvSpPr>
+          <p:cNvPr id="42" name="矩形 41"/>
+          <p:cNvSpPr/>
+          <p:nvPr/>
+        </p:nvSpPr>
+        <p:spPr>
+          <a:xfrm>
+            <a:off x="7524328" y="3933056"/>
+            <a:ext cx="1152128" cy="369332"/>
+          </a:xfrm>
+          <a:prstGeom prst="rect">
+            <a:avLst/>
+          </a:prstGeom>
+          <a:ln>
+            <a:solidFill>
+              <a:schemeClr val="tx2"/>
+            </a:solidFill>
+          </a:ln>
+        </p:spPr>
+        <p:txBody>
+          <a:bodyPr wrap="square">
+            <a:spAutoFit/>
+          </a:bodyPr>
+          <a:lstStyle/>
+          <a:p>
+            <a:pPr algn="ctr"/>
+            <a:r>
+              <a:rPr lang="zh-CN" altLang="en-US" dirty="0" smtClean="0">
+                <a:latin typeface="楷体" panose="02010609060101010101" pitchFamily="49" charset="-122"/>
+                <a:ea typeface="楷体" panose="02010609060101010101" pitchFamily="49" charset="-122"/>
+                <a:cs typeface="楷体" panose="02010609060101010101" pitchFamily="49" charset="-122"/>
+              </a:rPr>
+              <a:t>新资料</a:t>
+            </a:r>
+            <a:endParaRPr lang="zh-CN" altLang="en-US" dirty="0">
+              <a:latin typeface="楷体" panose="02010609060101010101" pitchFamily="49" charset="-122"/>
+              <a:ea typeface="楷体" panose="02010609060101010101" pitchFamily="49" charset="-122"/>
+              <a:cs typeface="楷体" panose="02010609060101010101" pitchFamily="49" charset="-122"/>
+            </a:endParaRPr>
+          </a:p>
+        </p:txBody>
+      </p:sp>
+      <p:sp>
+        <p:nvSpPr>
+          <p:cNvPr id="43" name="文本框 42"/>
+          <p:cNvSpPr txBox="1"/>
+          <p:nvPr/>
+        </p:nvSpPr>
+        <p:spPr>
+          <a:xfrm>
+            <a:off x="6732240" y="3573016"/>
+            <a:ext cx="864096" cy="523220"/>
+          </a:xfrm>
+          <a:prstGeom prst="rect">
+            <a:avLst/>
+          </a:prstGeom>
+          <a:noFill/>
+        </p:spPr>
+        <p:txBody>
+          <a:bodyPr wrap="square" rtlCol="0">
+            <a:spAutoFit/>
+          </a:bodyPr>
+          <a:lstStyle/>
+          <a:p>
+            <a:pPr algn="ctr"/>
+            <a:r>
+              <a:rPr kumimoji="1" lang="zh-CN" altLang="en-US" sz="1400" dirty="0" smtClean="0">
+                <a:latin typeface="楷体" panose="02010609060101010101" pitchFamily="49" charset="-122"/>
+                <a:ea typeface="楷体" panose="02010609060101010101" pitchFamily="49" charset="-122"/>
+              </a:rPr>
+              <a:t>点击空闲</a:t>
+            </a:r>
+            <a:endParaRPr kumimoji="1" lang="zh-CN" altLang="en-US" sz="1400" dirty="0">
+              <a:latin typeface="楷体" panose="02010609060101010101" pitchFamily="49" charset="-122"/>
+              <a:ea typeface="楷体" panose="02010609060101010101" pitchFamily="49" charset="-122"/>
+            </a:endParaRPr>
+          </a:p>
+        </p:txBody>
+      </p:sp>
+      <p:sp>
+        <p:nvSpPr>
+          <p:cNvPr id="44" name="矩形 43"/>
+          <p:cNvSpPr/>
+          <p:nvPr/>
+        </p:nvSpPr>
+        <p:spPr>
+          <a:xfrm>
+            <a:off x="611560" y="4653136"/>
+            <a:ext cx="7992888" cy="2308324"/>
+          </a:xfrm>
+          <a:prstGeom prst="rect">
+            <a:avLst/>
+          </a:prstGeom>
+        </p:spPr>
+        <p:txBody>
+          <a:bodyPr wrap="square">
+            <a:spAutoFit/>
+          </a:bodyPr>
+          <a:lstStyle/>
+          <a:p>
+            <a:r>
+              <a:rPr lang="en-US" altLang="zh-CN" dirty="0">
+                <a:latin typeface="楷体" panose="02010609060101010101" pitchFamily="49" charset="-122"/>
+                <a:ea typeface="楷体" panose="02010609060101010101" pitchFamily="49" charset="-122"/>
+                <a:cs typeface="楷体" panose="02010609060101010101" pitchFamily="49" charset="-122"/>
+              </a:rPr>
+              <a:t>-</a:t>
+            </a:r>
+            <a:r>
+              <a:rPr lang="zh-CN" altLang="zh-CN" dirty="0">
+                <a:latin typeface="楷体" panose="02010609060101010101" pitchFamily="49" charset="-122"/>
+                <a:ea typeface="楷体" panose="02010609060101010101" pitchFamily="49" charset="-122"/>
+                <a:cs typeface="楷体" panose="02010609060101010101" pitchFamily="49" charset="-122"/>
+              </a:rPr>
+              <a:t>对慢病团队</a:t>
+            </a:r>
+            <a:r>
+              <a:rPr lang="zh-CN" altLang="zh-CN" dirty="0" smtClean="0">
+                <a:latin typeface="楷体" panose="02010609060101010101" pitchFamily="49" charset="-122"/>
+                <a:ea typeface="楷体" panose="02010609060101010101" pitchFamily="49" charset="-122"/>
+                <a:cs typeface="楷体" panose="02010609060101010101" pitchFamily="49" charset="-122"/>
+              </a:rPr>
+              <a:t>，</a:t>
+            </a:r>
+            <a:r>
+              <a:rPr lang="zh-CN" altLang="en-US" dirty="0" smtClean="0">
+                <a:latin typeface="楷体" panose="02010609060101010101" pitchFamily="49" charset="-122"/>
+                <a:ea typeface="楷体" panose="02010609060101010101" pitchFamily="49" charset="-122"/>
+                <a:cs typeface="楷体" panose="02010609060101010101" pitchFamily="49" charset="-122"/>
+              </a:rPr>
+              <a:t>手动示闲才进行</a:t>
+            </a:r>
+            <a:r>
+              <a:rPr lang="zh-CN" altLang="zh-CN" dirty="0" smtClean="0">
+                <a:latin typeface="楷体" panose="02010609060101010101" pitchFamily="49" charset="-122"/>
+                <a:ea typeface="楷体" panose="02010609060101010101" pitchFamily="49" charset="-122"/>
+                <a:cs typeface="楷体" panose="02010609060101010101" pitchFamily="49" charset="-122"/>
+              </a:rPr>
+              <a:t>自动外呼，</a:t>
+            </a:r>
+            <a:r>
+              <a:rPr lang="zh-CN" altLang="en-US" dirty="0" smtClean="0">
+                <a:latin typeface="楷体" panose="02010609060101010101" pitchFamily="49" charset="-122"/>
+                <a:ea typeface="楷体" panose="02010609060101010101" pitchFamily="49" charset="-122"/>
+                <a:cs typeface="楷体" panose="02010609060101010101" pitchFamily="49" charset="-122"/>
+              </a:rPr>
+              <a:t>新资料分配遵循当前原则，</a:t>
+            </a:r>
+            <a:r>
+              <a:rPr lang="zh-CN" altLang="zh-CN" dirty="0" smtClean="0">
+                <a:latin typeface="楷体" panose="02010609060101010101" pitchFamily="49" charset="-122"/>
+                <a:ea typeface="楷体" panose="02010609060101010101" pitchFamily="49" charset="-122"/>
+                <a:cs typeface="楷体" panose="02010609060101010101" pitchFamily="49" charset="-122"/>
+              </a:rPr>
+              <a:t>分</a:t>
+            </a:r>
+            <a:r>
+              <a:rPr lang="zh-CN" altLang="en-US" dirty="0" smtClean="0">
+                <a:latin typeface="楷体" panose="02010609060101010101" pitchFamily="49" charset="-122"/>
+                <a:ea typeface="楷体" panose="02010609060101010101" pitchFamily="49" charset="-122"/>
+                <a:cs typeface="楷体" panose="02010609060101010101" pitchFamily="49" charset="-122"/>
+              </a:rPr>
+              <a:t>来源</a:t>
+            </a:r>
+            <a:r>
+              <a:rPr lang="en-US" altLang="zh-CN" dirty="0" smtClean="0">
+                <a:latin typeface="楷体" panose="02010609060101010101" pitchFamily="49" charset="-122"/>
+                <a:ea typeface="楷体" panose="02010609060101010101" pitchFamily="49" charset="-122"/>
+                <a:cs typeface="楷体" panose="02010609060101010101" pitchFamily="49" charset="-122"/>
+              </a:rPr>
+              <a:t>A1/A2</a:t>
+            </a:r>
+            <a:r>
+              <a:rPr lang="zh-CN" altLang="en-US" dirty="0" smtClean="0">
+                <a:latin typeface="楷体" panose="02010609060101010101" pitchFamily="49" charset="-122"/>
+                <a:ea typeface="楷体" panose="02010609060101010101" pitchFamily="49" charset="-122"/>
+                <a:cs typeface="楷体" panose="02010609060101010101" pitchFamily="49" charset="-122"/>
+              </a:rPr>
+              <a:t>，分</a:t>
+            </a:r>
+            <a:r>
+              <a:rPr lang="zh-CN" altLang="zh-CN" dirty="0" smtClean="0">
+                <a:latin typeface="楷体" panose="02010609060101010101" pitchFamily="49" charset="-122"/>
+                <a:ea typeface="楷体" panose="02010609060101010101" pitchFamily="49" charset="-122"/>
+                <a:cs typeface="楷体" panose="02010609060101010101" pitchFamily="49" charset="-122"/>
+              </a:rPr>
+              <a:t>科室；遵循高价值客户</a:t>
+            </a:r>
+            <a:r>
+              <a:rPr lang="zh-CN" altLang="en-US" dirty="0" smtClean="0">
+                <a:latin typeface="楷体" panose="02010609060101010101" pitchFamily="49" charset="-122"/>
+                <a:ea typeface="楷体" panose="02010609060101010101" pitchFamily="49" charset="-122"/>
+                <a:cs typeface="楷体" panose="02010609060101010101" pitchFamily="49" charset="-122"/>
+              </a:rPr>
+              <a:t>接入</a:t>
+            </a:r>
+            <a:r>
+              <a:rPr lang="zh-CN" altLang="zh-CN" dirty="0" smtClean="0">
+                <a:latin typeface="楷体" panose="02010609060101010101" pitchFamily="49" charset="-122"/>
+                <a:ea typeface="楷体" panose="02010609060101010101" pitchFamily="49" charset="-122"/>
+                <a:cs typeface="楷体" panose="02010609060101010101" pitchFamily="49" charset="-122"/>
+              </a:rPr>
+              <a:t>高</a:t>
+            </a:r>
+            <a:r>
+              <a:rPr lang="en-US" altLang="zh-CN" dirty="0" smtClean="0">
+                <a:latin typeface="楷体" panose="02010609060101010101" pitchFamily="49" charset="-122"/>
+                <a:ea typeface="楷体" panose="02010609060101010101" pitchFamily="49" charset="-122"/>
+                <a:cs typeface="楷体" panose="02010609060101010101" pitchFamily="49" charset="-122"/>
+              </a:rPr>
+              <a:t>P</a:t>
+            </a:r>
+            <a:r>
+              <a:rPr lang="zh-CN" altLang="zh-CN" dirty="0" smtClean="0">
+                <a:latin typeface="楷体" panose="02010609060101010101" pitchFamily="49" charset="-122"/>
+                <a:ea typeface="楷体" panose="02010609060101010101" pitchFamily="49" charset="-122"/>
+                <a:cs typeface="楷体" panose="02010609060101010101" pitchFamily="49" charset="-122"/>
+              </a:rPr>
+              <a:t>级</a:t>
+            </a:r>
+            <a:r>
+              <a:rPr lang="zh-CN" altLang="en-US" dirty="0" smtClean="0">
+                <a:latin typeface="楷体" panose="02010609060101010101" pitchFamily="49" charset="-122"/>
+                <a:ea typeface="楷体" panose="02010609060101010101" pitchFamily="49" charset="-122"/>
+                <a:cs typeface="楷体" panose="02010609060101010101" pitchFamily="49" charset="-122"/>
+              </a:rPr>
+              <a:t>原则</a:t>
+            </a:r>
+            <a:r>
+              <a:rPr lang="zh-CN" altLang="zh-CN" dirty="0" smtClean="0">
+                <a:latin typeface="楷体" panose="02010609060101010101" pitchFamily="49" charset="-122"/>
+                <a:ea typeface="楷体" panose="02010609060101010101" pitchFamily="49" charset="-122"/>
+                <a:cs typeface="楷体" panose="02010609060101010101" pitchFamily="49" charset="-122"/>
+              </a:rPr>
+              <a:t>；</a:t>
+            </a:r>
+            <a:r>
+              <a:rPr lang="zh-CN" altLang="zh-CN" dirty="0">
+                <a:latin typeface="楷体" panose="02010609060101010101" pitchFamily="49" charset="-122"/>
+                <a:ea typeface="楷体" panose="02010609060101010101" pitchFamily="49" charset="-122"/>
+                <a:cs typeface="楷体" panose="02010609060101010101" pitchFamily="49" charset="-122"/>
+              </a:rPr>
+              <a:t>新员工</a:t>
+            </a:r>
+            <a:r>
+              <a:rPr lang="en-US" altLang="zh-CN" dirty="0">
+                <a:latin typeface="楷体" panose="02010609060101010101" pitchFamily="49" charset="-122"/>
+                <a:ea typeface="楷体" panose="02010609060101010101" pitchFamily="49" charset="-122"/>
+                <a:cs typeface="楷体" panose="02010609060101010101" pitchFamily="49" charset="-122"/>
+              </a:rPr>
+              <a:t>/AI </a:t>
+            </a:r>
+            <a:r>
+              <a:rPr lang="zh-CN" altLang="zh-CN" dirty="0">
+                <a:latin typeface="楷体" panose="02010609060101010101" pitchFamily="49" charset="-122"/>
+                <a:ea typeface="楷体" panose="02010609060101010101" pitchFamily="49" charset="-122"/>
+                <a:cs typeface="楷体" panose="02010609060101010101" pitchFamily="49" charset="-122"/>
+              </a:rPr>
+              <a:t>优先呼叫公共库</a:t>
+            </a:r>
+            <a:r>
+              <a:rPr lang="en-US" altLang="zh-CN" dirty="0">
+                <a:latin typeface="楷体" panose="02010609060101010101" pitchFamily="49" charset="-122"/>
+                <a:ea typeface="楷体" panose="02010609060101010101" pitchFamily="49" charset="-122"/>
+                <a:cs typeface="楷体" panose="02010609060101010101" pitchFamily="49" charset="-122"/>
+              </a:rPr>
+              <a:t>/</a:t>
+            </a:r>
+            <a:r>
+              <a:rPr lang="zh-CN" altLang="zh-CN" dirty="0">
+                <a:latin typeface="楷体" panose="02010609060101010101" pitchFamily="49" charset="-122"/>
+                <a:ea typeface="楷体" panose="02010609060101010101" pitchFamily="49" charset="-122"/>
+                <a:cs typeface="楷体" panose="02010609060101010101" pitchFamily="49" charset="-122"/>
+              </a:rPr>
+              <a:t>未分配得资料库中再次购买对客户；</a:t>
+            </a:r>
+            <a:endParaRPr lang="zh-CN" altLang="zh-CN" dirty="0">
+              <a:latin typeface="楷体" panose="02010609060101010101" pitchFamily="49" charset="-122"/>
+              <a:ea typeface="楷体" panose="02010609060101010101" pitchFamily="49" charset="-122"/>
+              <a:cs typeface="楷体" panose="02010609060101010101" pitchFamily="49" charset="-122"/>
+            </a:endParaRPr>
+          </a:p>
+          <a:p>
+            <a:r>
+              <a:rPr lang="en-US" altLang="zh-CN" dirty="0" smtClean="0">
+                <a:latin typeface="楷体" panose="02010609060101010101" pitchFamily="49" charset="-122"/>
+                <a:ea typeface="楷体" panose="02010609060101010101" pitchFamily="49" charset="-122"/>
+                <a:cs typeface="楷体" panose="02010609060101010101" pitchFamily="49" charset="-122"/>
+              </a:rPr>
+              <a:t>-</a:t>
+            </a:r>
+            <a:r>
+              <a:rPr lang="zh-CN" altLang="en-US" dirty="0" smtClean="0">
+                <a:latin typeface="楷体" panose="02010609060101010101" pitchFamily="49" charset="-122"/>
+                <a:ea typeface="楷体" panose="02010609060101010101" pitchFamily="49" charset="-122"/>
+                <a:cs typeface="楷体" panose="02010609060101010101" pitchFamily="49" charset="-122"/>
+              </a:rPr>
+              <a:t>系统</a:t>
+            </a:r>
+            <a:r>
+              <a:rPr lang="zh-CN" altLang="zh-CN" dirty="0" smtClean="0">
+                <a:latin typeface="楷体" panose="02010609060101010101" pitchFamily="49" charset="-122"/>
+                <a:ea typeface="楷体" panose="02010609060101010101" pitchFamily="49" charset="-122"/>
+                <a:cs typeface="楷体" panose="02010609060101010101" pitchFamily="49" charset="-122"/>
+              </a:rPr>
+              <a:t>可设置客户资料的</a:t>
+            </a:r>
+            <a:r>
+              <a:rPr lang="zh-CN" altLang="zh-CN" dirty="0">
+                <a:latin typeface="楷体" panose="02010609060101010101" pitchFamily="49" charset="-122"/>
+                <a:ea typeface="楷体" panose="02010609060101010101" pitchFamily="49" charset="-122"/>
+                <a:cs typeface="楷体" panose="02010609060101010101" pitchFamily="49" charset="-122"/>
+              </a:rPr>
+              <a:t>保留条件，如完成客户档案、通话超过</a:t>
+            </a:r>
+            <a:r>
+              <a:rPr lang="en-US" altLang="zh-CN" dirty="0">
+                <a:latin typeface="楷体" panose="02010609060101010101" pitchFamily="49" charset="-122"/>
+                <a:ea typeface="楷体" panose="02010609060101010101" pitchFamily="49" charset="-122"/>
+                <a:cs typeface="楷体" panose="02010609060101010101" pitchFamily="49" charset="-122"/>
+              </a:rPr>
+              <a:t>30s</a:t>
+            </a:r>
+            <a:r>
+              <a:rPr lang="zh-CN" altLang="zh-CN" dirty="0" smtClean="0">
+                <a:latin typeface="楷体" panose="02010609060101010101" pitchFamily="49" charset="-122"/>
+                <a:ea typeface="楷体" panose="02010609060101010101" pitchFamily="49" charset="-122"/>
+                <a:cs typeface="楷体" panose="02010609060101010101" pitchFamily="49" charset="-122"/>
+              </a:rPr>
+              <a:t>或客户下单后资料才归入对应员工</a:t>
+            </a:r>
+            <a:r>
+              <a:rPr lang="zh-CN" altLang="en-US" dirty="0" smtClean="0">
+                <a:latin typeface="楷体" panose="02010609060101010101" pitchFamily="49" charset="-122"/>
+                <a:ea typeface="楷体" panose="02010609060101010101" pitchFamily="49" charset="-122"/>
+                <a:cs typeface="楷体" panose="02010609060101010101" pitchFamily="49" charset="-122"/>
+              </a:rPr>
+              <a:t>资料</a:t>
+            </a:r>
+            <a:r>
+              <a:rPr lang="zh-CN" altLang="zh-CN" dirty="0" smtClean="0">
+                <a:latin typeface="楷体" panose="02010609060101010101" pitchFamily="49" charset="-122"/>
+                <a:ea typeface="楷体" panose="02010609060101010101" pitchFamily="49" charset="-122"/>
+                <a:cs typeface="楷体" panose="02010609060101010101" pitchFamily="49" charset="-122"/>
+              </a:rPr>
+              <a:t>；</a:t>
+            </a:r>
+            <a:r>
+              <a:rPr lang="zh-CN" altLang="en-US" dirty="0" smtClean="0">
+                <a:latin typeface="楷体" panose="02010609060101010101" pitchFamily="49" charset="-122"/>
+                <a:ea typeface="楷体" panose="02010609060101010101" pitchFamily="49" charset="-122"/>
+                <a:cs typeface="楷体" panose="02010609060101010101" pitchFamily="49" charset="-122"/>
+              </a:rPr>
+              <a:t>如无法达成条件，则资料自动归入公共库，待购药提醒时间到达时，再次安排自动呼出；</a:t>
+            </a:r>
+            <a:endParaRPr lang="en-US" altLang="zh-CN" dirty="0">
+              <a:latin typeface="楷体" panose="02010609060101010101" pitchFamily="49" charset="-122"/>
+              <a:ea typeface="楷体" panose="02010609060101010101" pitchFamily="49" charset="-122"/>
+              <a:cs typeface="楷体" panose="02010609060101010101" pitchFamily="49" charset="-122"/>
+            </a:endParaRPr>
+          </a:p>
+          <a:p>
+            <a:r>
+              <a:rPr lang="zh-CN" altLang="zh-CN" dirty="0" smtClean="0">
+                <a:latin typeface="楷体" panose="02010609060101010101" pitchFamily="49" charset="-122"/>
+                <a:ea typeface="楷体" panose="02010609060101010101" pitchFamily="49" charset="-122"/>
+                <a:cs typeface="楷体" panose="02010609060101010101" pitchFamily="49" charset="-122"/>
+              </a:rPr>
+              <a:t>-</a:t>
+            </a:r>
+            <a:r>
+              <a:rPr lang="zh-CN" altLang="en-US" dirty="0" smtClean="0">
+                <a:latin typeface="楷体" panose="02010609060101010101" pitchFamily="49" charset="-122"/>
+                <a:ea typeface="楷体" panose="02010609060101010101" pitchFamily="49" charset="-122"/>
+                <a:cs typeface="楷体" panose="02010609060101010101" pitchFamily="49" charset="-122"/>
+              </a:rPr>
+              <a:t>自动外呼接入坐席后，自动弹屏客户资料，与正常拨打无差异；</a:t>
+            </a:r>
+            <a:endParaRPr lang="zh-CN" altLang="zh-CN" dirty="0">
+              <a:latin typeface="楷体" panose="02010609060101010101" pitchFamily="49" charset="-122"/>
+              <a:ea typeface="楷体" panose="02010609060101010101" pitchFamily="49" charset="-122"/>
+              <a:cs typeface="楷体" panose="02010609060101010101" pitchFamily="49" charset="-122"/>
+            </a:endParaRPr>
+          </a:p>
+          <a:p>
+            <a:endParaRPr lang="zh-CN" altLang="en-US" dirty="0"/>
+          </a:p>
+        </p:txBody>
+      </p:sp>
+    </p:spTree>
+  </p:cSld>
+  <p:clrMapOvr>
+    <a:masterClrMapping/>
+  </p:clrMapOvr>
+</p:sld>
+</file>
+
+<file path=ppt/slides/slide7.xml><?xml version="1.0" encoding="utf-8"?>
+<p:sld xmlns:a="http://schemas.openxmlformats.org/drawingml/2006/main" xmlns:r="http://schemas.openxmlformats.org/officeDocument/2006/relationships" xmlns:p="http://schemas.openxmlformats.org/presentationml/2006/main">
+  <p:cSld>
+    <p:spTree>
+      <p:nvGrpSpPr>
+        <p:cNvPr id="1" name=""/>
+        <p:cNvGrpSpPr/>
+        <p:nvPr/>
+      </p:nvGrpSpPr>
+      <p:grpSpPr>
+        <a:xfrm>
+          <a:off x="0" y="0"/>
+          <a:ext cx="0" cy="0"/>
+          <a:chOff x="0" y="0"/>
+          <a:chExt cx="0" cy="0"/>
+        </a:xfrm>
+      </p:grpSpPr>
+      <p:sp>
+        <p:nvSpPr>
+          <p:cNvPr id="4" name="TextBox 4"/>
+          <p:cNvSpPr txBox="1"/>
+          <p:nvPr/>
+        </p:nvSpPr>
+        <p:spPr>
+          <a:xfrm>
+            <a:off x="323527" y="323364"/>
+            <a:ext cx="7013623" cy="369332"/>
+          </a:xfrm>
+          <a:prstGeom prst="rect">
+            <a:avLst/>
+          </a:prstGeom>
+          <a:noFill/>
+        </p:spPr>
+        <p:txBody>
+          <a:bodyPr wrap="square" rtlCol="0">
+            <a:spAutoFit/>
+          </a:bodyPr>
+          <a:lstStyle/>
+          <a:p>
+            <a:r>
+              <a:rPr lang="zh-CN" altLang="en-US" b="1" dirty="0" smtClean="0">
+                <a:solidFill>
+                  <a:prstClr val="white"/>
+                </a:solidFill>
+                <a:latin typeface="楷体" panose="02010609060101010101" pitchFamily="49" charset="-122"/>
+                <a:ea typeface="楷体" panose="02010609060101010101" pitchFamily="49" charset="-122"/>
+              </a:rPr>
+              <a:t>自动外呼需求</a:t>
+            </a:r>
+            <a:r>
+              <a:rPr lang="en-US" altLang="zh-CN" b="1" dirty="0" smtClean="0">
+                <a:solidFill>
+                  <a:prstClr val="white"/>
+                </a:solidFill>
+                <a:latin typeface="楷体" panose="02010609060101010101" pitchFamily="49" charset="-122"/>
+                <a:ea typeface="楷体" panose="02010609060101010101" pitchFamily="49" charset="-122"/>
+              </a:rPr>
+              <a:t>-</a:t>
+            </a:r>
+            <a:r>
+              <a:rPr lang="zh-CN" altLang="en-US" b="1" dirty="0" smtClean="0">
+                <a:solidFill>
+                  <a:prstClr val="white"/>
+                </a:solidFill>
+                <a:latin typeface="楷体" panose="02010609060101010101" pitchFamily="49" charset="-122"/>
+                <a:ea typeface="楷体" panose="02010609060101010101" pitchFamily="49" charset="-122"/>
+              </a:rPr>
+              <a:t>整体流程</a:t>
+            </a:r>
+            <a:endParaRPr lang="zh-CN" altLang="en-US" b="1" dirty="0">
+              <a:solidFill>
+                <a:prstClr val="white"/>
+              </a:solidFill>
+              <a:latin typeface="楷体" panose="02010609060101010101" pitchFamily="49" charset="-122"/>
+              <a:ea typeface="楷体" panose="02010609060101010101" pitchFamily="49" charset="-122"/>
+            </a:endParaRPr>
+          </a:p>
+        </p:txBody>
+      </p:sp>
+      <p:sp>
+        <p:nvSpPr>
+          <p:cNvPr id="5" name="文本框 4"/>
+          <p:cNvSpPr txBox="1"/>
+          <p:nvPr/>
+        </p:nvSpPr>
+        <p:spPr>
+          <a:xfrm>
+            <a:off x="611560" y="1556792"/>
+            <a:ext cx="2016224" cy="369332"/>
+          </a:xfrm>
+          <a:prstGeom prst="rect">
+            <a:avLst/>
+          </a:prstGeom>
+          <a:noFill/>
+        </p:spPr>
+        <p:txBody>
+          <a:bodyPr wrap="square" rtlCol="0">
+            <a:spAutoFit/>
+          </a:bodyPr>
+          <a:lstStyle/>
+          <a:p>
+            <a:r>
+              <a:rPr kumimoji="1" lang="zh-CN" altLang="en-US" dirty="0" smtClean="0"/>
+              <a:t>新客户资料</a:t>
+            </a:r>
+            <a:endParaRPr kumimoji="1" lang="zh-CN" altLang="en-US" dirty="0"/>
+          </a:p>
+        </p:txBody>
+      </p:sp>
+      <p:sp>
+        <p:nvSpPr>
+          <p:cNvPr id="6" name="文本框 5"/>
+          <p:cNvSpPr txBox="1"/>
+          <p:nvPr/>
+        </p:nvSpPr>
+        <p:spPr>
+          <a:xfrm>
+            <a:off x="611560" y="2276872"/>
+            <a:ext cx="1296144" cy="923330"/>
+          </a:xfrm>
+          <a:prstGeom prst="rect">
+            <a:avLst/>
+          </a:prstGeom>
+          <a:noFill/>
+        </p:spPr>
+        <p:txBody>
+          <a:bodyPr wrap="square" rtlCol="0">
+            <a:spAutoFit/>
+          </a:bodyPr>
+          <a:lstStyle/>
+          <a:p>
+            <a:r>
+              <a:rPr kumimoji="1" lang="zh-CN" altLang="en-US" dirty="0" smtClean="0"/>
+              <a:t>公共库客户再次购买情况</a:t>
+            </a:r>
+            <a:endParaRPr kumimoji="1" lang="zh-CN" altLang="en-US" dirty="0"/>
+          </a:p>
+        </p:txBody>
+      </p:sp>
+      <p:sp>
+        <p:nvSpPr>
+          <p:cNvPr id="2" name="右大括号 1"/>
+          <p:cNvSpPr/>
+          <p:nvPr/>
+        </p:nvSpPr>
+        <p:spPr>
+          <a:xfrm>
+            <a:off x="1979712" y="1772816"/>
+            <a:ext cx="144016" cy="1224136"/>
+          </a:xfrm>
+          <a:prstGeom prst="rightBrace">
+            <a:avLst/>
+          </a:prstGeom>
+        </p:spPr>
+        <p:style>
+          <a:lnRef idx="2">
+            <a:schemeClr val="accent1"/>
+          </a:lnRef>
+          <a:fillRef idx="0">
+            <a:schemeClr val="accent1"/>
+          </a:fillRef>
+          <a:effectRef idx="1">
+            <a:schemeClr val="accent1"/>
+          </a:effectRef>
+          <a:fontRef idx="minor">
+            <a:schemeClr val="tx1"/>
+          </a:fontRef>
+        </p:style>
+        <p:txBody>
+          <a:bodyPr rtlCol="0" anchor="ctr"/>
+          <a:lstStyle/>
+          <a:p>
+            <a:pPr algn="ctr"/>
+            <a:endParaRPr kumimoji="1" lang="zh-CN" altLang="en-US"/>
+          </a:p>
+        </p:txBody>
+      </p:sp>
+      <p:sp>
+        <p:nvSpPr>
+          <p:cNvPr id="9" name="文本框 8"/>
+          <p:cNvSpPr txBox="1"/>
+          <p:nvPr/>
+        </p:nvSpPr>
+        <p:spPr>
+          <a:xfrm>
+            <a:off x="2123728" y="1700808"/>
+            <a:ext cx="1224136" cy="646331"/>
+          </a:xfrm>
+          <a:prstGeom prst="rect">
+            <a:avLst/>
+          </a:prstGeom>
+          <a:noFill/>
+        </p:spPr>
+        <p:txBody>
+          <a:bodyPr wrap="square" rtlCol="0">
+            <a:spAutoFit/>
+          </a:bodyPr>
+          <a:lstStyle/>
+          <a:p>
+            <a:r>
+              <a:rPr kumimoji="1" lang="zh-CN" altLang="en-US" dirty="0" smtClean="0"/>
+              <a:t>对应科室员工示闲</a:t>
+            </a:r>
+            <a:endParaRPr kumimoji="1" lang="zh-CN" altLang="en-US" dirty="0"/>
+          </a:p>
+        </p:txBody>
+      </p:sp>
+      <p:cxnSp>
+        <p:nvCxnSpPr>
+          <p:cNvPr id="17" name="直线箭头连接符 16"/>
+          <p:cNvCxnSpPr>
+            <a:stCxn id="2" idx="1"/>
+            <a:endCxn id="18" idx="1"/>
+          </p:cNvCxnSpPr>
+          <p:nvPr/>
+        </p:nvCxnSpPr>
+        <p:spPr>
+          <a:xfrm>
+            <a:off x="2123728" y="2384884"/>
+            <a:ext cx="1512168" cy="4646"/>
+          </a:xfrm>
+          <a:prstGeom prst="straightConnector1">
+            <a:avLst/>
+          </a:prstGeom>
+          <a:ln>
+            <a:tailEnd type="arrow"/>
+          </a:ln>
+        </p:spPr>
+        <p:style>
+          <a:lnRef idx="2">
+            <a:schemeClr val="accent1"/>
+          </a:lnRef>
+          <a:fillRef idx="0">
+            <a:schemeClr val="accent1"/>
+          </a:fillRef>
+          <a:effectRef idx="1">
+            <a:schemeClr val="accent1"/>
+          </a:effectRef>
+          <a:fontRef idx="minor">
+            <a:schemeClr val="tx1"/>
+          </a:fontRef>
+        </p:style>
+      </p:cxnSp>
+      <p:sp>
+        <p:nvSpPr>
+          <p:cNvPr id="18" name="矩形 17"/>
+          <p:cNvSpPr/>
+          <p:nvPr/>
+        </p:nvSpPr>
+        <p:spPr>
+          <a:xfrm>
+            <a:off x="3635896" y="2204864"/>
+            <a:ext cx="1582484" cy="369332"/>
+          </a:xfrm>
+          <a:prstGeom prst="rect">
+            <a:avLst/>
+          </a:prstGeom>
+          <a:ln>
+            <a:solidFill>
+              <a:schemeClr val="tx2">
+                <a:lumMod val="60000"/>
+                <a:lumOff val="40000"/>
+              </a:schemeClr>
+            </a:solidFill>
+            <a:prstDash val="sysDash"/>
+          </a:ln>
+        </p:spPr>
+        <p:txBody>
+          <a:bodyPr wrap="none" rtlCol="0" anchor="ctr">
+            <a:spAutoFit/>
+          </a:bodyPr>
+          <a:lstStyle/>
+          <a:p>
+            <a:pPr algn="ctr"/>
+            <a:r>
+              <a:rPr kumimoji="1" lang="zh-CN" altLang="en-US" b="1" dirty="0" smtClean="0">
+                <a:latin typeface="+mn-ea"/>
+              </a:rPr>
+              <a:t>系统自动外呼</a:t>
+            </a:r>
+            <a:endParaRPr kumimoji="1" lang="zh-CN" altLang="en-US" b="1" dirty="0">
+              <a:latin typeface="+mn-ea"/>
+            </a:endParaRPr>
+          </a:p>
+        </p:txBody>
+      </p:sp>
+      <p:cxnSp>
+        <p:nvCxnSpPr>
+          <p:cNvPr id="20" name="直线箭头连接符 19"/>
+          <p:cNvCxnSpPr>
+            <a:stCxn id="18" idx="3"/>
+            <a:endCxn id="25" idx="1"/>
+          </p:cNvCxnSpPr>
+          <p:nvPr/>
+        </p:nvCxnSpPr>
+        <p:spPr>
+          <a:xfrm flipV="1">
+            <a:off x="5218380" y="2374141"/>
+            <a:ext cx="1225828" cy="15389"/>
+          </a:xfrm>
+          <a:prstGeom prst="straightConnector1">
+            <a:avLst/>
+          </a:prstGeom>
+          <a:ln>
+            <a:tailEnd type="arrow"/>
+          </a:ln>
+        </p:spPr>
+        <p:style>
+          <a:lnRef idx="2">
+            <a:schemeClr val="accent1"/>
+          </a:lnRef>
+          <a:fillRef idx="0">
+            <a:schemeClr val="accent1"/>
+          </a:fillRef>
+          <a:effectRef idx="1">
+            <a:schemeClr val="accent1"/>
+          </a:effectRef>
+          <a:fontRef idx="minor">
+            <a:schemeClr val="tx1"/>
+          </a:fontRef>
+        </p:style>
+      </p:cxnSp>
+      <p:sp>
+        <p:nvSpPr>
+          <p:cNvPr id="24" name="文本框 23"/>
+          <p:cNvSpPr txBox="1"/>
+          <p:nvPr/>
+        </p:nvSpPr>
+        <p:spPr>
+          <a:xfrm>
+            <a:off x="5292080" y="1916832"/>
+            <a:ext cx="1224136" cy="369332"/>
+          </a:xfrm>
+          <a:prstGeom prst="rect">
+            <a:avLst/>
+          </a:prstGeom>
+          <a:noFill/>
+        </p:spPr>
+        <p:txBody>
+          <a:bodyPr wrap="square" rtlCol="0">
+            <a:spAutoFit/>
+          </a:bodyPr>
+          <a:lstStyle/>
+          <a:p>
+            <a:r>
+              <a:rPr kumimoji="1" lang="zh-CN" altLang="en-US" dirty="0" smtClean="0"/>
+              <a:t>客户接通</a:t>
+            </a:r>
+            <a:endParaRPr kumimoji="1" lang="zh-CN" altLang="en-US" dirty="0"/>
+          </a:p>
+        </p:txBody>
+      </p:sp>
+      <p:sp>
+        <p:nvSpPr>
+          <p:cNvPr id="25" name="文本框 24"/>
+          <p:cNvSpPr txBox="1"/>
+          <p:nvPr/>
+        </p:nvSpPr>
+        <p:spPr>
+          <a:xfrm>
+            <a:off x="6444208" y="2204864"/>
+            <a:ext cx="1080120" cy="338554"/>
+          </a:xfrm>
+          <a:prstGeom prst="rect">
+            <a:avLst/>
+          </a:prstGeom>
+          <a:noFill/>
+        </p:spPr>
+        <p:txBody>
+          <a:bodyPr wrap="square" rtlCol="0">
+            <a:spAutoFit/>
+          </a:bodyPr>
+          <a:lstStyle/>
+          <a:p>
+            <a:r>
+              <a:rPr kumimoji="1" lang="zh-CN" altLang="en-US" sz="1600" dirty="0" smtClean="0"/>
+              <a:t>接入坐席</a:t>
+            </a:r>
+            <a:endParaRPr kumimoji="1" lang="zh-CN" altLang="en-US" sz="1600" dirty="0"/>
+          </a:p>
+        </p:txBody>
+      </p:sp>
+      <p:sp>
+        <p:nvSpPr>
+          <p:cNvPr id="27" name="上箭头 26"/>
+          <p:cNvSpPr/>
+          <p:nvPr/>
+        </p:nvSpPr>
+        <p:spPr>
+          <a:xfrm>
+            <a:off x="6804248" y="2708920"/>
+            <a:ext cx="360040" cy="576064"/>
+          </a:xfrm>
+          <a:prstGeom prst="upArrow">
+            <a:avLst/>
+          </a:prstGeom>
+          <a:ln>
+            <a:solidFill>
+              <a:schemeClr val="tx2">
+                <a:lumMod val="60000"/>
+                <a:lumOff val="40000"/>
+              </a:schemeClr>
+            </a:solidFill>
+            <a:prstDash val="solid"/>
+          </a:ln>
+        </p:spPr>
+        <p:txBody>
+          <a:bodyPr wrap="none" rtlCol="0" anchor="ctr">
+            <a:spAutoFit/>
+          </a:bodyPr>
+          <a:lstStyle/>
+          <a:p>
+            <a:pPr algn="ctr"/>
+            <a:endParaRPr kumimoji="1" lang="zh-CN" altLang="en-US" b="1" dirty="0">
+              <a:latin typeface="微软雅黑" panose="020B0503020204020204" pitchFamily="34" charset="-122"/>
+              <a:ea typeface="微软雅黑" panose="020B0503020204020204" pitchFamily="34" charset="-122"/>
+            </a:endParaRPr>
+          </a:p>
+        </p:txBody>
+      </p:sp>
+      <p:sp>
+        <p:nvSpPr>
+          <p:cNvPr id="28" name="上箭头 27"/>
+          <p:cNvSpPr/>
+          <p:nvPr/>
+        </p:nvSpPr>
+        <p:spPr>
+          <a:xfrm>
+            <a:off x="4427984" y="2780928"/>
+            <a:ext cx="360040" cy="576064"/>
+          </a:xfrm>
+          <a:prstGeom prst="upArrow">
+            <a:avLst/>
+          </a:prstGeom>
+          <a:ln>
+            <a:solidFill>
+              <a:schemeClr val="tx2">
+                <a:lumMod val="60000"/>
+                <a:lumOff val="40000"/>
+              </a:schemeClr>
+            </a:solidFill>
+            <a:prstDash val="solid"/>
+          </a:ln>
+        </p:spPr>
+        <p:txBody>
+          <a:bodyPr wrap="none" rtlCol="0" anchor="ctr">
+            <a:spAutoFit/>
+          </a:bodyPr>
+          <a:lstStyle/>
+          <a:p>
+            <a:pPr algn="ctr"/>
+            <a:endParaRPr kumimoji="1" lang="zh-CN" altLang="en-US" b="1" dirty="0">
+              <a:latin typeface="微软雅黑" panose="020B0503020204020204" pitchFamily="34" charset="-122"/>
+              <a:ea typeface="微软雅黑" panose="020B0503020204020204" pitchFamily="34" charset="-122"/>
+            </a:endParaRPr>
+          </a:p>
+        </p:txBody>
+      </p:sp>
+      <p:sp>
+        <p:nvSpPr>
+          <p:cNvPr id="29" name="上箭头 28"/>
+          <p:cNvSpPr/>
+          <p:nvPr/>
+        </p:nvSpPr>
+        <p:spPr>
+          <a:xfrm>
+            <a:off x="2339752" y="2636912"/>
+            <a:ext cx="360040" cy="576064"/>
+          </a:xfrm>
+          <a:prstGeom prst="upArrow">
+            <a:avLst/>
+          </a:prstGeom>
+          <a:ln>
+            <a:solidFill>
+              <a:schemeClr val="tx2">
+                <a:lumMod val="60000"/>
+                <a:lumOff val="40000"/>
+              </a:schemeClr>
+            </a:solidFill>
+            <a:prstDash val="solid"/>
+          </a:ln>
+        </p:spPr>
+        <p:txBody>
+          <a:bodyPr wrap="none" rtlCol="0" anchor="ctr">
+            <a:spAutoFit/>
+          </a:bodyPr>
+          <a:lstStyle/>
+          <a:p>
+            <a:pPr algn="ctr"/>
+            <a:endParaRPr kumimoji="1" lang="zh-CN" altLang="en-US" b="1" dirty="0">
+              <a:latin typeface="微软雅黑" panose="020B0503020204020204" pitchFamily="34" charset="-122"/>
+              <a:ea typeface="微软雅黑" panose="020B0503020204020204" pitchFamily="34" charset="-122"/>
+            </a:endParaRPr>
+          </a:p>
+        </p:txBody>
+      </p:sp>
+      <p:sp>
+        <p:nvSpPr>
+          <p:cNvPr id="30" name="文本框 29"/>
+          <p:cNvSpPr txBox="1"/>
+          <p:nvPr/>
+        </p:nvSpPr>
+        <p:spPr>
+          <a:xfrm>
+            <a:off x="1115616" y="3356992"/>
+            <a:ext cx="2448272" cy="3323987"/>
+          </a:xfrm>
+          <a:prstGeom prst="rect">
+            <a:avLst/>
+          </a:prstGeom>
+          <a:noFill/>
+        </p:spPr>
+        <p:txBody>
+          <a:bodyPr wrap="square" rtlCol="0">
+            <a:spAutoFit/>
+          </a:bodyPr>
+          <a:lstStyle/>
+          <a:p>
+            <a:r>
+              <a:rPr kumimoji="1" lang="en-US" altLang="zh-CN" sz="1400" dirty="0" smtClean="0">
+                <a:latin typeface="宋体" panose="02010600030101010101" pitchFamily="2" charset="-122"/>
+                <a:ea typeface="宋体" panose="02010600030101010101" pitchFamily="2" charset="-122"/>
+                <a:cs typeface="宋体" panose="02010600030101010101" pitchFamily="2" charset="-122"/>
+              </a:rPr>
+              <a:t>1.CRM</a:t>
+            </a:r>
+            <a:r>
+              <a:rPr kumimoji="1" lang="zh-CN" altLang="en-US" sz="1400" dirty="0" smtClean="0">
+                <a:latin typeface="宋体" panose="02010600030101010101" pitchFamily="2" charset="-122"/>
+                <a:ea typeface="宋体" panose="02010600030101010101" pitchFamily="2" charset="-122"/>
+                <a:cs typeface="宋体" panose="02010600030101010101" pitchFamily="2" charset="-122"/>
+              </a:rPr>
+              <a:t>上员工状态增加：示忙</a:t>
+            </a:r>
+            <a:r>
+              <a:rPr kumimoji="1" lang="en-US" altLang="zh-CN" sz="1400" dirty="0" smtClean="0">
+                <a:latin typeface="宋体" panose="02010600030101010101" pitchFamily="2" charset="-122"/>
+                <a:ea typeface="宋体" panose="02010600030101010101" pitchFamily="2" charset="-122"/>
+                <a:cs typeface="宋体" panose="02010600030101010101" pitchFamily="2" charset="-122"/>
+              </a:rPr>
+              <a:t>/</a:t>
+            </a:r>
+            <a:r>
+              <a:rPr kumimoji="1" lang="zh-CN" altLang="en-US" sz="1400" dirty="0" smtClean="0">
+                <a:latin typeface="宋体" panose="02010600030101010101" pitchFamily="2" charset="-122"/>
+                <a:ea typeface="宋体" panose="02010600030101010101" pitchFamily="2" charset="-122"/>
+                <a:cs typeface="宋体" panose="02010600030101010101" pitchFamily="2" charset="-122"/>
+              </a:rPr>
+              <a:t>整理</a:t>
+            </a:r>
+            <a:r>
+              <a:rPr kumimoji="1" lang="en-US" altLang="zh-CN" sz="1400" dirty="0" smtClean="0">
+                <a:latin typeface="宋体" panose="02010600030101010101" pitchFamily="2" charset="-122"/>
+                <a:ea typeface="宋体" panose="02010600030101010101" pitchFamily="2" charset="-122"/>
+                <a:cs typeface="宋体" panose="02010600030101010101" pitchFamily="2" charset="-122"/>
+              </a:rPr>
+              <a:t>/</a:t>
+            </a:r>
+            <a:r>
+              <a:rPr kumimoji="1" lang="zh-CN" altLang="en-US" sz="1400" dirty="0" smtClean="0">
+                <a:latin typeface="宋体" panose="02010600030101010101" pitchFamily="2" charset="-122"/>
+                <a:ea typeface="宋体" panose="02010600030101010101" pitchFamily="2" charset="-122"/>
+                <a:cs typeface="宋体" panose="02010600030101010101" pitchFamily="2" charset="-122"/>
+              </a:rPr>
+              <a:t>示闲</a:t>
+            </a:r>
+            <a:r>
+              <a:rPr kumimoji="1" lang="en-US" altLang="zh-CN" sz="1400" dirty="0" smtClean="0">
+                <a:latin typeface="宋体" panose="02010600030101010101" pitchFamily="2" charset="-122"/>
+                <a:ea typeface="宋体" panose="02010600030101010101" pitchFamily="2" charset="-122"/>
+                <a:cs typeface="宋体" panose="02010600030101010101" pitchFamily="2" charset="-122"/>
+              </a:rPr>
+              <a:t>/</a:t>
+            </a:r>
+            <a:r>
+              <a:rPr kumimoji="1" lang="zh-CN" altLang="en-US" sz="1400" dirty="0" smtClean="0">
+                <a:latin typeface="宋体" panose="02010600030101010101" pitchFamily="2" charset="-122"/>
+                <a:ea typeface="宋体" panose="02010600030101010101" pitchFamily="2" charset="-122"/>
+                <a:cs typeface="宋体" panose="02010600030101010101" pitchFamily="2" charset="-122"/>
+              </a:rPr>
+              <a:t>转接</a:t>
+            </a:r>
+            <a:endParaRPr kumimoji="1" lang="en-US" altLang="zh-CN" sz="1400" dirty="0" smtClean="0">
+              <a:latin typeface="宋体" panose="02010600030101010101" pitchFamily="2" charset="-122"/>
+              <a:ea typeface="宋体" panose="02010600030101010101" pitchFamily="2" charset="-122"/>
+              <a:cs typeface="宋体" panose="02010600030101010101" pitchFamily="2" charset="-122"/>
+            </a:endParaRPr>
+          </a:p>
+          <a:p>
+            <a:r>
+              <a:rPr kumimoji="1" lang="zh-CN" altLang="zh-CN" sz="1400" dirty="0" smtClean="0">
+                <a:latin typeface="宋体" panose="02010600030101010101" pitchFamily="2" charset="-122"/>
+                <a:ea typeface="宋体" panose="02010600030101010101" pitchFamily="2" charset="-122"/>
+                <a:cs typeface="宋体" panose="02010600030101010101" pitchFamily="2" charset="-122"/>
+              </a:rPr>
+              <a:t>2</a:t>
+            </a:r>
+            <a:r>
+              <a:rPr kumimoji="1" lang="en-US" altLang="zh-CN" sz="1400" dirty="0" smtClean="0">
+                <a:latin typeface="宋体" panose="02010600030101010101" pitchFamily="2" charset="-122"/>
+                <a:ea typeface="宋体" panose="02010600030101010101" pitchFamily="2" charset="-122"/>
+                <a:cs typeface="宋体" panose="02010600030101010101" pitchFamily="2" charset="-122"/>
+              </a:rPr>
+              <a:t>.</a:t>
+            </a:r>
+            <a:r>
+              <a:rPr kumimoji="1" lang="zh-CN" altLang="en-US" sz="1400" dirty="0" smtClean="0">
+                <a:latin typeface="宋体" panose="02010600030101010101" pitchFamily="2" charset="-122"/>
+                <a:ea typeface="宋体" panose="02010600030101010101" pitchFamily="2" charset="-122"/>
+                <a:cs typeface="宋体" panose="02010600030101010101" pitchFamily="2" charset="-122"/>
+              </a:rPr>
+              <a:t>增加队列（已添加，当前队列按照小组建立）</a:t>
+            </a:r>
+            <a:endParaRPr kumimoji="1" lang="en-US" altLang="zh-CN" sz="1400" dirty="0" smtClean="0">
+              <a:latin typeface="宋体" panose="02010600030101010101" pitchFamily="2" charset="-122"/>
+              <a:ea typeface="宋体" panose="02010600030101010101" pitchFamily="2" charset="-122"/>
+              <a:cs typeface="宋体" panose="02010600030101010101" pitchFamily="2" charset="-122"/>
+            </a:endParaRPr>
+          </a:p>
+          <a:p>
+            <a:r>
+              <a:rPr kumimoji="1" lang="zh-CN" altLang="zh-CN" sz="1400" dirty="0" smtClean="0">
+                <a:latin typeface="宋体" panose="02010600030101010101" pitchFamily="2" charset="-122"/>
+                <a:ea typeface="宋体" panose="02010600030101010101" pitchFamily="2" charset="-122"/>
+                <a:cs typeface="宋体" panose="02010600030101010101" pitchFamily="2" charset="-122"/>
+              </a:rPr>
+              <a:t>3</a:t>
+            </a:r>
+            <a:r>
+              <a:rPr kumimoji="1" lang="en-US" altLang="zh-CN" sz="1400" dirty="0" smtClean="0">
+                <a:latin typeface="宋体" panose="02010600030101010101" pitchFamily="2" charset="-122"/>
+                <a:ea typeface="宋体" panose="02010600030101010101" pitchFamily="2" charset="-122"/>
+                <a:cs typeface="宋体" panose="02010600030101010101" pitchFamily="2" charset="-122"/>
+              </a:rPr>
+              <a:t>.</a:t>
+            </a:r>
+            <a:r>
+              <a:rPr kumimoji="1" lang="zh-CN" altLang="en-US" sz="1400" dirty="0" smtClean="0">
+                <a:latin typeface="宋体" panose="02010600030101010101" pitchFamily="2" charset="-122"/>
+                <a:ea typeface="宋体" panose="02010600030101010101" pitchFamily="2" charset="-122"/>
+                <a:cs typeface="宋体" panose="02010600030101010101" pitchFamily="2" charset="-122"/>
+              </a:rPr>
+              <a:t>资料分配规则配置页面：</a:t>
+            </a:r>
+            <a:endParaRPr kumimoji="1" lang="en-US" altLang="zh-CN" sz="1400" dirty="0" smtClean="0">
+              <a:latin typeface="宋体" panose="02010600030101010101" pitchFamily="2" charset="-122"/>
+              <a:ea typeface="宋体" panose="02010600030101010101" pitchFamily="2" charset="-122"/>
+              <a:cs typeface="宋体" panose="02010600030101010101" pitchFamily="2" charset="-122"/>
+            </a:endParaRPr>
+          </a:p>
+          <a:p>
+            <a:r>
+              <a:rPr kumimoji="1" lang="zh-CN" altLang="zh-CN" sz="1400" dirty="0" smtClean="0">
+                <a:latin typeface="宋体" panose="02010600030101010101" pitchFamily="2" charset="-122"/>
+                <a:ea typeface="宋体" panose="02010600030101010101" pitchFamily="2" charset="-122"/>
+                <a:cs typeface="宋体" panose="02010600030101010101" pitchFamily="2" charset="-122"/>
+              </a:rPr>
+              <a:t>（</a:t>
+            </a:r>
+            <a:r>
+              <a:rPr kumimoji="1" lang="en-US" altLang="zh-CN" sz="1400" dirty="0" smtClean="0">
+                <a:latin typeface="宋体" panose="02010600030101010101" pitchFamily="2" charset="-122"/>
+                <a:ea typeface="宋体" panose="02010600030101010101" pitchFamily="2" charset="-122"/>
+                <a:cs typeface="宋体" panose="02010600030101010101" pitchFamily="2" charset="-122"/>
+              </a:rPr>
+              <a:t>1</a:t>
+            </a:r>
+            <a:r>
+              <a:rPr kumimoji="1" lang="zh-CN" altLang="en-US" sz="1400" dirty="0" smtClean="0">
+                <a:latin typeface="宋体" panose="02010600030101010101" pitchFamily="2" charset="-122"/>
+                <a:ea typeface="宋体" panose="02010600030101010101" pitchFamily="2" charset="-122"/>
+                <a:cs typeface="宋体" panose="02010600030101010101" pitchFamily="2" charset="-122"/>
+              </a:rPr>
+              <a:t>）处方审核：直接分空闲；</a:t>
+            </a:r>
+            <a:endParaRPr kumimoji="1" lang="en-US" altLang="zh-CN" sz="1400" dirty="0" smtClean="0">
+              <a:latin typeface="宋体" panose="02010600030101010101" pitchFamily="2" charset="-122"/>
+              <a:ea typeface="宋体" panose="02010600030101010101" pitchFamily="2" charset="-122"/>
+              <a:cs typeface="宋体" panose="02010600030101010101" pitchFamily="2" charset="-122"/>
+            </a:endParaRPr>
+          </a:p>
+          <a:p>
+            <a:r>
+              <a:rPr kumimoji="1" lang="zh-CN" altLang="zh-CN" sz="1400" dirty="0" smtClean="0">
+                <a:latin typeface="宋体" panose="02010600030101010101" pitchFamily="2" charset="-122"/>
+                <a:ea typeface="宋体" panose="02010600030101010101" pitchFamily="2" charset="-122"/>
+                <a:cs typeface="宋体" panose="02010600030101010101" pitchFamily="2" charset="-122"/>
+              </a:rPr>
+              <a:t>（</a:t>
+            </a:r>
+            <a:r>
+              <a:rPr kumimoji="1" lang="en-US" altLang="zh-CN" sz="1400" dirty="0" smtClean="0">
+                <a:latin typeface="宋体" panose="02010600030101010101" pitchFamily="2" charset="-122"/>
+                <a:ea typeface="宋体" panose="02010600030101010101" pitchFamily="2" charset="-122"/>
+                <a:cs typeface="宋体" panose="02010600030101010101" pitchFamily="2" charset="-122"/>
+              </a:rPr>
+              <a:t>2</a:t>
+            </a:r>
+            <a:r>
+              <a:rPr kumimoji="1" lang="zh-CN" altLang="en-US" sz="1400" dirty="0" smtClean="0">
+                <a:latin typeface="宋体" panose="02010600030101010101" pitchFamily="2" charset="-122"/>
+                <a:ea typeface="宋体" panose="02010600030101010101" pitchFamily="2" charset="-122"/>
+                <a:cs typeface="宋体" panose="02010600030101010101" pitchFamily="2" charset="-122"/>
+              </a:rPr>
+              <a:t>）慢病：能对应员工科室分配；</a:t>
+            </a:r>
+            <a:r>
+              <a:rPr kumimoji="1" lang="en-US" altLang="zh-CN" sz="1400" dirty="0" smtClean="0">
+                <a:latin typeface="宋体" panose="02010600030101010101" pitchFamily="2" charset="-122"/>
+                <a:ea typeface="宋体" panose="02010600030101010101" pitchFamily="2" charset="-122"/>
+                <a:cs typeface="宋体" panose="02010600030101010101" pitchFamily="2" charset="-122"/>
+              </a:rPr>
+              <a:t>500</a:t>
+            </a:r>
+            <a:r>
+              <a:rPr kumimoji="1" lang="zh-CN" altLang="en-US" sz="1400" dirty="0" smtClean="0">
+                <a:latin typeface="宋体" panose="02010600030101010101" pitchFamily="2" charset="-122"/>
+                <a:ea typeface="宋体" panose="02010600030101010101" pitchFamily="2" charset="-122"/>
+                <a:cs typeface="宋体" panose="02010600030101010101" pitchFamily="2" charset="-122"/>
+              </a:rPr>
+              <a:t>以上高金额客户</a:t>
+            </a:r>
+            <a:r>
+              <a:rPr kumimoji="1" lang="en-US" altLang="zh-CN" sz="1400" dirty="0" smtClean="0">
+                <a:latin typeface="宋体" panose="02010600030101010101" pitchFamily="2" charset="-122"/>
+                <a:ea typeface="宋体" panose="02010600030101010101" pitchFamily="2" charset="-122"/>
+                <a:cs typeface="宋体" panose="02010600030101010101" pitchFamily="2" charset="-122"/>
+              </a:rPr>
+              <a:t>24</a:t>
+            </a:r>
+            <a:r>
+              <a:rPr kumimoji="1" lang="zh-CN" altLang="en-US" sz="1400" dirty="0" smtClean="0">
+                <a:latin typeface="宋体" panose="02010600030101010101" pitchFamily="2" charset="-122"/>
+                <a:ea typeface="宋体" panose="02010600030101010101" pitchFamily="2" charset="-122"/>
+                <a:cs typeface="宋体" panose="02010600030101010101" pitchFamily="2" charset="-122"/>
+              </a:rPr>
+              <a:t>小时内优先分配高职级</a:t>
+            </a:r>
+            <a:r>
+              <a:rPr kumimoji="1" lang="en-US" altLang="zh-CN" sz="1400" dirty="0" smtClean="0">
+                <a:latin typeface="宋体" panose="02010600030101010101" pitchFamily="2" charset="-122"/>
+                <a:ea typeface="宋体" panose="02010600030101010101" pitchFamily="2" charset="-122"/>
+                <a:cs typeface="宋体" panose="02010600030101010101" pitchFamily="2" charset="-122"/>
+              </a:rPr>
+              <a:t>P3</a:t>
+            </a:r>
+            <a:r>
+              <a:rPr kumimoji="1" lang="zh-CN" altLang="en-US" sz="1400" dirty="0" smtClean="0">
+                <a:latin typeface="宋体" panose="02010600030101010101" pitchFamily="2" charset="-122"/>
+                <a:ea typeface="宋体" panose="02010600030101010101" pitchFamily="2" charset="-122"/>
+                <a:cs typeface="宋体" panose="02010600030101010101" pitchFamily="2" charset="-122"/>
+              </a:rPr>
+              <a:t>员工；</a:t>
+            </a:r>
+            <a:endParaRPr kumimoji="1" lang="en-US" altLang="zh-CN" sz="1400" dirty="0" smtClean="0">
+              <a:latin typeface="宋体" panose="02010600030101010101" pitchFamily="2" charset="-122"/>
+              <a:ea typeface="宋体" panose="02010600030101010101" pitchFamily="2" charset="-122"/>
+              <a:cs typeface="宋体" panose="02010600030101010101" pitchFamily="2" charset="-122"/>
+            </a:endParaRPr>
+          </a:p>
+          <a:p>
+            <a:r>
+              <a:rPr kumimoji="1" lang="zh-CN" altLang="zh-CN" sz="1400" dirty="0" smtClean="0">
+                <a:latin typeface="宋体" panose="02010600030101010101" pitchFamily="2" charset="-122"/>
+                <a:ea typeface="宋体" panose="02010600030101010101" pitchFamily="2" charset="-122"/>
+                <a:cs typeface="宋体" panose="02010600030101010101" pitchFamily="2" charset="-122"/>
+              </a:rPr>
+              <a:t>（</a:t>
+            </a:r>
+            <a:r>
+              <a:rPr kumimoji="1" lang="en-US" altLang="zh-CN" sz="1400" dirty="0" smtClean="0">
+                <a:latin typeface="宋体" panose="02010600030101010101" pitchFamily="2" charset="-122"/>
+                <a:ea typeface="宋体" panose="02010600030101010101" pitchFamily="2" charset="-122"/>
+                <a:cs typeface="宋体" panose="02010600030101010101" pitchFamily="2" charset="-122"/>
+              </a:rPr>
+              <a:t>3</a:t>
+            </a:r>
+            <a:r>
+              <a:rPr kumimoji="1" lang="zh-CN" altLang="en-US" sz="1400" dirty="0" smtClean="0">
+                <a:latin typeface="宋体" panose="02010600030101010101" pitchFamily="2" charset="-122"/>
+                <a:ea typeface="宋体" panose="02010600030101010101" pitchFamily="2" charset="-122"/>
+                <a:cs typeface="宋体" panose="02010600030101010101" pitchFamily="2" charset="-122"/>
+              </a:rPr>
+              <a:t>）如有药厂需求，可类似短信群发，可按订单</a:t>
+            </a:r>
+            <a:r>
+              <a:rPr kumimoji="1" lang="en-US" altLang="zh-CN" sz="1400" dirty="0" smtClean="0">
+                <a:latin typeface="宋体" panose="02010600030101010101" pitchFamily="2" charset="-122"/>
+                <a:ea typeface="宋体" panose="02010600030101010101" pitchFamily="2" charset="-122"/>
+                <a:cs typeface="宋体" panose="02010600030101010101" pitchFamily="2" charset="-122"/>
+              </a:rPr>
+              <a:t>/</a:t>
+            </a:r>
+            <a:r>
+              <a:rPr kumimoji="1" lang="zh-CN" altLang="en-US" sz="1400" dirty="0" smtClean="0">
+                <a:latin typeface="宋体" panose="02010600030101010101" pitchFamily="2" charset="-122"/>
+                <a:ea typeface="宋体" panose="02010600030101010101" pitchFamily="2" charset="-122"/>
+                <a:cs typeface="宋体" panose="02010600030101010101" pitchFamily="2" charset="-122"/>
+              </a:rPr>
+              <a:t>导入客户</a:t>
+            </a:r>
+            <a:r>
+              <a:rPr kumimoji="1" lang="en-US" altLang="zh-CN" sz="1400" dirty="0" smtClean="0">
+                <a:latin typeface="宋体" panose="02010600030101010101" pitchFamily="2" charset="-122"/>
+                <a:ea typeface="宋体" panose="02010600030101010101" pitchFamily="2" charset="-122"/>
+                <a:cs typeface="宋体" panose="02010600030101010101" pitchFamily="2" charset="-122"/>
+              </a:rPr>
+              <a:t>ID</a:t>
+            </a:r>
+            <a:r>
+              <a:rPr kumimoji="1" lang="zh-CN" altLang="en-US" sz="1400" dirty="0" smtClean="0">
+                <a:latin typeface="宋体" panose="02010600030101010101" pitchFamily="2" charset="-122"/>
+                <a:ea typeface="宋体" panose="02010600030101010101" pitchFamily="2" charset="-122"/>
+                <a:cs typeface="宋体" panose="02010600030101010101" pitchFamily="2" charset="-122"/>
+              </a:rPr>
+              <a:t>等方式发起自动外呼任务，并指定队列；🈯</a:t>
+            </a:r>
+            <a:endParaRPr kumimoji="1" lang="en-US" altLang="zh-CN" sz="1400" dirty="0" smtClean="0">
+              <a:latin typeface="宋体" panose="02010600030101010101" pitchFamily="2" charset="-122"/>
+              <a:ea typeface="宋体" panose="02010600030101010101" pitchFamily="2" charset="-122"/>
+              <a:cs typeface="宋体" panose="02010600030101010101" pitchFamily="2" charset="-122"/>
+            </a:endParaRPr>
+          </a:p>
+          <a:p>
+            <a:r>
+              <a:rPr kumimoji="1" lang="zh-CN" altLang="zh-CN" sz="1400" dirty="0" smtClean="0">
+                <a:latin typeface="宋体" panose="02010600030101010101" pitchFamily="2" charset="-122"/>
+                <a:ea typeface="宋体" panose="02010600030101010101" pitchFamily="2" charset="-122"/>
+                <a:cs typeface="宋体" panose="02010600030101010101" pitchFamily="2" charset="-122"/>
+              </a:rPr>
+              <a:t>4</a:t>
+            </a:r>
+            <a:r>
+              <a:rPr kumimoji="1" lang="en-US" altLang="zh-CN" sz="1400" dirty="0" smtClean="0">
+                <a:latin typeface="宋体" panose="02010600030101010101" pitchFamily="2" charset="-122"/>
+                <a:ea typeface="宋体" panose="02010600030101010101" pitchFamily="2" charset="-122"/>
+                <a:cs typeface="宋体" panose="02010600030101010101" pitchFamily="2" charset="-122"/>
+              </a:rPr>
+              <a:t>.</a:t>
+            </a:r>
+            <a:r>
+              <a:rPr kumimoji="1" lang="zh-CN" altLang="en-US" sz="1400" dirty="0" smtClean="0">
+                <a:latin typeface="宋体" panose="02010600030101010101" pitchFamily="2" charset="-122"/>
+                <a:ea typeface="宋体" panose="02010600030101010101" pitchFamily="2" charset="-122"/>
+                <a:cs typeface="宋体" panose="02010600030101010101" pitchFamily="2" charset="-122"/>
+              </a:rPr>
+              <a:t>机器学习优化资料分配；</a:t>
+            </a:r>
+            <a:endParaRPr kumimoji="1" lang="zh-CN" altLang="en-US" sz="1400" dirty="0">
+              <a:latin typeface="宋体" panose="02010600030101010101" pitchFamily="2" charset="-122"/>
+              <a:ea typeface="宋体" panose="02010600030101010101" pitchFamily="2" charset="-122"/>
+              <a:cs typeface="宋体" panose="02010600030101010101" pitchFamily="2" charset="-122"/>
+            </a:endParaRPr>
+          </a:p>
+        </p:txBody>
+      </p:sp>
+      <p:sp>
+        <p:nvSpPr>
+          <p:cNvPr id="31" name="文本框 30"/>
+          <p:cNvSpPr txBox="1"/>
+          <p:nvPr/>
+        </p:nvSpPr>
+        <p:spPr>
+          <a:xfrm>
+            <a:off x="3635896" y="3356992"/>
+            <a:ext cx="2448272" cy="2893100"/>
+          </a:xfrm>
+          <a:prstGeom prst="rect">
+            <a:avLst/>
+          </a:prstGeom>
+          <a:noFill/>
+        </p:spPr>
+        <p:txBody>
+          <a:bodyPr wrap="square" rtlCol="0">
+            <a:spAutoFit/>
+          </a:bodyPr>
+          <a:lstStyle/>
+          <a:p>
+            <a:r>
+              <a:rPr kumimoji="1" lang="en-US" altLang="zh-CN" sz="1400" dirty="0" smtClean="0">
+                <a:latin typeface="宋体" panose="02010600030101010101" pitchFamily="2" charset="-122"/>
+                <a:ea typeface="宋体" panose="02010600030101010101" pitchFamily="2" charset="-122"/>
+                <a:cs typeface="宋体" panose="02010600030101010101" pitchFamily="2" charset="-122"/>
+              </a:rPr>
+              <a:t>1.</a:t>
+            </a:r>
+            <a:r>
+              <a:rPr kumimoji="1" lang="zh-CN" altLang="en-US" sz="1400" dirty="0" smtClean="0">
+                <a:latin typeface="宋体" panose="02010600030101010101" pitchFamily="2" charset="-122"/>
+                <a:ea typeface="宋体" panose="02010600030101010101" pitchFamily="2" charset="-122"/>
+                <a:cs typeface="宋体" panose="02010600030101010101" pitchFamily="2" charset="-122"/>
+              </a:rPr>
+              <a:t>预览外呼：发现坐席空闲才进行外呼；</a:t>
+            </a:r>
+            <a:endParaRPr kumimoji="1" lang="en-US" altLang="zh-CN" sz="1400" dirty="0" smtClean="0">
+              <a:latin typeface="宋体" panose="02010600030101010101" pitchFamily="2" charset="-122"/>
+              <a:ea typeface="宋体" panose="02010600030101010101" pitchFamily="2" charset="-122"/>
+              <a:cs typeface="宋体" panose="02010600030101010101" pitchFamily="2" charset="-122"/>
+            </a:endParaRPr>
+          </a:p>
+          <a:p>
+            <a:r>
+              <a:rPr kumimoji="1" lang="zh-CN" altLang="zh-CN" sz="1400" dirty="0" smtClean="0">
+                <a:latin typeface="宋体" panose="02010600030101010101" pitchFamily="2" charset="-122"/>
+                <a:ea typeface="宋体" panose="02010600030101010101" pitchFamily="2" charset="-122"/>
+                <a:cs typeface="宋体" panose="02010600030101010101" pitchFamily="2" charset="-122"/>
+              </a:rPr>
+              <a:t>2</a:t>
+            </a:r>
+            <a:r>
+              <a:rPr kumimoji="1" lang="en-US" altLang="zh-CN" sz="1400" dirty="0" smtClean="0">
+                <a:latin typeface="宋体" panose="02010600030101010101" pitchFamily="2" charset="-122"/>
+                <a:ea typeface="宋体" panose="02010600030101010101" pitchFamily="2" charset="-122"/>
+                <a:cs typeface="宋体" panose="02010600030101010101" pitchFamily="2" charset="-122"/>
+              </a:rPr>
+              <a:t>.</a:t>
+            </a:r>
+            <a:r>
+              <a:rPr kumimoji="1" lang="zh-CN" altLang="en-US" sz="1400" dirty="0" smtClean="0">
+                <a:latin typeface="宋体" panose="02010600030101010101" pitchFamily="2" charset="-122"/>
+                <a:ea typeface="宋体" panose="02010600030101010101" pitchFamily="2" charset="-122"/>
+                <a:cs typeface="宋体" panose="02010600030101010101" pitchFamily="2" charset="-122"/>
+              </a:rPr>
+              <a:t>预测外呼：按照当前情况</a:t>
+            </a:r>
+            <a:r>
+              <a:rPr kumimoji="1" lang="en-US" altLang="zh-CN" sz="1400" dirty="0" smtClean="0">
+                <a:latin typeface="宋体" panose="02010600030101010101" pitchFamily="2" charset="-122"/>
+                <a:ea typeface="宋体" panose="02010600030101010101" pitchFamily="2" charset="-122"/>
+                <a:cs typeface="宋体" panose="02010600030101010101" pitchFamily="2" charset="-122"/>
+              </a:rPr>
+              <a:t>10</a:t>
+            </a:r>
+            <a:r>
+              <a:rPr kumimoji="1" lang="zh-CN" altLang="en-US" sz="1400" dirty="0" smtClean="0">
+                <a:latin typeface="宋体" panose="02010600030101010101" pitchFamily="2" charset="-122"/>
+                <a:ea typeface="宋体" panose="02010600030101010101" pitchFamily="2" charset="-122"/>
+                <a:cs typeface="宋体" panose="02010600030101010101" pitchFamily="2" charset="-122"/>
+              </a:rPr>
+              <a:t>个外呼电话当中有</a:t>
+            </a:r>
+            <a:r>
+              <a:rPr kumimoji="1" lang="zh-CN" altLang="zh-CN" sz="1400" dirty="0" smtClean="0">
+                <a:latin typeface="宋体" panose="02010600030101010101" pitchFamily="2" charset="-122"/>
+                <a:ea typeface="宋体" panose="02010600030101010101" pitchFamily="2" charset="-122"/>
+                <a:cs typeface="宋体" panose="02010600030101010101" pitchFamily="2" charset="-122"/>
+              </a:rPr>
+              <a:t>4</a:t>
+            </a:r>
+            <a:r>
+              <a:rPr kumimoji="1" lang="en-US" altLang="zh-CN" sz="1400" dirty="0" smtClean="0">
+                <a:latin typeface="宋体" panose="02010600030101010101" pitchFamily="2" charset="-122"/>
+                <a:ea typeface="宋体" panose="02010600030101010101" pitchFamily="2" charset="-122"/>
+                <a:cs typeface="宋体" panose="02010600030101010101" pitchFamily="2" charset="-122"/>
+              </a:rPr>
+              <a:t>3%</a:t>
+            </a:r>
+            <a:r>
+              <a:rPr kumimoji="1" lang="zh-CN" altLang="en-US" sz="1400" dirty="0" smtClean="0">
+                <a:latin typeface="宋体" panose="02010600030101010101" pitchFamily="2" charset="-122"/>
+                <a:ea typeface="宋体" panose="02010600030101010101" pitchFamily="2" charset="-122"/>
+                <a:cs typeface="宋体" panose="02010600030101010101" pitchFamily="2" charset="-122"/>
+              </a:rPr>
+              <a:t>的概率接通，建议</a:t>
+            </a:r>
+            <a:r>
+              <a:rPr kumimoji="1" lang="en-US" altLang="zh-CN" sz="1400" dirty="0" smtClean="0">
+                <a:latin typeface="宋体" panose="02010600030101010101" pitchFamily="2" charset="-122"/>
+                <a:ea typeface="宋体" panose="02010600030101010101" pitchFamily="2" charset="-122"/>
+                <a:cs typeface="宋体" panose="02010600030101010101" pitchFamily="2" charset="-122"/>
+              </a:rPr>
+              <a:t>3</a:t>
+            </a:r>
+            <a:r>
+              <a:rPr kumimoji="1" lang="zh-CN" altLang="en-US" sz="1400" dirty="0" smtClean="0">
+                <a:latin typeface="宋体" panose="02010600030101010101" pitchFamily="2" charset="-122"/>
+                <a:ea typeface="宋体" panose="02010600030101010101" pitchFamily="2" charset="-122"/>
+                <a:cs typeface="宋体" panose="02010600030101010101" pitchFamily="2" charset="-122"/>
+              </a:rPr>
+              <a:t>个以上坐席空闲时，采用预测外呼：</a:t>
+            </a:r>
+            <a:endParaRPr kumimoji="1" lang="en-US" altLang="zh-CN" sz="1400" dirty="0" smtClean="0">
+              <a:latin typeface="宋体" panose="02010600030101010101" pitchFamily="2" charset="-122"/>
+              <a:ea typeface="宋体" panose="02010600030101010101" pitchFamily="2" charset="-122"/>
+              <a:cs typeface="宋体" panose="02010600030101010101" pitchFamily="2" charset="-122"/>
+            </a:endParaRPr>
+          </a:p>
+          <a:p>
+            <a:r>
+              <a:rPr kumimoji="1" lang="zh-CN" altLang="zh-CN" sz="1400" dirty="0" smtClean="0">
+                <a:latin typeface="宋体" panose="02010600030101010101" pitchFamily="2" charset="-122"/>
+                <a:ea typeface="宋体" panose="02010600030101010101" pitchFamily="2" charset="-122"/>
+                <a:cs typeface="宋体" panose="02010600030101010101" pitchFamily="2" charset="-122"/>
+              </a:rPr>
+              <a:t>3</a:t>
+            </a:r>
+            <a:r>
+              <a:rPr kumimoji="1" lang="zh-CN" altLang="en-US" sz="1400" dirty="0" smtClean="0">
+                <a:latin typeface="宋体" panose="02010600030101010101" pitchFamily="2" charset="-122"/>
+                <a:ea typeface="宋体" panose="02010600030101010101" pitchFamily="2" charset="-122"/>
+                <a:cs typeface="宋体" panose="02010600030101010101" pitchFamily="2" charset="-122"/>
+              </a:rPr>
+              <a:t>个坐席空闲</a:t>
+            </a:r>
+            <a:r>
+              <a:rPr kumimoji="1" lang="en-US" altLang="zh-CN" sz="1400" dirty="0" smtClean="0">
+                <a:latin typeface="宋体" panose="02010600030101010101" pitchFamily="2" charset="-122"/>
+                <a:ea typeface="宋体" panose="02010600030101010101" pitchFamily="2" charset="-122"/>
+                <a:cs typeface="宋体" panose="02010600030101010101" pitchFamily="2" charset="-122"/>
+              </a:rPr>
+              <a:t>-&gt;5</a:t>
+            </a:r>
+            <a:r>
+              <a:rPr kumimoji="1" lang="zh-CN" altLang="en-US" sz="1400" dirty="0" smtClean="0">
+                <a:latin typeface="宋体" panose="02010600030101010101" pitchFamily="2" charset="-122"/>
+                <a:ea typeface="宋体" panose="02010600030101010101" pitchFamily="2" charset="-122"/>
+                <a:cs typeface="宋体" panose="02010600030101010101" pitchFamily="2" charset="-122"/>
+              </a:rPr>
+              <a:t>个呼出；</a:t>
+            </a:r>
+            <a:endParaRPr kumimoji="1" lang="en-US" altLang="zh-CN" sz="1400" dirty="0" smtClean="0">
+              <a:latin typeface="宋体" panose="02010600030101010101" pitchFamily="2" charset="-122"/>
+              <a:ea typeface="宋体" panose="02010600030101010101" pitchFamily="2" charset="-122"/>
+              <a:cs typeface="宋体" panose="02010600030101010101" pitchFamily="2" charset="-122"/>
+            </a:endParaRPr>
+          </a:p>
+          <a:p>
+            <a:r>
+              <a:rPr kumimoji="1" lang="zh-CN" altLang="zh-CN" sz="1400" dirty="0" smtClean="0">
+                <a:latin typeface="宋体" panose="02010600030101010101" pitchFamily="2" charset="-122"/>
+                <a:ea typeface="宋体" panose="02010600030101010101" pitchFamily="2" charset="-122"/>
+                <a:cs typeface="宋体" panose="02010600030101010101" pitchFamily="2" charset="-122"/>
+              </a:rPr>
+              <a:t>4</a:t>
+            </a:r>
+            <a:r>
+              <a:rPr kumimoji="1" lang="zh-CN" altLang="en-US" sz="1400" dirty="0" smtClean="0">
+                <a:latin typeface="宋体" panose="02010600030101010101" pitchFamily="2" charset="-122"/>
+                <a:ea typeface="宋体" panose="02010600030101010101" pitchFamily="2" charset="-122"/>
+                <a:cs typeface="宋体" panose="02010600030101010101" pitchFamily="2" charset="-122"/>
+              </a:rPr>
+              <a:t>个坐席空闲</a:t>
+            </a:r>
+            <a:r>
+              <a:rPr kumimoji="1" lang="en-US" altLang="zh-CN" sz="1400" dirty="0" smtClean="0">
+                <a:latin typeface="宋体" panose="02010600030101010101" pitchFamily="2" charset="-122"/>
+                <a:ea typeface="宋体" panose="02010600030101010101" pitchFamily="2" charset="-122"/>
+                <a:cs typeface="宋体" panose="02010600030101010101" pitchFamily="2" charset="-122"/>
+              </a:rPr>
+              <a:t>-&gt;6</a:t>
+            </a:r>
+            <a:r>
+              <a:rPr kumimoji="1" lang="zh-CN" altLang="en-US" sz="1400" dirty="0" smtClean="0">
+                <a:latin typeface="宋体" panose="02010600030101010101" pitchFamily="2" charset="-122"/>
+                <a:ea typeface="宋体" panose="02010600030101010101" pitchFamily="2" charset="-122"/>
+                <a:cs typeface="宋体" panose="02010600030101010101" pitchFamily="2" charset="-122"/>
+              </a:rPr>
+              <a:t>个呼出；</a:t>
+            </a:r>
+            <a:endParaRPr kumimoji="1" lang="en-US" altLang="zh-CN" sz="1400" dirty="0" smtClean="0">
+              <a:latin typeface="宋体" panose="02010600030101010101" pitchFamily="2" charset="-122"/>
+              <a:ea typeface="宋体" panose="02010600030101010101" pitchFamily="2" charset="-122"/>
+              <a:cs typeface="宋体" panose="02010600030101010101" pitchFamily="2" charset="-122"/>
+            </a:endParaRPr>
+          </a:p>
+          <a:p>
+            <a:r>
+              <a:rPr kumimoji="1" lang="zh-CN" altLang="zh-CN" sz="1400" dirty="0" smtClean="0">
+                <a:latin typeface="宋体" panose="02010600030101010101" pitchFamily="2" charset="-122"/>
+                <a:ea typeface="宋体" panose="02010600030101010101" pitchFamily="2" charset="-122"/>
+                <a:cs typeface="宋体" panose="02010600030101010101" pitchFamily="2" charset="-122"/>
+              </a:rPr>
+              <a:t>5</a:t>
+            </a:r>
+            <a:r>
+              <a:rPr kumimoji="1" lang="zh-CN" altLang="en-US" sz="1400" dirty="0" smtClean="0">
+                <a:latin typeface="宋体" panose="02010600030101010101" pitchFamily="2" charset="-122"/>
+                <a:ea typeface="宋体" panose="02010600030101010101" pitchFamily="2" charset="-122"/>
+                <a:cs typeface="宋体" panose="02010600030101010101" pitchFamily="2" charset="-122"/>
+              </a:rPr>
+              <a:t>个坐席空闲</a:t>
+            </a:r>
+            <a:r>
+              <a:rPr kumimoji="1" lang="en-US" altLang="zh-CN" sz="1400" dirty="0" smtClean="0">
+                <a:latin typeface="宋体" panose="02010600030101010101" pitchFamily="2" charset="-122"/>
+                <a:ea typeface="宋体" panose="02010600030101010101" pitchFamily="2" charset="-122"/>
+                <a:cs typeface="宋体" panose="02010600030101010101" pitchFamily="2" charset="-122"/>
+              </a:rPr>
+              <a:t>-&gt;8</a:t>
+            </a:r>
+            <a:r>
+              <a:rPr kumimoji="1" lang="zh-CN" altLang="en-US" sz="1400" dirty="0" smtClean="0">
+                <a:latin typeface="宋体" panose="02010600030101010101" pitchFamily="2" charset="-122"/>
+                <a:ea typeface="宋体" panose="02010600030101010101" pitchFamily="2" charset="-122"/>
+                <a:cs typeface="宋体" panose="02010600030101010101" pitchFamily="2" charset="-122"/>
+              </a:rPr>
+              <a:t>个呼出；</a:t>
+            </a:r>
+            <a:endParaRPr kumimoji="1" lang="en-US" altLang="zh-CN" sz="1400" dirty="0" smtClean="0">
+              <a:latin typeface="宋体" panose="02010600030101010101" pitchFamily="2" charset="-122"/>
+              <a:ea typeface="宋体" panose="02010600030101010101" pitchFamily="2" charset="-122"/>
+              <a:cs typeface="宋体" panose="02010600030101010101" pitchFamily="2" charset="-122"/>
+            </a:endParaRPr>
+          </a:p>
+          <a:p>
+            <a:r>
+              <a:rPr kumimoji="1" lang="zh-CN" altLang="zh-CN" sz="1400" dirty="0" smtClean="0">
+                <a:latin typeface="宋体" panose="02010600030101010101" pitchFamily="2" charset="-122"/>
+                <a:ea typeface="宋体" panose="02010600030101010101" pitchFamily="2" charset="-122"/>
+                <a:cs typeface="宋体" panose="02010600030101010101" pitchFamily="2" charset="-122"/>
+              </a:rPr>
+              <a:t>6</a:t>
+            </a:r>
+            <a:r>
+              <a:rPr kumimoji="1" lang="zh-CN" altLang="en-US" sz="1400" dirty="0" smtClean="0">
+                <a:latin typeface="宋体" panose="02010600030101010101" pitchFamily="2" charset="-122"/>
+                <a:ea typeface="宋体" panose="02010600030101010101" pitchFamily="2" charset="-122"/>
+                <a:cs typeface="宋体" panose="02010600030101010101" pitchFamily="2" charset="-122"/>
+              </a:rPr>
+              <a:t>个坐席空闲</a:t>
+            </a:r>
+            <a:r>
+              <a:rPr kumimoji="1" lang="en-US" altLang="zh-CN" sz="1400" dirty="0" smtClean="0">
+                <a:latin typeface="宋体" panose="02010600030101010101" pitchFamily="2" charset="-122"/>
+                <a:ea typeface="宋体" panose="02010600030101010101" pitchFamily="2" charset="-122"/>
+                <a:cs typeface="宋体" panose="02010600030101010101" pitchFamily="2" charset="-122"/>
+              </a:rPr>
+              <a:t>-&gt;10</a:t>
+            </a:r>
+            <a:r>
+              <a:rPr kumimoji="1" lang="zh-CN" altLang="en-US" sz="1400" dirty="0" smtClean="0">
+                <a:latin typeface="宋体" panose="02010600030101010101" pitchFamily="2" charset="-122"/>
+                <a:ea typeface="宋体" panose="02010600030101010101" pitchFamily="2" charset="-122"/>
+                <a:cs typeface="宋体" panose="02010600030101010101" pitchFamily="2" charset="-122"/>
+              </a:rPr>
+              <a:t>个呼出</a:t>
+            </a:r>
+            <a:endParaRPr kumimoji="1" lang="en-US" altLang="zh-CN" sz="1400" dirty="0" smtClean="0">
+              <a:latin typeface="宋体" panose="02010600030101010101" pitchFamily="2" charset="-122"/>
+              <a:ea typeface="宋体" panose="02010600030101010101" pitchFamily="2" charset="-122"/>
+              <a:cs typeface="宋体" panose="02010600030101010101" pitchFamily="2" charset="-122"/>
+            </a:endParaRPr>
+          </a:p>
+          <a:p>
+            <a:r>
+              <a:rPr kumimoji="1" lang="en-US" altLang="zh-CN" sz="1400" dirty="0" smtClean="0">
+                <a:latin typeface="宋体" panose="02010600030101010101" pitchFamily="2" charset="-122"/>
+                <a:ea typeface="宋体" panose="02010600030101010101" pitchFamily="2" charset="-122"/>
+                <a:cs typeface="宋体" panose="02010600030101010101" pitchFamily="2" charset="-122"/>
+              </a:rPr>
+              <a:t>……</a:t>
+            </a:r>
+            <a:endParaRPr kumimoji="1" lang="en-US" altLang="zh-CN" sz="1400" dirty="0" smtClean="0">
+              <a:latin typeface="宋体" panose="02010600030101010101" pitchFamily="2" charset="-122"/>
+              <a:ea typeface="宋体" panose="02010600030101010101" pitchFamily="2" charset="-122"/>
+              <a:cs typeface="宋体" panose="02010600030101010101" pitchFamily="2" charset="-122"/>
+            </a:endParaRPr>
+          </a:p>
+          <a:p>
+            <a:r>
+              <a:rPr kumimoji="1" lang="zh-CN" altLang="zh-CN" sz="1400" dirty="0" smtClean="0">
+                <a:latin typeface="宋体" panose="02010600030101010101" pitchFamily="2" charset="-122"/>
+                <a:ea typeface="宋体" panose="02010600030101010101" pitchFamily="2" charset="-122"/>
+                <a:cs typeface="宋体" panose="02010600030101010101" pitchFamily="2" charset="-122"/>
+              </a:rPr>
+              <a:t>3</a:t>
+            </a:r>
+            <a:r>
+              <a:rPr kumimoji="1" lang="en-US" altLang="zh-CN" sz="1400" dirty="0" smtClean="0">
+                <a:latin typeface="宋体" panose="02010600030101010101" pitchFamily="2" charset="-122"/>
+                <a:ea typeface="宋体" panose="02010600030101010101" pitchFamily="2" charset="-122"/>
+                <a:cs typeface="宋体" panose="02010600030101010101" pitchFamily="2" charset="-122"/>
+              </a:rPr>
+              <a:t>.</a:t>
+            </a:r>
+            <a:r>
+              <a:rPr kumimoji="1" lang="zh-CN" altLang="en-US" sz="1400" dirty="0" smtClean="0">
+                <a:latin typeface="宋体" panose="02010600030101010101" pitchFamily="2" charset="-122"/>
+                <a:ea typeface="宋体" panose="02010600030101010101" pitchFamily="2" charset="-122"/>
+                <a:cs typeface="宋体" panose="02010600030101010101" pitchFamily="2" charset="-122"/>
+              </a:rPr>
+              <a:t>未来根据客户行为偏好设定拨打时间（老人早上打）；</a:t>
+            </a:r>
+            <a:endParaRPr kumimoji="1" lang="en-US" altLang="zh-CN" sz="1400" dirty="0" smtClean="0">
+              <a:latin typeface="宋体" panose="02010600030101010101" pitchFamily="2" charset="-122"/>
+              <a:ea typeface="宋体" panose="02010600030101010101" pitchFamily="2" charset="-122"/>
+              <a:cs typeface="宋体" panose="02010600030101010101" pitchFamily="2" charset="-122"/>
+            </a:endParaRPr>
+          </a:p>
+        </p:txBody>
+      </p:sp>
+      <p:sp>
+        <p:nvSpPr>
+          <p:cNvPr id="32" name="文本框 31"/>
+          <p:cNvSpPr txBox="1"/>
+          <p:nvPr/>
+        </p:nvSpPr>
+        <p:spPr>
+          <a:xfrm>
+            <a:off x="6228184" y="3284984"/>
+            <a:ext cx="2448272" cy="1600438"/>
+          </a:xfrm>
+          <a:prstGeom prst="rect">
+            <a:avLst/>
+          </a:prstGeom>
+          <a:noFill/>
+        </p:spPr>
+        <p:txBody>
+          <a:bodyPr wrap="square" rtlCol="0">
+            <a:spAutoFit/>
+          </a:bodyPr>
+          <a:lstStyle/>
+          <a:p>
+            <a:r>
+              <a:rPr kumimoji="1" lang="en-US" altLang="zh-CN" sz="1400" dirty="0" smtClean="0">
+                <a:latin typeface="宋体" panose="02010600030101010101" pitchFamily="2" charset="-122"/>
+                <a:ea typeface="宋体" panose="02010600030101010101" pitchFamily="2" charset="-122"/>
+                <a:cs typeface="宋体" panose="02010600030101010101" pitchFamily="2" charset="-122"/>
+              </a:rPr>
+              <a:t>1.</a:t>
+            </a:r>
+            <a:r>
+              <a:rPr kumimoji="1" lang="zh-CN" altLang="en-US" sz="1400" dirty="0" smtClean="0">
+                <a:latin typeface="宋体" panose="02010600030101010101" pitchFamily="2" charset="-122"/>
+                <a:ea typeface="宋体" panose="02010600030101010101" pitchFamily="2" charset="-122"/>
+                <a:cs typeface="宋体" panose="02010600030101010101" pitchFamily="2" charset="-122"/>
+              </a:rPr>
+              <a:t>配合客户信息弹屏整合；</a:t>
+            </a:r>
+            <a:endParaRPr kumimoji="1" lang="en-US" altLang="zh-CN" sz="1400" dirty="0" smtClean="0">
+              <a:latin typeface="宋体" panose="02010600030101010101" pitchFamily="2" charset="-122"/>
+              <a:ea typeface="宋体" panose="02010600030101010101" pitchFamily="2" charset="-122"/>
+              <a:cs typeface="宋体" panose="02010600030101010101" pitchFamily="2" charset="-122"/>
+            </a:endParaRPr>
+          </a:p>
+          <a:p>
+            <a:r>
+              <a:rPr kumimoji="1" lang="zh-CN" altLang="zh-CN" sz="1400" dirty="0" smtClean="0">
+                <a:latin typeface="宋体" panose="02010600030101010101" pitchFamily="2" charset="-122"/>
+                <a:ea typeface="宋体" panose="02010600030101010101" pitchFamily="2" charset="-122"/>
+                <a:cs typeface="宋体" panose="02010600030101010101" pitchFamily="2" charset="-122"/>
+              </a:rPr>
+              <a:t>2</a:t>
+            </a:r>
+            <a:r>
+              <a:rPr kumimoji="1" lang="en-US" altLang="zh-CN" sz="1400" dirty="0" smtClean="0">
+                <a:latin typeface="宋体" panose="02010600030101010101" pitchFamily="2" charset="-122"/>
+                <a:ea typeface="宋体" panose="02010600030101010101" pitchFamily="2" charset="-122"/>
+                <a:cs typeface="宋体" panose="02010600030101010101" pitchFamily="2" charset="-122"/>
+              </a:rPr>
+              <a:t>.</a:t>
+            </a:r>
+            <a:r>
+              <a:rPr kumimoji="1" lang="zh-CN" altLang="en-US" sz="1400" dirty="0" smtClean="0">
+                <a:latin typeface="宋体" panose="02010600030101010101" pitchFamily="2" charset="-122"/>
+                <a:ea typeface="宋体" panose="02010600030101010101" pitchFamily="2" charset="-122"/>
+                <a:cs typeface="宋体" panose="02010600030101010101" pitchFamily="2" charset="-122"/>
+              </a:rPr>
+              <a:t>客户信息弹屏内容包括：</a:t>
+            </a:r>
+            <a:endParaRPr kumimoji="1" lang="en-US" altLang="zh-CN" sz="1400" dirty="0" smtClean="0">
+              <a:latin typeface="宋体" panose="02010600030101010101" pitchFamily="2" charset="-122"/>
+              <a:ea typeface="宋体" panose="02010600030101010101" pitchFamily="2" charset="-122"/>
+              <a:cs typeface="宋体" panose="02010600030101010101" pitchFamily="2" charset="-122"/>
+            </a:endParaRPr>
+          </a:p>
+          <a:p>
+            <a:r>
+              <a:rPr kumimoji="1" lang="zh-CN" altLang="zh-CN" sz="1400" dirty="0" smtClean="0">
+                <a:latin typeface="宋体" panose="02010600030101010101" pitchFamily="2" charset="-122"/>
+                <a:ea typeface="宋体" panose="02010600030101010101" pitchFamily="2" charset="-122"/>
+                <a:cs typeface="宋体" panose="02010600030101010101" pitchFamily="2" charset="-122"/>
+              </a:rPr>
+              <a:t>（</a:t>
+            </a:r>
+            <a:r>
+              <a:rPr kumimoji="1" lang="en-US" altLang="zh-CN" sz="1400" dirty="0" smtClean="0">
+                <a:latin typeface="宋体" panose="02010600030101010101" pitchFamily="2" charset="-122"/>
+                <a:ea typeface="宋体" panose="02010600030101010101" pitchFamily="2" charset="-122"/>
+                <a:cs typeface="宋体" panose="02010600030101010101" pitchFamily="2" charset="-122"/>
+              </a:rPr>
+              <a:t>1</a:t>
+            </a:r>
+            <a:r>
+              <a:rPr kumimoji="1" lang="zh-CN" altLang="en-US" sz="1400" dirty="0" smtClean="0">
+                <a:latin typeface="宋体" panose="02010600030101010101" pitchFamily="2" charset="-122"/>
+                <a:ea typeface="宋体" panose="02010600030101010101" pitchFamily="2" charset="-122"/>
+                <a:cs typeface="宋体" panose="02010600030101010101" pitchFamily="2" charset="-122"/>
+              </a:rPr>
+              <a:t>）处方审核：客户购买信息</a:t>
+            </a:r>
+            <a:r>
+              <a:rPr kumimoji="1" lang="en-US" altLang="zh-CN" sz="1400" dirty="0" smtClean="0">
+                <a:latin typeface="宋体" panose="02010600030101010101" pitchFamily="2" charset="-122"/>
+                <a:ea typeface="宋体" panose="02010600030101010101" pitchFamily="2" charset="-122"/>
+                <a:cs typeface="宋体" panose="02010600030101010101" pitchFamily="2" charset="-122"/>
+              </a:rPr>
+              <a:t>/</a:t>
+            </a:r>
+            <a:r>
+              <a:rPr kumimoji="1" lang="zh-CN" altLang="en-US" sz="1400" dirty="0" smtClean="0">
+                <a:latin typeface="宋体" panose="02010600030101010101" pitchFamily="2" charset="-122"/>
+                <a:ea typeface="宋体" panose="02010600030101010101" pitchFamily="2" charset="-122"/>
+                <a:cs typeface="宋体" panose="02010600030101010101" pitchFamily="2" charset="-122"/>
+              </a:rPr>
+              <a:t>客户档案收集；</a:t>
+            </a:r>
+            <a:endParaRPr kumimoji="1" lang="en-US" altLang="zh-CN" sz="1400" dirty="0" smtClean="0">
+              <a:latin typeface="宋体" panose="02010600030101010101" pitchFamily="2" charset="-122"/>
+              <a:ea typeface="宋体" panose="02010600030101010101" pitchFamily="2" charset="-122"/>
+              <a:cs typeface="宋体" panose="02010600030101010101" pitchFamily="2" charset="-122"/>
+            </a:endParaRPr>
+          </a:p>
+          <a:p>
+            <a:r>
+              <a:rPr kumimoji="1" lang="zh-CN" altLang="zh-CN" sz="1400" dirty="0" smtClean="0">
+                <a:latin typeface="宋体" panose="02010600030101010101" pitchFamily="2" charset="-122"/>
+                <a:ea typeface="宋体" panose="02010600030101010101" pitchFamily="2" charset="-122"/>
+                <a:cs typeface="宋体" panose="02010600030101010101" pitchFamily="2" charset="-122"/>
+              </a:rPr>
+              <a:t>（</a:t>
+            </a:r>
+            <a:r>
+              <a:rPr kumimoji="1" lang="en-US" altLang="zh-CN" sz="1400" dirty="0" smtClean="0">
+                <a:latin typeface="宋体" panose="02010600030101010101" pitchFamily="2" charset="-122"/>
+                <a:ea typeface="宋体" panose="02010600030101010101" pitchFamily="2" charset="-122"/>
+                <a:cs typeface="宋体" panose="02010600030101010101" pitchFamily="2" charset="-122"/>
+              </a:rPr>
+              <a:t>2</a:t>
+            </a:r>
+            <a:r>
+              <a:rPr kumimoji="1" lang="zh-CN" altLang="en-US" sz="1400" dirty="0" smtClean="0">
+                <a:latin typeface="宋体" panose="02010600030101010101" pitchFamily="2" charset="-122"/>
+                <a:ea typeface="宋体" panose="02010600030101010101" pitchFamily="2" charset="-122"/>
+                <a:cs typeface="宋体" panose="02010600030101010101" pitchFamily="2" charset="-122"/>
+              </a:rPr>
+              <a:t>）慢病：客户档案信息；客户历史购买信息；客户标签信息；</a:t>
+            </a:r>
+            <a:endParaRPr kumimoji="1" lang="en-US" altLang="zh-CN" sz="1400" dirty="0" smtClean="0">
+              <a:latin typeface="宋体" panose="02010600030101010101" pitchFamily="2" charset="-122"/>
+              <a:ea typeface="宋体" panose="02010600030101010101" pitchFamily="2" charset="-122"/>
+              <a:cs typeface="宋体" panose="02010600030101010101" pitchFamily="2" charset="-122"/>
+            </a:endParaRPr>
+          </a:p>
+        </p:txBody>
+      </p:sp>
+      <p:sp>
+        <p:nvSpPr>
+          <p:cNvPr id="36" name="线形标注 2 (带强调线) 35"/>
+          <p:cNvSpPr/>
+          <p:nvPr/>
+        </p:nvSpPr>
+        <p:spPr>
+          <a:xfrm>
+            <a:off x="7308305" y="1196171"/>
+            <a:ext cx="936104" cy="769441"/>
+          </a:xfrm>
+          <a:prstGeom prst="accentCallout2">
+            <a:avLst>
+              <a:gd name="adj1" fmla="val 18750"/>
+              <a:gd name="adj2" fmla="val -8333"/>
+              <a:gd name="adj3" fmla="val 18750"/>
+              <a:gd name="adj4" fmla="val -16667"/>
+              <a:gd name="adj5" fmla="val 95479"/>
+              <a:gd name="adj6" fmla="val -34890"/>
+            </a:avLst>
+          </a:prstGeom>
+          <a:ln>
+            <a:solidFill>
+              <a:schemeClr val="tx2">
+                <a:lumMod val="60000"/>
+                <a:lumOff val="40000"/>
+              </a:schemeClr>
+            </a:solidFill>
+            <a:prstDash val="sysDash"/>
+          </a:ln>
+        </p:spPr>
+        <p:txBody>
+          <a:bodyPr wrap="square" rtlCol="0" anchor="ctr">
+            <a:spAutoFit/>
+          </a:bodyPr>
+          <a:lstStyle/>
+          <a:p>
+            <a:pPr algn="ctr"/>
+            <a:r>
+              <a:rPr kumimoji="1" lang="zh-CN" altLang="en-US" sz="1100" b="1" dirty="0" smtClean="0">
+                <a:latin typeface="微软雅黑" panose="020B0503020204020204" pitchFamily="34" charset="-122"/>
+                <a:ea typeface="微软雅黑" panose="020B0503020204020204" pitchFamily="34" charset="-122"/>
+              </a:rPr>
+              <a:t>转接需时间，播报提示音</a:t>
+            </a:r>
+            <a:endParaRPr kumimoji="1" lang="en-US" altLang="zh-CN" sz="1100" b="1" dirty="0" smtClean="0">
+              <a:latin typeface="微软雅黑" panose="020B0503020204020204" pitchFamily="34" charset="-122"/>
+              <a:ea typeface="微软雅黑" panose="020B0503020204020204" pitchFamily="34" charset="-122"/>
+            </a:endParaRPr>
+          </a:p>
+          <a:p>
+            <a:pPr algn="ctr"/>
+            <a:r>
+              <a:rPr kumimoji="1" lang="zh-CN" altLang="en-US" sz="1100" b="1" dirty="0" smtClean="0">
+                <a:latin typeface="微软雅黑" panose="020B0503020204020204" pitchFamily="34" charset="-122"/>
+                <a:ea typeface="微软雅黑" panose="020B0503020204020204" pitchFamily="34" charset="-122"/>
+              </a:rPr>
+              <a:t>当前**号药师为您服务</a:t>
+            </a:r>
+            <a:endParaRPr kumimoji="1" lang="zh-CN" altLang="en-US" sz="1100" b="1" dirty="0">
+              <a:latin typeface="微软雅黑" panose="020B0503020204020204" pitchFamily="34" charset="-122"/>
+              <a:ea typeface="微软雅黑" panose="020B0503020204020204" pitchFamily="34" charset="-122"/>
+            </a:endParaRPr>
+          </a:p>
+        </p:txBody>
+      </p:sp>
+    </p:spTree>
+  </p:cSld>
+  <p:clrMapOvr>
+    <a:masterClrMapping/>
+  </p:clrMapOvr>
+  <p:timing>
+    <p:tnLst>
+      <p:par>
+        <p:cTn id="1" dur="indefinite" restart="never" nodeType="tmRoot"/>
+      </p:par>
+    </p:tnLst>
+  </p:timing>
+</p:sld>
+</file>
+
+<file path=ppt/slides/slide8.xml><?xml version="1.0" encoding="utf-8"?>
+<p:sld xmlns:a="http://schemas.openxmlformats.org/drawingml/2006/main" xmlns:r="http://schemas.openxmlformats.org/officeDocument/2006/relationships" xmlns:p="http://schemas.openxmlformats.org/presentationml/2006/main">
+  <p:cSld>
+    <p:spTree>
+      <p:nvGrpSpPr>
+        <p:cNvPr id="1" name=""/>
+        <p:cNvGrpSpPr/>
+        <p:nvPr/>
+      </p:nvGrpSpPr>
+      <p:grpSpPr>
+        <a:xfrm>
+          <a:off x="0" y="0"/>
+          <a:ext cx="0" cy="0"/>
+          <a:chOff x="0" y="0"/>
+          <a:chExt cx="0" cy="0"/>
+        </a:xfrm>
+      </p:grpSpPr>
+      <p:sp>
+        <p:nvSpPr>
+          <p:cNvPr id="4" name="TextBox 4"/>
+          <p:cNvSpPr txBox="1"/>
+          <p:nvPr/>
+        </p:nvSpPr>
+        <p:spPr>
+          <a:xfrm>
+            <a:off x="323527" y="323364"/>
+            <a:ext cx="7013623" cy="369332"/>
+          </a:xfrm>
+          <a:prstGeom prst="rect">
+            <a:avLst/>
+          </a:prstGeom>
+          <a:noFill/>
+        </p:spPr>
+        <p:txBody>
+          <a:bodyPr wrap="square" rtlCol="0">
+            <a:spAutoFit/>
+          </a:bodyPr>
+          <a:lstStyle/>
+          <a:p>
+            <a:r>
+              <a:rPr lang="zh-CN" altLang="en-US" b="1" dirty="0" smtClean="0">
+                <a:solidFill>
+                  <a:prstClr val="white"/>
+                </a:solidFill>
+                <a:latin typeface="楷体" panose="02010609060101010101" pitchFamily="49" charset="-122"/>
+                <a:ea typeface="楷体" panose="02010609060101010101" pitchFamily="49" charset="-122"/>
+              </a:rPr>
+              <a:t>自动外呼需求</a:t>
+            </a:r>
+            <a:r>
+              <a:rPr lang="en-US" altLang="zh-CN" b="1" dirty="0" smtClean="0">
+                <a:solidFill>
+                  <a:prstClr val="white"/>
+                </a:solidFill>
+                <a:latin typeface="楷体" panose="02010609060101010101" pitchFamily="49" charset="-122"/>
+                <a:ea typeface="楷体" panose="02010609060101010101" pitchFamily="49" charset="-122"/>
+              </a:rPr>
+              <a:t>-</a:t>
+            </a:r>
+            <a:r>
+              <a:rPr lang="zh-CN" altLang="en-US" b="1" dirty="0" smtClean="0">
+                <a:solidFill>
+                  <a:prstClr val="white"/>
+                </a:solidFill>
+                <a:latin typeface="楷体" panose="02010609060101010101" pitchFamily="49" charset="-122"/>
+                <a:ea typeface="楷体" panose="02010609060101010101" pitchFamily="49" charset="-122"/>
+              </a:rPr>
+              <a:t>客户档案</a:t>
+            </a:r>
+            <a:endParaRPr lang="zh-CN" altLang="en-US" b="1" dirty="0">
+              <a:solidFill>
+                <a:prstClr val="white"/>
+              </a:solidFill>
+              <a:latin typeface="楷体" panose="02010609060101010101" pitchFamily="49" charset="-122"/>
+              <a:ea typeface="楷体" panose="02010609060101010101" pitchFamily="49" charset="-122"/>
+            </a:endParaRPr>
+          </a:p>
+        </p:txBody>
+      </p:sp>
+      <p:sp>
+        <p:nvSpPr>
+          <p:cNvPr id="5" name="文本框 4"/>
+          <p:cNvSpPr txBox="1"/>
+          <p:nvPr/>
+        </p:nvSpPr>
+        <p:spPr>
+          <a:xfrm>
+            <a:off x="971600" y="1844824"/>
+            <a:ext cx="1440160" cy="338554"/>
+          </a:xfrm>
+          <a:prstGeom prst="rect">
+            <a:avLst/>
+          </a:prstGeom>
+          <a:noFill/>
+          <a:ln>
+            <a:solidFill>
+              <a:srgbClr val="4F81BD"/>
+            </a:solidFill>
+          </a:ln>
+        </p:spPr>
+        <p:txBody>
+          <a:bodyPr wrap="square" rtlCol="0">
+            <a:spAutoFit/>
+          </a:bodyPr>
+          <a:lstStyle/>
+          <a:p>
+            <a:pPr algn="ctr"/>
+            <a:r>
+              <a:rPr kumimoji="1" lang="zh-CN" altLang="en-US" sz="1600" dirty="0" smtClean="0"/>
+              <a:t>员工</a:t>
+            </a:r>
+            <a:endParaRPr kumimoji="1" lang="zh-CN" altLang="en-US" sz="1600" dirty="0"/>
+          </a:p>
+        </p:txBody>
+      </p:sp>
+      <p:sp>
+        <p:nvSpPr>
+          <p:cNvPr id="6" name="文本框 5"/>
+          <p:cNvSpPr txBox="1"/>
+          <p:nvPr/>
+        </p:nvSpPr>
+        <p:spPr>
+          <a:xfrm>
+            <a:off x="971600" y="2204864"/>
+            <a:ext cx="1440160" cy="338554"/>
+          </a:xfrm>
+          <a:prstGeom prst="rect">
+            <a:avLst/>
+          </a:prstGeom>
+          <a:noFill/>
+          <a:ln>
+            <a:solidFill>
+              <a:srgbClr val="4F81BD"/>
+            </a:solidFill>
+          </a:ln>
+        </p:spPr>
+        <p:txBody>
+          <a:bodyPr wrap="square" rtlCol="0">
+            <a:spAutoFit/>
+          </a:bodyPr>
+          <a:lstStyle/>
+          <a:p>
+            <a:r>
+              <a:rPr kumimoji="1" lang="zh-CN" altLang="en-US" sz="1600" dirty="0" smtClean="0"/>
+              <a:t>接入自动外呼</a:t>
+            </a:r>
+            <a:endParaRPr kumimoji="1" lang="zh-CN" altLang="en-US" sz="1600" dirty="0"/>
+          </a:p>
+        </p:txBody>
+      </p:sp>
+      <p:cxnSp>
+        <p:nvCxnSpPr>
+          <p:cNvPr id="8" name="直线箭头连接符 7"/>
+          <p:cNvCxnSpPr>
+            <a:stCxn id="6" idx="3"/>
+          </p:cNvCxnSpPr>
+          <p:nvPr/>
+        </p:nvCxnSpPr>
+        <p:spPr>
+          <a:xfrm flipV="1">
+            <a:off x="2411760" y="2348880"/>
+            <a:ext cx="1584176" cy="25261"/>
+          </a:xfrm>
+          <a:prstGeom prst="straightConnector1">
+            <a:avLst/>
+          </a:prstGeom>
+          <a:ln>
+            <a:tailEnd type="arrow"/>
+          </a:ln>
+        </p:spPr>
+        <p:style>
+          <a:lnRef idx="2">
+            <a:schemeClr val="accent1"/>
+          </a:lnRef>
+          <a:fillRef idx="0">
+            <a:schemeClr val="accent1"/>
+          </a:fillRef>
+          <a:effectRef idx="1">
+            <a:schemeClr val="accent1"/>
+          </a:effectRef>
+          <a:fontRef idx="minor">
+            <a:schemeClr val="tx1"/>
+          </a:fontRef>
+        </p:style>
+      </p:cxnSp>
+      <p:sp>
+        <p:nvSpPr>
+          <p:cNvPr id="9" name="文本框 8"/>
+          <p:cNvSpPr txBox="1"/>
+          <p:nvPr/>
+        </p:nvSpPr>
+        <p:spPr>
+          <a:xfrm>
+            <a:off x="3995936" y="1916832"/>
+            <a:ext cx="1440160" cy="338554"/>
+          </a:xfrm>
+          <a:prstGeom prst="rect">
+            <a:avLst/>
+          </a:prstGeom>
+          <a:noFill/>
+          <a:ln>
+            <a:solidFill>
+              <a:srgbClr val="4F81BD"/>
+            </a:solidFill>
+          </a:ln>
+        </p:spPr>
+        <p:txBody>
+          <a:bodyPr wrap="square" rtlCol="0">
+            <a:spAutoFit/>
+          </a:bodyPr>
+          <a:lstStyle/>
+          <a:p>
+            <a:pPr algn="ctr"/>
+            <a:r>
+              <a:rPr kumimoji="1" lang="zh-CN" altLang="en-US" sz="1600" dirty="0" smtClean="0"/>
+              <a:t>员工</a:t>
+            </a:r>
+            <a:endParaRPr kumimoji="1" lang="zh-CN" altLang="en-US" sz="1600" dirty="0"/>
+          </a:p>
+        </p:txBody>
+      </p:sp>
+      <p:sp>
+        <p:nvSpPr>
+          <p:cNvPr id="10" name="文本框 9"/>
+          <p:cNvSpPr txBox="1"/>
+          <p:nvPr/>
+        </p:nvSpPr>
+        <p:spPr>
+          <a:xfrm>
+            <a:off x="3995936" y="2276872"/>
+            <a:ext cx="1440160" cy="338554"/>
+          </a:xfrm>
+          <a:prstGeom prst="rect">
+            <a:avLst/>
+          </a:prstGeom>
+          <a:noFill/>
+          <a:ln>
+            <a:solidFill>
+              <a:srgbClr val="4F81BD"/>
+            </a:solidFill>
+          </a:ln>
+        </p:spPr>
+        <p:txBody>
+          <a:bodyPr wrap="square" rtlCol="0">
+            <a:spAutoFit/>
+          </a:bodyPr>
+          <a:lstStyle/>
+          <a:p>
+            <a:r>
+              <a:rPr kumimoji="1" lang="zh-CN" altLang="en-US" sz="1600" dirty="0" smtClean="0"/>
+              <a:t>完善客户档案</a:t>
+            </a:r>
+            <a:endParaRPr kumimoji="1" lang="zh-CN" altLang="en-US" sz="1600" dirty="0"/>
+          </a:p>
+        </p:txBody>
+      </p:sp>
+      <p:sp>
+        <p:nvSpPr>
+          <p:cNvPr id="11" name="文本框 10"/>
+          <p:cNvSpPr txBox="1"/>
+          <p:nvPr/>
+        </p:nvSpPr>
+        <p:spPr>
+          <a:xfrm>
+            <a:off x="2627784" y="1772816"/>
+            <a:ext cx="1224136" cy="369332"/>
+          </a:xfrm>
+          <a:prstGeom prst="rect">
+            <a:avLst/>
+          </a:prstGeom>
+          <a:noFill/>
+        </p:spPr>
+        <p:txBody>
+          <a:bodyPr wrap="square" rtlCol="0">
+            <a:spAutoFit/>
+          </a:bodyPr>
+          <a:lstStyle/>
+          <a:p>
+            <a:r>
+              <a:rPr kumimoji="1" lang="zh-CN" altLang="en-US" dirty="0" smtClean="0"/>
+              <a:t>客户接通</a:t>
+            </a:r>
+            <a:endParaRPr kumimoji="1" lang="zh-CN" altLang="en-US" dirty="0"/>
+          </a:p>
+        </p:txBody>
+      </p:sp>
+      <p:sp>
+        <p:nvSpPr>
+          <p:cNvPr id="12" name="矩形 11"/>
+          <p:cNvSpPr/>
+          <p:nvPr/>
+        </p:nvSpPr>
+        <p:spPr>
+          <a:xfrm>
+            <a:off x="395536" y="1268760"/>
+            <a:ext cx="1872208" cy="369332"/>
+          </a:xfrm>
+          <a:prstGeom prst="rect">
+            <a:avLst/>
+          </a:prstGeom>
+        </p:spPr>
+        <p:txBody>
+          <a:bodyPr wrap="square">
+            <a:spAutoFit/>
+          </a:bodyPr>
+          <a:lstStyle/>
+          <a:p>
+            <a:r>
+              <a:rPr lang="zh-CN" altLang="en-US" dirty="0" smtClean="0">
+                <a:latin typeface="楷体" panose="02010609060101010101" pitchFamily="49" charset="-122"/>
+                <a:ea typeface="楷体" panose="02010609060101010101" pitchFamily="49" charset="-122"/>
+                <a:cs typeface="楷体" panose="02010609060101010101" pitchFamily="49" charset="-122"/>
+              </a:rPr>
+              <a:t>处方审核组：</a:t>
+            </a:r>
+            <a:endParaRPr lang="zh-CN" altLang="en-US" dirty="0">
+              <a:latin typeface="楷体" panose="02010609060101010101" pitchFamily="49" charset="-122"/>
+              <a:ea typeface="楷体" panose="02010609060101010101" pitchFamily="49" charset="-122"/>
+              <a:cs typeface="楷体" panose="02010609060101010101" pitchFamily="49" charset="-122"/>
+            </a:endParaRPr>
+          </a:p>
+        </p:txBody>
+      </p:sp>
+      <p:sp>
+        <p:nvSpPr>
+          <p:cNvPr id="13" name="TextBox 38"/>
+          <p:cNvSpPr txBox="1"/>
+          <p:nvPr/>
+        </p:nvSpPr>
+        <p:spPr>
+          <a:xfrm>
+            <a:off x="5652120" y="1268760"/>
+            <a:ext cx="3024336" cy="2322174"/>
+          </a:xfrm>
+          <a:prstGeom prst="rect">
+            <a:avLst/>
+          </a:prstGeom>
+          <a:noFill/>
+          <a:ln w="9525" cmpd="sng">
+            <a:solidFill>
+              <a:srgbClr val="00B0F0"/>
+            </a:solidFill>
+            <a:prstDash val="solid"/>
+          </a:ln>
+        </p:spPr>
+        <p:txBody>
+          <a:bodyPr wrap="square" rtlCol="0">
+            <a:spAutoFit/>
+          </a:bodyPr>
+          <a:lstStyle/>
+          <a:p>
+            <a:pPr>
+              <a:lnSpc>
+                <a:spcPct val="130000"/>
+              </a:lnSpc>
+            </a:pPr>
+            <a:r>
+              <a:rPr lang="zh-CN" altLang="en-US" sz="1400" dirty="0" smtClean="0">
+                <a:latin typeface="微软雅黑" panose="020B0503020204020204" pitchFamily="34" charset="-122"/>
+                <a:ea typeface="微软雅黑" panose="020B0503020204020204" pitchFamily="34" charset="-122"/>
+                <a:cs typeface="楷体" panose="02010609060101010101" pitchFamily="49" charset="-122"/>
+              </a:rPr>
+              <a:t>客户姓名：自动填写</a:t>
+            </a:r>
+            <a:r>
+              <a:rPr lang="en-US" altLang="zh-CN" sz="1400" dirty="0" smtClean="0">
+                <a:latin typeface="微软雅黑" panose="020B0503020204020204" pitchFamily="34" charset="-122"/>
+                <a:ea typeface="微软雅黑" panose="020B0503020204020204" pitchFamily="34" charset="-122"/>
+                <a:cs typeface="楷体" panose="02010609060101010101" pitchFamily="49" charset="-122"/>
+              </a:rPr>
+              <a:t>/</a:t>
+            </a:r>
+            <a:r>
+              <a:rPr lang="zh-CN" altLang="en-US" sz="1400" dirty="0" smtClean="0">
+                <a:latin typeface="微软雅黑" panose="020B0503020204020204" pitchFamily="34" charset="-122"/>
+                <a:ea typeface="微软雅黑" panose="020B0503020204020204" pitchFamily="34" charset="-122"/>
+                <a:cs typeface="楷体" panose="02010609060101010101" pitchFamily="49" charset="-122"/>
+              </a:rPr>
+              <a:t>可修改</a:t>
+            </a:r>
+            <a:endParaRPr lang="en-US" altLang="zh-CN" sz="1400" dirty="0">
+              <a:latin typeface="微软雅黑" panose="020B0503020204020204" pitchFamily="34" charset="-122"/>
+              <a:ea typeface="微软雅黑" panose="020B0503020204020204" pitchFamily="34" charset="-122"/>
+              <a:cs typeface="楷体" panose="02010609060101010101" pitchFamily="49" charset="-122"/>
+            </a:endParaRPr>
+          </a:p>
+          <a:p>
+            <a:pPr>
+              <a:lnSpc>
+                <a:spcPct val="130000"/>
+              </a:lnSpc>
+            </a:pPr>
+            <a:r>
+              <a:rPr lang="zh-CN" altLang="en-US" sz="1400" dirty="0" smtClean="0">
+                <a:latin typeface="微软雅黑" panose="020B0503020204020204" pitchFamily="34" charset="-122"/>
+                <a:ea typeface="微软雅黑" panose="020B0503020204020204" pitchFamily="34" charset="-122"/>
+                <a:cs typeface="楷体" panose="02010609060101010101" pitchFamily="49" charset="-122"/>
+              </a:rPr>
+              <a:t>患者性别：选择</a:t>
+            </a:r>
+            <a:endParaRPr lang="en-US" altLang="zh-CN" sz="1400" dirty="0" smtClean="0">
+              <a:latin typeface="微软雅黑" panose="020B0503020204020204" pitchFamily="34" charset="-122"/>
+              <a:ea typeface="微软雅黑" panose="020B0503020204020204" pitchFamily="34" charset="-122"/>
+              <a:cs typeface="楷体" panose="02010609060101010101" pitchFamily="49" charset="-122"/>
+            </a:endParaRPr>
+          </a:p>
+          <a:p>
+            <a:pPr>
+              <a:lnSpc>
+                <a:spcPct val="130000"/>
+              </a:lnSpc>
+            </a:pPr>
+            <a:r>
+              <a:rPr lang="zh-CN" altLang="en-US" sz="1400" dirty="0">
+                <a:latin typeface="微软雅黑" panose="020B0503020204020204" pitchFamily="34" charset="-122"/>
+                <a:ea typeface="微软雅黑" panose="020B0503020204020204" pitchFamily="34" charset="-122"/>
+                <a:cs typeface="楷体" panose="02010609060101010101" pitchFamily="49" charset="-122"/>
+              </a:rPr>
+              <a:t>药品使用对像：必填项，可选</a:t>
+            </a:r>
+            <a:endParaRPr lang="en-US" altLang="zh-CN" sz="1400" dirty="0">
+              <a:latin typeface="微软雅黑" panose="020B0503020204020204" pitchFamily="34" charset="-122"/>
+              <a:ea typeface="微软雅黑" panose="020B0503020204020204" pitchFamily="34" charset="-122"/>
+              <a:cs typeface="楷体" panose="02010609060101010101" pitchFamily="49" charset="-122"/>
+            </a:endParaRPr>
+          </a:p>
+          <a:p>
+            <a:pPr>
+              <a:lnSpc>
+                <a:spcPct val="130000"/>
+              </a:lnSpc>
+            </a:pPr>
+            <a:r>
+              <a:rPr lang="zh-CN" altLang="en-US" sz="1400" dirty="0" smtClean="0">
+                <a:latin typeface="微软雅黑" panose="020B0503020204020204" pitchFamily="34" charset="-122"/>
+                <a:ea typeface="微软雅黑" panose="020B0503020204020204" pitchFamily="34" charset="-122"/>
+                <a:cs typeface="楷体" panose="02010609060101010101" pitchFamily="49" charset="-122"/>
+              </a:rPr>
+              <a:t>年龄：无需问，年龄段选择</a:t>
+            </a:r>
+            <a:endParaRPr lang="en-US" altLang="zh-CN" sz="1400" dirty="0">
+              <a:latin typeface="微软雅黑" panose="020B0503020204020204" pitchFamily="34" charset="-122"/>
+              <a:ea typeface="微软雅黑" panose="020B0503020204020204" pitchFamily="34" charset="-122"/>
+              <a:cs typeface="楷体" panose="02010609060101010101" pitchFamily="49" charset="-122"/>
+            </a:endParaRPr>
+          </a:p>
+          <a:p>
+            <a:pPr>
+              <a:lnSpc>
+                <a:spcPct val="130000"/>
+              </a:lnSpc>
+            </a:pPr>
+            <a:r>
+              <a:rPr lang="zh-CN" altLang="en-US" sz="1400" dirty="0">
+                <a:latin typeface="微软雅黑" panose="020B0503020204020204" pitchFamily="34" charset="-122"/>
+                <a:ea typeface="微软雅黑" panose="020B0503020204020204" pitchFamily="34" charset="-122"/>
+                <a:cs typeface="楷体" panose="02010609060101010101" pitchFamily="49" charset="-122"/>
+              </a:rPr>
+              <a:t>所在地理</a:t>
+            </a:r>
+            <a:r>
+              <a:rPr lang="zh-CN" altLang="en-US" sz="1400" dirty="0" smtClean="0">
+                <a:latin typeface="微软雅黑" panose="020B0503020204020204" pitchFamily="34" charset="-122"/>
+                <a:ea typeface="微软雅黑" panose="020B0503020204020204" pitchFamily="34" charset="-122"/>
+                <a:cs typeface="楷体" panose="02010609060101010101" pitchFamily="49" charset="-122"/>
+              </a:rPr>
+              <a:t>位置：自动填写，可修改</a:t>
+            </a:r>
+            <a:endParaRPr lang="en-US" altLang="zh-CN" sz="1400" dirty="0" smtClean="0">
+              <a:latin typeface="微软雅黑" panose="020B0503020204020204" pitchFamily="34" charset="-122"/>
+              <a:ea typeface="微软雅黑" panose="020B0503020204020204" pitchFamily="34" charset="-122"/>
+              <a:cs typeface="楷体" panose="02010609060101010101" pitchFamily="49" charset="-122"/>
+            </a:endParaRPr>
+          </a:p>
+          <a:p>
+            <a:pPr>
+              <a:lnSpc>
+                <a:spcPct val="130000"/>
+              </a:lnSpc>
+            </a:pPr>
+            <a:r>
+              <a:rPr lang="zh-CN" altLang="en-US" sz="1400" dirty="0" smtClean="0">
+                <a:latin typeface="微软雅黑" panose="020B0503020204020204" pitchFamily="34" charset="-122"/>
+                <a:ea typeface="微软雅黑" panose="020B0503020204020204" pitchFamily="34" charset="-122"/>
+                <a:cs typeface="楷体" panose="02010609060101010101" pitchFamily="49" charset="-122"/>
+              </a:rPr>
+              <a:t>用药：可选，来自订单</a:t>
+            </a:r>
+            <a:endParaRPr lang="en-US" altLang="zh-CN" sz="1400" dirty="0">
+              <a:latin typeface="微软雅黑" panose="020B0503020204020204" pitchFamily="34" charset="-122"/>
+              <a:ea typeface="微软雅黑" panose="020B0503020204020204" pitchFamily="34" charset="-122"/>
+              <a:cs typeface="楷体" panose="02010609060101010101" pitchFamily="49" charset="-122"/>
+            </a:endParaRPr>
+          </a:p>
+          <a:p>
+            <a:pPr>
+              <a:lnSpc>
+                <a:spcPct val="130000"/>
+              </a:lnSpc>
+            </a:pPr>
+            <a:r>
+              <a:rPr lang="zh-CN" altLang="en-US" sz="1400" dirty="0" smtClean="0">
+                <a:latin typeface="微软雅黑" panose="020B0503020204020204" pitchFamily="34" charset="-122"/>
+                <a:ea typeface="微软雅黑" panose="020B0503020204020204" pitchFamily="34" charset="-122"/>
+                <a:cs typeface="楷体" panose="02010609060101010101" pitchFamily="49" charset="-122"/>
+              </a:rPr>
+              <a:t>疾病：带药师助手工具后可选</a:t>
+            </a:r>
+            <a:endParaRPr lang="en-US" altLang="zh-CN" sz="1400" dirty="0" smtClean="0">
+              <a:latin typeface="微软雅黑" panose="020B0503020204020204" pitchFamily="34" charset="-122"/>
+              <a:ea typeface="微软雅黑" panose="020B0503020204020204" pitchFamily="34" charset="-122"/>
+              <a:cs typeface="楷体" panose="02010609060101010101" pitchFamily="49" charset="-122"/>
+            </a:endParaRPr>
+          </a:p>
+          <a:p>
+            <a:pPr>
+              <a:lnSpc>
+                <a:spcPct val="130000"/>
+              </a:lnSpc>
+            </a:pPr>
+            <a:r>
+              <a:rPr lang="zh-CN" altLang="en-US" sz="1400" dirty="0" smtClean="0">
+                <a:latin typeface="微软雅黑" panose="020B0503020204020204" pitchFamily="34" charset="-122"/>
+                <a:ea typeface="微软雅黑" panose="020B0503020204020204" pitchFamily="34" charset="-122"/>
+                <a:cs typeface="楷体" panose="02010609060101010101" pitchFamily="49" charset="-122"/>
+              </a:rPr>
+              <a:t>其余客户档案字段隐藏，可选填；</a:t>
+            </a:r>
+            <a:endParaRPr lang="en-US" altLang="zh-CN" sz="1400" dirty="0" smtClean="0">
+              <a:latin typeface="微软雅黑" panose="020B0503020204020204" pitchFamily="34" charset="-122"/>
+              <a:ea typeface="微软雅黑" panose="020B0503020204020204" pitchFamily="34" charset="-122"/>
+              <a:cs typeface="楷体" panose="02010609060101010101" pitchFamily="49" charset="-122"/>
+            </a:endParaRPr>
+          </a:p>
+        </p:txBody>
+      </p:sp>
+      <p:sp>
+        <p:nvSpPr>
+          <p:cNvPr id="15" name="文本框 14"/>
+          <p:cNvSpPr txBox="1"/>
+          <p:nvPr/>
+        </p:nvSpPr>
+        <p:spPr>
+          <a:xfrm>
+            <a:off x="683568" y="4365104"/>
+            <a:ext cx="1440160" cy="338554"/>
+          </a:xfrm>
+          <a:prstGeom prst="rect">
+            <a:avLst/>
+          </a:prstGeom>
+          <a:noFill/>
+          <a:ln>
+            <a:solidFill>
+              <a:srgbClr val="4F81BD"/>
+            </a:solidFill>
+          </a:ln>
+        </p:spPr>
+        <p:txBody>
+          <a:bodyPr wrap="square" rtlCol="0">
+            <a:spAutoFit/>
+          </a:bodyPr>
+          <a:lstStyle/>
+          <a:p>
+            <a:pPr algn="ctr"/>
+            <a:r>
+              <a:rPr kumimoji="1" lang="zh-CN" altLang="en-US" sz="1600" dirty="0" smtClean="0"/>
+              <a:t>员工</a:t>
+            </a:r>
+            <a:endParaRPr kumimoji="1" lang="zh-CN" altLang="en-US" sz="1600" dirty="0"/>
+          </a:p>
+        </p:txBody>
+      </p:sp>
+      <p:sp>
+        <p:nvSpPr>
+          <p:cNvPr id="16" name="文本框 15"/>
+          <p:cNvSpPr txBox="1"/>
+          <p:nvPr/>
+        </p:nvSpPr>
+        <p:spPr>
+          <a:xfrm>
+            <a:off x="683568" y="4725144"/>
+            <a:ext cx="1440160" cy="338554"/>
+          </a:xfrm>
+          <a:prstGeom prst="rect">
+            <a:avLst/>
+          </a:prstGeom>
+          <a:noFill/>
+          <a:ln>
+            <a:solidFill>
+              <a:srgbClr val="4F81BD"/>
+            </a:solidFill>
+          </a:ln>
+        </p:spPr>
+        <p:txBody>
+          <a:bodyPr wrap="square" rtlCol="0">
+            <a:spAutoFit/>
+          </a:bodyPr>
+          <a:lstStyle/>
+          <a:p>
+            <a:r>
+              <a:rPr kumimoji="1" lang="zh-CN" altLang="en-US" sz="1600" dirty="0" smtClean="0"/>
+              <a:t>接入自动外呼</a:t>
+            </a:r>
+            <a:endParaRPr kumimoji="1" lang="zh-CN" altLang="en-US" sz="1600" dirty="0"/>
+          </a:p>
+        </p:txBody>
+      </p:sp>
+      <p:cxnSp>
+        <p:nvCxnSpPr>
+          <p:cNvPr id="17" name="直线箭头连接符 16"/>
+          <p:cNvCxnSpPr>
+            <a:stCxn id="16" idx="3"/>
+          </p:cNvCxnSpPr>
+          <p:nvPr/>
+        </p:nvCxnSpPr>
+        <p:spPr>
+          <a:xfrm flipV="1">
+            <a:off x="2123728" y="4869160"/>
+            <a:ext cx="1584176" cy="25261"/>
+          </a:xfrm>
+          <a:prstGeom prst="straightConnector1">
+            <a:avLst/>
+          </a:prstGeom>
+          <a:ln>
+            <a:tailEnd type="arrow"/>
+          </a:ln>
+        </p:spPr>
+        <p:style>
+          <a:lnRef idx="2">
+            <a:schemeClr val="accent1"/>
+          </a:lnRef>
+          <a:fillRef idx="0">
+            <a:schemeClr val="accent1"/>
+          </a:fillRef>
+          <a:effectRef idx="1">
+            <a:schemeClr val="accent1"/>
+          </a:effectRef>
+          <a:fontRef idx="minor">
+            <a:schemeClr val="tx1"/>
+          </a:fontRef>
+        </p:style>
+      </p:cxnSp>
+      <p:sp>
+        <p:nvSpPr>
+          <p:cNvPr id="18" name="文本框 17"/>
+          <p:cNvSpPr txBox="1"/>
+          <p:nvPr/>
+        </p:nvSpPr>
+        <p:spPr>
+          <a:xfrm>
+            <a:off x="3707904" y="4437112"/>
+            <a:ext cx="1440160" cy="338554"/>
+          </a:xfrm>
+          <a:prstGeom prst="rect">
+            <a:avLst/>
+          </a:prstGeom>
+          <a:noFill/>
+          <a:ln>
+            <a:solidFill>
+              <a:srgbClr val="4F81BD"/>
+            </a:solidFill>
+          </a:ln>
+        </p:spPr>
+        <p:txBody>
+          <a:bodyPr wrap="square" rtlCol="0">
+            <a:spAutoFit/>
+          </a:bodyPr>
+          <a:lstStyle/>
+          <a:p>
+            <a:pPr algn="ctr"/>
+            <a:r>
+              <a:rPr kumimoji="1" lang="zh-CN" altLang="en-US" sz="1600" dirty="0" smtClean="0"/>
+              <a:t>员工</a:t>
+            </a:r>
+            <a:endParaRPr kumimoji="1" lang="zh-CN" altLang="en-US" sz="1600" dirty="0"/>
+          </a:p>
+        </p:txBody>
+      </p:sp>
+      <p:sp>
+        <p:nvSpPr>
+          <p:cNvPr id="19" name="文本框 18"/>
+          <p:cNvSpPr txBox="1"/>
+          <p:nvPr/>
+        </p:nvSpPr>
+        <p:spPr>
+          <a:xfrm>
+            <a:off x="3707904" y="4797152"/>
+            <a:ext cx="1440160" cy="338554"/>
+          </a:xfrm>
+          <a:prstGeom prst="rect">
+            <a:avLst/>
+          </a:prstGeom>
+          <a:noFill/>
+          <a:ln>
+            <a:solidFill>
+              <a:srgbClr val="4F81BD"/>
+            </a:solidFill>
+          </a:ln>
+        </p:spPr>
+        <p:txBody>
+          <a:bodyPr wrap="square" rtlCol="0">
+            <a:spAutoFit/>
+          </a:bodyPr>
+          <a:lstStyle/>
+          <a:p>
+            <a:r>
+              <a:rPr kumimoji="1" lang="zh-CN" altLang="en-US" sz="1600" dirty="0" smtClean="0"/>
+              <a:t>完善客户档案</a:t>
+            </a:r>
+            <a:endParaRPr kumimoji="1" lang="zh-CN" altLang="en-US" sz="1600" dirty="0"/>
+          </a:p>
+        </p:txBody>
+      </p:sp>
+      <p:sp>
+        <p:nvSpPr>
+          <p:cNvPr id="21" name="矩形 20"/>
+          <p:cNvSpPr/>
+          <p:nvPr/>
+        </p:nvSpPr>
+        <p:spPr>
+          <a:xfrm>
+            <a:off x="395536" y="3717032"/>
+            <a:ext cx="1872208" cy="369332"/>
+          </a:xfrm>
+          <a:prstGeom prst="rect">
+            <a:avLst/>
+          </a:prstGeom>
+        </p:spPr>
+        <p:txBody>
+          <a:bodyPr wrap="square">
+            <a:spAutoFit/>
+          </a:bodyPr>
+          <a:lstStyle/>
+          <a:p>
+            <a:r>
+              <a:rPr lang="zh-CN" altLang="en-US" dirty="0" smtClean="0">
+                <a:latin typeface="楷体" panose="02010609060101010101" pitchFamily="49" charset="-122"/>
+                <a:ea typeface="楷体" panose="02010609060101010101" pitchFamily="49" charset="-122"/>
+                <a:cs typeface="楷体" panose="02010609060101010101" pitchFamily="49" charset="-122"/>
+              </a:rPr>
+              <a:t>慢病：</a:t>
+            </a:r>
+            <a:endParaRPr lang="zh-CN" altLang="en-US" dirty="0">
+              <a:latin typeface="楷体" panose="02010609060101010101" pitchFamily="49" charset="-122"/>
+              <a:ea typeface="楷体" panose="02010609060101010101" pitchFamily="49" charset="-122"/>
+              <a:cs typeface="楷体" panose="02010609060101010101" pitchFamily="49" charset="-122"/>
+            </a:endParaRPr>
+          </a:p>
+        </p:txBody>
+      </p:sp>
+      <p:sp>
+        <p:nvSpPr>
+          <p:cNvPr id="22" name="文本框 21"/>
+          <p:cNvSpPr txBox="1"/>
+          <p:nvPr/>
+        </p:nvSpPr>
+        <p:spPr>
+          <a:xfrm>
+            <a:off x="3707904" y="5445224"/>
+            <a:ext cx="1440160" cy="338554"/>
+          </a:xfrm>
+          <a:prstGeom prst="rect">
+            <a:avLst/>
+          </a:prstGeom>
+          <a:noFill/>
+          <a:ln>
+            <a:solidFill>
+              <a:srgbClr val="4F81BD"/>
+            </a:solidFill>
+          </a:ln>
+        </p:spPr>
+        <p:txBody>
+          <a:bodyPr wrap="square" rtlCol="0">
+            <a:spAutoFit/>
+          </a:bodyPr>
+          <a:lstStyle/>
+          <a:p>
+            <a:pPr algn="ctr"/>
+            <a:r>
+              <a:rPr kumimoji="1" lang="zh-CN" altLang="en-US" sz="1600" dirty="0" smtClean="0"/>
+              <a:t>员工</a:t>
+            </a:r>
+            <a:endParaRPr kumimoji="1" lang="zh-CN" altLang="en-US" sz="1600" dirty="0"/>
+          </a:p>
+        </p:txBody>
+      </p:sp>
+      <p:sp>
+        <p:nvSpPr>
+          <p:cNvPr id="23" name="文本框 22"/>
+          <p:cNvSpPr txBox="1"/>
+          <p:nvPr/>
+        </p:nvSpPr>
+        <p:spPr>
+          <a:xfrm>
+            <a:off x="3707904" y="5805264"/>
+            <a:ext cx="1440160" cy="338554"/>
+          </a:xfrm>
+          <a:prstGeom prst="rect">
+            <a:avLst/>
+          </a:prstGeom>
+          <a:noFill/>
+          <a:ln>
+            <a:solidFill>
+              <a:srgbClr val="4F81BD"/>
+            </a:solidFill>
+          </a:ln>
+        </p:spPr>
+        <p:txBody>
+          <a:bodyPr wrap="square" rtlCol="0">
+            <a:spAutoFit/>
+          </a:bodyPr>
+          <a:lstStyle/>
+          <a:p>
+            <a:pPr algn="ctr"/>
+            <a:r>
+              <a:rPr kumimoji="1" lang="zh-CN" altLang="en-US" sz="1600" dirty="0" smtClean="0"/>
+              <a:t>完成销售</a:t>
+            </a:r>
+            <a:endParaRPr kumimoji="1" lang="zh-CN" altLang="en-US" sz="1600" dirty="0"/>
+          </a:p>
+        </p:txBody>
+      </p:sp>
+      <p:cxnSp>
+        <p:nvCxnSpPr>
+          <p:cNvPr id="25" name="肘形连接符 24"/>
+          <p:cNvCxnSpPr>
+            <a:stCxn id="16" idx="3"/>
+            <a:endCxn id="23" idx="1"/>
+          </p:cNvCxnSpPr>
+          <p:nvPr/>
+        </p:nvCxnSpPr>
+        <p:spPr>
+          <a:xfrm>
+            <a:off x="2123728" y="4894421"/>
+            <a:ext cx="1584176" cy="1080120"/>
+          </a:xfrm>
+          <a:prstGeom prst="bentConnector3">
+            <a:avLst/>
+          </a:prstGeom>
+          <a:ln>
+            <a:tailEnd type="arrow"/>
+          </a:ln>
+        </p:spPr>
+        <p:style>
+          <a:lnRef idx="2">
+            <a:schemeClr val="accent1"/>
+          </a:lnRef>
+          <a:fillRef idx="0">
+            <a:schemeClr val="accent1"/>
+          </a:fillRef>
+          <a:effectRef idx="1">
+            <a:schemeClr val="accent1"/>
+          </a:effectRef>
+          <a:fontRef idx="minor">
+            <a:schemeClr val="tx1"/>
+          </a:fontRef>
+        </p:style>
+      </p:cxnSp>
+      <p:sp>
+        <p:nvSpPr>
+          <p:cNvPr id="26" name="线形标注 2 (带强调线) 25"/>
+          <p:cNvSpPr/>
+          <p:nvPr/>
+        </p:nvSpPr>
+        <p:spPr>
+          <a:xfrm>
+            <a:off x="3707904" y="3488379"/>
+            <a:ext cx="1296144" cy="938719"/>
+          </a:xfrm>
+          <a:prstGeom prst="accentCallout2">
+            <a:avLst>
+              <a:gd name="adj1" fmla="val 18750"/>
+              <a:gd name="adj2" fmla="val -8333"/>
+              <a:gd name="adj3" fmla="val 18750"/>
+              <a:gd name="adj4" fmla="val -16667"/>
+              <a:gd name="adj5" fmla="val 148356"/>
+              <a:gd name="adj6" fmla="val -36207"/>
+            </a:avLst>
+          </a:prstGeom>
+          <a:ln>
+            <a:solidFill>
+              <a:schemeClr val="tx2">
+                <a:lumMod val="60000"/>
+                <a:lumOff val="40000"/>
+              </a:schemeClr>
+            </a:solidFill>
+            <a:prstDash val="sysDash"/>
+          </a:ln>
+        </p:spPr>
+        <p:txBody>
+          <a:bodyPr wrap="square" rtlCol="0" anchor="ctr">
+            <a:spAutoFit/>
+          </a:bodyPr>
+          <a:lstStyle/>
+          <a:p>
+            <a:pPr algn="ctr"/>
+            <a:r>
+              <a:rPr kumimoji="1" lang="zh-CN" altLang="en-US" sz="1100" b="1" dirty="0" smtClean="0">
+                <a:latin typeface="微软雅黑" panose="020B0503020204020204" pitchFamily="34" charset="-122"/>
+                <a:ea typeface="微软雅黑" panose="020B0503020204020204" pitchFamily="34" charset="-122"/>
+              </a:rPr>
+              <a:t>满足以下</a:t>
+            </a:r>
+            <a:r>
+              <a:rPr kumimoji="1" lang="en-US" altLang="zh-CN" sz="1100" b="1" dirty="0" smtClean="0">
+                <a:latin typeface="微软雅黑" panose="020B0503020204020204" pitchFamily="34" charset="-122"/>
+                <a:ea typeface="微软雅黑" panose="020B0503020204020204" pitchFamily="34" charset="-122"/>
+              </a:rPr>
+              <a:t>2</a:t>
+            </a:r>
+            <a:r>
+              <a:rPr kumimoji="1" lang="zh-CN" altLang="en-US" sz="1100" b="1" dirty="0" smtClean="0">
+                <a:latin typeface="微软雅黑" panose="020B0503020204020204" pitchFamily="34" charset="-122"/>
+                <a:ea typeface="微软雅黑" panose="020B0503020204020204" pitchFamily="34" charset="-122"/>
+              </a:rPr>
+              <a:t>个标准，资料可流向个人资料库，保留</a:t>
+            </a:r>
+            <a:r>
+              <a:rPr kumimoji="1" lang="en-US" altLang="zh-CN" sz="1100" b="1" dirty="0" smtClean="0">
+                <a:latin typeface="微软雅黑" panose="020B0503020204020204" pitchFamily="34" charset="-122"/>
+                <a:ea typeface="微软雅黑" panose="020B0503020204020204" pitchFamily="34" charset="-122"/>
+              </a:rPr>
+              <a:t>3</a:t>
+            </a:r>
+            <a:r>
+              <a:rPr kumimoji="1" lang="zh-CN" altLang="en-US" sz="1100" b="1" dirty="0" smtClean="0">
+                <a:latin typeface="微软雅黑" panose="020B0503020204020204" pitchFamily="34" charset="-122"/>
+                <a:ea typeface="微软雅黑" panose="020B0503020204020204" pitchFamily="34" charset="-122"/>
+              </a:rPr>
+              <a:t>个月，若</a:t>
+            </a:r>
+            <a:r>
+              <a:rPr kumimoji="1" lang="en-US" altLang="zh-CN" sz="1100" b="1" dirty="0" smtClean="0">
+                <a:latin typeface="微软雅黑" panose="020B0503020204020204" pitchFamily="34" charset="-122"/>
+                <a:ea typeface="微软雅黑" panose="020B0503020204020204" pitchFamily="34" charset="-122"/>
+              </a:rPr>
+              <a:t>3</a:t>
+            </a:r>
+            <a:r>
+              <a:rPr kumimoji="1" lang="zh-CN" altLang="en-US" sz="1100" b="1" dirty="0" smtClean="0">
+                <a:latin typeface="微软雅黑" panose="020B0503020204020204" pitchFamily="34" charset="-122"/>
+                <a:ea typeface="微软雅黑" panose="020B0503020204020204" pitchFamily="34" charset="-122"/>
+              </a:rPr>
+              <a:t>个月内无联系，自动剥落</a:t>
+            </a:r>
+            <a:endParaRPr kumimoji="1" lang="zh-CN" altLang="en-US" sz="1100" b="1" dirty="0">
+              <a:latin typeface="微软雅黑" panose="020B0503020204020204" pitchFamily="34" charset="-122"/>
+              <a:ea typeface="微软雅黑" panose="020B0503020204020204" pitchFamily="34" charset="-122"/>
+            </a:endParaRPr>
+          </a:p>
+        </p:txBody>
+      </p:sp>
+      <p:sp>
+        <p:nvSpPr>
+          <p:cNvPr id="27" name="TextBox 38"/>
+          <p:cNvSpPr txBox="1"/>
+          <p:nvPr/>
+        </p:nvSpPr>
+        <p:spPr>
+          <a:xfrm>
+            <a:off x="5580112" y="4005064"/>
+            <a:ext cx="3024336" cy="2042097"/>
+          </a:xfrm>
+          <a:prstGeom prst="rect">
+            <a:avLst/>
+          </a:prstGeom>
+          <a:noFill/>
+          <a:ln w="9525" cmpd="sng">
+            <a:solidFill>
+              <a:srgbClr val="00B0F0"/>
+            </a:solidFill>
+            <a:prstDash val="solid"/>
+          </a:ln>
+        </p:spPr>
+        <p:txBody>
+          <a:bodyPr wrap="square" rtlCol="0">
+            <a:spAutoFit/>
+          </a:bodyPr>
+          <a:lstStyle/>
+          <a:p>
+            <a:pPr>
+              <a:lnSpc>
+                <a:spcPct val="130000"/>
+              </a:lnSpc>
+            </a:pPr>
+            <a:r>
+              <a:rPr lang="zh-CN" altLang="en-US" sz="1400" dirty="0" smtClean="0">
+                <a:latin typeface="微软雅黑" panose="020B0503020204020204" pitchFamily="34" charset="-122"/>
+                <a:ea typeface="微软雅黑" panose="020B0503020204020204" pitchFamily="34" charset="-122"/>
+                <a:cs typeface="楷体" panose="02010609060101010101" pitchFamily="49" charset="-122"/>
+              </a:rPr>
+              <a:t>除同处方审核组的客户档案外：</a:t>
+            </a:r>
+            <a:endParaRPr lang="en-US" altLang="zh-CN" sz="1400" dirty="0" smtClean="0">
+              <a:latin typeface="微软雅黑" panose="020B0503020204020204" pitchFamily="34" charset="-122"/>
+              <a:ea typeface="微软雅黑" panose="020B0503020204020204" pitchFamily="34" charset="-122"/>
+              <a:cs typeface="楷体" panose="02010609060101010101" pitchFamily="49" charset="-122"/>
+            </a:endParaRPr>
+          </a:p>
+          <a:p>
+            <a:pPr>
+              <a:lnSpc>
+                <a:spcPct val="130000"/>
+              </a:lnSpc>
+            </a:pPr>
+            <a:r>
+              <a:rPr lang="zh-CN" altLang="en-US" sz="1400" dirty="0" smtClean="0">
+                <a:latin typeface="微软雅黑" panose="020B0503020204020204" pitchFamily="34" charset="-122"/>
+                <a:ea typeface="微软雅黑" panose="020B0503020204020204" pitchFamily="34" charset="-122"/>
+                <a:cs typeface="楷体" panose="02010609060101010101" pitchFamily="49" charset="-122"/>
+              </a:rPr>
+              <a:t>疾病：可选</a:t>
+            </a:r>
+            <a:r>
+              <a:rPr lang="en-US" altLang="zh-CN" sz="1400" dirty="0" smtClean="0">
+                <a:latin typeface="微软雅黑" panose="020B0503020204020204" pitchFamily="34" charset="-122"/>
+                <a:ea typeface="微软雅黑" panose="020B0503020204020204" pitchFamily="34" charset="-122"/>
+                <a:cs typeface="楷体" panose="02010609060101010101" pitchFamily="49" charset="-122"/>
+              </a:rPr>
+              <a:t>/</a:t>
+            </a:r>
+            <a:r>
+              <a:rPr lang="zh-CN" altLang="en-US" sz="1400" dirty="0" smtClean="0">
+                <a:latin typeface="微软雅黑" panose="020B0503020204020204" pitchFamily="34" charset="-122"/>
+                <a:ea typeface="微软雅黑" panose="020B0503020204020204" pitchFamily="34" charset="-122"/>
+                <a:cs typeface="楷体" panose="02010609060101010101" pitchFamily="49" charset="-122"/>
+              </a:rPr>
+              <a:t>可字母搜索，必填项</a:t>
+            </a:r>
+            <a:endParaRPr lang="en-US" altLang="zh-CN" sz="1400" dirty="0" smtClean="0">
+              <a:latin typeface="微软雅黑" panose="020B0503020204020204" pitchFamily="34" charset="-122"/>
+              <a:ea typeface="微软雅黑" panose="020B0503020204020204" pitchFamily="34" charset="-122"/>
+              <a:cs typeface="楷体" panose="02010609060101010101" pitchFamily="49" charset="-122"/>
+            </a:endParaRPr>
+          </a:p>
+          <a:p>
+            <a:pPr>
+              <a:lnSpc>
+                <a:spcPct val="130000"/>
+              </a:lnSpc>
+            </a:pPr>
+            <a:r>
+              <a:rPr lang="zh-CN" altLang="en-US" sz="1400" dirty="0" smtClean="0">
+                <a:latin typeface="微软雅黑" panose="020B0503020204020204" pitchFamily="34" charset="-122"/>
+                <a:ea typeface="微软雅黑" panose="020B0503020204020204" pitchFamily="34" charset="-122"/>
+                <a:cs typeface="楷体" panose="02010609060101010101" pitchFamily="49" charset="-122"/>
+              </a:rPr>
+              <a:t>疾病情况：文本框；</a:t>
+            </a:r>
+            <a:endParaRPr lang="en-US" altLang="zh-CN" sz="1400" dirty="0" smtClean="0">
+              <a:latin typeface="微软雅黑" panose="020B0503020204020204" pitchFamily="34" charset="-122"/>
+              <a:ea typeface="微软雅黑" panose="020B0503020204020204" pitchFamily="34" charset="-122"/>
+              <a:cs typeface="楷体" panose="02010609060101010101" pitchFamily="49" charset="-122"/>
+            </a:endParaRPr>
+          </a:p>
+          <a:p>
+            <a:pPr>
+              <a:lnSpc>
+                <a:spcPct val="130000"/>
+              </a:lnSpc>
+            </a:pPr>
+            <a:r>
+              <a:rPr lang="zh-CN" altLang="en-US" sz="1400" dirty="0" smtClean="0">
+                <a:latin typeface="微软雅黑" panose="020B0503020204020204" pitchFamily="34" charset="-122"/>
+                <a:ea typeface="微软雅黑" panose="020B0503020204020204" pitchFamily="34" charset="-122"/>
+                <a:cs typeface="楷体" panose="02010609060101010101" pitchFamily="49" charset="-122"/>
+              </a:rPr>
+              <a:t>用药情况：来自订单、自动计算；</a:t>
+            </a:r>
+            <a:endParaRPr lang="en-US" altLang="zh-CN" sz="1400" dirty="0" smtClean="0">
+              <a:latin typeface="微软雅黑" panose="020B0503020204020204" pitchFamily="34" charset="-122"/>
+              <a:ea typeface="微软雅黑" panose="020B0503020204020204" pitchFamily="34" charset="-122"/>
+              <a:cs typeface="楷体" panose="02010609060101010101" pitchFamily="49" charset="-122"/>
+            </a:endParaRPr>
+          </a:p>
+          <a:p>
+            <a:pPr>
+              <a:lnSpc>
+                <a:spcPct val="130000"/>
+              </a:lnSpc>
+            </a:pPr>
+            <a:r>
+              <a:rPr lang="zh-CN" altLang="en-US" sz="1400" dirty="0" smtClean="0">
+                <a:latin typeface="微软雅黑" panose="020B0503020204020204" pitchFamily="34" charset="-122"/>
+                <a:ea typeface="微软雅黑" panose="020B0503020204020204" pitchFamily="34" charset="-122"/>
+                <a:cs typeface="楷体" panose="02010609060101010101" pitchFamily="49" charset="-122"/>
+              </a:rPr>
+              <a:t>复购时间：计算，可手工调整；</a:t>
+            </a:r>
+            <a:endParaRPr lang="en-US" altLang="zh-CN" sz="1400" dirty="0" smtClean="0">
+              <a:latin typeface="微软雅黑" panose="020B0503020204020204" pitchFamily="34" charset="-122"/>
+              <a:ea typeface="微软雅黑" panose="020B0503020204020204" pitchFamily="34" charset="-122"/>
+              <a:cs typeface="楷体" panose="02010609060101010101" pitchFamily="49" charset="-122"/>
+            </a:endParaRPr>
+          </a:p>
+          <a:p>
+            <a:pPr>
+              <a:lnSpc>
+                <a:spcPct val="130000"/>
+              </a:lnSpc>
+            </a:pPr>
+            <a:r>
+              <a:rPr lang="zh-CN" altLang="en-US" sz="1400" dirty="0" smtClean="0">
+                <a:latin typeface="微软雅黑" panose="020B0503020204020204" pitchFamily="34" charset="-122"/>
+                <a:ea typeface="微软雅黑" panose="020B0503020204020204" pitchFamily="34" charset="-122"/>
+                <a:cs typeface="楷体" panose="02010609060101010101" pitchFamily="49" charset="-122"/>
+              </a:rPr>
+              <a:t>购买能力：选填；</a:t>
+            </a:r>
+            <a:endParaRPr lang="en-US" altLang="zh-CN" sz="1400" dirty="0" smtClean="0">
+              <a:latin typeface="微软雅黑" panose="020B0503020204020204" pitchFamily="34" charset="-122"/>
+              <a:ea typeface="微软雅黑" panose="020B0503020204020204" pitchFamily="34" charset="-122"/>
+              <a:cs typeface="楷体" panose="02010609060101010101" pitchFamily="49" charset="-122"/>
+            </a:endParaRPr>
+          </a:p>
+          <a:p>
+            <a:pPr>
+              <a:lnSpc>
+                <a:spcPct val="130000"/>
+              </a:lnSpc>
+            </a:pPr>
+            <a:r>
+              <a:rPr lang="zh-CN" altLang="en-US" sz="1400" dirty="0" smtClean="0">
+                <a:latin typeface="微软雅黑" panose="020B0503020204020204" pitchFamily="34" charset="-122"/>
+                <a:ea typeface="微软雅黑" panose="020B0503020204020204" pitchFamily="34" charset="-122"/>
+                <a:cs typeface="楷体" panose="02010609060101010101" pitchFamily="49" charset="-122"/>
+              </a:rPr>
+              <a:t>其余客户档案字段隐藏，可选填；</a:t>
+            </a:r>
+            <a:endParaRPr lang="en-US" altLang="zh-CN" sz="1400" dirty="0" smtClean="0">
+              <a:latin typeface="微软雅黑" panose="020B0503020204020204" pitchFamily="34" charset="-122"/>
+              <a:ea typeface="微软雅黑" panose="020B0503020204020204" pitchFamily="34" charset="-122"/>
+              <a:cs typeface="楷体" panose="02010609060101010101" pitchFamily="49" charset="-122"/>
+            </a:endParaRPr>
+          </a:p>
+        </p:txBody>
+      </p:sp>
+    </p:spTree>
+  </p:cSld>
+  <p:clrMapOvr>
+    <a:masterClrMapping/>
+  </p:clrMapOvr>
+</p:sld>
+</file>
+
+<file path=ppt/slides/slide9.xml><?xml version="1.0" encoding="utf-8"?>
+<p:sld xmlns:a="http://schemas.openxmlformats.org/drawingml/2006/main" xmlns:r="http://schemas.openxmlformats.org/officeDocument/2006/relationships" xmlns:p="http://schemas.openxmlformats.org/presentationml/2006/main">
+  <p:cSld>
+    <p:spTree>
+      <p:nvGrpSpPr>
+        <p:cNvPr id="1" name=""/>
+        <p:cNvGrpSpPr/>
+        <p:nvPr/>
+      </p:nvGrpSpPr>
+      <p:grpSpPr>
+        <a:xfrm>
+          <a:off x="0" y="0"/>
+          <a:ext cx="0" cy="0"/>
+          <a:chOff x="0" y="0"/>
+          <a:chExt cx="0" cy="0"/>
+        </a:xfrm>
+      </p:grpSpPr>
+      <p:sp>
+        <p:nvSpPr>
+          <p:cNvPr id="4" name="TextBox 4"/>
+          <p:cNvSpPr txBox="1"/>
+          <p:nvPr/>
+        </p:nvSpPr>
+        <p:spPr>
+          <a:xfrm>
+            <a:off x="323527" y="323364"/>
+            <a:ext cx="7013623" cy="369332"/>
+          </a:xfrm>
+          <a:prstGeom prst="rect">
+            <a:avLst/>
+          </a:prstGeom>
+          <a:noFill/>
+        </p:spPr>
+        <p:txBody>
+          <a:bodyPr wrap="square" rtlCol="0">
+            <a:spAutoFit/>
+          </a:bodyPr>
+          <a:lstStyle/>
+          <a:p>
+            <a:r>
+              <a:rPr lang="zh-CN" altLang="en-US" b="1" dirty="0" smtClean="0">
+                <a:solidFill>
+                  <a:prstClr val="white"/>
+                </a:solidFill>
+                <a:latin typeface="楷体" panose="02010609060101010101" pitchFamily="49" charset="-122"/>
+                <a:ea typeface="楷体" panose="02010609060101010101" pitchFamily="49" charset="-122"/>
+              </a:rPr>
+              <a:t>自动外呼需求</a:t>
+            </a:r>
+            <a:r>
+              <a:rPr lang="en-US" altLang="zh-CN" b="1" dirty="0" smtClean="0">
+                <a:solidFill>
+                  <a:prstClr val="white"/>
+                </a:solidFill>
+                <a:latin typeface="楷体" panose="02010609060101010101" pitchFamily="49" charset="-122"/>
+                <a:ea typeface="楷体" panose="02010609060101010101" pitchFamily="49" charset="-122"/>
+              </a:rPr>
+              <a:t>-</a:t>
+            </a:r>
+            <a:r>
+              <a:rPr lang="zh-CN" altLang="en-US" b="1" dirty="0" smtClean="0">
+                <a:solidFill>
+                  <a:prstClr val="white"/>
+                </a:solidFill>
+                <a:latin typeface="楷体" panose="02010609060101010101" pitchFamily="49" charset="-122"/>
+                <a:ea typeface="楷体" panose="02010609060101010101" pitchFamily="49" charset="-122"/>
+              </a:rPr>
+              <a:t>配套需求</a:t>
+            </a:r>
+            <a:endParaRPr lang="zh-CN" altLang="en-US" b="1" dirty="0">
+              <a:solidFill>
+                <a:prstClr val="white"/>
+              </a:solidFill>
+              <a:latin typeface="楷体" panose="02010609060101010101" pitchFamily="49" charset="-122"/>
+              <a:ea typeface="楷体" panose="02010609060101010101" pitchFamily="49" charset="-122"/>
+            </a:endParaRPr>
+          </a:p>
+        </p:txBody>
+      </p:sp>
+      <p:sp>
+        <p:nvSpPr>
+          <p:cNvPr id="5" name="文本框 4"/>
+          <p:cNvSpPr txBox="1"/>
+          <p:nvPr/>
+        </p:nvSpPr>
+        <p:spPr>
+          <a:xfrm>
+            <a:off x="611560" y="1340768"/>
+            <a:ext cx="6840760" cy="523220"/>
+          </a:xfrm>
+          <a:prstGeom prst="rect">
+            <a:avLst/>
+          </a:prstGeom>
+          <a:noFill/>
+        </p:spPr>
+        <p:txBody>
+          <a:bodyPr wrap="square" rtlCol="0">
+            <a:spAutoFit/>
+          </a:bodyPr>
+          <a:lstStyle/>
+          <a:p>
+            <a:r>
+              <a:rPr kumimoji="1" lang="en-US" altLang="zh-CN" sz="1400" dirty="0" smtClean="0">
+                <a:latin typeface="宋体" panose="02010600030101010101" pitchFamily="2" charset="-122"/>
+                <a:ea typeface="宋体" panose="02010600030101010101" pitchFamily="2" charset="-122"/>
+                <a:cs typeface="宋体" panose="02010600030101010101" pitchFamily="2" charset="-122"/>
+              </a:rPr>
+              <a:t>1.</a:t>
+            </a:r>
+            <a:r>
+              <a:rPr kumimoji="1" lang="zh-CN" altLang="en-US" sz="1400" dirty="0" smtClean="0">
+                <a:latin typeface="宋体" panose="02010600030101010101" pitchFamily="2" charset="-122"/>
+                <a:ea typeface="宋体" panose="02010600030101010101" pitchFamily="2" charset="-122"/>
+                <a:cs typeface="宋体" panose="02010600030101010101" pitchFamily="2" charset="-122"/>
+              </a:rPr>
+              <a:t>白名单管理：白名单为重要客户，不进入外呼分配；</a:t>
+            </a:r>
+            <a:endParaRPr kumimoji="1" lang="en-US" altLang="zh-CN" sz="1400" dirty="0" smtClean="0">
+              <a:latin typeface="宋体" panose="02010600030101010101" pitchFamily="2" charset="-122"/>
+              <a:ea typeface="宋体" panose="02010600030101010101" pitchFamily="2" charset="-122"/>
+              <a:cs typeface="宋体" panose="02010600030101010101" pitchFamily="2" charset="-122"/>
+            </a:endParaRPr>
+          </a:p>
+          <a:p>
+            <a:r>
+              <a:rPr kumimoji="1" lang="zh-CN" altLang="zh-CN" sz="1400" dirty="0" smtClean="0">
+                <a:latin typeface="宋体" panose="02010600030101010101" pitchFamily="2" charset="-122"/>
+                <a:ea typeface="宋体" panose="02010600030101010101" pitchFamily="2" charset="-122"/>
+                <a:cs typeface="宋体" panose="02010600030101010101" pitchFamily="2" charset="-122"/>
+              </a:rPr>
+              <a:t>2</a:t>
+            </a:r>
+            <a:r>
+              <a:rPr kumimoji="1" lang="en-US" altLang="zh-CN" sz="1400" dirty="0" smtClean="0">
+                <a:latin typeface="宋体" panose="02010600030101010101" pitchFamily="2" charset="-122"/>
+                <a:ea typeface="宋体" panose="02010600030101010101" pitchFamily="2" charset="-122"/>
+                <a:cs typeface="宋体" panose="02010600030101010101" pitchFamily="2" charset="-122"/>
+              </a:rPr>
+              <a:t>.</a:t>
+            </a:r>
+            <a:r>
+              <a:rPr kumimoji="1" lang="zh-CN" altLang="en-US" sz="1400" dirty="0" smtClean="0">
+                <a:latin typeface="宋体" panose="02010600030101010101" pitchFamily="2" charset="-122"/>
+                <a:ea typeface="宋体" panose="02010600030101010101" pitchFamily="2" charset="-122"/>
+                <a:cs typeface="宋体" panose="02010600030101010101" pitchFamily="2" charset="-122"/>
+              </a:rPr>
+              <a:t>主管资源支撑：所有主管作为人力资源进行支撑；</a:t>
+            </a:r>
+            <a:endParaRPr kumimoji="1" lang="en-US" altLang="zh-CN" sz="1400" dirty="0" smtClean="0">
+              <a:latin typeface="宋体" panose="02010600030101010101" pitchFamily="2" charset="-122"/>
+              <a:ea typeface="宋体" panose="02010600030101010101" pitchFamily="2" charset="-122"/>
+              <a:cs typeface="宋体" panose="02010600030101010101" pitchFamily="2" charset="-122"/>
             </a:endParaRPr>
           </a:p>
         </p:txBody>

--- a/2018_12_16/客户智能分层需求说明.pptx
+++ b/2018_12_16/客户智能分层需求说明.pptx
@@ -5733,6 +5733,54 @@
           </a:p>
         </p:txBody>
       </p:sp>
+      <p:pic>
+        <p:nvPicPr>
+          <p:cNvPr id="4" name="图片 3" descr="impala-logo"/>
+          <p:cNvPicPr>
+            <a:picLocks noChangeAspect="1"/>
+          </p:cNvPicPr>
+          <p:nvPr/>
+        </p:nvPicPr>
+        <p:blipFill>
+          <a:blip r:embed="rId1"/>
+          <a:stretch>
+            <a:fillRect/>
+          </a:stretch>
+        </p:blipFill>
+        <p:spPr>
+          <a:xfrm>
+            <a:off x="3683000" y="2898775"/>
+            <a:ext cx="1142365" cy="966470"/>
+          </a:xfrm>
+          <a:prstGeom prst="rect">
+            <a:avLst/>
+          </a:prstGeom>
+        </p:spPr>
+      </p:pic>
+      <p:pic>
+        <p:nvPicPr>
+          <p:cNvPr id="5" name="图片 4" descr="hive_logo_medium"/>
+          <p:cNvPicPr>
+            <a:picLocks noChangeAspect="1"/>
+          </p:cNvPicPr>
+          <p:nvPr/>
+        </p:nvPicPr>
+        <p:blipFill>
+          <a:blip r:embed="rId2"/>
+          <a:stretch>
+            <a:fillRect/>
+          </a:stretch>
+        </p:blipFill>
+        <p:spPr>
+          <a:xfrm>
+            <a:off x="5600065" y="2795270"/>
+            <a:ext cx="1085850" cy="1000125"/>
+          </a:xfrm>
+          <a:prstGeom prst="rect">
+            <a:avLst/>
+          </a:prstGeom>
+        </p:spPr>
+      </p:pic>
     </p:spTree>
   </p:cSld>
   <p:clrMapOvr>
